--- a/Documentation/Presentation.pptx
+++ b/Documentation/Presentation.pptx
@@ -305,7 +305,7 @@
             <a:fld id="{372CC3DD-1061-444F-A922-60D720A708A4}" type="datetimeFigureOut">
               <a:rPr lang="en-US" altLang="en-US"/>
               <a:pPr/>
-              <a:t>1/10/2016</a:t>
+              <a:t>1/12/2016</a:t>
             </a:fld>
             <a:endParaRPr lang="en-US" altLang="en-US"/>
           </a:p>
@@ -506,7 +506,7 @@
             <a:fld id="{404CED31-2C6E-49CB-8939-5CB1C820A419}" type="datetimeFigureOut">
               <a:rPr lang="en-US" altLang="en-US"/>
               <a:pPr/>
-              <a:t>1/10/2016</a:t>
+              <a:t>1/12/2016</a:t>
             </a:fld>
             <a:endParaRPr lang="en-US" altLang="en-US"/>
           </a:p>
@@ -879,11 +879,7 @@
             </a:pPr>
             <a:r>
               <a:rPr lang="en-US" dirty="0" smtClean="0"/>
-              <a:t>Red Arrow</a:t>
-            </a:r>
-            <a:r>
-              <a:rPr lang="en-US" baseline="0" dirty="0" smtClean="0"/>
-              <a:t> is a Business to Business/ Business to Consumer Custom Software Shop</a:t>
+              <a:t>Grew up in Vermont</a:t>
             </a:r>
           </a:p>
           <a:p>
@@ -892,8 +888,12 @@
               <a:buChar char="•"/>
             </a:pPr>
             <a:r>
+              <a:rPr lang="en-US" dirty="0" smtClean="0"/>
+              <a:t>Traveled</a:t>
+            </a:r>
+            <a:r>
               <a:rPr lang="en-US" baseline="0" dirty="0" smtClean="0"/>
-              <a:t>History of the last 6 years</a:t>
+              <a:t> in a UWP</a:t>
             </a:r>
           </a:p>
           <a:p>
@@ -903,13 +903,8 @@
             </a:pPr>
             <a:r>
               <a:rPr lang="en-US" baseline="0" dirty="0" smtClean="0"/>
-              <a:t>Purchase by </a:t>
-            </a:r>
-            <a:r>
-              <a:rPr lang="en-US" baseline="0" dirty="0" err="1" smtClean="0"/>
-              <a:t>Dohmen</a:t>
-            </a:r>
-            <a:endParaRPr lang="en-US" baseline="0" dirty="0" smtClean="0"/>
+              <a:t>Landed in WI at Carroll University</a:t>
+            </a:r>
           </a:p>
           <a:p>
             <a:pPr marL="171450" indent="-171450">
@@ -917,11 +912,60 @@
               <a:buChar char="•"/>
             </a:pPr>
             <a:r>
+              <a:rPr lang="en-US" dirty="0" smtClean="0"/>
+              <a:t>Red </a:t>
+            </a:r>
+            <a:r>
+              <a:rPr lang="en-US" dirty="0" smtClean="0"/>
+              <a:t>Arrow</a:t>
+            </a:r>
+            <a:r>
               <a:rPr lang="en-US" baseline="0" dirty="0" smtClean="0"/>
-              <a:t>Where we go from here</a:t>
-            </a:r>
-          </a:p>
-          <a:p>
+              <a:t> is a Business to Business/ Business to Consumer Custom Software Shop</a:t>
+            </a:r>
+          </a:p>
+          <a:p>
+            <a:pPr marL="171450" indent="-171450">
+              <a:buFont typeface="Arial" panose="020B0604020202020204" pitchFamily="34" charset="0"/>
+              <a:buChar char="•"/>
+            </a:pPr>
+            <a:r>
+              <a:rPr lang="en-US" baseline="0" dirty="0" smtClean="0"/>
+              <a:t>History of the last 6 years</a:t>
+            </a:r>
+          </a:p>
+          <a:p>
+            <a:pPr marL="171450" indent="-171450">
+              <a:buFont typeface="Arial" panose="020B0604020202020204" pitchFamily="34" charset="0"/>
+              <a:buChar char="•"/>
+            </a:pPr>
+            <a:r>
+              <a:rPr lang="en-US" baseline="0" dirty="0" smtClean="0"/>
+              <a:t>Purchase by </a:t>
+            </a:r>
+            <a:r>
+              <a:rPr lang="en-US" baseline="0" dirty="0" err="1" smtClean="0"/>
+              <a:t>Dohmen</a:t>
+            </a:r>
+            <a:r>
+              <a:rPr lang="en-US" baseline="0" dirty="0" smtClean="0"/>
+              <a:t> January 2014</a:t>
+            </a:r>
+            <a:endParaRPr lang="en-US" baseline="0" dirty="0" smtClean="0"/>
+          </a:p>
+          <a:p>
+            <a:pPr marL="171450" indent="-171450">
+              <a:buFont typeface="Arial" panose="020B0604020202020204" pitchFamily="34" charset="0"/>
+              <a:buChar char="•"/>
+            </a:pPr>
+            <a:r>
+              <a:rPr lang="en-US" baseline="0" dirty="0" smtClean="0"/>
+              <a:t>Where we go from </a:t>
+            </a:r>
+            <a:r>
+              <a:rPr lang="en-US" baseline="0" dirty="0" smtClean="0"/>
+              <a:t>here, Creating an efficient, effective, and easy to use health experience.</a:t>
+            </a:r>
             <a:endParaRPr lang="en-US" baseline="0" dirty="0" smtClean="0"/>
           </a:p>
         </p:txBody>
@@ -2972,7 +3016,6 @@
               <a:rPr lang="en-US" baseline="0" dirty="0" smtClean="0"/>
               <a:t>?</a:t>
             </a:r>
-            <a:endParaRPr lang="en-US" baseline="0" dirty="0" smtClean="0"/>
           </a:p>
           <a:p>
             <a:r>
@@ -4207,7 +4250,7 @@
             <a:fld id="{72D0C6BF-7211-413F-BDDE-78E1AAEF1CB3}" type="datetimeFigureOut">
               <a:rPr lang="en-US" altLang="en-US"/>
               <a:pPr/>
-              <a:t>1/10/2016</a:t>
+              <a:t>1/12/2016</a:t>
             </a:fld>
             <a:endParaRPr lang="en-US" altLang="en-US"/>
           </a:p>
@@ -5755,7 +5798,7 @@
             <a:fld id="{D3BF8450-67C0-484D-BA70-4A28D9F71C17}" type="datetimeFigureOut">
               <a:rPr lang="en-US" altLang="en-US"/>
               <a:pPr/>
-              <a:t>1/10/2016</a:t>
+              <a:t>1/12/2016</a:t>
             </a:fld>
             <a:endParaRPr lang="en-US" altLang="en-US"/>
           </a:p>
@@ -6061,7 +6104,7 @@
             <a:fld id="{FE97CC21-BAAC-4376-8B83-2FFC681C4924}" type="datetimeFigureOut">
               <a:rPr lang="en-US" altLang="en-US"/>
               <a:pPr/>
-              <a:t>1/10/2016</a:t>
+              <a:t>1/12/2016</a:t>
             </a:fld>
             <a:endParaRPr lang="en-US" altLang="en-US"/>
           </a:p>
@@ -6292,7 +6335,7 @@
             <a:fld id="{A482C23B-8E04-428A-81C6-224925F61071}" type="datetimeFigureOut">
               <a:rPr lang="en-US" altLang="en-US"/>
               <a:pPr/>
-              <a:t>1/10/2016</a:t>
+              <a:t>1/12/2016</a:t>
             </a:fld>
             <a:endParaRPr lang="en-US" altLang="en-US"/>
           </a:p>
@@ -6854,7 +6897,7 @@
             <a:fld id="{1AE22F04-C588-4C61-A540-1A1218F6DA22}" type="datetimeFigureOut">
               <a:rPr lang="en-US" altLang="en-US"/>
               <a:pPr/>
-              <a:t>1/10/2016</a:t>
+              <a:t>1/12/2016</a:t>
             </a:fld>
             <a:endParaRPr lang="en-US" altLang="en-US"/>
           </a:p>
@@ -12315,7 +12358,7 @@
             </a:r>
             <a:r>
               <a:rPr lang="en-US" sz="2800" dirty="0" err="1" smtClean="0"/>
-              <a:t>Autofixture</a:t>
+              <a:t>AutoFixture</a:t>
             </a:r>
             <a:r>
               <a:rPr lang="en-US" sz="2800" dirty="0" smtClean="0"/>
@@ -12327,11 +12370,22 @@
             </a:r>
             <a:r>
               <a:rPr lang="en-US" sz="2800" dirty="0" smtClean="0"/>
-              <a:t> oh MY!</a:t>
+              <a:t> </a:t>
             </a:r>
             <a:r>
               <a:rPr lang="en-US" sz="2800" dirty="0" smtClean="0"/>
               <a:t/>
+            </a:r>
+            <a:br>
+              <a:rPr lang="en-US" sz="2800" dirty="0" smtClean="0"/>
+            </a:br>
+            <a:r>
+              <a:rPr lang="en-US" sz="2800" dirty="0" smtClean="0"/>
+              <a:t>Oh </a:t>
+            </a:r>
+            <a:r>
+              <a:rPr lang="en-US" sz="2800" dirty="0" smtClean="0"/>
+              <a:t>MY!</a:t>
             </a:r>
             <a:br>
               <a:rPr lang="en-US" sz="2800" dirty="0" smtClean="0"/>
@@ -17033,8 +17087,28 @@
           <a:lstStyle/>
           <a:p>
             <a:r>
-              <a:rPr lang="en-US" smtClean="0"/>
-              <a:t>Hiking Down the Approval Test Trail</a:t>
+              <a:rPr lang="en-US" dirty="0" smtClean="0"/>
+              <a:t>Approval </a:t>
+            </a:r>
+            <a:r>
+              <a:rPr lang="en-US" dirty="0" smtClean="0"/>
+              <a:t>Test </a:t>
+            </a:r>
+            <a:r>
+              <a:rPr lang="en-US" dirty="0" smtClean="0"/>
+              <a:t>/ </a:t>
+            </a:r>
+            <a:r>
+              <a:rPr lang="en-US" dirty="0" err="1" smtClean="0"/>
+              <a:t>AutoFixture</a:t>
+            </a:r>
+            <a:r>
+              <a:rPr lang="en-US" dirty="0" smtClean="0"/>
+              <a:t>/ </a:t>
+            </a:r>
+            <a:r>
+              <a:rPr lang="en-US" dirty="0" err="1" smtClean="0"/>
+              <a:t>AutoMoq</a:t>
             </a:r>
             <a:endParaRPr lang="en-US" dirty="0"/>
           </a:p>
@@ -17175,6 +17249,14 @@
             <a:r>
               <a:rPr lang="en-US" dirty="0" err="1" smtClean="0"/>
               <a:t>AutoFixture</a:t>
+            </a:r>
+            <a:r>
+              <a:rPr lang="en-US" dirty="0" smtClean="0"/>
+              <a:t>/</a:t>
+            </a:r>
+            <a:r>
+              <a:rPr lang="en-US" dirty="0" err="1" smtClean="0"/>
+              <a:t>AutoMoq</a:t>
             </a:r>
             <a:endParaRPr lang="en-US" dirty="0" smtClean="0"/>
           </a:p>

--- a/Documentation/Presentation.pptx
+++ b/Documentation/Presentation.pptx
@@ -5,10 +5,10 @@
     <p:sldMasterId id="2147483766" r:id="rId1"/>
   </p:sldMasterIdLst>
   <p:notesMasterIdLst>
-    <p:notesMasterId r:id="rId36"/>
+    <p:notesMasterId r:id="rId39"/>
   </p:notesMasterIdLst>
   <p:handoutMasterIdLst>
-    <p:handoutMasterId r:id="rId37"/>
+    <p:handoutMasterId r:id="rId40"/>
   </p:handoutMasterIdLst>
   <p:sldIdLst>
     <p:sldId id="257" r:id="rId2"/>
@@ -24,27 +24,30 @@
     <p:sldId id="266" r:id="rId12"/>
     <p:sldId id="267" r:id="rId13"/>
     <p:sldId id="268" r:id="rId14"/>
-    <p:sldId id="269" r:id="rId15"/>
-    <p:sldId id="270" r:id="rId16"/>
-    <p:sldId id="271" r:id="rId17"/>
-    <p:sldId id="272" r:id="rId18"/>
-    <p:sldId id="273" r:id="rId19"/>
-    <p:sldId id="274" r:id="rId20"/>
-    <p:sldId id="275" r:id="rId21"/>
-    <p:sldId id="276" r:id="rId22"/>
-    <p:sldId id="277" r:id="rId23"/>
-    <p:sldId id="278" r:id="rId24"/>
-    <p:sldId id="279" r:id="rId25"/>
-    <p:sldId id="280" r:id="rId26"/>
-    <p:sldId id="281" r:id="rId27"/>
-    <p:sldId id="282" r:id="rId28"/>
-    <p:sldId id="283" r:id="rId29"/>
-    <p:sldId id="284" r:id="rId30"/>
-    <p:sldId id="285" r:id="rId31"/>
-    <p:sldId id="299" r:id="rId32"/>
-    <p:sldId id="286" r:id="rId33"/>
-    <p:sldId id="287" r:id="rId34"/>
-    <p:sldId id="288" r:id="rId35"/>
+    <p:sldId id="300" r:id="rId15"/>
+    <p:sldId id="269" r:id="rId16"/>
+    <p:sldId id="270" r:id="rId17"/>
+    <p:sldId id="271" r:id="rId18"/>
+    <p:sldId id="272" r:id="rId19"/>
+    <p:sldId id="273" r:id="rId20"/>
+    <p:sldId id="274" r:id="rId21"/>
+    <p:sldId id="275" r:id="rId22"/>
+    <p:sldId id="276" r:id="rId23"/>
+    <p:sldId id="277" r:id="rId24"/>
+    <p:sldId id="278" r:id="rId25"/>
+    <p:sldId id="279" r:id="rId26"/>
+    <p:sldId id="280" r:id="rId27"/>
+    <p:sldId id="281" r:id="rId28"/>
+    <p:sldId id="282" r:id="rId29"/>
+    <p:sldId id="283" r:id="rId30"/>
+    <p:sldId id="284" r:id="rId31"/>
+    <p:sldId id="285" r:id="rId32"/>
+    <p:sldId id="299" r:id="rId33"/>
+    <p:sldId id="303" r:id="rId34"/>
+    <p:sldId id="302" r:id="rId35"/>
+    <p:sldId id="286" r:id="rId36"/>
+    <p:sldId id="301" r:id="rId37"/>
+    <p:sldId id="288" r:id="rId38"/>
   </p:sldIdLst>
   <p:sldSz cx="9144000" cy="5715000" type="screen16x10"/>
   <p:notesSz cx="7315200" cy="9601200"/>
@@ -1034,12 +1037,7 @@
             <p:ph type="sldImg"/>
           </p:nvPr>
         </p:nvSpPr>
-        <p:spPr>
-          <a:xfrm>
-            <a:off x="1065213" y="1200150"/>
-            <a:ext cx="5184775" cy="3240088"/>
-          </a:xfrm>
-        </p:spPr>
+        <p:spPr/>
       </p:sp>
       <p:sp>
         <p:nvSpPr>
@@ -1056,6 +1054,65 @@
           <a:bodyPr/>
           <a:lstStyle/>
           <a:p>
+            <a:r>
+              <a:rPr lang="en-US" dirty="0" smtClean="0"/>
+              <a:t>Show installation or nugget packages</a:t>
+            </a:r>
+          </a:p>
+          <a:p>
+            <a:r>
+              <a:rPr lang="en-US" dirty="0" smtClean="0"/>
+              <a:t>Show</a:t>
+            </a:r>
+            <a:r>
+              <a:rPr lang="en-US" baseline="0" dirty="0" smtClean="0"/>
+              <a:t> base API Test file and walk through it. Explain that we are serializing to JSON	</a:t>
+            </a:r>
+          </a:p>
+          <a:p>
+            <a:r>
+              <a:rPr lang="en-US" baseline="0" dirty="0" smtClean="0"/>
+              <a:t>Run</a:t>
+            </a:r>
+          </a:p>
+          <a:p>
+            <a:r>
+              <a:rPr lang="en-US" sz="900" kern="1200" dirty="0" smtClean="0">
+                <a:solidFill>
+                  <a:schemeClr val="tx1"/>
+                </a:solidFill>
+                <a:latin typeface="Arial" panose="020B0604020202020204" pitchFamily="34" charset="0"/>
+                <a:ea typeface="MS PGothic" pitchFamily="34" charset="-128"/>
+                <a:cs typeface="+mn-cs"/>
+              </a:rPr>
+              <a:t>GET_Get__Given_10__When_Mapper_Succeeds__Then_Expected_Mapped_Result</a:t>
+            </a:r>
+          </a:p>
+          <a:p>
+            <a:r>
+              <a:rPr lang="en-US" sz="900" kern="1200" dirty="0" smtClean="0">
+                <a:solidFill>
+                  <a:schemeClr val="tx1"/>
+                </a:solidFill>
+                <a:latin typeface="Arial" panose="020B0604020202020204" pitchFamily="34" charset="0"/>
+                <a:ea typeface="MS PGothic" pitchFamily="34" charset="-128"/>
+                <a:cs typeface="+mn-cs"/>
+              </a:rPr>
+              <a:t>Run</a:t>
+            </a:r>
+          </a:p>
+          <a:p>
+            <a:r>
+              <a:rPr lang="en-US" sz="900" kern="1200" dirty="0" err="1" smtClean="0">
+                <a:solidFill>
+                  <a:schemeClr val="tx1"/>
+                </a:solidFill>
+                <a:latin typeface="Arial" panose="020B0604020202020204" pitchFamily="34" charset="0"/>
+                <a:ea typeface="MS PGothic" pitchFamily="34" charset="-128"/>
+                <a:cs typeface="+mn-cs"/>
+              </a:rPr>
+              <a:t>GET_Get_Ten</a:t>
+            </a:r>
             <a:endParaRPr lang="en-US" dirty="0"/>
           </a:p>
         </p:txBody>
@@ -1075,19 +1132,19 @@
           <a:bodyPr/>
           <a:lstStyle/>
           <a:p>
-            <a:fld id="{CA5D3BF3-D352-46FC-8343-31F56E6730EA}" type="slidenum">
-              <a:rPr lang="en-US" smtClean="0"/>
+            <a:fld id="{F9F5467A-33E4-43D8-B5CA-5C9AFC758669}" type="slidenum">
+              <a:rPr lang="en-US" altLang="en-US" smtClean="0"/>
               <a:pPr/>
-              <a:t>12</a:t>
+              <a:t>11</a:t>
             </a:fld>
-            <a:endParaRPr lang="en-US"/>
+            <a:endParaRPr lang="en-US" altLang="en-US"/>
           </a:p>
         </p:txBody>
       </p:sp>
     </p:spTree>
     <p:extLst>
       <p:ext uri="{BB962C8B-B14F-4D97-AF65-F5344CB8AC3E}">
-        <p14:creationId xmlns:p14="http://schemas.microsoft.com/office/powerpoint/2010/main" val="595424163"/>
+        <p14:creationId xmlns:p14="http://schemas.microsoft.com/office/powerpoint/2010/main" val="3136999425"/>
       </p:ext>
     </p:extLst>
   </p:cSld>
@@ -1168,7 +1225,7 @@
             <a:fld id="{CA5D3BF3-D352-46FC-8343-31F56E6730EA}" type="slidenum">
               <a:rPr lang="en-US" smtClean="0"/>
               <a:pPr/>
-              <a:t>13</a:t>
+              <a:t>12</a:t>
             </a:fld>
             <a:endParaRPr lang="en-US"/>
           </a:p>
@@ -1177,7 +1234,7 @@
     </p:spTree>
     <p:extLst>
       <p:ext uri="{BB962C8B-B14F-4D97-AF65-F5344CB8AC3E}">
-        <p14:creationId xmlns:p14="http://schemas.microsoft.com/office/powerpoint/2010/main" val="28294200"/>
+        <p14:creationId xmlns:p14="http://schemas.microsoft.com/office/powerpoint/2010/main" val="595424163"/>
       </p:ext>
     </p:extLst>
   </p:cSld>
@@ -1258,7 +1315,7 @@
             <a:fld id="{CA5D3BF3-D352-46FC-8343-31F56E6730EA}" type="slidenum">
               <a:rPr lang="en-US" smtClean="0"/>
               <a:pPr/>
-              <a:t>14</a:t>
+              <a:t>13</a:t>
             </a:fld>
             <a:endParaRPr lang="en-US"/>
           </a:p>
@@ -1267,7 +1324,7 @@
     </p:spTree>
     <p:extLst>
       <p:ext uri="{BB962C8B-B14F-4D97-AF65-F5344CB8AC3E}">
-        <p14:creationId xmlns:p14="http://schemas.microsoft.com/office/powerpoint/2010/main" val="304820062"/>
+        <p14:creationId xmlns:p14="http://schemas.microsoft.com/office/powerpoint/2010/main" val="28294200"/>
       </p:ext>
     </p:extLst>
   </p:cSld>
@@ -1326,30 +1383,6 @@
           <a:bodyPr/>
           <a:lstStyle/>
           <a:p>
-            <a:r>
-              <a:rPr lang="en-US" dirty="0" err="1" smtClean="0"/>
-              <a:t>Guids</a:t>
-            </a:r>
-            <a:r>
-              <a:rPr lang="en-US" baseline="0" dirty="0" smtClean="0"/>
-              <a:t> vs Strings</a:t>
-            </a:r>
-          </a:p>
-          <a:p>
-            <a:r>
-              <a:rPr lang="en-US" baseline="0" dirty="0" smtClean="0"/>
-              <a:t>Enumerations</a:t>
-            </a:r>
-          </a:p>
-          <a:p>
-            <a:r>
-              <a:rPr lang="en-US" dirty="0" smtClean="0"/>
-              <a:t>Build</a:t>
-            </a:r>
-            <a:r>
-              <a:rPr lang="en-US" baseline="0" dirty="0" smtClean="0"/>
-              <a:t> vs Create</a:t>
-            </a:r>
             <a:endParaRPr lang="en-US" dirty="0"/>
           </a:p>
         </p:txBody>
@@ -1372,7 +1405,7 @@
             <a:fld id="{CA5D3BF3-D352-46FC-8343-31F56E6730EA}" type="slidenum">
               <a:rPr lang="en-US" smtClean="0"/>
               <a:pPr/>
-              <a:t>15</a:t>
+              <a:t>14</a:t>
             </a:fld>
             <a:endParaRPr lang="en-US"/>
           </a:p>
@@ -1381,7 +1414,7 @@
     </p:spTree>
     <p:extLst>
       <p:ext uri="{BB962C8B-B14F-4D97-AF65-F5344CB8AC3E}">
-        <p14:creationId xmlns:p14="http://schemas.microsoft.com/office/powerpoint/2010/main" val="940239705"/>
+        <p14:creationId xmlns:p14="http://schemas.microsoft.com/office/powerpoint/2010/main" val="3128544700"/>
       </p:ext>
     </p:extLst>
   </p:cSld>
@@ -1440,30 +1473,6 @@
           <a:bodyPr/>
           <a:lstStyle/>
           <a:p>
-            <a:r>
-              <a:rPr lang="en-US" dirty="0" err="1" smtClean="0"/>
-              <a:t>Guids</a:t>
-            </a:r>
-            <a:r>
-              <a:rPr lang="en-US" baseline="0" dirty="0" smtClean="0"/>
-              <a:t> vs Strings</a:t>
-            </a:r>
-          </a:p>
-          <a:p>
-            <a:r>
-              <a:rPr lang="en-US" baseline="0" dirty="0" smtClean="0"/>
-              <a:t>Enumerations</a:t>
-            </a:r>
-          </a:p>
-          <a:p>
-            <a:r>
-              <a:rPr lang="en-US" dirty="0" smtClean="0"/>
-              <a:t>Build</a:t>
-            </a:r>
-            <a:r>
-              <a:rPr lang="en-US" baseline="0" dirty="0" smtClean="0"/>
-              <a:t> vs Create</a:t>
-            </a:r>
             <a:endParaRPr lang="en-US" dirty="0"/>
           </a:p>
         </p:txBody>
@@ -1486,7 +1495,7 @@
             <a:fld id="{CA5D3BF3-D352-46FC-8343-31F56E6730EA}" type="slidenum">
               <a:rPr lang="en-US" smtClean="0"/>
               <a:pPr/>
-              <a:t>16</a:t>
+              <a:t>15</a:t>
             </a:fld>
             <a:endParaRPr lang="en-US"/>
           </a:p>
@@ -1495,7 +1504,7 @@
     </p:spTree>
     <p:extLst>
       <p:ext uri="{BB962C8B-B14F-4D97-AF65-F5344CB8AC3E}">
-        <p14:creationId xmlns:p14="http://schemas.microsoft.com/office/powerpoint/2010/main" val="2228567272"/>
+        <p14:creationId xmlns:p14="http://schemas.microsoft.com/office/powerpoint/2010/main" val="304820062"/>
       </p:ext>
     </p:extLst>
   </p:cSld>
@@ -1555,23 +1564,29 @@
           <a:lstStyle/>
           <a:p>
             <a:r>
+              <a:rPr lang="en-US" dirty="0" err="1" smtClean="0"/>
+              <a:t>Guids</a:t>
+            </a:r>
+            <a:r>
               <a:rPr lang="en-US" baseline="0" dirty="0" smtClean="0"/>
-              <a:t>SQL Column Lengths</a:t>
+              <a:t> vs Strings</a:t>
             </a:r>
           </a:p>
           <a:p>
             <a:r>
               <a:rPr lang="en-US" baseline="0" dirty="0" smtClean="0"/>
-              <a:t>Registering dependencies</a:t>
-            </a:r>
-          </a:p>
-          <a:p>
+              <a:t>Enumerations</a:t>
+            </a:r>
+          </a:p>
+          <a:p>
+            <a:r>
+              <a:rPr lang="en-US" dirty="0" smtClean="0"/>
+              <a:t>Build</a:t>
+            </a:r>
             <a:r>
               <a:rPr lang="en-US" baseline="0" dirty="0" smtClean="0"/>
-              <a:t>Shiny new hammer</a:t>
-            </a:r>
-          </a:p>
-          <a:p>
+              <a:t> vs Create</a:t>
+            </a:r>
             <a:endParaRPr lang="en-US" dirty="0"/>
           </a:p>
         </p:txBody>
@@ -1594,7 +1609,7 @@
             <a:fld id="{CA5D3BF3-D352-46FC-8343-31F56E6730EA}" type="slidenum">
               <a:rPr lang="en-US" smtClean="0"/>
               <a:pPr/>
-              <a:t>17</a:t>
+              <a:t>16</a:t>
             </a:fld>
             <a:endParaRPr lang="en-US"/>
           </a:p>
@@ -1603,7 +1618,7 @@
     </p:spTree>
     <p:extLst>
       <p:ext uri="{BB962C8B-B14F-4D97-AF65-F5344CB8AC3E}">
-        <p14:creationId xmlns:p14="http://schemas.microsoft.com/office/powerpoint/2010/main" val="2990068731"/>
+        <p14:creationId xmlns:p14="http://schemas.microsoft.com/office/powerpoint/2010/main" val="940239705"/>
       </p:ext>
     </p:extLst>
   </p:cSld>
@@ -1662,6 +1677,46 @@
           <a:bodyPr/>
           <a:lstStyle/>
           <a:p>
+            <a:r>
+              <a:rPr lang="en-US" dirty="0" err="1" smtClean="0"/>
+              <a:t>Guids</a:t>
+            </a:r>
+            <a:r>
+              <a:rPr lang="en-US" baseline="0" dirty="0" smtClean="0"/>
+              <a:t> vs Strings</a:t>
+            </a:r>
+          </a:p>
+          <a:p>
+            <a:r>
+              <a:rPr lang="en-US" baseline="0" dirty="0" smtClean="0"/>
+              <a:t>Enumerations</a:t>
+            </a:r>
+          </a:p>
+          <a:p>
+            <a:r>
+              <a:rPr lang="en-US" dirty="0" smtClean="0"/>
+              <a:t>Build</a:t>
+            </a:r>
+            <a:r>
+              <a:rPr lang="en-US" baseline="0" dirty="0" smtClean="0"/>
+              <a:t> vs </a:t>
+            </a:r>
+            <a:r>
+              <a:rPr lang="en-US" baseline="0" dirty="0" smtClean="0"/>
+              <a:t>Create</a:t>
+            </a:r>
+          </a:p>
+          <a:p>
+            <a:r>
+              <a:rPr lang="en-US" baseline="0" dirty="0" smtClean="0"/>
+              <a:t>Pipe line explanation – Request comes in, Customizations (blank), runs defaults, and residue collectors, and out </a:t>
+            </a:r>
+            <a:r>
+              <a:rPr lang="en-US" baseline="0" smtClean="0"/>
+              <a:t>anonymous data</a:t>
+            </a:r>
+          </a:p>
+          <a:p>
             <a:endParaRPr lang="en-US" dirty="0"/>
           </a:p>
         </p:txBody>
@@ -1684,7 +1739,7 @@
             <a:fld id="{CA5D3BF3-D352-46FC-8343-31F56E6730EA}" type="slidenum">
               <a:rPr lang="en-US" smtClean="0"/>
               <a:pPr/>
-              <a:t>19</a:t>
+              <a:t>17</a:t>
             </a:fld>
             <a:endParaRPr lang="en-US"/>
           </a:p>
@@ -1693,7 +1748,7 @@
     </p:spTree>
     <p:extLst>
       <p:ext uri="{BB962C8B-B14F-4D97-AF65-F5344CB8AC3E}">
-        <p14:creationId xmlns:p14="http://schemas.microsoft.com/office/powerpoint/2010/main" val="2810903104"/>
+        <p14:creationId xmlns:p14="http://schemas.microsoft.com/office/powerpoint/2010/main" val="2228567272"/>
       </p:ext>
     </p:extLst>
   </p:cSld>
@@ -1752,6 +1807,24 @@
           <a:bodyPr/>
           <a:lstStyle/>
           <a:p>
+            <a:r>
+              <a:rPr lang="en-US" baseline="0" dirty="0" smtClean="0"/>
+              <a:t>SQL Column Lengths</a:t>
+            </a:r>
+          </a:p>
+          <a:p>
+            <a:r>
+              <a:rPr lang="en-US" baseline="0" dirty="0" smtClean="0"/>
+              <a:t>Registering dependencies</a:t>
+            </a:r>
+          </a:p>
+          <a:p>
+            <a:r>
+              <a:rPr lang="en-US" baseline="0" dirty="0" smtClean="0"/>
+              <a:t>Shiny new hammer</a:t>
+            </a:r>
+          </a:p>
+          <a:p>
             <a:endParaRPr lang="en-US" dirty="0"/>
           </a:p>
         </p:txBody>
@@ -1774,7 +1847,7 @@
             <a:fld id="{CA5D3BF3-D352-46FC-8343-31F56E6730EA}" type="slidenum">
               <a:rPr lang="en-US" smtClean="0"/>
               <a:pPr/>
-              <a:t>20</a:t>
+              <a:t>18</a:t>
             </a:fld>
             <a:endParaRPr lang="en-US"/>
           </a:p>
@@ -1783,7 +1856,7 @@
     </p:spTree>
     <p:extLst>
       <p:ext uri="{BB962C8B-B14F-4D97-AF65-F5344CB8AC3E}">
-        <p14:creationId xmlns:p14="http://schemas.microsoft.com/office/powerpoint/2010/main" val="2329220651"/>
+        <p14:creationId xmlns:p14="http://schemas.microsoft.com/office/powerpoint/2010/main" val="2990068731"/>
       </p:ext>
     </p:extLst>
   </p:cSld>
@@ -1838,44 +1911,328 @@
           <a:lstStyle/>
           <a:p>
             <a:r>
-              <a:rPr lang="en-US" dirty="0" smtClean="0"/>
-              <a:t>Mention image</a:t>
-            </a:r>
-            <a:r>
-              <a:rPr lang="en-US" baseline="0" dirty="0" smtClean="0"/>
-              <a:t> diffs</a:t>
-            </a:r>
-          </a:p>
-          <a:p>
-            <a:r>
-              <a:rPr lang="en-US" baseline="0" dirty="0" smtClean="0"/>
-              <a:t>Audio Diffs</a:t>
-            </a:r>
-          </a:p>
-          <a:p>
-            <a:r>
-              <a:rPr lang="en-US" baseline="0" dirty="0" smtClean="0"/>
-              <a:t>Also configuration at the method/class/</a:t>
-            </a:r>
-            <a:r>
-              <a:rPr lang="en-US" baseline="0" dirty="0" err="1" smtClean="0"/>
-              <a:t>config</a:t>
-            </a:r>
-            <a:r>
-              <a:rPr lang="en-US" baseline="0" dirty="0" smtClean="0"/>
-              <a:t>/ machine </a:t>
-            </a:r>
-            <a:r>
-              <a:rPr lang="en-US" baseline="0" dirty="0" err="1" smtClean="0"/>
-              <a:t>config</a:t>
-            </a:r>
-            <a:r>
-              <a:rPr lang="en-US" baseline="0" dirty="0" smtClean="0"/>
-              <a:t> override</a:t>
-            </a:r>
-          </a:p>
-          <a:p>
-            <a:endParaRPr lang="en-US" baseline="0" dirty="0" smtClean="0"/>
+              <a:rPr lang="en-US" sz="900" kern="1200" dirty="0" smtClean="0">
+                <a:solidFill>
+                  <a:schemeClr val="tx1"/>
+                </a:solidFill>
+                <a:latin typeface="Arial" panose="020B0604020202020204" pitchFamily="34" charset="0"/>
+                <a:ea typeface="MS PGothic" pitchFamily="34" charset="-128"/>
+                <a:cs typeface="+mn-cs"/>
+              </a:rPr>
+              <a:t>Show – Custom</a:t>
+            </a:r>
+            <a:r>
+              <a:rPr lang="en-US" sz="900" kern="1200" baseline="0" dirty="0" smtClean="0">
+                <a:solidFill>
+                  <a:schemeClr val="tx1"/>
+                </a:solidFill>
+                <a:latin typeface="Arial" panose="020B0604020202020204" pitchFamily="34" charset="0"/>
+                <a:ea typeface="MS PGothic" pitchFamily="34" charset="-128"/>
+                <a:cs typeface="+mn-cs"/>
+              </a:rPr>
+              <a:t> : 	</a:t>
+            </a:r>
+            <a:endParaRPr lang="en-US" sz="900" kern="1200" dirty="0" smtClean="0">
+              <a:solidFill>
+                <a:schemeClr val="tx1"/>
+              </a:solidFill>
+              <a:latin typeface="Arial" panose="020B0604020202020204" pitchFamily="34" charset="0"/>
+              <a:ea typeface="MS PGothic" pitchFamily="34" charset="-128"/>
+              <a:cs typeface="+mn-cs"/>
+            </a:endParaRPr>
+          </a:p>
+          <a:p>
+            <a:r>
+              <a:rPr lang="en-US" sz="900" kern="1200" dirty="0" smtClean="0">
+                <a:solidFill>
+                  <a:schemeClr val="tx1"/>
+                </a:solidFill>
+                <a:latin typeface="Arial" panose="020B0604020202020204" pitchFamily="34" charset="0"/>
+                <a:ea typeface="MS PGothic" pitchFamily="34" charset="-128"/>
+                <a:cs typeface="+mn-cs"/>
+              </a:rPr>
+              <a:t>            _</a:t>
+            </a:r>
+            <a:r>
+              <a:rPr lang="en-US" sz="900" kern="1200" dirty="0" err="1" smtClean="0">
+                <a:solidFill>
+                  <a:schemeClr val="tx1"/>
+                </a:solidFill>
+                <a:latin typeface="Arial" panose="020B0604020202020204" pitchFamily="34" charset="0"/>
+                <a:ea typeface="MS PGothic" pitchFamily="34" charset="-128"/>
+                <a:cs typeface="+mn-cs"/>
+              </a:rPr>
+              <a:t>fixture.Customize</a:t>
+            </a:r>
+            <a:r>
+              <a:rPr lang="en-US" sz="900" kern="1200" dirty="0" smtClean="0">
+                <a:solidFill>
+                  <a:schemeClr val="tx1"/>
+                </a:solidFill>
+                <a:latin typeface="Arial" panose="020B0604020202020204" pitchFamily="34" charset="0"/>
+                <a:ea typeface="MS PGothic" pitchFamily="34" charset="-128"/>
+                <a:cs typeface="+mn-cs"/>
+              </a:rPr>
+              <a:t>(new </a:t>
+            </a:r>
+            <a:r>
+              <a:rPr lang="en-US" sz="900" kern="1200" dirty="0" err="1" smtClean="0">
+                <a:solidFill>
+                  <a:schemeClr val="tx1"/>
+                </a:solidFill>
+                <a:latin typeface="Arial" panose="020B0604020202020204" pitchFamily="34" charset="0"/>
+                <a:ea typeface="MS PGothic" pitchFamily="34" charset="-128"/>
+                <a:cs typeface="+mn-cs"/>
+              </a:rPr>
+              <a:t>ApprovalTestCustomization</a:t>
+            </a:r>
+            <a:r>
+              <a:rPr lang="en-US" sz="900" kern="1200" dirty="0" smtClean="0">
+                <a:solidFill>
+                  <a:schemeClr val="tx1"/>
+                </a:solidFill>
+                <a:latin typeface="Arial" panose="020B0604020202020204" pitchFamily="34" charset="0"/>
+                <a:ea typeface="MS PGothic" pitchFamily="34" charset="-128"/>
+                <a:cs typeface="+mn-cs"/>
+              </a:rPr>
+              <a:t>()); at</a:t>
+            </a:r>
+            <a:r>
+              <a:rPr lang="en-US" sz="900" kern="1200" baseline="0" dirty="0" smtClean="0">
+                <a:solidFill>
+                  <a:schemeClr val="tx1"/>
+                </a:solidFill>
+                <a:latin typeface="Arial" panose="020B0604020202020204" pitchFamily="34" charset="0"/>
+                <a:ea typeface="MS PGothic" pitchFamily="34" charset="-128"/>
+                <a:cs typeface="+mn-cs"/>
+              </a:rPr>
+              <a:t> top of controller tests.	</a:t>
+            </a:r>
+          </a:p>
+          <a:p>
+            <a:endParaRPr lang="en-US" sz="900" kern="1200" baseline="0" dirty="0" smtClean="0">
+              <a:solidFill>
+                <a:schemeClr val="tx1"/>
+              </a:solidFill>
+              <a:latin typeface="Arial" panose="020B0604020202020204" pitchFamily="34" charset="0"/>
+              <a:ea typeface="MS PGothic" pitchFamily="34" charset="-128"/>
+              <a:cs typeface="+mn-cs"/>
+            </a:endParaRPr>
+          </a:p>
+          <a:p>
+            <a:r>
+              <a:rPr lang="en-US" sz="900" kern="1200" baseline="0" dirty="0" smtClean="0">
+                <a:solidFill>
+                  <a:schemeClr val="tx1"/>
+                </a:solidFill>
+                <a:latin typeface="Arial" panose="020B0604020202020204" pitchFamily="34" charset="0"/>
+                <a:ea typeface="MS PGothic" pitchFamily="34" charset="-128"/>
+                <a:cs typeface="+mn-cs"/>
+              </a:rPr>
+              <a:t>Walk through </a:t>
+            </a:r>
+            <a:r>
+              <a:rPr lang="en-US" sz="900" kern="1200" dirty="0" err="1" smtClean="0">
+                <a:solidFill>
+                  <a:schemeClr val="tx1"/>
+                </a:solidFill>
+                <a:latin typeface="Arial" panose="020B0604020202020204" pitchFamily="34" charset="0"/>
+                <a:ea typeface="MS PGothic" pitchFamily="34" charset="-128"/>
+                <a:cs typeface="+mn-cs"/>
+              </a:rPr>
+              <a:t>ApprovalTestCustomization</a:t>
+            </a:r>
+            <a:r>
+              <a:rPr lang="en-US" sz="900" kern="1200" dirty="0" smtClean="0">
+                <a:solidFill>
+                  <a:schemeClr val="tx1"/>
+                </a:solidFill>
+                <a:latin typeface="Arial" panose="020B0604020202020204" pitchFamily="34" charset="0"/>
+                <a:ea typeface="MS PGothic" pitchFamily="34" charset="-128"/>
+                <a:cs typeface="+mn-cs"/>
+              </a:rPr>
+              <a:t> including all of</a:t>
+            </a:r>
+            <a:r>
+              <a:rPr lang="en-US" sz="900" kern="1200" baseline="0" dirty="0" smtClean="0">
+                <a:solidFill>
+                  <a:schemeClr val="tx1"/>
+                </a:solidFill>
+                <a:latin typeface="Arial" panose="020B0604020202020204" pitchFamily="34" charset="0"/>
+                <a:ea typeface="MS PGothic" pitchFamily="34" charset="-128"/>
+                <a:cs typeface="+mn-cs"/>
+              </a:rPr>
+              <a:t> it.</a:t>
+            </a:r>
+          </a:p>
+          <a:p>
+            <a:r>
+              <a:rPr lang="en-US" sz="900" kern="1200" baseline="0" dirty="0" smtClean="0">
+                <a:solidFill>
+                  <a:schemeClr val="tx1"/>
+                </a:solidFill>
+                <a:latin typeface="Arial" panose="020B0604020202020204" pitchFamily="34" charset="0"/>
+                <a:ea typeface="MS PGothic" pitchFamily="34" charset="-128"/>
+                <a:cs typeface="+mn-cs"/>
+              </a:rPr>
+              <a:t>Point out </a:t>
+            </a:r>
+            <a:r>
+              <a:rPr lang="en-US" sz="900" kern="1200" dirty="0" err="1" smtClean="0">
+                <a:solidFill>
+                  <a:schemeClr val="tx1"/>
+                </a:solidFill>
+                <a:latin typeface="Arial" panose="020B0604020202020204" pitchFamily="34" charset="0"/>
+                <a:ea typeface="MS PGothic" pitchFamily="34" charset="-128"/>
+                <a:cs typeface="+mn-cs"/>
+              </a:rPr>
+              <a:t>ISpecimenBuilder</a:t>
+            </a:r>
+            <a:endParaRPr lang="en-US" sz="900" kern="1200" dirty="0" smtClean="0">
+              <a:solidFill>
+                <a:schemeClr val="tx1"/>
+              </a:solidFill>
+              <a:latin typeface="Arial" panose="020B0604020202020204" pitchFamily="34" charset="0"/>
+              <a:ea typeface="MS PGothic" pitchFamily="34" charset="-128"/>
+              <a:cs typeface="+mn-cs"/>
+            </a:endParaRPr>
+          </a:p>
+          <a:p>
+            <a:endParaRPr lang="en-US" sz="900" kern="1200" dirty="0" smtClean="0">
+              <a:solidFill>
+                <a:schemeClr val="tx1"/>
+              </a:solidFill>
+              <a:latin typeface="Arial" panose="020B0604020202020204" pitchFamily="34" charset="0"/>
+              <a:ea typeface="MS PGothic" pitchFamily="34" charset="-128"/>
+              <a:cs typeface="+mn-cs"/>
+            </a:endParaRPr>
+          </a:p>
+          <a:p>
+            <a:r>
+              <a:rPr lang="en-US" sz="900" kern="1200" dirty="0" smtClean="0">
+                <a:solidFill>
+                  <a:schemeClr val="tx1"/>
+                </a:solidFill>
+                <a:latin typeface="Arial" panose="020B0604020202020204" pitchFamily="34" charset="0"/>
+                <a:ea typeface="MS PGothic" pitchFamily="34" charset="-128"/>
+                <a:cs typeface="+mn-cs"/>
+              </a:rPr>
+              <a:t>Show </a:t>
+            </a:r>
+            <a:r>
+              <a:rPr lang="en-US" sz="900" kern="1200" dirty="0" err="1" smtClean="0">
+                <a:solidFill>
+                  <a:schemeClr val="tx1"/>
+                </a:solidFill>
+                <a:latin typeface="Arial" panose="020B0604020202020204" pitchFamily="34" charset="0"/>
+                <a:ea typeface="MS PGothic" pitchFamily="34" charset="-128"/>
+                <a:cs typeface="+mn-cs"/>
+              </a:rPr>
+              <a:t>QuarterBackSpecimenBuilder</a:t>
+            </a:r>
+            <a:endParaRPr lang="en-US" sz="900" kern="1200" dirty="0" smtClean="0">
+              <a:solidFill>
+                <a:schemeClr val="tx1"/>
+              </a:solidFill>
+              <a:latin typeface="Arial" panose="020B0604020202020204" pitchFamily="34" charset="0"/>
+              <a:ea typeface="MS PGothic" pitchFamily="34" charset="-128"/>
+              <a:cs typeface="+mn-cs"/>
+            </a:endParaRPr>
+          </a:p>
+          <a:p>
+            <a:r>
+              <a:rPr lang="en-US" sz="900" kern="1200" dirty="0" smtClean="0">
+                <a:solidFill>
+                  <a:schemeClr val="tx1"/>
+                </a:solidFill>
+                <a:latin typeface="Arial" panose="020B0604020202020204" pitchFamily="34" charset="0"/>
+                <a:ea typeface="MS PGothic" pitchFamily="34" charset="-128"/>
+                <a:cs typeface="+mn-cs"/>
+              </a:rPr>
+              <a:t>Run</a:t>
+            </a:r>
+          </a:p>
+          <a:p>
+            <a:r>
+              <a:rPr lang="en-US" sz="900" kern="1200" dirty="0" smtClean="0">
+                <a:solidFill>
+                  <a:schemeClr val="tx1"/>
+                </a:solidFill>
+                <a:latin typeface="Arial" panose="020B0604020202020204" pitchFamily="34" charset="0"/>
+                <a:ea typeface="MS PGothic" pitchFamily="34" charset="-128"/>
+                <a:cs typeface="+mn-cs"/>
+              </a:rPr>
+              <a:t>GET_Given_Manual_Setups__When_Get_Three__</a:t>
+            </a:r>
+            <a:r>
+              <a:rPr lang="en-US" sz="900" kern="1200" dirty="0" err="1" smtClean="0">
+                <a:solidFill>
+                  <a:schemeClr val="tx1"/>
+                </a:solidFill>
+                <a:latin typeface="Arial" panose="020B0604020202020204" pitchFamily="34" charset="0"/>
+                <a:ea typeface="MS PGothic" pitchFamily="34" charset="-128"/>
+                <a:cs typeface="+mn-cs"/>
+              </a:rPr>
+              <a:t>ThenAsserts</a:t>
+            </a:r>
+            <a:endParaRPr lang="en-US" sz="900" kern="1200" dirty="0" smtClean="0">
+              <a:solidFill>
+                <a:schemeClr val="tx1"/>
+              </a:solidFill>
+              <a:latin typeface="Arial" panose="020B0604020202020204" pitchFamily="34" charset="0"/>
+              <a:ea typeface="MS PGothic" pitchFamily="34" charset="-128"/>
+              <a:cs typeface="+mn-cs"/>
+            </a:endParaRPr>
+          </a:p>
+          <a:p>
+            <a:r>
+              <a:rPr lang="en-US" sz="900" kern="1200" dirty="0" smtClean="0">
+                <a:solidFill>
+                  <a:schemeClr val="tx1"/>
+                </a:solidFill>
+                <a:latin typeface="Arial" panose="020B0604020202020204" pitchFamily="34" charset="0"/>
+                <a:ea typeface="MS PGothic" pitchFamily="34" charset="-128"/>
+                <a:cs typeface="+mn-cs"/>
+              </a:rPr>
+              <a:t>Run </a:t>
+            </a:r>
+          </a:p>
+          <a:p>
+            <a:r>
+              <a:rPr lang="en-US" sz="900" kern="1200" dirty="0" err="1" smtClean="0">
+                <a:solidFill>
+                  <a:schemeClr val="tx1"/>
+                </a:solidFill>
+                <a:latin typeface="Arial" panose="020B0604020202020204" pitchFamily="34" charset="0"/>
+                <a:ea typeface="MS PGothic" pitchFamily="34" charset="-128"/>
+                <a:cs typeface="+mn-cs"/>
+              </a:rPr>
+              <a:t>GET_Get_Ten_UsingAutoFixture</a:t>
+            </a:r>
+            <a:r>
+              <a:rPr lang="en-US" sz="900" kern="1200" dirty="0" smtClean="0">
+                <a:solidFill>
+                  <a:schemeClr val="tx1"/>
+                </a:solidFill>
+                <a:latin typeface="Arial" panose="020B0604020202020204" pitchFamily="34" charset="0"/>
+                <a:ea typeface="MS PGothic" pitchFamily="34" charset="-128"/>
+                <a:cs typeface="+mn-cs"/>
+              </a:rPr>
+              <a:t>	</a:t>
+            </a:r>
+          </a:p>
+          <a:p>
+            <a:endParaRPr lang="en-US" sz="900" kern="1200" dirty="0" smtClean="0">
+              <a:solidFill>
+                <a:schemeClr val="tx1"/>
+              </a:solidFill>
+              <a:latin typeface="Arial" panose="020B0604020202020204" pitchFamily="34" charset="0"/>
+              <a:ea typeface="MS PGothic" pitchFamily="34" charset="-128"/>
+              <a:cs typeface="+mn-cs"/>
+            </a:endParaRPr>
+          </a:p>
+          <a:p>
+            <a:endParaRPr lang="en-US" dirty="0"/>
           </a:p>
         </p:txBody>
       </p:sp>
@@ -1897,7 +2254,7 @@
             <a:fld id="{F9F5467A-33E4-43D8-B5CA-5C9AFC758669}" type="slidenum">
               <a:rPr lang="en-US" altLang="en-US" smtClean="0"/>
               <a:pPr/>
-              <a:t>21</a:t>
+              <a:t>19</a:t>
             </a:fld>
             <a:endParaRPr lang="en-US" altLang="en-US"/>
           </a:p>
@@ -1906,7 +2263,7 @@
     </p:spTree>
     <p:extLst>
       <p:ext uri="{BB962C8B-B14F-4D97-AF65-F5344CB8AC3E}">
-        <p14:creationId xmlns:p14="http://schemas.microsoft.com/office/powerpoint/2010/main" val="4163556701"/>
+        <p14:creationId xmlns:p14="http://schemas.microsoft.com/office/powerpoint/2010/main" val="1159701232"/>
       </p:ext>
     </p:extLst>
   </p:cSld>
@@ -1987,7 +2344,7 @@
             <a:fld id="{CA5D3BF3-D352-46FC-8343-31F56E6730EA}" type="slidenum">
               <a:rPr lang="en-US" smtClean="0"/>
               <a:pPr/>
-              <a:t>22</a:t>
+              <a:t>20</a:t>
             </a:fld>
             <a:endParaRPr lang="en-US"/>
           </a:p>
@@ -1996,7 +2353,7 @@
     </p:spTree>
     <p:extLst>
       <p:ext uri="{BB962C8B-B14F-4D97-AF65-F5344CB8AC3E}">
-        <p14:creationId xmlns:p14="http://schemas.microsoft.com/office/powerpoint/2010/main" val="3810134010"/>
+        <p14:creationId xmlns:p14="http://schemas.microsoft.com/office/powerpoint/2010/main" val="2810903104"/>
       </p:ext>
     </p:extLst>
   </p:cSld>
@@ -2162,7 +2519,7 @@
             <a:fld id="{CA5D3BF3-D352-46FC-8343-31F56E6730EA}" type="slidenum">
               <a:rPr lang="en-US" smtClean="0"/>
               <a:pPr/>
-              <a:t>23</a:t>
+              <a:t>21</a:t>
             </a:fld>
             <a:endParaRPr lang="en-US"/>
           </a:p>
@@ -2171,7 +2528,7 @@
     </p:spTree>
     <p:extLst>
       <p:ext uri="{BB962C8B-B14F-4D97-AF65-F5344CB8AC3E}">
-        <p14:creationId xmlns:p14="http://schemas.microsoft.com/office/powerpoint/2010/main" val="2298906351"/>
+        <p14:creationId xmlns:p14="http://schemas.microsoft.com/office/powerpoint/2010/main" val="2329220651"/>
       </p:ext>
     </p:extLst>
   </p:cSld>
@@ -2208,12 +2565,7 @@
             <p:ph type="sldImg"/>
           </p:nvPr>
         </p:nvSpPr>
-        <p:spPr>
-          <a:xfrm>
-            <a:off x="1065213" y="1200150"/>
-            <a:ext cx="5184775" cy="3240088"/>
-          </a:xfrm>
-        </p:spPr>
+        <p:spPr/>
       </p:sp>
       <p:sp>
         <p:nvSpPr>
@@ -2230,7 +2582,133 @@
           <a:bodyPr/>
           <a:lstStyle/>
           <a:p>
-            <a:endParaRPr lang="en-US" dirty="0"/>
+            <a:r>
+              <a:rPr lang="en-US" dirty="0" smtClean="0"/>
+              <a:t>Show</a:t>
+            </a:r>
+            <a:r>
+              <a:rPr lang="en-US" baseline="0" dirty="0" smtClean="0"/>
+              <a:t> base class again with diff reporters</a:t>
+            </a:r>
+          </a:p>
+          <a:p>
+            <a:r>
+              <a:rPr lang="en-US" baseline="0" dirty="0" smtClean="0"/>
+              <a:t>Show </a:t>
+            </a:r>
+            <a:r>
+              <a:rPr lang="en-US" sz="900" kern="1200" dirty="0" err="1" smtClean="0">
+                <a:solidFill>
+                  <a:schemeClr val="tx1"/>
+                </a:solidFill>
+                <a:latin typeface="Arial" panose="020B0604020202020204" pitchFamily="34" charset="0"/>
+                <a:ea typeface="MS PGothic" pitchFamily="34" charset="-128"/>
+                <a:cs typeface="+mn-cs"/>
+              </a:rPr>
+              <a:t>JsonApprovalOutputContractResolver</a:t>
+            </a:r>
+            <a:endParaRPr lang="en-US" sz="900" kern="1200" dirty="0" smtClean="0">
+              <a:solidFill>
+                <a:schemeClr val="tx1"/>
+              </a:solidFill>
+              <a:latin typeface="Arial" panose="020B0604020202020204" pitchFamily="34" charset="0"/>
+              <a:ea typeface="MS PGothic" pitchFamily="34" charset="-128"/>
+              <a:cs typeface="+mn-cs"/>
+            </a:endParaRPr>
+          </a:p>
+          <a:p>
+            <a:endParaRPr lang="en-US" dirty="0" smtClean="0"/>
+          </a:p>
+          <a:p>
+            <a:r>
+              <a:rPr lang="en-US" dirty="0" smtClean="0"/>
+              <a:t>Mention </a:t>
+            </a:r>
+            <a:r>
+              <a:rPr lang="en-US" dirty="0" smtClean="0"/>
+              <a:t>image</a:t>
+            </a:r>
+            <a:r>
+              <a:rPr lang="en-US" baseline="0" dirty="0" smtClean="0"/>
+              <a:t> diffs</a:t>
+            </a:r>
+          </a:p>
+          <a:p>
+            <a:r>
+              <a:rPr lang="en-US" baseline="0" dirty="0" smtClean="0"/>
+              <a:t>Audio Diffs</a:t>
+            </a:r>
+          </a:p>
+          <a:p>
+            <a:r>
+              <a:rPr lang="en-US" baseline="0" dirty="0" smtClean="0"/>
+              <a:t>Also configuration at the method/class/</a:t>
+            </a:r>
+            <a:r>
+              <a:rPr lang="en-US" baseline="0" dirty="0" err="1" smtClean="0"/>
+              <a:t>config</a:t>
+            </a:r>
+            <a:r>
+              <a:rPr lang="en-US" baseline="0" dirty="0" smtClean="0"/>
+              <a:t>/ machine </a:t>
+            </a:r>
+            <a:r>
+              <a:rPr lang="en-US" baseline="0" dirty="0" err="1" smtClean="0"/>
+              <a:t>config</a:t>
+            </a:r>
+            <a:r>
+              <a:rPr lang="en-US" baseline="0" dirty="0" smtClean="0"/>
+              <a:t> </a:t>
+            </a:r>
+            <a:r>
+              <a:rPr lang="en-US" baseline="0" dirty="0" smtClean="0"/>
+              <a:t>override</a:t>
+            </a:r>
+          </a:p>
+          <a:p>
+            <a:r>
+              <a:rPr lang="en-US" baseline="0" dirty="0" smtClean="0"/>
+              <a:t>Mention use of </a:t>
+            </a:r>
+            <a:r>
+              <a:rPr lang="en-US" baseline="0" dirty="0" err="1" smtClean="0"/>
+              <a:t>config</a:t>
+            </a:r>
+            <a:r>
+              <a:rPr lang="en-US" baseline="0" dirty="0" smtClean="0"/>
+              <a:t> for build server.</a:t>
+            </a:r>
+          </a:p>
+          <a:p>
+            <a:endParaRPr lang="en-US" baseline="0" dirty="0" smtClean="0"/>
+          </a:p>
+          <a:p>
+            <a:r>
+              <a:rPr lang="en-US" baseline="0" dirty="0" smtClean="0"/>
+              <a:t>Run</a:t>
+            </a:r>
+          </a:p>
+          <a:p>
+            <a:r>
+              <a:rPr lang="en-US" sz="900" kern="1200" dirty="0" smtClean="0">
+                <a:solidFill>
+                  <a:schemeClr val="tx1"/>
+                </a:solidFill>
+                <a:latin typeface="Arial" panose="020B0604020202020204" pitchFamily="34" charset="0"/>
+                <a:ea typeface="MS PGothic" pitchFamily="34" charset="-128"/>
+                <a:cs typeface="+mn-cs"/>
+              </a:rPr>
+              <a:t>GET_Get_Given_Parameter__When_Executed__Then_Return_Validation_Errors_Html</a:t>
+            </a:r>
+          </a:p>
+          <a:p>
+            <a:endParaRPr lang="en-US" baseline="0" dirty="0" smtClean="0"/>
+          </a:p>
+          <a:p>
+            <a:endParaRPr lang="en-US" baseline="0" dirty="0" smtClean="0"/>
+          </a:p>
+          <a:p>
+            <a:endParaRPr lang="en-US" baseline="0" dirty="0" smtClean="0"/>
           </a:p>
         </p:txBody>
       </p:sp>
@@ -2249,19 +2727,19 @@
           <a:bodyPr/>
           <a:lstStyle/>
           <a:p>
-            <a:fld id="{CA5D3BF3-D352-46FC-8343-31F56E6730EA}" type="slidenum">
-              <a:rPr lang="en-US" smtClean="0"/>
+            <a:fld id="{F9F5467A-33E4-43D8-B5CA-5C9AFC758669}" type="slidenum">
+              <a:rPr lang="en-US" altLang="en-US" smtClean="0"/>
               <a:pPr/>
-              <a:t>24</a:t>
+              <a:t>22</a:t>
             </a:fld>
-            <a:endParaRPr lang="en-US"/>
+            <a:endParaRPr lang="en-US" altLang="en-US"/>
           </a:p>
         </p:txBody>
       </p:sp>
     </p:spTree>
     <p:extLst>
       <p:ext uri="{BB962C8B-B14F-4D97-AF65-F5344CB8AC3E}">
-        <p14:creationId xmlns:p14="http://schemas.microsoft.com/office/powerpoint/2010/main" val="3779475911"/>
+        <p14:creationId xmlns:p14="http://schemas.microsoft.com/office/powerpoint/2010/main" val="4163556701"/>
       </p:ext>
     </p:extLst>
   </p:cSld>
@@ -2298,7 +2776,12 @@
             <p:ph type="sldImg"/>
           </p:nvPr>
         </p:nvSpPr>
-        <p:spPr/>
+        <p:spPr>
+          <a:xfrm>
+            <a:off x="1065213" y="1200150"/>
+            <a:ext cx="5184775" cy="3240088"/>
+          </a:xfrm>
+        </p:spPr>
       </p:sp>
       <p:sp>
         <p:nvSpPr>
@@ -2315,12 +2798,6 @@
           <a:bodyPr/>
           <a:lstStyle/>
           <a:p>
-            <a:r>
-              <a:rPr lang="en-US" dirty="0" smtClean="0"/>
-              <a:t>Run tests</a:t>
-            </a:r>
-          </a:p>
-          <a:p>
             <a:endParaRPr lang="en-US" dirty="0"/>
           </a:p>
         </p:txBody>
@@ -2340,19 +2817,19 @@
           <a:bodyPr/>
           <a:lstStyle/>
           <a:p>
-            <a:fld id="{F9F5467A-33E4-43D8-B5CA-5C9AFC758669}" type="slidenum">
-              <a:rPr lang="en-US" altLang="en-US" smtClean="0"/>
+            <a:fld id="{CA5D3BF3-D352-46FC-8343-31F56E6730EA}" type="slidenum">
+              <a:rPr lang="en-US" smtClean="0"/>
               <a:pPr/>
-              <a:t>25</a:t>
+              <a:t>23</a:t>
             </a:fld>
-            <a:endParaRPr lang="en-US" altLang="en-US"/>
+            <a:endParaRPr lang="en-US"/>
           </a:p>
         </p:txBody>
       </p:sp>
     </p:spTree>
     <p:extLst>
       <p:ext uri="{BB962C8B-B14F-4D97-AF65-F5344CB8AC3E}">
-        <p14:creationId xmlns:p14="http://schemas.microsoft.com/office/powerpoint/2010/main" val="1135719565"/>
+        <p14:creationId xmlns:p14="http://schemas.microsoft.com/office/powerpoint/2010/main" val="3810134010"/>
       </p:ext>
     </p:extLst>
   </p:cSld>
@@ -2433,7 +2910,7 @@
             <a:fld id="{CA5D3BF3-D352-46FC-8343-31F56E6730EA}" type="slidenum">
               <a:rPr lang="en-US" smtClean="0"/>
               <a:pPr/>
-              <a:t>26</a:t>
+              <a:t>24</a:t>
             </a:fld>
             <a:endParaRPr lang="en-US"/>
           </a:p>
@@ -2442,7 +2919,7 @@
     </p:spTree>
     <p:extLst>
       <p:ext uri="{BB962C8B-B14F-4D97-AF65-F5344CB8AC3E}">
-        <p14:creationId xmlns:p14="http://schemas.microsoft.com/office/powerpoint/2010/main" val="1217511885"/>
+        <p14:creationId xmlns:p14="http://schemas.microsoft.com/office/powerpoint/2010/main" val="2298906351"/>
       </p:ext>
     </p:extLst>
   </p:cSld>
@@ -2479,7 +2956,12 @@
             <p:ph type="sldImg"/>
           </p:nvPr>
         </p:nvSpPr>
-        <p:spPr/>
+        <p:spPr>
+          <a:xfrm>
+            <a:off x="1065213" y="1200150"/>
+            <a:ext cx="5184775" cy="3240088"/>
+          </a:xfrm>
+        </p:spPr>
       </p:sp>
       <p:sp>
         <p:nvSpPr>
@@ -2496,14 +2978,6 @@
           <a:bodyPr/>
           <a:lstStyle/>
           <a:p>
-            <a:r>
-              <a:rPr lang="en-US" dirty="0" err="1" smtClean="0"/>
-              <a:t>Buchershop</a:t>
-            </a:r>
-            <a:r>
-              <a:rPr lang="en-US" baseline="0" dirty="0" smtClean="0"/>
-              <a:t> controller tests at the end</a:t>
-            </a:r>
             <a:endParaRPr lang="en-US" dirty="0"/>
           </a:p>
         </p:txBody>
@@ -2523,19 +2997,19 @@
           <a:bodyPr/>
           <a:lstStyle/>
           <a:p>
-            <a:fld id="{F9F5467A-33E4-43D8-B5CA-5C9AFC758669}" type="slidenum">
-              <a:rPr lang="en-US" altLang="en-US" smtClean="0"/>
+            <a:fld id="{CA5D3BF3-D352-46FC-8343-31F56E6730EA}" type="slidenum">
+              <a:rPr lang="en-US" smtClean="0"/>
               <a:pPr/>
-              <a:t>27</a:t>
+              <a:t>25</a:t>
             </a:fld>
-            <a:endParaRPr lang="en-US" altLang="en-US"/>
+            <a:endParaRPr lang="en-US"/>
           </a:p>
         </p:txBody>
       </p:sp>
     </p:spTree>
     <p:extLst>
       <p:ext uri="{BB962C8B-B14F-4D97-AF65-F5344CB8AC3E}">
-        <p14:creationId xmlns:p14="http://schemas.microsoft.com/office/powerpoint/2010/main" val="1937335927"/>
+        <p14:creationId xmlns:p14="http://schemas.microsoft.com/office/powerpoint/2010/main" val="3779475911"/>
       </p:ext>
     </p:extLst>
   </p:cSld>
@@ -2572,12 +3046,7 @@
             <p:ph type="sldImg"/>
           </p:nvPr>
         </p:nvSpPr>
-        <p:spPr>
-          <a:xfrm>
-            <a:off x="1065213" y="1200150"/>
-            <a:ext cx="5184775" cy="3240088"/>
-          </a:xfrm>
-        </p:spPr>
+        <p:spPr/>
       </p:sp>
       <p:sp>
         <p:nvSpPr>
@@ -2594,7 +3063,218 @@
           <a:bodyPr/>
           <a:lstStyle/>
           <a:p>
-            <a:endParaRPr lang="en-US" dirty="0"/>
+            <a:r>
+              <a:rPr lang="en-US" sz="900" kern="1200" dirty="0" smtClean="0">
+                <a:solidFill>
+                  <a:schemeClr val="tx1"/>
+                </a:solidFill>
+                <a:latin typeface="Arial" panose="020B0604020202020204" pitchFamily="34" charset="0"/>
+                <a:ea typeface="MS PGothic" pitchFamily="34" charset="-128"/>
+                <a:cs typeface="+mn-cs"/>
+              </a:rPr>
+              <a:t>API Controller</a:t>
+            </a:r>
+            <a:r>
+              <a:rPr lang="en-US" sz="900" kern="1200" baseline="0" dirty="0" smtClean="0">
+                <a:solidFill>
+                  <a:schemeClr val="tx1"/>
+                </a:solidFill>
+                <a:latin typeface="Arial" panose="020B0604020202020204" pitchFamily="34" charset="0"/>
+                <a:ea typeface="MS PGothic" pitchFamily="34" charset="-128"/>
+                <a:cs typeface="+mn-cs"/>
+              </a:rPr>
+              <a:t> Tests:</a:t>
+            </a:r>
+            <a:endParaRPr lang="en-US" sz="900" kern="1200" dirty="0" smtClean="0">
+              <a:solidFill>
+                <a:schemeClr val="tx1"/>
+              </a:solidFill>
+              <a:latin typeface="Arial" panose="020B0604020202020204" pitchFamily="34" charset="0"/>
+              <a:ea typeface="MS PGothic" pitchFamily="34" charset="-128"/>
+              <a:cs typeface="+mn-cs"/>
+            </a:endParaRPr>
+          </a:p>
+          <a:p>
+            <a:r>
+              <a:rPr lang="en-US" sz="900" kern="1200" dirty="0" smtClean="0">
+                <a:solidFill>
+                  <a:schemeClr val="tx1"/>
+                </a:solidFill>
+                <a:latin typeface="Arial" panose="020B0604020202020204" pitchFamily="34" charset="0"/>
+                <a:ea typeface="MS PGothic" pitchFamily="34" charset="-128"/>
+                <a:cs typeface="+mn-cs"/>
+              </a:rPr>
+              <a:t>GET_Get_Given_Null_Parameter__When_Executed__Then_Return_Validation_Error_ManualAssertion</a:t>
+            </a:r>
+          </a:p>
+          <a:p>
+            <a:endParaRPr lang="en-US" sz="900" kern="1200" dirty="0" smtClean="0">
+              <a:solidFill>
+                <a:schemeClr val="tx1"/>
+              </a:solidFill>
+              <a:latin typeface="Arial" panose="020B0604020202020204" pitchFamily="34" charset="0"/>
+              <a:ea typeface="MS PGothic" pitchFamily="34" charset="-128"/>
+              <a:cs typeface="+mn-cs"/>
+            </a:endParaRPr>
+          </a:p>
+          <a:p>
+            <a:r>
+              <a:rPr lang="en-US" sz="900" kern="1200" dirty="0" smtClean="0">
+                <a:solidFill>
+                  <a:schemeClr val="tx1"/>
+                </a:solidFill>
+                <a:latin typeface="Arial" panose="020B0604020202020204" pitchFamily="34" charset="0"/>
+                <a:ea typeface="MS PGothic" pitchFamily="34" charset="-128"/>
+                <a:cs typeface="+mn-cs"/>
+              </a:rPr>
+              <a:t>GET_Get_Given_Min_Parameter__When_Executed__Then_Return_Validation_Error_ManualAssertion</a:t>
+            </a:r>
+          </a:p>
+          <a:p>
+            <a:endParaRPr lang="en-US" sz="900" kern="1200" dirty="0" smtClean="0">
+              <a:solidFill>
+                <a:schemeClr val="tx1"/>
+              </a:solidFill>
+              <a:latin typeface="Arial" panose="020B0604020202020204" pitchFamily="34" charset="0"/>
+              <a:ea typeface="MS PGothic" pitchFamily="34" charset="-128"/>
+              <a:cs typeface="+mn-cs"/>
+            </a:endParaRPr>
+          </a:p>
+          <a:p>
+            <a:r>
+              <a:rPr lang="en-US" sz="900" kern="1200" dirty="0" smtClean="0">
+                <a:solidFill>
+                  <a:schemeClr val="tx1"/>
+                </a:solidFill>
+                <a:latin typeface="Arial" panose="020B0604020202020204" pitchFamily="34" charset="0"/>
+                <a:ea typeface="MS PGothic" pitchFamily="34" charset="-128"/>
+                <a:cs typeface="+mn-cs"/>
+              </a:rPr>
+              <a:t>GET_Get_Given_Parameter__When_Executed__Then_Return_Validation_Errors</a:t>
+            </a:r>
+          </a:p>
+          <a:p>
+            <a:endParaRPr lang="en-US" sz="900" kern="1200" dirty="0" smtClean="0">
+              <a:solidFill>
+                <a:schemeClr val="tx1"/>
+              </a:solidFill>
+              <a:latin typeface="Arial" panose="020B0604020202020204" pitchFamily="34" charset="0"/>
+              <a:ea typeface="MS PGothic" pitchFamily="34" charset="-128"/>
+              <a:cs typeface="+mn-cs"/>
+            </a:endParaRPr>
+          </a:p>
+          <a:p>
+            <a:r>
+              <a:rPr lang="en-US" sz="900" kern="1200" dirty="0" smtClean="0">
+                <a:solidFill>
+                  <a:schemeClr val="tx1"/>
+                </a:solidFill>
+                <a:latin typeface="Arial" panose="020B0604020202020204" pitchFamily="34" charset="0"/>
+                <a:ea typeface="MS PGothic" pitchFamily="34" charset="-128"/>
+                <a:cs typeface="+mn-cs"/>
+              </a:rPr>
+              <a:t>Go over</a:t>
+            </a:r>
+            <a:r>
+              <a:rPr lang="en-US" sz="900" kern="1200" baseline="0" dirty="0" smtClean="0">
+                <a:solidFill>
+                  <a:schemeClr val="tx1"/>
+                </a:solidFill>
+                <a:latin typeface="Arial" panose="020B0604020202020204" pitchFamily="34" charset="0"/>
+                <a:ea typeface="MS PGothic" pitchFamily="34" charset="-128"/>
+                <a:cs typeface="+mn-cs"/>
+              </a:rPr>
+              <a:t> </a:t>
+            </a:r>
+          </a:p>
+          <a:p>
+            <a:r>
+              <a:rPr lang="en-US" sz="900" kern="1200" dirty="0" err="1" smtClean="0">
+                <a:solidFill>
+                  <a:schemeClr val="tx1"/>
+                </a:solidFill>
+                <a:latin typeface="Arial" panose="020B0604020202020204" pitchFamily="34" charset="0"/>
+                <a:ea typeface="MS PGothic" pitchFamily="34" charset="-128"/>
+                <a:cs typeface="+mn-cs"/>
+              </a:rPr>
+              <a:t>ApprovalUtilities.SimpleLogger</a:t>
+            </a:r>
+            <a:r>
+              <a:rPr lang="en-US" sz="900" kern="1200" dirty="0" smtClean="0">
+                <a:solidFill>
+                  <a:schemeClr val="tx1"/>
+                </a:solidFill>
+                <a:latin typeface="Arial" panose="020B0604020202020204" pitchFamily="34" charset="0"/>
+                <a:ea typeface="MS PGothic" pitchFamily="34" charset="-128"/>
+                <a:cs typeface="+mn-cs"/>
+              </a:rPr>
+              <a:t>;</a:t>
+            </a:r>
+          </a:p>
+          <a:p>
+            <a:r>
+              <a:rPr lang="en-US" sz="900" kern="1200" dirty="0" err="1" smtClean="0">
+                <a:solidFill>
+                  <a:schemeClr val="tx1"/>
+                </a:solidFill>
+                <a:latin typeface="Arial" panose="020B0604020202020204" pitchFamily="34" charset="0"/>
+                <a:ea typeface="MS PGothic" pitchFamily="34" charset="-128"/>
+                <a:cs typeface="+mn-cs"/>
+              </a:rPr>
+              <a:t>CombinationApprovals</a:t>
+            </a:r>
+            <a:endParaRPr lang="en-US" sz="900" kern="1200" dirty="0" smtClean="0">
+              <a:solidFill>
+                <a:schemeClr val="tx1"/>
+              </a:solidFill>
+              <a:latin typeface="Arial" panose="020B0604020202020204" pitchFamily="34" charset="0"/>
+              <a:ea typeface="MS PGothic" pitchFamily="34" charset="-128"/>
+              <a:cs typeface="+mn-cs"/>
+            </a:endParaRPr>
+          </a:p>
+          <a:p>
+            <a:endParaRPr lang="en-US" sz="900" kern="1200" dirty="0" smtClean="0">
+              <a:solidFill>
+                <a:schemeClr val="tx1"/>
+              </a:solidFill>
+              <a:latin typeface="Arial" panose="020B0604020202020204" pitchFamily="34" charset="0"/>
+              <a:ea typeface="MS PGothic" pitchFamily="34" charset="-128"/>
+              <a:cs typeface="+mn-cs"/>
+            </a:endParaRPr>
+          </a:p>
+          <a:p>
+            <a:r>
+              <a:rPr lang="en-US" sz="900" kern="1200" dirty="0" err="1" smtClean="0">
+                <a:solidFill>
+                  <a:schemeClr val="tx1"/>
+                </a:solidFill>
+                <a:latin typeface="Arial" panose="020B0604020202020204" pitchFamily="34" charset="0"/>
+                <a:ea typeface="MS PGothic" pitchFamily="34" charset="-128"/>
+                <a:cs typeface="+mn-cs"/>
+              </a:rPr>
+              <a:t>TestMultiple</a:t>
+            </a:r>
+            <a:r>
+              <a:rPr lang="en-US" sz="900" kern="1200" dirty="0" smtClean="0">
+                <a:solidFill>
+                  <a:schemeClr val="tx1"/>
+                </a:solidFill>
+                <a:latin typeface="Arial" panose="020B0604020202020204" pitchFamily="34" charset="0"/>
+                <a:ea typeface="MS PGothic" pitchFamily="34" charset="-128"/>
+                <a:cs typeface="+mn-cs"/>
+              </a:rPr>
+              <a:t>() test</a:t>
+            </a:r>
+          </a:p>
+          <a:p>
+            <a:endParaRPr lang="en-US" sz="900" kern="1200" dirty="0" smtClean="0">
+              <a:solidFill>
+                <a:schemeClr val="tx1"/>
+              </a:solidFill>
+              <a:latin typeface="Arial" panose="020B0604020202020204" pitchFamily="34" charset="0"/>
+              <a:ea typeface="MS PGothic" pitchFamily="34" charset="-128"/>
+              <a:cs typeface="+mn-cs"/>
+            </a:endParaRPr>
           </a:p>
         </p:txBody>
       </p:sp>
@@ -2613,19 +3293,19 @@
           <a:bodyPr/>
           <a:lstStyle/>
           <a:p>
-            <a:fld id="{CA5D3BF3-D352-46FC-8343-31F56E6730EA}" type="slidenum">
-              <a:rPr lang="en-US" smtClean="0"/>
+            <a:fld id="{F9F5467A-33E4-43D8-B5CA-5C9AFC758669}" type="slidenum">
+              <a:rPr lang="en-US" altLang="en-US" smtClean="0"/>
               <a:pPr/>
-              <a:t>28</a:t>
+              <a:t>26</a:t>
             </a:fld>
-            <a:endParaRPr lang="en-US"/>
+            <a:endParaRPr lang="en-US" altLang="en-US"/>
           </a:p>
         </p:txBody>
       </p:sp>
     </p:spTree>
     <p:extLst>
       <p:ext uri="{BB962C8B-B14F-4D97-AF65-F5344CB8AC3E}">
-        <p14:creationId xmlns:p14="http://schemas.microsoft.com/office/powerpoint/2010/main" val="278104447"/>
+        <p14:creationId xmlns:p14="http://schemas.microsoft.com/office/powerpoint/2010/main" val="1135719565"/>
       </p:ext>
     </p:extLst>
   </p:cSld>
@@ -2706,7 +3386,7 @@
             <a:fld id="{CA5D3BF3-D352-46FC-8343-31F56E6730EA}" type="slidenum">
               <a:rPr lang="en-US" smtClean="0"/>
               <a:pPr/>
-              <a:t>30</a:t>
+              <a:t>27</a:t>
             </a:fld>
             <a:endParaRPr lang="en-US"/>
           </a:p>
@@ -2715,7 +3395,7 @@
     </p:spTree>
     <p:extLst>
       <p:ext uri="{BB962C8B-B14F-4D97-AF65-F5344CB8AC3E}">
-        <p14:creationId xmlns:p14="http://schemas.microsoft.com/office/powerpoint/2010/main" val="1320626204"/>
+        <p14:creationId xmlns:p14="http://schemas.microsoft.com/office/powerpoint/2010/main" val="1217511885"/>
       </p:ext>
     </p:extLst>
   </p:cSld>
@@ -2770,8 +3450,15 @@
           <a:lstStyle/>
           <a:p>
             <a:r>
-              <a:rPr lang="en-US" dirty="0" smtClean="0"/>
-              <a:t>Validation Input Tests</a:t>
+              <a:rPr lang="en-US" sz="900" kern="1200" dirty="0" err="1" smtClean="0">
+                <a:solidFill>
+                  <a:schemeClr val="tx1"/>
+                </a:solidFill>
+                <a:latin typeface="Arial" panose="020B0604020202020204" pitchFamily="34" charset="0"/>
+                <a:ea typeface="MS PGothic" pitchFamily="34" charset="-128"/>
+                <a:cs typeface="+mn-cs"/>
+              </a:rPr>
+              <a:t>GET_Get_API_JsonTest</a:t>
             </a:r>
             <a:endParaRPr lang="en-US" dirty="0"/>
           </a:p>
@@ -2795,7 +3482,7 @@
             <a:fld id="{F9F5467A-33E4-43D8-B5CA-5C9AFC758669}" type="slidenum">
               <a:rPr lang="en-US" altLang="en-US" smtClean="0"/>
               <a:pPr/>
-              <a:t>31</a:t>
+              <a:t>28</a:t>
             </a:fld>
             <a:endParaRPr lang="en-US" altLang="en-US"/>
           </a:p>
@@ -2804,7 +3491,7 @@
     </p:spTree>
     <p:extLst>
       <p:ext uri="{BB962C8B-B14F-4D97-AF65-F5344CB8AC3E}">
-        <p14:creationId xmlns:p14="http://schemas.microsoft.com/office/powerpoint/2010/main" val="2460511176"/>
+        <p14:creationId xmlns:p14="http://schemas.microsoft.com/office/powerpoint/2010/main" val="1937335927"/>
       </p:ext>
     </p:extLst>
   </p:cSld>
@@ -2885,7 +3572,7 @@
             <a:fld id="{CA5D3BF3-D352-46FC-8343-31F56E6730EA}" type="slidenum">
               <a:rPr lang="en-US" smtClean="0"/>
               <a:pPr/>
-              <a:t>32</a:t>
+              <a:t>29</a:t>
             </a:fld>
             <a:endParaRPr lang="en-US"/>
           </a:p>
@@ -2894,7 +3581,145 @@
     </p:spTree>
     <p:extLst>
       <p:ext uri="{BB962C8B-B14F-4D97-AF65-F5344CB8AC3E}">
-        <p14:creationId xmlns:p14="http://schemas.microsoft.com/office/powerpoint/2010/main" val="795984873"/>
+        <p14:creationId xmlns:p14="http://schemas.microsoft.com/office/powerpoint/2010/main" val="278104447"/>
+      </p:ext>
+    </p:extLst>
+  </p:cSld>
+  <p:clrMapOvr>
+    <a:masterClrMapping/>
+  </p:clrMapOvr>
+</p:notes>
+</file>
+
+<file path=ppt/notesSlides/notesSlide29.xml><?xml version="1.0" encoding="utf-8"?>
+<p:notes xmlns:a="http://schemas.openxmlformats.org/drawingml/2006/main" xmlns:r="http://schemas.openxmlformats.org/officeDocument/2006/relationships" xmlns:p="http://schemas.openxmlformats.org/presentationml/2006/main">
+  <p:cSld>
+    <p:spTree>
+      <p:nvGrpSpPr>
+        <p:cNvPr id="1" name=""/>
+        <p:cNvGrpSpPr/>
+        <p:nvPr/>
+      </p:nvGrpSpPr>
+      <p:grpSpPr>
+        <a:xfrm>
+          <a:off x="0" y="0"/>
+          <a:ext cx="0" cy="0"/>
+          <a:chOff x="0" y="0"/>
+          <a:chExt cx="0" cy="0"/>
+        </a:xfrm>
+      </p:grpSpPr>
+      <p:sp>
+        <p:nvSpPr>
+          <p:cNvPr id="2" name="Slide Image Placeholder 1"/>
+          <p:cNvSpPr>
+            <a:spLocks noGrp="1" noRot="1" noChangeAspect="1"/>
+          </p:cNvSpPr>
+          <p:nvPr>
+            <p:ph type="sldImg"/>
+          </p:nvPr>
+        </p:nvSpPr>
+        <p:spPr/>
+      </p:sp>
+      <p:sp>
+        <p:nvSpPr>
+          <p:cNvPr id="3" name="Notes Placeholder 2"/>
+          <p:cNvSpPr>
+            <a:spLocks noGrp="1"/>
+          </p:cNvSpPr>
+          <p:nvPr>
+            <p:ph type="body" idx="1"/>
+          </p:nvPr>
+        </p:nvSpPr>
+        <p:spPr/>
+        <p:txBody>
+          <a:bodyPr/>
+          <a:lstStyle/>
+          <a:p>
+            <a:r>
+              <a:rPr lang="en-US" sz="900" kern="1200" dirty="0" err="1" smtClean="0">
+                <a:solidFill>
+                  <a:schemeClr val="tx1"/>
+                </a:solidFill>
+                <a:latin typeface="Arial" panose="020B0604020202020204" pitchFamily="34" charset="0"/>
+                <a:ea typeface="MS PGothic" pitchFamily="34" charset="-128"/>
+                <a:cs typeface="+mn-cs"/>
+              </a:rPr>
+              <a:t>HomeControllerTests</a:t>
+            </a:r>
+            <a:endParaRPr lang="en-US" sz="900" kern="1200" dirty="0" smtClean="0">
+              <a:solidFill>
+                <a:schemeClr val="tx1"/>
+              </a:solidFill>
+              <a:latin typeface="Arial" panose="020B0604020202020204" pitchFamily="34" charset="0"/>
+              <a:ea typeface="MS PGothic" pitchFamily="34" charset="-128"/>
+              <a:cs typeface="+mn-cs"/>
+            </a:endParaRPr>
+          </a:p>
+          <a:p>
+            <a:endParaRPr lang="en-US" sz="900" kern="1200" dirty="0" smtClean="0">
+              <a:solidFill>
+                <a:schemeClr val="tx1"/>
+              </a:solidFill>
+              <a:latin typeface="Arial" panose="020B0604020202020204" pitchFamily="34" charset="0"/>
+              <a:ea typeface="MS PGothic" pitchFamily="34" charset="-128"/>
+              <a:cs typeface="+mn-cs"/>
+            </a:endParaRPr>
+          </a:p>
+          <a:p>
+            <a:r>
+              <a:rPr lang="en-US" sz="900" kern="1200" dirty="0" smtClean="0">
+                <a:solidFill>
+                  <a:schemeClr val="tx1"/>
+                </a:solidFill>
+                <a:latin typeface="Arial" panose="020B0604020202020204" pitchFamily="34" charset="0"/>
+                <a:ea typeface="MS PGothic" pitchFamily="34" charset="-128"/>
+                <a:cs typeface="+mn-cs"/>
+              </a:rPr>
+              <a:t>Show razor</a:t>
+            </a:r>
+            <a:r>
+              <a:rPr lang="en-US" sz="900" kern="1200" baseline="0" dirty="0" smtClean="0">
+                <a:solidFill>
+                  <a:schemeClr val="tx1"/>
+                </a:solidFill>
+                <a:latin typeface="Arial" panose="020B0604020202020204" pitchFamily="34" charset="0"/>
+                <a:ea typeface="MS PGothic" pitchFamily="34" charset="-128"/>
+                <a:cs typeface="+mn-cs"/>
+              </a:rPr>
+              <a:t> generator extension and file properties of a view.</a:t>
+            </a:r>
+            <a:endParaRPr lang="en-US" dirty="0"/>
+          </a:p>
+        </p:txBody>
+      </p:sp>
+      <p:sp>
+        <p:nvSpPr>
+          <p:cNvPr id="4" name="Slide Number Placeholder 3"/>
+          <p:cNvSpPr>
+            <a:spLocks noGrp="1"/>
+          </p:cNvSpPr>
+          <p:nvPr>
+            <p:ph type="sldNum" sz="quarter" idx="10"/>
+          </p:nvPr>
+        </p:nvSpPr>
+        <p:spPr/>
+        <p:txBody>
+          <a:bodyPr/>
+          <a:lstStyle/>
+          <a:p>
+            <a:fld id="{F9F5467A-33E4-43D8-B5CA-5C9AFC758669}" type="slidenum">
+              <a:rPr lang="en-US" altLang="en-US" smtClean="0"/>
+              <a:pPr/>
+              <a:t>30</a:t>
+            </a:fld>
+            <a:endParaRPr lang="en-US" altLang="en-US"/>
+          </a:p>
+        </p:txBody>
+      </p:sp>
+    </p:spTree>
+    <p:extLst>
+      <p:ext uri="{BB962C8B-B14F-4D97-AF65-F5344CB8AC3E}">
+        <p14:creationId xmlns:p14="http://schemas.microsoft.com/office/powerpoint/2010/main" val="2414514750"/>
       </p:ext>
     </p:extLst>
   </p:cSld>
@@ -3053,6 +3878,575 @@
     <p:extLst>
       <p:ext uri="{BB962C8B-B14F-4D97-AF65-F5344CB8AC3E}">
         <p14:creationId xmlns:p14="http://schemas.microsoft.com/office/powerpoint/2010/main" val="1747950903"/>
+      </p:ext>
+    </p:extLst>
+  </p:cSld>
+  <p:clrMapOvr>
+    <a:masterClrMapping/>
+  </p:clrMapOvr>
+</p:notes>
+</file>
+
+<file path=ppt/notesSlides/notesSlide30.xml><?xml version="1.0" encoding="utf-8"?>
+<p:notes xmlns:a="http://schemas.openxmlformats.org/drawingml/2006/main" xmlns:r="http://schemas.openxmlformats.org/officeDocument/2006/relationships" xmlns:p="http://schemas.openxmlformats.org/presentationml/2006/main">
+  <p:cSld>
+    <p:spTree>
+      <p:nvGrpSpPr>
+        <p:cNvPr id="1" name=""/>
+        <p:cNvGrpSpPr/>
+        <p:nvPr/>
+      </p:nvGrpSpPr>
+      <p:grpSpPr>
+        <a:xfrm>
+          <a:off x="0" y="0"/>
+          <a:ext cx="0" cy="0"/>
+          <a:chOff x="0" y="0"/>
+          <a:chExt cx="0" cy="0"/>
+        </a:xfrm>
+      </p:grpSpPr>
+      <p:sp>
+        <p:nvSpPr>
+          <p:cNvPr id="2" name="Slide Image Placeholder 1"/>
+          <p:cNvSpPr>
+            <a:spLocks noGrp="1" noRot="1" noChangeAspect="1"/>
+          </p:cNvSpPr>
+          <p:nvPr>
+            <p:ph type="sldImg"/>
+          </p:nvPr>
+        </p:nvSpPr>
+        <p:spPr>
+          <a:xfrm>
+            <a:off x="1065213" y="1200150"/>
+            <a:ext cx="5184775" cy="3240088"/>
+          </a:xfrm>
+        </p:spPr>
+      </p:sp>
+      <p:sp>
+        <p:nvSpPr>
+          <p:cNvPr id="3" name="Notes Placeholder 2"/>
+          <p:cNvSpPr>
+            <a:spLocks noGrp="1"/>
+          </p:cNvSpPr>
+          <p:nvPr>
+            <p:ph type="body" idx="1"/>
+          </p:nvPr>
+        </p:nvSpPr>
+        <p:spPr/>
+        <p:txBody>
+          <a:bodyPr/>
+          <a:lstStyle/>
+          <a:p>
+            <a:endParaRPr lang="en-US" dirty="0"/>
+          </a:p>
+        </p:txBody>
+      </p:sp>
+      <p:sp>
+        <p:nvSpPr>
+          <p:cNvPr id="4" name="Slide Number Placeholder 3"/>
+          <p:cNvSpPr>
+            <a:spLocks noGrp="1"/>
+          </p:cNvSpPr>
+          <p:nvPr>
+            <p:ph type="sldNum" sz="quarter" idx="10"/>
+          </p:nvPr>
+        </p:nvSpPr>
+        <p:spPr/>
+        <p:txBody>
+          <a:bodyPr/>
+          <a:lstStyle/>
+          <a:p>
+            <a:fld id="{CA5D3BF3-D352-46FC-8343-31F56E6730EA}" type="slidenum">
+              <a:rPr lang="en-US" smtClean="0"/>
+              <a:pPr/>
+              <a:t>31</a:t>
+            </a:fld>
+            <a:endParaRPr lang="en-US"/>
+          </a:p>
+        </p:txBody>
+      </p:sp>
+    </p:spTree>
+    <p:extLst>
+      <p:ext uri="{BB962C8B-B14F-4D97-AF65-F5344CB8AC3E}">
+        <p14:creationId xmlns:p14="http://schemas.microsoft.com/office/powerpoint/2010/main" val="1320626204"/>
+      </p:ext>
+    </p:extLst>
+  </p:cSld>
+  <p:clrMapOvr>
+    <a:masterClrMapping/>
+  </p:clrMapOvr>
+</p:notes>
+</file>
+
+<file path=ppt/notesSlides/notesSlide31.xml><?xml version="1.0" encoding="utf-8"?>
+<p:notes xmlns:a="http://schemas.openxmlformats.org/drawingml/2006/main" xmlns:r="http://schemas.openxmlformats.org/officeDocument/2006/relationships" xmlns:p="http://schemas.openxmlformats.org/presentationml/2006/main">
+  <p:cSld>
+    <p:spTree>
+      <p:nvGrpSpPr>
+        <p:cNvPr id="1" name=""/>
+        <p:cNvGrpSpPr/>
+        <p:nvPr/>
+      </p:nvGrpSpPr>
+      <p:grpSpPr>
+        <a:xfrm>
+          <a:off x="0" y="0"/>
+          <a:ext cx="0" cy="0"/>
+          <a:chOff x="0" y="0"/>
+          <a:chExt cx="0" cy="0"/>
+        </a:xfrm>
+      </p:grpSpPr>
+      <p:sp>
+        <p:nvSpPr>
+          <p:cNvPr id="2" name="Slide Image Placeholder 1"/>
+          <p:cNvSpPr>
+            <a:spLocks noGrp="1" noRot="1" noChangeAspect="1"/>
+          </p:cNvSpPr>
+          <p:nvPr>
+            <p:ph type="sldImg"/>
+          </p:nvPr>
+        </p:nvSpPr>
+        <p:spPr/>
+      </p:sp>
+      <p:sp>
+        <p:nvSpPr>
+          <p:cNvPr id="3" name="Notes Placeholder 2"/>
+          <p:cNvSpPr>
+            <a:spLocks noGrp="1"/>
+          </p:cNvSpPr>
+          <p:nvPr>
+            <p:ph type="body" idx="1"/>
+          </p:nvPr>
+        </p:nvSpPr>
+        <p:spPr/>
+        <p:txBody>
+          <a:bodyPr/>
+          <a:lstStyle/>
+          <a:p>
+            <a:r>
+              <a:rPr lang="en-US" sz="900" kern="1200" dirty="0" err="1" smtClean="0">
+                <a:solidFill>
+                  <a:schemeClr val="tx1"/>
+                </a:solidFill>
+                <a:latin typeface="Arial" panose="020B0604020202020204" pitchFamily="34" charset="0"/>
+                <a:ea typeface="MS PGothic" pitchFamily="34" charset="-128"/>
+                <a:cs typeface="+mn-cs"/>
+              </a:rPr>
+              <a:t>TestLogger</a:t>
+            </a:r>
+            <a:r>
+              <a:rPr lang="en-US" sz="900" kern="1200" dirty="0" smtClean="0">
+                <a:solidFill>
+                  <a:schemeClr val="tx1"/>
+                </a:solidFill>
+                <a:latin typeface="Arial" panose="020B0604020202020204" pitchFamily="34" charset="0"/>
+                <a:ea typeface="MS PGothic" pitchFamily="34" charset="-128"/>
+                <a:cs typeface="+mn-cs"/>
+              </a:rPr>
+              <a:t> test</a:t>
+            </a:r>
+            <a:endParaRPr lang="en-US" dirty="0"/>
+          </a:p>
+        </p:txBody>
+      </p:sp>
+      <p:sp>
+        <p:nvSpPr>
+          <p:cNvPr id="4" name="Slide Number Placeholder 3"/>
+          <p:cNvSpPr>
+            <a:spLocks noGrp="1"/>
+          </p:cNvSpPr>
+          <p:nvPr>
+            <p:ph type="sldNum" sz="quarter" idx="10"/>
+          </p:nvPr>
+        </p:nvSpPr>
+        <p:spPr/>
+        <p:txBody>
+          <a:bodyPr/>
+          <a:lstStyle/>
+          <a:p>
+            <a:fld id="{F9F5467A-33E4-43D8-B5CA-5C9AFC758669}" type="slidenum">
+              <a:rPr lang="en-US" altLang="en-US" smtClean="0"/>
+              <a:pPr/>
+              <a:t>32</a:t>
+            </a:fld>
+            <a:endParaRPr lang="en-US" altLang="en-US"/>
+          </a:p>
+        </p:txBody>
+      </p:sp>
+    </p:spTree>
+    <p:extLst>
+      <p:ext uri="{BB962C8B-B14F-4D97-AF65-F5344CB8AC3E}">
+        <p14:creationId xmlns:p14="http://schemas.microsoft.com/office/powerpoint/2010/main" val="2460511176"/>
+      </p:ext>
+    </p:extLst>
+  </p:cSld>
+  <p:clrMapOvr>
+    <a:masterClrMapping/>
+  </p:clrMapOvr>
+</p:notes>
+</file>
+
+<file path=ppt/notesSlides/notesSlide32.xml><?xml version="1.0" encoding="utf-8"?>
+<p:notes xmlns:a="http://schemas.openxmlformats.org/drawingml/2006/main" xmlns:r="http://schemas.openxmlformats.org/officeDocument/2006/relationships" xmlns:p="http://schemas.openxmlformats.org/presentationml/2006/main">
+  <p:cSld>
+    <p:spTree>
+      <p:nvGrpSpPr>
+        <p:cNvPr id="1" name=""/>
+        <p:cNvGrpSpPr/>
+        <p:nvPr/>
+      </p:nvGrpSpPr>
+      <p:grpSpPr>
+        <a:xfrm>
+          <a:off x="0" y="0"/>
+          <a:ext cx="0" cy="0"/>
+          <a:chOff x="0" y="0"/>
+          <a:chExt cx="0" cy="0"/>
+        </a:xfrm>
+      </p:grpSpPr>
+      <p:sp>
+        <p:nvSpPr>
+          <p:cNvPr id="2" name="Slide Image Placeholder 1"/>
+          <p:cNvSpPr>
+            <a:spLocks noGrp="1" noRot="1" noChangeAspect="1"/>
+          </p:cNvSpPr>
+          <p:nvPr>
+            <p:ph type="sldImg"/>
+          </p:nvPr>
+        </p:nvSpPr>
+        <p:spPr>
+          <a:xfrm>
+            <a:off x="1065213" y="1200150"/>
+            <a:ext cx="5184775" cy="3240088"/>
+          </a:xfrm>
+        </p:spPr>
+      </p:sp>
+      <p:sp>
+        <p:nvSpPr>
+          <p:cNvPr id="3" name="Notes Placeholder 2"/>
+          <p:cNvSpPr>
+            <a:spLocks noGrp="1"/>
+          </p:cNvSpPr>
+          <p:nvPr>
+            <p:ph type="body" idx="1"/>
+          </p:nvPr>
+        </p:nvSpPr>
+        <p:spPr/>
+        <p:txBody>
+          <a:bodyPr/>
+          <a:lstStyle/>
+          <a:p>
+            <a:endParaRPr lang="en-US" dirty="0"/>
+          </a:p>
+        </p:txBody>
+      </p:sp>
+      <p:sp>
+        <p:nvSpPr>
+          <p:cNvPr id="4" name="Slide Number Placeholder 3"/>
+          <p:cNvSpPr>
+            <a:spLocks noGrp="1"/>
+          </p:cNvSpPr>
+          <p:nvPr>
+            <p:ph type="sldNum" sz="quarter" idx="10"/>
+          </p:nvPr>
+        </p:nvSpPr>
+        <p:spPr/>
+        <p:txBody>
+          <a:bodyPr/>
+          <a:lstStyle/>
+          <a:p>
+            <a:fld id="{CA5D3BF3-D352-46FC-8343-31F56E6730EA}" type="slidenum">
+              <a:rPr lang="en-US" smtClean="0"/>
+              <a:pPr/>
+              <a:t>33</a:t>
+            </a:fld>
+            <a:endParaRPr lang="en-US"/>
+          </a:p>
+        </p:txBody>
+      </p:sp>
+    </p:spTree>
+    <p:extLst>
+      <p:ext uri="{BB962C8B-B14F-4D97-AF65-F5344CB8AC3E}">
+        <p14:creationId xmlns:p14="http://schemas.microsoft.com/office/powerpoint/2010/main" val="2343067105"/>
+      </p:ext>
+    </p:extLst>
+  </p:cSld>
+  <p:clrMapOvr>
+    <a:masterClrMapping/>
+  </p:clrMapOvr>
+</p:notes>
+</file>
+
+<file path=ppt/notesSlides/notesSlide33.xml><?xml version="1.0" encoding="utf-8"?>
+<p:notes xmlns:a="http://schemas.openxmlformats.org/drawingml/2006/main" xmlns:r="http://schemas.openxmlformats.org/officeDocument/2006/relationships" xmlns:p="http://schemas.openxmlformats.org/presentationml/2006/main">
+  <p:cSld>
+    <p:spTree>
+      <p:nvGrpSpPr>
+        <p:cNvPr id="1" name=""/>
+        <p:cNvGrpSpPr/>
+        <p:nvPr/>
+      </p:nvGrpSpPr>
+      <p:grpSpPr>
+        <a:xfrm>
+          <a:off x="0" y="0"/>
+          <a:ext cx="0" cy="0"/>
+          <a:chOff x="0" y="0"/>
+          <a:chExt cx="0" cy="0"/>
+        </a:xfrm>
+      </p:grpSpPr>
+      <p:sp>
+        <p:nvSpPr>
+          <p:cNvPr id="2" name="Slide Image Placeholder 1"/>
+          <p:cNvSpPr>
+            <a:spLocks noGrp="1" noRot="1" noChangeAspect="1"/>
+          </p:cNvSpPr>
+          <p:nvPr>
+            <p:ph type="sldImg"/>
+          </p:nvPr>
+        </p:nvSpPr>
+        <p:spPr/>
+      </p:sp>
+      <p:sp>
+        <p:nvSpPr>
+          <p:cNvPr id="3" name="Notes Placeholder 2"/>
+          <p:cNvSpPr>
+            <a:spLocks noGrp="1"/>
+          </p:cNvSpPr>
+          <p:nvPr>
+            <p:ph type="body" idx="1"/>
+          </p:nvPr>
+        </p:nvSpPr>
+        <p:spPr/>
+        <p:txBody>
+          <a:bodyPr/>
+          <a:lstStyle/>
+          <a:p>
+            <a:r>
+              <a:rPr lang="en-US" sz="900" kern="1200" dirty="0" err="1" smtClean="0">
+                <a:solidFill>
+                  <a:schemeClr val="tx1"/>
+                </a:solidFill>
+                <a:latin typeface="Arial" panose="020B0604020202020204" pitchFamily="34" charset="0"/>
+                <a:ea typeface="MS PGothic" pitchFamily="34" charset="-128"/>
+                <a:cs typeface="+mn-cs"/>
+              </a:rPr>
+              <a:t>TestLogger</a:t>
+            </a:r>
+            <a:r>
+              <a:rPr lang="en-US" sz="900" kern="1200" dirty="0" smtClean="0">
+                <a:solidFill>
+                  <a:schemeClr val="tx1"/>
+                </a:solidFill>
+                <a:latin typeface="Arial" panose="020B0604020202020204" pitchFamily="34" charset="0"/>
+                <a:ea typeface="MS PGothic" pitchFamily="34" charset="-128"/>
+                <a:cs typeface="+mn-cs"/>
+              </a:rPr>
+              <a:t> test</a:t>
+            </a:r>
+            <a:endParaRPr lang="en-US" dirty="0"/>
+          </a:p>
+        </p:txBody>
+      </p:sp>
+      <p:sp>
+        <p:nvSpPr>
+          <p:cNvPr id="4" name="Slide Number Placeholder 3"/>
+          <p:cNvSpPr>
+            <a:spLocks noGrp="1"/>
+          </p:cNvSpPr>
+          <p:nvPr>
+            <p:ph type="sldNum" sz="quarter" idx="10"/>
+          </p:nvPr>
+        </p:nvSpPr>
+        <p:spPr/>
+        <p:txBody>
+          <a:bodyPr/>
+          <a:lstStyle/>
+          <a:p>
+            <a:fld id="{F9F5467A-33E4-43D8-B5CA-5C9AFC758669}" type="slidenum">
+              <a:rPr lang="en-US" altLang="en-US" smtClean="0"/>
+              <a:pPr/>
+              <a:t>34</a:t>
+            </a:fld>
+            <a:endParaRPr lang="en-US" altLang="en-US"/>
+          </a:p>
+        </p:txBody>
+      </p:sp>
+    </p:spTree>
+    <p:extLst>
+      <p:ext uri="{BB962C8B-B14F-4D97-AF65-F5344CB8AC3E}">
+        <p14:creationId xmlns:p14="http://schemas.microsoft.com/office/powerpoint/2010/main" val="390630591"/>
+      </p:ext>
+    </p:extLst>
+  </p:cSld>
+  <p:clrMapOvr>
+    <a:masterClrMapping/>
+  </p:clrMapOvr>
+</p:notes>
+</file>
+
+<file path=ppt/notesSlides/notesSlide34.xml><?xml version="1.0" encoding="utf-8"?>
+<p:notes xmlns:a="http://schemas.openxmlformats.org/drawingml/2006/main" xmlns:r="http://schemas.openxmlformats.org/officeDocument/2006/relationships" xmlns:p="http://schemas.openxmlformats.org/presentationml/2006/main">
+  <p:cSld>
+    <p:spTree>
+      <p:nvGrpSpPr>
+        <p:cNvPr id="1" name=""/>
+        <p:cNvGrpSpPr/>
+        <p:nvPr/>
+      </p:nvGrpSpPr>
+      <p:grpSpPr>
+        <a:xfrm>
+          <a:off x="0" y="0"/>
+          <a:ext cx="0" cy="0"/>
+          <a:chOff x="0" y="0"/>
+          <a:chExt cx="0" cy="0"/>
+        </a:xfrm>
+      </p:grpSpPr>
+      <p:sp>
+        <p:nvSpPr>
+          <p:cNvPr id="2" name="Slide Image Placeholder 1"/>
+          <p:cNvSpPr>
+            <a:spLocks noGrp="1" noRot="1" noChangeAspect="1"/>
+          </p:cNvSpPr>
+          <p:nvPr>
+            <p:ph type="sldImg"/>
+          </p:nvPr>
+        </p:nvSpPr>
+        <p:spPr>
+          <a:xfrm>
+            <a:off x="1065213" y="1200150"/>
+            <a:ext cx="5184775" cy="3240088"/>
+          </a:xfrm>
+        </p:spPr>
+      </p:sp>
+      <p:sp>
+        <p:nvSpPr>
+          <p:cNvPr id="3" name="Notes Placeholder 2"/>
+          <p:cNvSpPr>
+            <a:spLocks noGrp="1"/>
+          </p:cNvSpPr>
+          <p:nvPr>
+            <p:ph type="body" idx="1"/>
+          </p:nvPr>
+        </p:nvSpPr>
+        <p:spPr/>
+        <p:txBody>
+          <a:bodyPr/>
+          <a:lstStyle/>
+          <a:p>
+            <a:endParaRPr lang="en-US" dirty="0"/>
+          </a:p>
+        </p:txBody>
+      </p:sp>
+      <p:sp>
+        <p:nvSpPr>
+          <p:cNvPr id="4" name="Slide Number Placeholder 3"/>
+          <p:cNvSpPr>
+            <a:spLocks noGrp="1"/>
+          </p:cNvSpPr>
+          <p:nvPr>
+            <p:ph type="sldNum" sz="quarter" idx="10"/>
+          </p:nvPr>
+        </p:nvSpPr>
+        <p:spPr/>
+        <p:txBody>
+          <a:bodyPr/>
+          <a:lstStyle/>
+          <a:p>
+            <a:fld id="{CA5D3BF3-D352-46FC-8343-31F56E6730EA}" type="slidenum">
+              <a:rPr lang="en-US" smtClean="0"/>
+              <a:pPr/>
+              <a:t>35</a:t>
+            </a:fld>
+            <a:endParaRPr lang="en-US"/>
+          </a:p>
+        </p:txBody>
+      </p:sp>
+    </p:spTree>
+    <p:extLst>
+      <p:ext uri="{BB962C8B-B14F-4D97-AF65-F5344CB8AC3E}">
+        <p14:creationId xmlns:p14="http://schemas.microsoft.com/office/powerpoint/2010/main" val="795984873"/>
+      </p:ext>
+    </p:extLst>
+  </p:cSld>
+  <p:clrMapOvr>
+    <a:masterClrMapping/>
+  </p:clrMapOvr>
+</p:notes>
+</file>
+
+<file path=ppt/notesSlides/notesSlide35.xml><?xml version="1.0" encoding="utf-8"?>
+<p:notes xmlns:a="http://schemas.openxmlformats.org/drawingml/2006/main" xmlns:r="http://schemas.openxmlformats.org/officeDocument/2006/relationships" xmlns:p="http://schemas.openxmlformats.org/presentationml/2006/main">
+  <p:cSld>
+    <p:spTree>
+      <p:nvGrpSpPr>
+        <p:cNvPr id="1" name=""/>
+        <p:cNvGrpSpPr/>
+        <p:nvPr/>
+      </p:nvGrpSpPr>
+      <p:grpSpPr>
+        <a:xfrm>
+          <a:off x="0" y="0"/>
+          <a:ext cx="0" cy="0"/>
+          <a:chOff x="0" y="0"/>
+          <a:chExt cx="0" cy="0"/>
+        </a:xfrm>
+      </p:grpSpPr>
+      <p:sp>
+        <p:nvSpPr>
+          <p:cNvPr id="2" name="Slide Image Placeholder 1"/>
+          <p:cNvSpPr>
+            <a:spLocks noGrp="1" noRot="1" noChangeAspect="1"/>
+          </p:cNvSpPr>
+          <p:nvPr>
+            <p:ph type="sldImg"/>
+          </p:nvPr>
+        </p:nvSpPr>
+        <p:spPr/>
+      </p:sp>
+      <p:sp>
+        <p:nvSpPr>
+          <p:cNvPr id="3" name="Notes Placeholder 2"/>
+          <p:cNvSpPr>
+            <a:spLocks noGrp="1"/>
+          </p:cNvSpPr>
+          <p:nvPr>
+            <p:ph type="body" idx="1"/>
+          </p:nvPr>
+        </p:nvSpPr>
+        <p:spPr/>
+        <p:txBody>
+          <a:bodyPr/>
+          <a:lstStyle/>
+          <a:p>
+            <a:endParaRPr lang="en-US" dirty="0"/>
+          </a:p>
+        </p:txBody>
+      </p:sp>
+      <p:sp>
+        <p:nvSpPr>
+          <p:cNvPr id="4" name="Slide Number Placeholder 3"/>
+          <p:cNvSpPr>
+            <a:spLocks noGrp="1"/>
+          </p:cNvSpPr>
+          <p:nvPr>
+            <p:ph type="sldNum" sz="quarter" idx="10"/>
+          </p:nvPr>
+        </p:nvSpPr>
+        <p:spPr/>
+        <p:txBody>
+          <a:bodyPr/>
+          <a:lstStyle/>
+          <a:p>
+            <a:fld id="{F9F5467A-33E4-43D8-B5CA-5C9AFC758669}" type="slidenum">
+              <a:rPr lang="en-US" altLang="en-US" smtClean="0"/>
+              <a:pPr/>
+              <a:t>36</a:t>
+            </a:fld>
+            <a:endParaRPr lang="en-US" altLang="en-US"/>
+          </a:p>
+        </p:txBody>
+      </p:sp>
+    </p:spTree>
+    <p:extLst>
+      <p:ext uri="{BB962C8B-B14F-4D97-AF65-F5344CB8AC3E}">
+        <p14:creationId xmlns:p14="http://schemas.microsoft.com/office/powerpoint/2010/main" val="2361136767"/>
       </p:ext>
     </p:extLst>
   </p:cSld>
@@ -3236,12 +4630,7 @@
             <p:ph type="sldImg"/>
           </p:nvPr>
         </p:nvSpPr>
-        <p:spPr>
-          <a:xfrm>
-            <a:off x="1065213" y="1200150"/>
-            <a:ext cx="5184775" cy="3240088"/>
-          </a:xfrm>
-        </p:spPr>
+        <p:spPr/>
       </p:sp>
       <p:sp>
         <p:nvSpPr>
@@ -3258,6 +4647,36 @@
           <a:bodyPr/>
           <a:lstStyle/>
           <a:p>
+            <a:r>
+              <a:rPr lang="en-US" dirty="0" smtClean="0"/>
+              <a:t>Bring in Persistence</a:t>
+            </a:r>
+            <a:r>
+              <a:rPr lang="en-US" baseline="0" dirty="0" smtClean="0"/>
+              <a:t> Models</a:t>
+            </a:r>
+          </a:p>
+          <a:p>
+            <a:r>
+              <a:rPr lang="en-US" baseline="0" dirty="0" smtClean="0"/>
+              <a:t>Bring in View Models</a:t>
+            </a:r>
+          </a:p>
+          <a:p>
+            <a:r>
+              <a:rPr lang="en-US" baseline="0" dirty="0" smtClean="0"/>
+              <a:t>Create </a:t>
+            </a:r>
+            <a:r>
+              <a:rPr lang="en-US" baseline="0" dirty="0" err="1" smtClean="0"/>
+              <a:t>DataService</a:t>
+            </a:r>
+            <a:r>
+              <a:rPr lang="en-US" baseline="0" dirty="0" smtClean="0"/>
+              <a:t> - Get data service</a:t>
+            </a:r>
+          </a:p>
+          <a:p>
             <a:endParaRPr lang="en-US" dirty="0"/>
           </a:p>
         </p:txBody>
@@ -3277,19 +4696,19 @@
           <a:bodyPr/>
           <a:lstStyle/>
           <a:p>
-            <a:fld id="{CA5D3BF3-D352-46FC-8343-31F56E6730EA}" type="slidenum">
-              <a:rPr lang="en-US" smtClean="0"/>
+            <a:fld id="{F9F5467A-33E4-43D8-B5CA-5C9AFC758669}" type="slidenum">
+              <a:rPr lang="en-US" altLang="en-US" smtClean="0"/>
               <a:pPr/>
-              <a:t>7</a:t>
+              <a:t>6</a:t>
             </a:fld>
-            <a:endParaRPr lang="en-US"/>
+            <a:endParaRPr lang="en-US" altLang="en-US"/>
           </a:p>
         </p:txBody>
       </p:sp>
     </p:spTree>
     <p:extLst>
       <p:ext uri="{BB962C8B-B14F-4D97-AF65-F5344CB8AC3E}">
-        <p14:creationId xmlns:p14="http://schemas.microsoft.com/office/powerpoint/2010/main" val="2372834566"/>
+        <p14:creationId xmlns:p14="http://schemas.microsoft.com/office/powerpoint/2010/main" val="2102948658"/>
       </p:ext>
     </p:extLst>
   </p:cSld>
@@ -3370,7 +4789,7 @@
             <a:fld id="{CA5D3BF3-D352-46FC-8343-31F56E6730EA}" type="slidenum">
               <a:rPr lang="en-US" smtClean="0"/>
               <a:pPr/>
-              <a:t>8</a:t>
+              <a:t>7</a:t>
             </a:fld>
             <a:endParaRPr lang="en-US"/>
           </a:p>
@@ -3379,7 +4798,7 @@
     </p:spTree>
     <p:extLst>
       <p:ext uri="{BB962C8B-B14F-4D97-AF65-F5344CB8AC3E}">
-        <p14:creationId xmlns:p14="http://schemas.microsoft.com/office/powerpoint/2010/main" val="2109867920"/>
+        <p14:creationId xmlns:p14="http://schemas.microsoft.com/office/powerpoint/2010/main" val="2372834566"/>
       </p:ext>
     </p:extLst>
   </p:cSld>
@@ -3438,80 +4857,7 @@
           <a:bodyPr/>
           <a:lstStyle/>
           <a:p>
-            <a:r>
-              <a:rPr lang="en-US" dirty="0" smtClean="0"/>
-              <a:t>Human</a:t>
-            </a:r>
-            <a:r>
-              <a:rPr lang="en-US" baseline="0" dirty="0" smtClean="0"/>
-              <a:t> knowledge</a:t>
-            </a:r>
-          </a:p>
-          <a:p>
-            <a:pPr marL="171450" indent="-171450">
-              <a:buFont typeface="Arial" panose="020B0604020202020204" pitchFamily="34" charset="0"/>
-              <a:buChar char="•"/>
-            </a:pPr>
-            <a:r>
-              <a:rPr lang="en-US" baseline="0" dirty="0" smtClean="0"/>
-              <a:t>They required human intelligence for them to work as code is created/refactored</a:t>
-            </a:r>
-          </a:p>
-          <a:p>
-            <a:pPr marL="0" indent="0">
-              <a:buFont typeface="Arial" panose="020B0604020202020204" pitchFamily="34" charset="0"/>
-              <a:buNone/>
-            </a:pPr>
-            <a:endParaRPr lang="en-US" baseline="0" dirty="0" smtClean="0"/>
-          </a:p>
-          <a:p>
-            <a:pPr marL="0" indent="0">
-              <a:buFont typeface="Arial" panose="020B0604020202020204" pitchFamily="34" charset="0"/>
-              <a:buNone/>
-            </a:pPr>
-            <a:r>
-              <a:rPr lang="en-US" baseline="0" dirty="0" smtClean="0"/>
-              <a:t>They can replace MANY </a:t>
-            </a:r>
-            <a:r>
-              <a:rPr lang="en-US" baseline="0" dirty="0" err="1" smtClean="0"/>
-              <a:t>MANY</a:t>
-            </a:r>
-            <a:r>
-              <a:rPr lang="en-US" baseline="0" dirty="0" smtClean="0"/>
-              <a:t> lines of manual unit test assertions.</a:t>
-            </a:r>
-            <a:br>
-              <a:rPr lang="en-US" baseline="0" dirty="0" smtClean="0"/>
-            </a:br>
-            <a:endParaRPr lang="en-US" baseline="0" dirty="0" smtClean="0"/>
-          </a:p>
-          <a:p>
-            <a:pPr marL="171450" indent="-171450">
-              <a:buFont typeface="Arial" panose="020B0604020202020204" pitchFamily="34" charset="0"/>
-              <a:buChar char="•"/>
-            </a:pPr>
-            <a:r>
-              <a:rPr lang="en-US" baseline="0" dirty="0" smtClean="0"/>
-              <a:t>They could be used for automated tests to visually inspect results of inputs and outputs.</a:t>
-            </a:r>
-          </a:p>
-          <a:p>
-            <a:pPr marL="0" indent="0">
-              <a:buFont typeface="Arial" panose="020B0604020202020204" pitchFamily="34" charset="0"/>
-              <a:buNone/>
-            </a:pPr>
-            <a:r>
-              <a:rPr lang="en-US" baseline="0" dirty="0" smtClean="0"/>
-              <a:t>Makes development faster and more efficient.</a:t>
-            </a:r>
-          </a:p>
-          <a:p>
-            <a:pPr marL="0" indent="0">
-              <a:buFont typeface="Arial" panose="020B0604020202020204" pitchFamily="34" charset="0"/>
-              <a:buNone/>
-            </a:pPr>
-            <a:endParaRPr lang="en-US" baseline="0" dirty="0" smtClean="0"/>
+            <a:endParaRPr lang="en-US" dirty="0"/>
           </a:p>
         </p:txBody>
       </p:sp>
@@ -3533,7 +4879,7 @@
             <a:fld id="{CA5D3BF3-D352-46FC-8343-31F56E6730EA}" type="slidenum">
               <a:rPr lang="en-US" smtClean="0"/>
               <a:pPr/>
-              <a:t>9</a:t>
+              <a:t>8</a:t>
             </a:fld>
             <a:endParaRPr lang="en-US"/>
           </a:p>
@@ -3542,7 +4888,7 @@
     </p:spTree>
     <p:extLst>
       <p:ext uri="{BB962C8B-B14F-4D97-AF65-F5344CB8AC3E}">
-        <p14:creationId xmlns:p14="http://schemas.microsoft.com/office/powerpoint/2010/main" val="90125299"/>
+        <p14:creationId xmlns:p14="http://schemas.microsoft.com/office/powerpoint/2010/main" val="2109867920"/>
       </p:ext>
     </p:extLst>
   </p:cSld>
@@ -3601,7 +4947,80 @@
           <a:bodyPr/>
           <a:lstStyle/>
           <a:p>
-            <a:endParaRPr lang="en-US" dirty="0"/>
+            <a:r>
+              <a:rPr lang="en-US" dirty="0" smtClean="0"/>
+              <a:t>Human</a:t>
+            </a:r>
+            <a:r>
+              <a:rPr lang="en-US" baseline="0" dirty="0" smtClean="0"/>
+              <a:t> knowledge</a:t>
+            </a:r>
+          </a:p>
+          <a:p>
+            <a:pPr marL="171450" indent="-171450">
+              <a:buFont typeface="Arial" panose="020B0604020202020204" pitchFamily="34" charset="0"/>
+              <a:buChar char="•"/>
+            </a:pPr>
+            <a:r>
+              <a:rPr lang="en-US" baseline="0" dirty="0" smtClean="0"/>
+              <a:t>They required human intelligence for them to work as code is created/refactored</a:t>
+            </a:r>
+          </a:p>
+          <a:p>
+            <a:pPr marL="0" indent="0">
+              <a:buFont typeface="Arial" panose="020B0604020202020204" pitchFamily="34" charset="0"/>
+              <a:buNone/>
+            </a:pPr>
+            <a:endParaRPr lang="en-US" baseline="0" dirty="0" smtClean="0"/>
+          </a:p>
+          <a:p>
+            <a:pPr marL="0" indent="0">
+              <a:buFont typeface="Arial" panose="020B0604020202020204" pitchFamily="34" charset="0"/>
+              <a:buNone/>
+            </a:pPr>
+            <a:r>
+              <a:rPr lang="en-US" baseline="0" dirty="0" smtClean="0"/>
+              <a:t>They can replace MANY </a:t>
+            </a:r>
+            <a:r>
+              <a:rPr lang="en-US" baseline="0" dirty="0" err="1" smtClean="0"/>
+              <a:t>MANY</a:t>
+            </a:r>
+            <a:r>
+              <a:rPr lang="en-US" baseline="0" dirty="0" smtClean="0"/>
+              <a:t> lines of manual unit test assertions.</a:t>
+            </a:r>
+            <a:br>
+              <a:rPr lang="en-US" baseline="0" dirty="0" smtClean="0"/>
+            </a:br>
+            <a:endParaRPr lang="en-US" baseline="0" dirty="0" smtClean="0"/>
+          </a:p>
+          <a:p>
+            <a:pPr marL="171450" indent="-171450">
+              <a:buFont typeface="Arial" panose="020B0604020202020204" pitchFamily="34" charset="0"/>
+              <a:buChar char="•"/>
+            </a:pPr>
+            <a:r>
+              <a:rPr lang="en-US" baseline="0" dirty="0" smtClean="0"/>
+              <a:t>They could be used for automated tests to visually inspect results of inputs and outputs.</a:t>
+            </a:r>
+          </a:p>
+          <a:p>
+            <a:pPr marL="0" indent="0">
+              <a:buFont typeface="Arial" panose="020B0604020202020204" pitchFamily="34" charset="0"/>
+              <a:buNone/>
+            </a:pPr>
+            <a:r>
+              <a:rPr lang="en-US" baseline="0" dirty="0" smtClean="0"/>
+              <a:t>Makes development faster and more efficient.</a:t>
+            </a:r>
+          </a:p>
+          <a:p>
+            <a:pPr marL="0" indent="0">
+              <a:buFont typeface="Arial" panose="020B0604020202020204" pitchFamily="34" charset="0"/>
+              <a:buNone/>
+            </a:pPr>
+            <a:endParaRPr lang="en-US" baseline="0" dirty="0" smtClean="0"/>
           </a:p>
         </p:txBody>
       </p:sp>
@@ -3623,7 +5042,7 @@
             <a:fld id="{CA5D3BF3-D352-46FC-8343-31F56E6730EA}" type="slidenum">
               <a:rPr lang="en-US" smtClean="0"/>
               <a:pPr/>
-              <a:t>10</a:t>
+              <a:t>9</a:t>
             </a:fld>
             <a:endParaRPr lang="en-US"/>
           </a:p>
@@ -3632,7 +5051,7 @@
     </p:spTree>
     <p:extLst>
       <p:ext uri="{BB962C8B-B14F-4D97-AF65-F5344CB8AC3E}">
-        <p14:creationId xmlns:p14="http://schemas.microsoft.com/office/powerpoint/2010/main" val="2580949612"/>
+        <p14:creationId xmlns:p14="http://schemas.microsoft.com/office/powerpoint/2010/main" val="90125299"/>
       </p:ext>
     </p:extLst>
   </p:cSld>
@@ -3669,7 +5088,12 @@
             <p:ph type="sldImg"/>
           </p:nvPr>
         </p:nvSpPr>
-        <p:spPr/>
+        <p:spPr>
+          <a:xfrm>
+            <a:off x="1065213" y="1200150"/>
+            <a:ext cx="5184775" cy="3240088"/>
+          </a:xfrm>
+        </p:spPr>
       </p:sp>
       <p:sp>
         <p:nvSpPr>
@@ -3705,19 +5129,19 @@
           <a:bodyPr/>
           <a:lstStyle/>
           <a:p>
-            <a:fld id="{F9F5467A-33E4-43D8-B5CA-5C9AFC758669}" type="slidenum">
-              <a:rPr lang="en-US" altLang="en-US" smtClean="0"/>
+            <a:fld id="{CA5D3BF3-D352-46FC-8343-31F56E6730EA}" type="slidenum">
+              <a:rPr lang="en-US" smtClean="0"/>
               <a:pPr/>
-              <a:t>11</a:t>
+              <a:t>10</a:t>
             </a:fld>
-            <a:endParaRPr lang="en-US" altLang="en-US"/>
+            <a:endParaRPr lang="en-US"/>
           </a:p>
         </p:txBody>
       </p:sp>
     </p:spTree>
     <p:extLst>
       <p:ext uri="{BB962C8B-B14F-4D97-AF65-F5344CB8AC3E}">
-        <p14:creationId xmlns:p14="http://schemas.microsoft.com/office/powerpoint/2010/main" val="3136999425"/>
+        <p14:creationId xmlns:p14="http://schemas.microsoft.com/office/powerpoint/2010/main" val="2580949612"/>
       </p:ext>
     </p:extLst>
   </p:cSld>
@@ -13028,8 +14452,18 @@
           <a:lstStyle/>
           <a:p>
             <a:r>
-              <a:rPr lang="en-US" dirty="0" smtClean="0"/>
-              <a:t>Traditional Arrange</a:t>
+              <a:rPr lang="en-US" dirty="0"/>
+              <a:t>Arrange/Act/Assert</a:t>
+            </a:r>
+          </a:p>
+          <a:p>
+            <a:r>
+              <a:rPr lang="en-US" dirty="0" smtClean="0"/>
+              <a:t>Traditional </a:t>
+            </a:r>
+            <a:r>
+              <a:rPr lang="en-US" dirty="0" smtClean="0"/>
+              <a:t>Arrange</a:t>
             </a:r>
           </a:p>
           <a:p>
@@ -13185,29 +14619,6 @@
           <a:chExt cx="0" cy="0"/>
         </a:xfrm>
       </p:grpSpPr>
-      <p:pic>
-        <p:nvPicPr>
-          <p:cNvPr id="4" name="Picture Placeholder 3"/>
-          <p:cNvPicPr>
-            <a:picLocks noGrp="1" noChangeAspect="1"/>
-          </p:cNvPicPr>
-          <p:nvPr>
-            <p:ph type="pic" sz="quarter" idx="10"/>
-          </p:nvPr>
-        </p:nvPicPr>
-        <p:blipFill>
-          <a:blip r:embed="rId3"/>
-          <a:srcRect l="2488" r="2488"/>
-          <a:stretch>
-            <a:fillRect/>
-          </a:stretch>
-        </p:blipFill>
-        <p:spPr>
-          <a:prstGeom prst="rect">
-            <a:avLst/>
-          </a:prstGeom>
-        </p:spPr>
-      </p:pic>
       <p:sp>
         <p:nvSpPr>
           <p:cNvPr id="9" name="Title 4"/>
@@ -13285,12 +14696,30 @@
           <a:lstStyle/>
           <a:p>
             <a:r>
+              <a:rPr lang="en-US" dirty="0">
+                <a:solidFill>
+                  <a:schemeClr val="bg2"/>
+                </a:solidFill>
+              </a:rPr>
+              <a:t>Arrange/Act/Assert</a:t>
+            </a:r>
+          </a:p>
+          <a:p>
+            <a:r>
+              <a:rPr lang="en-US" dirty="0"/>
+              <a:t>Traditional</a:t>
+            </a:r>
+            <a:r>
               <a:rPr lang="en-US" dirty="0" smtClean="0">
                 <a:solidFill>
                   <a:schemeClr val="bg2"/>
                 </a:solidFill>
               </a:rPr>
-              <a:t>Traditional Arrange</a:t>
+              <a:t> </a:t>
+            </a:r>
+            <a:r>
+              <a:rPr lang="en-US" dirty="0"/>
+              <a:t>Arrange</a:t>
             </a:r>
           </a:p>
           <a:p>
@@ -13367,6 +14796,42 @@
           </a:p>
         </p:txBody>
       </p:sp>
+      <p:sp>
+        <p:nvSpPr>
+          <p:cNvPr id="2" name="Picture Placeholder 1"/>
+          <p:cNvSpPr>
+            <a:spLocks noGrp="1"/>
+          </p:cNvSpPr>
+          <p:nvPr>
+            <p:ph type="pic" sz="quarter" idx="10"/>
+          </p:nvPr>
+        </p:nvSpPr>
+        <p:spPr/>
+      </p:sp>
+      <p:pic>
+        <p:nvPicPr>
+          <p:cNvPr id="3" name="Picture 2"/>
+          <p:cNvPicPr>
+            <a:picLocks noChangeAspect="1"/>
+          </p:cNvPicPr>
+          <p:nvPr/>
+        </p:nvPicPr>
+        <p:blipFill>
+          <a:blip r:embed="rId3"/>
+          <a:stretch>
+            <a:fillRect/>
+          </a:stretch>
+        </p:blipFill>
+        <p:spPr>
+          <a:xfrm>
+            <a:off x="3293853" y="101904"/>
+            <a:ext cx="4572000" cy="5505450"/>
+          </a:xfrm>
+          <a:prstGeom prst="rect">
+            <a:avLst/>
+          </a:prstGeom>
+        </p:spPr>
+      </p:pic>
     </p:spTree>
     <p:extLst>
       <p:ext uri="{BB962C8B-B14F-4D97-AF65-F5344CB8AC3E}">
@@ -13418,7 +14883,185 @@
       </p:grpSpPr>
       <p:sp>
         <p:nvSpPr>
-          <p:cNvPr id="3" name="Picture Placeholder 2"/>
+          <p:cNvPr id="9" name="Title 4"/>
+          <p:cNvSpPr>
+            <a:spLocks noGrp="1"/>
+          </p:cNvSpPr>
+          <p:nvPr>
+            <p:ph type="title"/>
+          </p:nvPr>
+        </p:nvSpPr>
+        <p:spPr>
+          <a:xfrm>
+            <a:off x="273051" y="681896"/>
+            <a:ext cx="2737568" cy="582083"/>
+          </a:xfrm>
+        </p:spPr>
+        <p:txBody>
+          <a:bodyPr/>
+          <a:lstStyle/>
+          <a:p>
+            <a:r>
+              <a:rPr lang="en-US" dirty="0" smtClean="0"/>
+              <a:t>Introduction</a:t>
+            </a:r>
+            <a:endParaRPr lang="en-US" dirty="0"/>
+          </a:p>
+        </p:txBody>
+      </p:sp>
+      <p:sp>
+        <p:nvSpPr>
+          <p:cNvPr id="10" name="Text Placeholder 7"/>
+          <p:cNvSpPr>
+            <a:spLocks noGrp="1"/>
+          </p:cNvSpPr>
+          <p:nvPr>
+            <p:ph type="body" sz="quarter" idx="25"/>
+          </p:nvPr>
+        </p:nvSpPr>
+        <p:spPr>
+          <a:xfrm>
+            <a:off x="298929" y="475194"/>
+            <a:ext cx="2694437" cy="258532"/>
+          </a:xfrm>
+        </p:spPr>
+        <p:txBody>
+          <a:bodyPr/>
+          <a:lstStyle/>
+          <a:p>
+            <a:r>
+              <a:rPr lang="en-US" dirty="0" smtClean="0"/>
+              <a:t>AutoFixture</a:t>
+            </a:r>
+            <a:endParaRPr lang="en-US" dirty="0"/>
+          </a:p>
+        </p:txBody>
+      </p:sp>
+      <p:sp>
+        <p:nvSpPr>
+          <p:cNvPr id="11" name="Content Placeholder 1"/>
+          <p:cNvSpPr>
+            <a:spLocks noGrp="1"/>
+          </p:cNvSpPr>
+          <p:nvPr>
+            <p:ph idx="1"/>
+          </p:nvPr>
+        </p:nvSpPr>
+        <p:spPr>
+          <a:xfrm>
+            <a:off x="293298" y="2952427"/>
+            <a:ext cx="2725948" cy="2490841"/>
+          </a:xfrm>
+        </p:spPr>
+        <p:txBody>
+          <a:bodyPr/>
+          <a:lstStyle/>
+          <a:p>
+            <a:r>
+              <a:rPr lang="en-US" dirty="0"/>
+              <a:t>Arrange/Act/Assert</a:t>
+            </a:r>
+            <a:endParaRPr lang="en-US" dirty="0" smtClean="0">
+              <a:solidFill>
+                <a:schemeClr val="bg2"/>
+              </a:solidFill>
+            </a:endParaRPr>
+          </a:p>
+          <a:p>
+            <a:r>
+              <a:rPr lang="en-US" dirty="0" smtClean="0">
+                <a:solidFill>
+                  <a:schemeClr val="bg2"/>
+                </a:solidFill>
+              </a:rPr>
+              <a:t>Traditional </a:t>
+            </a:r>
+            <a:r>
+              <a:rPr lang="en-US" dirty="0" smtClean="0">
+                <a:solidFill>
+                  <a:schemeClr val="bg2"/>
+                </a:solidFill>
+              </a:rPr>
+              <a:t>Arrange</a:t>
+            </a:r>
+          </a:p>
+          <a:p>
+            <a:r>
+              <a:rPr lang="en-US" dirty="0" smtClean="0"/>
+              <a:t>AutoFixture Arrange</a:t>
+            </a:r>
+          </a:p>
+          <a:p>
+            <a:r>
+              <a:rPr lang="en-US" dirty="0" smtClean="0"/>
+              <a:t>Customize</a:t>
+            </a:r>
+          </a:p>
+          <a:p>
+            <a:r>
+              <a:rPr lang="en-US" dirty="0" smtClean="0"/>
+              <a:t>Gotchas</a:t>
+            </a:r>
+          </a:p>
+          <a:p>
+            <a:endParaRPr lang="en-US" dirty="0" smtClean="0"/>
+          </a:p>
+        </p:txBody>
+      </p:sp>
+      <p:sp>
+        <p:nvSpPr>
+          <p:cNvPr id="12" name="Rectangle 11"/>
+          <p:cNvSpPr/>
+          <p:nvPr/>
+        </p:nvSpPr>
+        <p:spPr>
+          <a:xfrm>
+            <a:off x="293295" y="1100303"/>
+            <a:ext cx="2690129" cy="1754326"/>
+          </a:xfrm>
+          <a:prstGeom prst="rect">
+            <a:avLst/>
+          </a:prstGeom>
+        </p:spPr>
+        <p:txBody>
+          <a:bodyPr wrap="square">
+            <a:spAutoFit/>
+          </a:bodyPr>
+          <a:lstStyle/>
+          <a:p>
+            <a:pPr>
+              <a:spcAft>
+                <a:spcPts val="1200"/>
+              </a:spcAft>
+            </a:pPr>
+            <a:r>
+              <a:rPr lang="en-US" sz="1800" dirty="0" err="1">
+                <a:solidFill>
+                  <a:schemeClr val="tx2">
+                    <a:lumMod val="40000"/>
+                    <a:lumOff val="60000"/>
+                  </a:schemeClr>
+                </a:solidFill>
+              </a:rPr>
+              <a:t>AutoFixture</a:t>
+            </a:r>
+            <a:r>
+              <a:rPr lang="en-US" sz="1800" dirty="0">
+                <a:solidFill>
+                  <a:schemeClr val="tx2">
+                    <a:lumMod val="40000"/>
+                    <a:lumOff val="60000"/>
+                  </a:schemeClr>
+                </a:solidFill>
+              </a:rPr>
+              <a:t> is an open source library for .NET designed to minimize the 'Arrange' phase of your unit tests in order to maximize maintainability.</a:t>
+            </a:r>
+          </a:p>
+        </p:txBody>
+      </p:sp>
+      <p:sp>
+        <p:nvSpPr>
+          <p:cNvPr id="2" name="Picture Placeholder 1"/>
           <p:cNvSpPr>
             <a:spLocks noGrp="1"/>
           </p:cNvSpPr>
@@ -13430,7 +15073,7 @@
       </p:sp>
       <p:pic>
         <p:nvPicPr>
-          <p:cNvPr id="4" name="Picture 3"/>
+          <p:cNvPr id="3" name="Picture 2"/>
           <p:cNvPicPr>
             <a:picLocks noChangeAspect="1"/>
           </p:cNvPicPr>
@@ -13444,190 +15087,31 @@
         </p:blipFill>
         <p:spPr>
           <a:xfrm>
-            <a:off x="3302481" y="1715150"/>
-            <a:ext cx="5841520" cy="1576506"/>
+            <a:off x="3293853" y="101904"/>
+            <a:ext cx="4572000" cy="5505450"/>
           </a:xfrm>
           <a:prstGeom prst="rect">
             <a:avLst/>
           </a:prstGeom>
         </p:spPr>
       </p:pic>
-      <p:sp>
-        <p:nvSpPr>
-          <p:cNvPr id="10" name="Title 4"/>
-          <p:cNvSpPr>
-            <a:spLocks noGrp="1"/>
-          </p:cNvSpPr>
-          <p:nvPr>
-            <p:ph type="title"/>
-          </p:nvPr>
-        </p:nvSpPr>
-        <p:spPr>
-          <a:xfrm>
-            <a:off x="273051" y="681896"/>
-            <a:ext cx="2737568" cy="582083"/>
-          </a:xfrm>
-        </p:spPr>
-        <p:txBody>
-          <a:bodyPr/>
-          <a:lstStyle/>
-          <a:p>
-            <a:r>
-              <a:rPr lang="en-US" dirty="0" smtClean="0"/>
-              <a:t>Introduction</a:t>
-            </a:r>
-            <a:endParaRPr lang="en-US" dirty="0"/>
-          </a:p>
-        </p:txBody>
-      </p:sp>
-      <p:sp>
-        <p:nvSpPr>
-          <p:cNvPr id="11" name="Text Placeholder 7"/>
-          <p:cNvSpPr>
-            <a:spLocks noGrp="1"/>
-          </p:cNvSpPr>
-          <p:nvPr>
-            <p:ph type="body" sz="quarter" idx="25"/>
-          </p:nvPr>
-        </p:nvSpPr>
-        <p:spPr>
-          <a:xfrm>
-            <a:off x="298929" y="475194"/>
-            <a:ext cx="2694437" cy="258532"/>
-          </a:xfrm>
-        </p:spPr>
-        <p:txBody>
-          <a:bodyPr/>
-          <a:lstStyle/>
-          <a:p>
-            <a:r>
-              <a:rPr lang="en-US" dirty="0" smtClean="0"/>
-              <a:t>AutoFixture</a:t>
-            </a:r>
-            <a:endParaRPr lang="en-US" dirty="0"/>
-          </a:p>
-        </p:txBody>
-      </p:sp>
-      <p:sp>
-        <p:nvSpPr>
-          <p:cNvPr id="12" name="Content Placeholder 1"/>
-          <p:cNvSpPr>
-            <a:spLocks noGrp="1"/>
-          </p:cNvSpPr>
-          <p:nvPr>
-            <p:ph idx="1"/>
-          </p:nvPr>
-        </p:nvSpPr>
-        <p:spPr>
-          <a:xfrm>
-            <a:off x="293298" y="2952427"/>
-            <a:ext cx="2725948" cy="2490841"/>
-          </a:xfrm>
-        </p:spPr>
-        <p:txBody>
-          <a:bodyPr/>
-          <a:lstStyle/>
-          <a:p>
-            <a:r>
-              <a:rPr lang="en-US" dirty="0" smtClean="0"/>
-              <a:t>Traditional Arrange</a:t>
-            </a:r>
-          </a:p>
-          <a:p>
-            <a:r>
-              <a:rPr lang="en-US" dirty="0" smtClean="0">
-                <a:solidFill>
-                  <a:schemeClr val="bg2"/>
-                </a:solidFill>
-              </a:rPr>
-              <a:t>AutoFixture Arrange</a:t>
-            </a:r>
-          </a:p>
-          <a:p>
-            <a:r>
-              <a:rPr lang="en-US" dirty="0" smtClean="0"/>
-              <a:t>Customize</a:t>
-            </a:r>
-          </a:p>
-          <a:p>
-            <a:r>
-              <a:rPr lang="en-US" dirty="0" smtClean="0"/>
-              <a:t>Gotchas</a:t>
-            </a:r>
-          </a:p>
-          <a:p>
-            <a:endParaRPr lang="en-US" dirty="0" smtClean="0"/>
-          </a:p>
-        </p:txBody>
-      </p:sp>
-      <p:sp>
-        <p:nvSpPr>
-          <p:cNvPr id="13" name="Rectangle 12"/>
-          <p:cNvSpPr/>
-          <p:nvPr/>
-        </p:nvSpPr>
-        <p:spPr>
-          <a:xfrm>
-            <a:off x="293295" y="1100303"/>
-            <a:ext cx="2690129" cy="1754326"/>
-          </a:xfrm>
-          <a:prstGeom prst="rect">
-            <a:avLst/>
-          </a:prstGeom>
-        </p:spPr>
-        <p:txBody>
-          <a:bodyPr wrap="square">
-            <a:spAutoFit/>
-          </a:bodyPr>
-          <a:lstStyle/>
-          <a:p>
-            <a:pPr>
-              <a:spcAft>
-                <a:spcPts val="1200"/>
-              </a:spcAft>
-            </a:pPr>
-            <a:r>
-              <a:rPr lang="en-US" sz="1800" dirty="0" err="1">
-                <a:solidFill>
-                  <a:schemeClr val="tx2">
-                    <a:lumMod val="40000"/>
-                    <a:lumOff val="60000"/>
-                  </a:schemeClr>
-                </a:solidFill>
-              </a:rPr>
-              <a:t>AutoFixture</a:t>
-            </a:r>
-            <a:r>
-              <a:rPr lang="en-US" sz="1800" dirty="0">
-                <a:solidFill>
-                  <a:schemeClr val="tx2">
-                    <a:lumMod val="40000"/>
-                    <a:lumOff val="60000"/>
-                  </a:schemeClr>
-                </a:solidFill>
-              </a:rPr>
-              <a:t> is an open source library for .NET designed to minimize the 'Arrange' phase of your unit tests in order to maximize maintainability.</a:t>
-            </a:r>
-          </a:p>
-        </p:txBody>
-      </p:sp>
     </p:spTree>
     <p:extLst>
       <p:ext uri="{BB962C8B-B14F-4D97-AF65-F5344CB8AC3E}">
-        <p14:creationId xmlns:p14="http://schemas.microsoft.com/office/powerpoint/2010/main" val="1551753869"/>
+        <p14:creationId xmlns:p14="http://schemas.microsoft.com/office/powerpoint/2010/main" val="1296260019"/>
       </p:ext>
     </p:extLst>
   </p:cSld>
   <p:clrMapOvr>
     <a:masterClrMapping/>
   </p:clrMapOvr>
-  <mc:AlternateContent xmlns:mc="http://schemas.openxmlformats.org/markup-compatibility/2006" xmlns:p14="http://schemas.microsoft.com/office/powerpoint/2010/main">
-    <mc:Choice Requires="p14">
+  <mc:AlternateContent xmlns:mc="http://schemas.openxmlformats.org/markup-compatibility/2006">
+    <mc:Choice xmlns:p14="http://schemas.microsoft.com/office/powerpoint/2010/main" Requires="p14">
       <p:transition spd="med" p14:dur="700">
         <p:fade/>
       </p:transition>
     </mc:Choice>
-    <mc:Fallback xmlns="">
+    <mc:Fallback>
       <p:transition spd="med">
         <p:fade/>
       </p:transition>
@@ -13662,7 +15146,7 @@
       </p:grpSpPr>
       <p:sp>
         <p:nvSpPr>
-          <p:cNvPr id="6" name="Picture Placeholder 5"/>
+          <p:cNvPr id="3" name="Picture Placeholder 2"/>
           <p:cNvSpPr>
             <a:spLocks noGrp="1"/>
           </p:cNvSpPr>
@@ -13674,7 +15158,7 @@
       </p:sp>
       <p:pic>
         <p:nvPicPr>
-          <p:cNvPr id="7" name="Picture 6"/>
+          <p:cNvPr id="4" name="Picture 3"/>
           <p:cNvPicPr>
             <a:picLocks noChangeAspect="1"/>
           </p:cNvPicPr>
@@ -13688,8 +15172,8 @@
         </p:blipFill>
         <p:spPr>
           <a:xfrm>
-            <a:off x="3302479" y="1170403"/>
-            <a:ext cx="5711341" cy="2487197"/>
+            <a:off x="3302481" y="1715150"/>
+            <a:ext cx="5841520" cy="1576506"/>
           </a:xfrm>
           <a:prstGeom prst="rect">
             <a:avLst/>
@@ -13773,23 +15257,33 @@
           <a:lstStyle/>
           <a:p>
             <a:r>
-              <a:rPr lang="en-US" dirty="0" smtClean="0"/>
-              <a:t>Traditional Arrange</a:t>
-            </a:r>
-          </a:p>
-          <a:p>
-            <a:r>
-              <a:rPr lang="en-US" dirty="0" smtClean="0"/>
+              <a:rPr lang="en-US" dirty="0"/>
+              <a:t>Arrange/Act/Assert</a:t>
+            </a:r>
+          </a:p>
+          <a:p>
+            <a:r>
+              <a:rPr lang="en-US" dirty="0" smtClean="0"/>
+              <a:t>Traditional </a:t>
+            </a:r>
+            <a:r>
+              <a:rPr lang="en-US" dirty="0" smtClean="0"/>
+              <a:t>Arrange</a:t>
+            </a:r>
+          </a:p>
+          <a:p>
+            <a:r>
+              <a:rPr lang="en-US" dirty="0" smtClean="0">
+                <a:solidFill>
+                  <a:schemeClr val="bg2"/>
+                </a:solidFill>
+              </a:rPr>
               <a:t>AutoFixture Arrange</a:t>
             </a:r>
           </a:p>
           <a:p>
             <a:r>
-              <a:rPr lang="en-US" dirty="0" smtClean="0">
-                <a:solidFill>
-                  <a:schemeClr val="bg2"/>
-                </a:solidFill>
-              </a:rPr>
+              <a:rPr lang="en-US" dirty="0" smtClean="0"/>
               <a:t>Customize</a:t>
             </a:r>
           </a:p>
@@ -13858,7 +15352,7 @@
     </p:spTree>
     <p:extLst>
       <p:ext uri="{BB962C8B-B14F-4D97-AF65-F5344CB8AC3E}">
-        <p14:creationId xmlns:p14="http://schemas.microsoft.com/office/powerpoint/2010/main" val="1212732230"/>
+        <p14:creationId xmlns:p14="http://schemas.microsoft.com/office/powerpoint/2010/main" val="1551753869"/>
       </p:ext>
     </p:extLst>
   </p:cSld>
@@ -13918,6 +15412,260 @@
       </p:sp>
       <p:pic>
         <p:nvPicPr>
+          <p:cNvPr id="7" name="Picture 6"/>
+          <p:cNvPicPr>
+            <a:picLocks noChangeAspect="1"/>
+          </p:cNvPicPr>
+          <p:nvPr/>
+        </p:nvPicPr>
+        <p:blipFill>
+          <a:blip r:embed="rId3"/>
+          <a:stretch>
+            <a:fillRect/>
+          </a:stretch>
+        </p:blipFill>
+        <p:spPr>
+          <a:xfrm>
+            <a:off x="3302479" y="1170403"/>
+            <a:ext cx="5711341" cy="2487197"/>
+          </a:xfrm>
+          <a:prstGeom prst="rect">
+            <a:avLst/>
+          </a:prstGeom>
+        </p:spPr>
+      </p:pic>
+      <p:sp>
+        <p:nvSpPr>
+          <p:cNvPr id="10" name="Title 4"/>
+          <p:cNvSpPr>
+            <a:spLocks noGrp="1"/>
+          </p:cNvSpPr>
+          <p:nvPr>
+            <p:ph type="title"/>
+          </p:nvPr>
+        </p:nvSpPr>
+        <p:spPr>
+          <a:xfrm>
+            <a:off x="273051" y="681896"/>
+            <a:ext cx="2737568" cy="582083"/>
+          </a:xfrm>
+        </p:spPr>
+        <p:txBody>
+          <a:bodyPr/>
+          <a:lstStyle/>
+          <a:p>
+            <a:r>
+              <a:rPr lang="en-US" dirty="0" smtClean="0"/>
+              <a:t>Introduction</a:t>
+            </a:r>
+            <a:endParaRPr lang="en-US" dirty="0"/>
+          </a:p>
+        </p:txBody>
+      </p:sp>
+      <p:sp>
+        <p:nvSpPr>
+          <p:cNvPr id="11" name="Text Placeholder 7"/>
+          <p:cNvSpPr>
+            <a:spLocks noGrp="1"/>
+          </p:cNvSpPr>
+          <p:nvPr>
+            <p:ph type="body" sz="quarter" idx="25"/>
+          </p:nvPr>
+        </p:nvSpPr>
+        <p:spPr>
+          <a:xfrm>
+            <a:off x="298929" y="475194"/>
+            <a:ext cx="2694437" cy="258532"/>
+          </a:xfrm>
+        </p:spPr>
+        <p:txBody>
+          <a:bodyPr/>
+          <a:lstStyle/>
+          <a:p>
+            <a:r>
+              <a:rPr lang="en-US" dirty="0" smtClean="0"/>
+              <a:t>AutoFixture</a:t>
+            </a:r>
+            <a:endParaRPr lang="en-US" dirty="0"/>
+          </a:p>
+        </p:txBody>
+      </p:sp>
+      <p:sp>
+        <p:nvSpPr>
+          <p:cNvPr id="12" name="Content Placeholder 1"/>
+          <p:cNvSpPr>
+            <a:spLocks noGrp="1"/>
+          </p:cNvSpPr>
+          <p:nvPr>
+            <p:ph idx="1"/>
+          </p:nvPr>
+        </p:nvSpPr>
+        <p:spPr>
+          <a:xfrm>
+            <a:off x="293298" y="2952427"/>
+            <a:ext cx="2725948" cy="2490841"/>
+          </a:xfrm>
+        </p:spPr>
+        <p:txBody>
+          <a:bodyPr/>
+          <a:lstStyle/>
+          <a:p>
+            <a:r>
+              <a:rPr lang="en-US" dirty="0"/>
+              <a:t>Arrange/Act/Assert</a:t>
+            </a:r>
+          </a:p>
+          <a:p>
+            <a:r>
+              <a:rPr lang="en-US" dirty="0" smtClean="0"/>
+              <a:t>Traditional </a:t>
+            </a:r>
+            <a:r>
+              <a:rPr lang="en-US" dirty="0" smtClean="0"/>
+              <a:t>Arrange</a:t>
+            </a:r>
+          </a:p>
+          <a:p>
+            <a:r>
+              <a:rPr lang="en-US" dirty="0" smtClean="0"/>
+              <a:t>AutoFixture Arrange</a:t>
+            </a:r>
+          </a:p>
+          <a:p>
+            <a:r>
+              <a:rPr lang="en-US" dirty="0" smtClean="0">
+                <a:solidFill>
+                  <a:schemeClr val="bg2"/>
+                </a:solidFill>
+              </a:rPr>
+              <a:t>Customize</a:t>
+            </a:r>
+          </a:p>
+          <a:p>
+            <a:r>
+              <a:rPr lang="en-US" dirty="0" smtClean="0"/>
+              <a:t>Gotchas</a:t>
+            </a:r>
+          </a:p>
+          <a:p>
+            <a:endParaRPr lang="en-US" dirty="0" smtClean="0"/>
+          </a:p>
+        </p:txBody>
+      </p:sp>
+      <p:sp>
+        <p:nvSpPr>
+          <p:cNvPr id="13" name="Rectangle 12"/>
+          <p:cNvSpPr/>
+          <p:nvPr/>
+        </p:nvSpPr>
+        <p:spPr>
+          <a:xfrm>
+            <a:off x="293295" y="1100303"/>
+            <a:ext cx="2690129" cy="1754326"/>
+          </a:xfrm>
+          <a:prstGeom prst="rect">
+            <a:avLst/>
+          </a:prstGeom>
+        </p:spPr>
+        <p:txBody>
+          <a:bodyPr wrap="square">
+            <a:spAutoFit/>
+          </a:bodyPr>
+          <a:lstStyle/>
+          <a:p>
+            <a:pPr>
+              <a:spcAft>
+                <a:spcPts val="1200"/>
+              </a:spcAft>
+            </a:pPr>
+            <a:r>
+              <a:rPr lang="en-US" sz="1800" dirty="0" err="1">
+                <a:solidFill>
+                  <a:schemeClr val="tx2">
+                    <a:lumMod val="40000"/>
+                    <a:lumOff val="60000"/>
+                  </a:schemeClr>
+                </a:solidFill>
+              </a:rPr>
+              <a:t>AutoFixture</a:t>
+            </a:r>
+            <a:r>
+              <a:rPr lang="en-US" sz="1800" dirty="0">
+                <a:solidFill>
+                  <a:schemeClr val="tx2">
+                    <a:lumMod val="40000"/>
+                    <a:lumOff val="60000"/>
+                  </a:schemeClr>
+                </a:solidFill>
+              </a:rPr>
+              <a:t> is an open source library for .NET designed to minimize the 'Arrange' phase of your unit tests in order to maximize maintainability.</a:t>
+            </a:r>
+          </a:p>
+        </p:txBody>
+      </p:sp>
+    </p:spTree>
+    <p:extLst>
+      <p:ext uri="{BB962C8B-B14F-4D97-AF65-F5344CB8AC3E}">
+        <p14:creationId xmlns:p14="http://schemas.microsoft.com/office/powerpoint/2010/main" val="1212732230"/>
+      </p:ext>
+    </p:extLst>
+  </p:cSld>
+  <p:clrMapOvr>
+    <a:masterClrMapping/>
+  </p:clrMapOvr>
+  <mc:AlternateContent xmlns:mc="http://schemas.openxmlformats.org/markup-compatibility/2006" xmlns:p14="http://schemas.microsoft.com/office/powerpoint/2010/main">
+    <mc:Choice Requires="p14">
+      <p:transition spd="med" p14:dur="700">
+        <p:fade/>
+      </p:transition>
+    </mc:Choice>
+    <mc:Fallback xmlns="">
+      <p:transition spd="med">
+        <p:fade/>
+      </p:transition>
+    </mc:Fallback>
+  </mc:AlternateContent>
+  <p:timing>
+    <p:tnLst>
+      <p:par>
+        <p:cTn id="1" dur="indefinite" restart="never" nodeType="tmRoot"/>
+      </p:par>
+    </p:tnLst>
+  </p:timing>
+</p:sld>
+</file>
+
+<file path=ppt/slides/slide17.xml><?xml version="1.0" encoding="utf-8"?>
+<p:sld xmlns:a="http://schemas.openxmlformats.org/drawingml/2006/main" xmlns:r="http://schemas.openxmlformats.org/officeDocument/2006/relationships" xmlns:p="http://schemas.openxmlformats.org/presentationml/2006/main">
+  <p:cSld>
+    <p:spTree>
+      <p:nvGrpSpPr>
+        <p:cNvPr id="1" name=""/>
+        <p:cNvGrpSpPr/>
+        <p:nvPr/>
+      </p:nvGrpSpPr>
+      <p:grpSpPr>
+        <a:xfrm>
+          <a:off x="0" y="0"/>
+          <a:ext cx="0" cy="0"/>
+          <a:chOff x="0" y="0"/>
+          <a:chExt cx="0" cy="0"/>
+        </a:xfrm>
+      </p:grpSpPr>
+      <p:sp>
+        <p:nvSpPr>
+          <p:cNvPr id="6" name="Picture Placeholder 5"/>
+          <p:cNvSpPr>
+            <a:spLocks noGrp="1"/>
+          </p:cNvSpPr>
+          <p:nvPr>
+            <p:ph type="pic" sz="quarter" idx="10"/>
+          </p:nvPr>
+        </p:nvSpPr>
+        <p:spPr/>
+      </p:sp>
+      <p:pic>
+        <p:nvPicPr>
           <p:cNvPr id="4" name="Picture 3"/>
           <p:cNvPicPr>
             <a:picLocks noChangeAspect="1"/>
@@ -14017,8 +15765,18 @@
           <a:lstStyle/>
           <a:p>
             <a:r>
-              <a:rPr lang="en-US" dirty="0" smtClean="0"/>
-              <a:t>Traditional Arrange</a:t>
+              <a:rPr lang="en-US" dirty="0"/>
+              <a:t>Arrange/Act/Assert</a:t>
+            </a:r>
+          </a:p>
+          <a:p>
+            <a:r>
+              <a:rPr lang="en-US" dirty="0" smtClean="0"/>
+              <a:t>Traditional </a:t>
+            </a:r>
+            <a:r>
+              <a:rPr lang="en-US" dirty="0" smtClean="0"/>
+              <a:t>Arrange</a:t>
             </a:r>
           </a:p>
           <a:p>
@@ -14131,7 +15889,7 @@
 </p:sld>
 </file>
 
-<file path=ppt/slides/slide17.xml><?xml version="1.0" encoding="utf-8"?>
+<file path=ppt/slides/slide18.xml><?xml version="1.0" encoding="utf-8"?>
 <p:sld xmlns:a="http://schemas.openxmlformats.org/drawingml/2006/main" xmlns:r="http://schemas.openxmlformats.org/officeDocument/2006/relationships" xmlns:p="http://schemas.openxmlformats.org/presentationml/2006/main">
   <p:cSld>
     <p:spTree>
@@ -14522,78 +16280,6 @@
 </p:sld>
 </file>
 
-<file path=ppt/slides/slide18.xml><?xml version="1.0" encoding="utf-8"?>
-<p:sld xmlns:a="http://schemas.openxmlformats.org/drawingml/2006/main" xmlns:r="http://schemas.openxmlformats.org/officeDocument/2006/relationships" xmlns:p="http://schemas.openxmlformats.org/presentationml/2006/main">
-  <p:cSld>
-    <p:spTree>
-      <p:nvGrpSpPr>
-        <p:cNvPr id="1" name=""/>
-        <p:cNvGrpSpPr/>
-        <p:nvPr/>
-      </p:nvGrpSpPr>
-      <p:grpSpPr>
-        <a:xfrm>
-          <a:off x="0" y="0"/>
-          <a:ext cx="0" cy="0"/>
-          <a:chOff x="0" y="0"/>
-          <a:chExt cx="0" cy="0"/>
-        </a:xfrm>
-      </p:grpSpPr>
-      <p:sp>
-        <p:nvSpPr>
-          <p:cNvPr id="7" name="Title 6"/>
-          <p:cNvSpPr>
-            <a:spLocks noGrp="1"/>
-          </p:cNvSpPr>
-          <p:nvPr>
-            <p:ph type="title"/>
-          </p:nvPr>
-        </p:nvSpPr>
-        <p:spPr/>
-        <p:txBody>
-          <a:bodyPr/>
-          <a:lstStyle/>
-          <a:p>
-            <a:r>
-              <a:rPr lang="en-US" dirty="0" smtClean="0"/>
-              <a:t>Code</a:t>
-            </a:r>
-            <a:endParaRPr lang="en-US" dirty="0"/>
-          </a:p>
-        </p:txBody>
-      </p:sp>
-    </p:spTree>
-    <p:extLst>
-      <p:ext uri="{BB962C8B-B14F-4D97-AF65-F5344CB8AC3E}">
-        <p14:creationId xmlns:p14="http://schemas.microsoft.com/office/powerpoint/2010/main" val="1924640258"/>
-      </p:ext>
-    </p:extLst>
-  </p:cSld>
-  <p:clrMapOvr>
-    <a:masterClrMapping/>
-  </p:clrMapOvr>
-  <mc:AlternateContent xmlns:mc="http://schemas.openxmlformats.org/markup-compatibility/2006" xmlns:p14="http://schemas.microsoft.com/office/powerpoint/2010/main">
-    <mc:Choice Requires="p14">
-      <p:transition spd="med" p14:dur="700">
-        <p:fade/>
-      </p:transition>
-    </mc:Choice>
-    <mc:Fallback xmlns="">
-      <p:transition spd="med">
-        <p:fade/>
-      </p:transition>
-    </mc:Fallback>
-  </mc:AlternateContent>
-  <p:timing>
-    <p:tnLst>
-      <p:par>
-        <p:cTn id="1" dur="indefinite" restart="never" nodeType="tmRoot"/>
-      </p:par>
-    </p:tnLst>
-  </p:timing>
-</p:sld>
-</file>
-
 <file path=ppt/slides/slide19.xml><?xml version="1.0" encoding="utf-8"?>
 <p:sld xmlns:a="http://schemas.openxmlformats.org/drawingml/2006/main" xmlns:r="http://schemas.openxmlformats.org/officeDocument/2006/relationships" xmlns:p="http://schemas.openxmlformats.org/presentationml/2006/main">
   <p:cSld>
@@ -14613,7 +16299,7 @@
       </p:grpSpPr>
       <p:sp>
         <p:nvSpPr>
-          <p:cNvPr id="5" name="Title 4"/>
+          <p:cNvPr id="7" name="Title 6"/>
           <p:cNvSpPr>
             <a:spLocks noGrp="1"/>
           </p:cNvSpPr>
@@ -14621,161 +16307,23 @@
             <p:ph type="title"/>
           </p:nvPr>
         </p:nvSpPr>
-        <p:spPr>
-          <a:xfrm>
-            <a:off x="217714" y="681896"/>
-            <a:ext cx="2792905" cy="582083"/>
-          </a:xfrm>
-        </p:spPr>
+        <p:spPr/>
         <p:txBody>
           <a:bodyPr/>
           <a:lstStyle/>
           <a:p>
             <a:r>
               <a:rPr lang="en-US" dirty="0" smtClean="0"/>
-              <a:t>Reporters/Approvers</a:t>
+              <a:t>Code</a:t>
             </a:r>
             <a:endParaRPr lang="en-US" dirty="0"/>
           </a:p>
         </p:txBody>
       </p:sp>
-      <p:sp>
-        <p:nvSpPr>
-          <p:cNvPr id="9" name="Picture Placeholder 8"/>
-          <p:cNvSpPr>
-            <a:spLocks noGrp="1"/>
-          </p:cNvSpPr>
-          <p:nvPr>
-            <p:ph type="pic" sz="quarter" idx="10"/>
-          </p:nvPr>
-        </p:nvSpPr>
-        <p:spPr/>
-      </p:sp>
-      <p:sp>
-        <p:nvSpPr>
-          <p:cNvPr id="8" name="Text Placeholder 7"/>
-          <p:cNvSpPr>
-            <a:spLocks noGrp="1"/>
-          </p:cNvSpPr>
-          <p:nvPr>
-            <p:ph type="body" sz="quarter" idx="25"/>
-          </p:nvPr>
-        </p:nvSpPr>
-        <p:spPr/>
-        <p:txBody>
-          <a:bodyPr/>
-          <a:lstStyle/>
-          <a:p>
-            <a:r>
-              <a:rPr lang="en-US" smtClean="0"/>
-              <a:t>Approval Tests</a:t>
-            </a:r>
-            <a:endParaRPr lang="en-US" dirty="0"/>
-          </a:p>
-        </p:txBody>
-      </p:sp>
-      <p:sp>
-        <p:nvSpPr>
-          <p:cNvPr id="2" name="Content Placeholder 1"/>
-          <p:cNvSpPr>
-            <a:spLocks noGrp="1"/>
-          </p:cNvSpPr>
-          <p:nvPr>
-            <p:ph idx="1"/>
-          </p:nvPr>
-        </p:nvSpPr>
-        <p:spPr>
-          <a:xfrm>
-            <a:off x="293298" y="1335907"/>
-            <a:ext cx="2725948" cy="3812893"/>
-          </a:xfrm>
-        </p:spPr>
-        <p:txBody>
-          <a:bodyPr/>
-          <a:lstStyle/>
-          <a:p>
-            <a:r>
-              <a:rPr lang="en-US" dirty="0" err="1" smtClean="0">
-                <a:solidFill>
-                  <a:srgbClr val="FFFFFF"/>
-                </a:solidFill>
-              </a:rPr>
-              <a:t>DiffReporter</a:t>
-            </a:r>
-            <a:endParaRPr lang="en-US" dirty="0" smtClean="0">
-              <a:solidFill>
-                <a:srgbClr val="FFFFFF"/>
-              </a:solidFill>
-            </a:endParaRPr>
-          </a:p>
-          <a:p>
-            <a:pPr lvl="1"/>
-            <a:r>
-              <a:rPr lang="en-US" dirty="0" smtClean="0">
-                <a:solidFill>
-                  <a:schemeClr val="tx2"/>
-                </a:solidFill>
-              </a:rPr>
-              <a:t>Using JSON Serialization</a:t>
-            </a:r>
-          </a:p>
-          <a:p>
-            <a:r>
-              <a:rPr lang="en-US" dirty="0" err="1" smtClean="0"/>
-              <a:t>FileLauncherReporter</a:t>
-            </a:r>
-            <a:endParaRPr lang="en-US" dirty="0" smtClean="0"/>
-          </a:p>
-          <a:p>
-            <a:pPr marL="285750" lvl="1"/>
-            <a:r>
-              <a:rPr lang="en-US" dirty="0">
-                <a:solidFill>
-                  <a:schemeClr val="tx2"/>
-                </a:solidFill>
-              </a:rPr>
-              <a:t>Html verification</a:t>
-            </a:r>
-          </a:p>
-          <a:p>
-            <a:endParaRPr lang="en-US" dirty="0" smtClean="0"/>
-          </a:p>
-          <a:p>
-            <a:endParaRPr lang="en-US" dirty="0" smtClean="0"/>
-          </a:p>
-          <a:p>
-            <a:endParaRPr lang="en-US" dirty="0" smtClean="0"/>
-          </a:p>
-        </p:txBody>
-      </p:sp>
-      <p:pic>
-        <p:nvPicPr>
-          <p:cNvPr id="3" name="Picture 2"/>
-          <p:cNvPicPr>
-            <a:picLocks noChangeAspect="1"/>
-          </p:cNvPicPr>
-          <p:nvPr/>
-        </p:nvPicPr>
-        <p:blipFill>
-          <a:blip r:embed="rId3"/>
-          <a:stretch>
-            <a:fillRect/>
-          </a:stretch>
-        </p:blipFill>
-        <p:spPr>
-          <a:xfrm>
-            <a:off x="3302480" y="1335907"/>
-            <a:ext cx="5762240" cy="2177087"/>
-          </a:xfrm>
-          <a:prstGeom prst="rect">
-            <a:avLst/>
-          </a:prstGeom>
-        </p:spPr>
-      </p:pic>
     </p:spTree>
     <p:extLst>
       <p:ext uri="{BB962C8B-B14F-4D97-AF65-F5344CB8AC3E}">
-        <p14:creationId xmlns:p14="http://schemas.microsoft.com/office/powerpoint/2010/main" val="3633871917"/>
+        <p14:creationId xmlns:p14="http://schemas.microsoft.com/office/powerpoint/2010/main" val="1924640258"/>
       </p:ext>
     </p:extLst>
   </p:cSld>
@@ -15039,7 +16587,7 @@
       </p:grpSpPr>
       <p:sp>
         <p:nvSpPr>
-          <p:cNvPr id="13" name="Title 4"/>
+          <p:cNvPr id="5" name="Title 4"/>
           <p:cNvSpPr>
             <a:spLocks noGrp="1"/>
           </p:cNvSpPr>
@@ -15049,8 +16597,8 @@
         </p:nvSpPr>
         <p:spPr>
           <a:xfrm>
-            <a:off x="273051" y="681896"/>
-            <a:ext cx="2807428" cy="582083"/>
+            <a:off x="217714" y="681896"/>
+            <a:ext cx="2792905" cy="582083"/>
           </a:xfrm>
         </p:spPr>
         <p:txBody>
@@ -15067,7 +16615,7 @@
       </p:sp>
       <p:sp>
         <p:nvSpPr>
-          <p:cNvPr id="14" name="Picture Placeholder 8"/>
+          <p:cNvPr id="9" name="Picture Placeholder 8"/>
           <p:cNvSpPr>
             <a:spLocks noGrp="1"/>
           </p:cNvSpPr>
@@ -15075,16 +16623,11 @@
             <p:ph type="pic" sz="quarter" idx="10"/>
           </p:nvPr>
         </p:nvSpPr>
-        <p:spPr>
-          <a:xfrm>
-            <a:off x="3276600" y="0"/>
-            <a:ext cx="5867400" cy="5715000"/>
-          </a:xfrm>
-        </p:spPr>
-      </p:sp>
-      <p:sp>
-        <p:nvSpPr>
-          <p:cNvPr id="15" name="Text Placeholder 7"/>
+        <p:spPr/>
+      </p:sp>
+      <p:sp>
+        <p:nvSpPr>
+          <p:cNvPr id="8" name="Text Placeholder 7"/>
           <p:cNvSpPr>
             <a:spLocks noGrp="1"/>
           </p:cNvSpPr>
@@ -15092,12 +16635,7 @@
             <p:ph type="body" sz="quarter" idx="25"/>
           </p:nvPr>
         </p:nvSpPr>
-        <p:spPr>
-          <a:xfrm>
-            <a:off x="298929" y="475194"/>
-            <a:ext cx="2694437" cy="258532"/>
-          </a:xfrm>
-        </p:spPr>
+        <p:spPr/>
         <p:txBody>
           <a:bodyPr/>
           <a:lstStyle/>
@@ -15112,7 +16650,7 @@
       </p:sp>
       <p:sp>
         <p:nvSpPr>
-          <p:cNvPr id="16" name="Content Placeholder 1"/>
+          <p:cNvPr id="2" name="Content Placeholder 1"/>
           <p:cNvSpPr>
             <a:spLocks noGrp="1"/>
           </p:cNvSpPr>
@@ -15131,15 +16669,23 @@
           <a:lstStyle/>
           <a:p>
             <a:r>
-              <a:rPr lang="en-US" dirty="0" err="1"/>
+              <a:rPr lang="en-US" dirty="0" err="1" smtClean="0">
+                <a:solidFill>
+                  <a:srgbClr val="FFFFFF"/>
+                </a:solidFill>
+              </a:rPr>
               <a:t>DiffReporter</a:t>
             </a:r>
-            <a:endParaRPr lang="en-US" dirty="0"/>
+            <a:endParaRPr lang="en-US" dirty="0" smtClean="0">
+              <a:solidFill>
+                <a:srgbClr val="FFFFFF"/>
+              </a:solidFill>
+            </a:endParaRPr>
           </a:p>
           <a:p>
             <a:pPr lvl="1"/>
             <a:r>
-              <a:rPr lang="en-US" dirty="0">
+              <a:rPr lang="en-US" dirty="0" smtClean="0">
                 <a:solidFill>
                   <a:schemeClr val="tx2"/>
                 </a:solidFill>
@@ -15149,29 +16695,27 @@
           </a:p>
           <a:p>
             <a:r>
-              <a:rPr lang="en-US" dirty="0" err="1" smtClean="0">
-                <a:solidFill>
-                  <a:schemeClr val="bg1"/>
-                </a:solidFill>
-              </a:rPr>
+              <a:rPr lang="en-US" dirty="0" err="1" smtClean="0"/>
               <a:t>FileLauncherReporter</a:t>
             </a:r>
-            <a:endParaRPr lang="en-US" dirty="0" smtClean="0">
-              <a:solidFill>
-                <a:schemeClr val="bg1"/>
-              </a:solidFill>
-            </a:endParaRPr>
-          </a:p>
-          <a:p>
-            <a:pPr lvl="1"/>
-            <a:r>
-              <a:rPr lang="en-US" dirty="0" smtClean="0">
+            <a:endParaRPr lang="en-US" dirty="0" smtClean="0"/>
+          </a:p>
+          <a:p>
+            <a:pPr marL="285750" lvl="1"/>
+            <a:r>
+              <a:rPr lang="en-US" dirty="0">
                 <a:solidFill>
                   <a:schemeClr val="tx2"/>
                 </a:solidFill>
               </a:rPr>
               <a:t>Html verification</a:t>
             </a:r>
+          </a:p>
+          <a:p>
+            <a:endParaRPr lang="en-US" dirty="0" smtClean="0"/>
+          </a:p>
+          <a:p>
+            <a:endParaRPr lang="en-US" dirty="0" smtClean="0"/>
           </a:p>
           <a:p>
             <a:endParaRPr lang="en-US" dirty="0" smtClean="0"/>
@@ -15194,8 +16738,8 @@
         </p:blipFill>
         <p:spPr>
           <a:xfrm>
-            <a:off x="3302480" y="1990725"/>
-            <a:ext cx="5698316" cy="1299616"/>
+            <a:off x="3302480" y="1335907"/>
+            <a:ext cx="5762240" cy="2177087"/>
           </a:xfrm>
           <a:prstGeom prst="rect">
             <a:avLst/>
@@ -15205,7 +16749,7 @@
     </p:spTree>
     <p:extLst>
       <p:ext uri="{BB962C8B-B14F-4D97-AF65-F5344CB8AC3E}">
-        <p14:creationId xmlns:p14="http://schemas.microsoft.com/office/powerpoint/2010/main" val="1617385961"/>
+        <p14:creationId xmlns:p14="http://schemas.microsoft.com/office/powerpoint/2010/main" val="3633871917"/>
       </p:ext>
     </p:extLst>
   </p:cSld>
@@ -15253,7 +16797,7 @@
       </p:grpSpPr>
       <p:sp>
         <p:nvSpPr>
-          <p:cNvPr id="7" name="Title 6"/>
+          <p:cNvPr id="13" name="Title 4"/>
           <p:cNvSpPr>
             <a:spLocks noGrp="1"/>
           </p:cNvSpPr>
@@ -15261,23 +16805,165 @@
             <p:ph type="title"/>
           </p:nvPr>
         </p:nvSpPr>
-        <p:spPr/>
+        <p:spPr>
+          <a:xfrm>
+            <a:off x="273051" y="681896"/>
+            <a:ext cx="2807428" cy="582083"/>
+          </a:xfrm>
+        </p:spPr>
         <p:txBody>
           <a:bodyPr/>
           <a:lstStyle/>
           <a:p>
             <a:r>
               <a:rPr lang="en-US" dirty="0" smtClean="0"/>
-              <a:t>Code</a:t>
+              <a:t>Reporters/Approvers</a:t>
             </a:r>
             <a:endParaRPr lang="en-US" dirty="0"/>
           </a:p>
         </p:txBody>
       </p:sp>
+      <p:sp>
+        <p:nvSpPr>
+          <p:cNvPr id="14" name="Picture Placeholder 8"/>
+          <p:cNvSpPr>
+            <a:spLocks noGrp="1"/>
+          </p:cNvSpPr>
+          <p:nvPr>
+            <p:ph type="pic" sz="quarter" idx="10"/>
+          </p:nvPr>
+        </p:nvSpPr>
+        <p:spPr>
+          <a:xfrm>
+            <a:off x="3276600" y="0"/>
+            <a:ext cx="5867400" cy="5715000"/>
+          </a:xfrm>
+        </p:spPr>
+      </p:sp>
+      <p:sp>
+        <p:nvSpPr>
+          <p:cNvPr id="15" name="Text Placeholder 7"/>
+          <p:cNvSpPr>
+            <a:spLocks noGrp="1"/>
+          </p:cNvSpPr>
+          <p:nvPr>
+            <p:ph type="body" sz="quarter" idx="25"/>
+          </p:nvPr>
+        </p:nvSpPr>
+        <p:spPr>
+          <a:xfrm>
+            <a:off x="298929" y="475194"/>
+            <a:ext cx="2694437" cy="258532"/>
+          </a:xfrm>
+        </p:spPr>
+        <p:txBody>
+          <a:bodyPr/>
+          <a:lstStyle/>
+          <a:p>
+            <a:r>
+              <a:rPr lang="en-US" smtClean="0"/>
+              <a:t>Approval Tests</a:t>
+            </a:r>
+            <a:endParaRPr lang="en-US" dirty="0"/>
+          </a:p>
+        </p:txBody>
+      </p:sp>
+      <p:sp>
+        <p:nvSpPr>
+          <p:cNvPr id="16" name="Content Placeholder 1"/>
+          <p:cNvSpPr>
+            <a:spLocks noGrp="1"/>
+          </p:cNvSpPr>
+          <p:nvPr>
+            <p:ph idx="1"/>
+          </p:nvPr>
+        </p:nvSpPr>
+        <p:spPr>
+          <a:xfrm>
+            <a:off x="293298" y="1335907"/>
+            <a:ext cx="2725948" cy="3812893"/>
+          </a:xfrm>
+        </p:spPr>
+        <p:txBody>
+          <a:bodyPr/>
+          <a:lstStyle/>
+          <a:p>
+            <a:r>
+              <a:rPr lang="en-US" dirty="0" err="1"/>
+              <a:t>DiffReporter</a:t>
+            </a:r>
+            <a:endParaRPr lang="en-US" dirty="0"/>
+          </a:p>
+          <a:p>
+            <a:pPr lvl="1"/>
+            <a:r>
+              <a:rPr lang="en-US" dirty="0">
+                <a:solidFill>
+                  <a:schemeClr val="tx2"/>
+                </a:solidFill>
+              </a:rPr>
+              <a:t>Using JSON Serialization</a:t>
+            </a:r>
+          </a:p>
+          <a:p>
+            <a:r>
+              <a:rPr lang="en-US" dirty="0" err="1" smtClean="0">
+                <a:solidFill>
+                  <a:schemeClr val="bg1"/>
+                </a:solidFill>
+              </a:rPr>
+              <a:t>FileLauncherReporter</a:t>
+            </a:r>
+            <a:endParaRPr lang="en-US" dirty="0" smtClean="0">
+              <a:solidFill>
+                <a:schemeClr val="bg1"/>
+              </a:solidFill>
+            </a:endParaRPr>
+          </a:p>
+          <a:p>
+            <a:pPr lvl="1"/>
+            <a:r>
+              <a:rPr lang="en-US" dirty="0" smtClean="0">
+                <a:solidFill>
+                  <a:schemeClr val="tx2"/>
+                </a:solidFill>
+              </a:rPr>
+              <a:t>Html verification</a:t>
+            </a:r>
+          </a:p>
+          <a:p>
+            <a:endParaRPr lang="en-US" dirty="0" smtClean="0"/>
+          </a:p>
+        </p:txBody>
+      </p:sp>
+      <p:pic>
+        <p:nvPicPr>
+          <p:cNvPr id="3" name="Picture 2"/>
+          <p:cNvPicPr>
+            <a:picLocks noChangeAspect="1"/>
+          </p:cNvPicPr>
+          <p:nvPr/>
+        </p:nvPicPr>
+        <p:blipFill>
+          <a:blip r:embed="rId3"/>
+          <a:stretch>
+            <a:fillRect/>
+          </a:stretch>
+        </p:blipFill>
+        <p:spPr>
+          <a:xfrm>
+            <a:off x="3302480" y="1990725"/>
+            <a:ext cx="5698316" cy="1299616"/>
+          </a:xfrm>
+          <a:prstGeom prst="rect">
+            <a:avLst/>
+          </a:prstGeom>
+        </p:spPr>
+      </p:pic>
     </p:spTree>
     <p:extLst>
       <p:ext uri="{BB962C8B-B14F-4D97-AF65-F5344CB8AC3E}">
-        <p14:creationId xmlns:p14="http://schemas.microsoft.com/office/powerpoint/2010/main" val="2162080867"/>
+        <p14:creationId xmlns:p14="http://schemas.microsoft.com/office/powerpoint/2010/main" val="1617385961"/>
       </p:ext>
     </p:extLst>
   </p:cSld>
@@ -15325,7 +17011,7 @@
       </p:grpSpPr>
       <p:sp>
         <p:nvSpPr>
-          <p:cNvPr id="5" name="Title 4"/>
+          <p:cNvPr id="7" name="Title 6"/>
           <p:cNvSpPr>
             <a:spLocks noGrp="1"/>
           </p:cNvSpPr>
@@ -15340,163 +17026,34 @@
           <a:p>
             <a:r>
               <a:rPr lang="en-US" dirty="0" smtClean="0"/>
-              <a:t>Validation</a:t>
+              <a:t>Code</a:t>
             </a:r>
             <a:endParaRPr lang="en-US" dirty="0"/>
           </a:p>
         </p:txBody>
       </p:sp>
-      <p:sp>
-        <p:nvSpPr>
-          <p:cNvPr id="8" name="Text Placeholder 7"/>
-          <p:cNvSpPr>
-            <a:spLocks noGrp="1"/>
-          </p:cNvSpPr>
-          <p:nvPr>
-            <p:ph type="body" sz="quarter" idx="25"/>
-          </p:nvPr>
-        </p:nvSpPr>
-        <p:spPr>
-          <a:xfrm>
-            <a:off x="298929" y="475194"/>
-            <a:ext cx="2694437" cy="527324"/>
-          </a:xfrm>
-        </p:spPr>
-        <p:txBody>
-          <a:bodyPr/>
-          <a:lstStyle/>
-          <a:p>
-            <a:r>
-              <a:rPr lang="en-US" dirty="0"/>
-              <a:t>Unit </a:t>
-            </a:r>
-            <a:r>
-              <a:rPr lang="en-US" dirty="0" smtClean="0"/>
-              <a:t>Testing</a:t>
-            </a:r>
-            <a:endParaRPr lang="en-US" dirty="0"/>
-          </a:p>
-          <a:p>
-            <a:endParaRPr lang="en-US" dirty="0"/>
-          </a:p>
-        </p:txBody>
-      </p:sp>
-      <p:sp>
-        <p:nvSpPr>
-          <p:cNvPr id="2" name="Content Placeholder 1"/>
-          <p:cNvSpPr>
-            <a:spLocks noGrp="1"/>
-          </p:cNvSpPr>
-          <p:nvPr>
-            <p:ph idx="1"/>
-          </p:nvPr>
-        </p:nvSpPr>
-        <p:spPr>
-          <a:xfrm>
-            <a:off x="293298" y="1319843"/>
-            <a:ext cx="2725948" cy="4123426"/>
-          </a:xfrm>
-        </p:spPr>
-        <p:txBody>
-          <a:bodyPr/>
-          <a:lstStyle/>
-          <a:p>
-            <a:r>
-              <a:rPr lang="en-US" dirty="0" smtClean="0">
-                <a:solidFill>
-                  <a:schemeClr val="bg2"/>
-                </a:solidFill>
-              </a:rPr>
-              <a:t>Manual Assert</a:t>
-            </a:r>
-          </a:p>
-          <a:p>
-            <a:r>
-              <a:rPr lang="en-US" dirty="0" smtClean="0"/>
-              <a:t>Approval Tests</a:t>
-            </a:r>
-          </a:p>
-          <a:p>
-            <a:r>
-              <a:rPr lang="en-US" dirty="0" smtClean="0"/>
-              <a:t>Multiple Input Scenarios</a:t>
-            </a:r>
-          </a:p>
-        </p:txBody>
-      </p:sp>
-      <p:sp>
-        <p:nvSpPr>
-          <p:cNvPr id="3" name="Picture Placeholder 2"/>
-          <p:cNvSpPr>
-            <a:spLocks noGrp="1"/>
-          </p:cNvSpPr>
-          <p:nvPr>
-            <p:ph type="pic" sz="quarter" idx="10"/>
-          </p:nvPr>
-        </p:nvSpPr>
-        <p:spPr/>
-      </p:sp>
-      <p:pic>
-        <p:nvPicPr>
-          <p:cNvPr id="4" name="Picture 3"/>
-          <p:cNvPicPr>
-            <a:picLocks noChangeAspect="1"/>
-          </p:cNvPicPr>
-          <p:nvPr/>
-        </p:nvPicPr>
-        <p:blipFill>
-          <a:blip r:embed="rId3"/>
-          <a:stretch>
-            <a:fillRect/>
-          </a:stretch>
-        </p:blipFill>
-        <p:spPr>
-          <a:xfrm>
-            <a:off x="3276599" y="3128734"/>
-            <a:ext cx="5794929" cy="2507568"/>
-          </a:xfrm>
-          <a:prstGeom prst="rect">
-            <a:avLst/>
-          </a:prstGeom>
-        </p:spPr>
-      </p:pic>
-      <p:pic>
-        <p:nvPicPr>
-          <p:cNvPr id="6" name="Picture 5"/>
-          <p:cNvPicPr>
-            <a:picLocks noChangeAspect="1"/>
-          </p:cNvPicPr>
-          <p:nvPr/>
-        </p:nvPicPr>
-        <p:blipFill>
-          <a:blip r:embed="rId4"/>
-          <a:stretch>
-            <a:fillRect/>
-          </a:stretch>
-        </p:blipFill>
-        <p:spPr>
-          <a:xfrm>
-            <a:off x="3302480" y="148463"/>
-            <a:ext cx="5769429" cy="2489806"/>
-          </a:xfrm>
-          <a:prstGeom prst="rect">
-            <a:avLst/>
-          </a:prstGeom>
-        </p:spPr>
-      </p:pic>
     </p:spTree>
     <p:extLst>
       <p:ext uri="{BB962C8B-B14F-4D97-AF65-F5344CB8AC3E}">
-        <p14:creationId xmlns:p14="http://schemas.microsoft.com/office/powerpoint/2010/main" val="508794754"/>
+        <p14:creationId xmlns:p14="http://schemas.microsoft.com/office/powerpoint/2010/main" val="2162080867"/>
       </p:ext>
     </p:extLst>
   </p:cSld>
   <p:clrMapOvr>
     <a:masterClrMapping/>
   </p:clrMapOvr>
-  <p:transition spd="slow">
-    <p:cover/>
-  </p:transition>
+  <mc:AlternateContent xmlns:mc="http://schemas.openxmlformats.org/markup-compatibility/2006" xmlns:p14="http://schemas.microsoft.com/office/powerpoint/2010/main">
+    <mc:Choice Requires="p14">
+      <p:transition spd="med" p14:dur="700">
+        <p:fade/>
+      </p:transition>
+    </mc:Choice>
+    <mc:Fallback xmlns="">
+      <p:transition spd="med">
+        <p:fade/>
+      </p:transition>
+    </mc:Fallback>
+  </mc:AlternateContent>
   <p:timing>
     <p:tnLst>
       <p:par>
@@ -15526,7 +17083,7 @@
       </p:grpSpPr>
       <p:sp>
         <p:nvSpPr>
-          <p:cNvPr id="9" name="Title 4"/>
+          <p:cNvPr id="5" name="Title 4"/>
           <p:cNvSpPr>
             <a:spLocks noGrp="1"/>
           </p:cNvSpPr>
@@ -15534,12 +17091,7 @@
             <p:ph type="title"/>
           </p:nvPr>
         </p:nvSpPr>
-        <p:spPr>
-          <a:xfrm>
-            <a:off x="273051" y="681896"/>
-            <a:ext cx="2737568" cy="582083"/>
-          </a:xfrm>
-        </p:spPr>
+        <p:spPr/>
         <p:txBody>
           <a:bodyPr/>
           <a:lstStyle/>
@@ -15554,7 +17106,7 @@
       </p:sp>
       <p:sp>
         <p:nvSpPr>
-          <p:cNvPr id="10" name="Text Placeholder 7"/>
+          <p:cNvPr id="8" name="Text Placeholder 7"/>
           <p:cNvSpPr>
             <a:spLocks noGrp="1"/>
           </p:cNvSpPr>
@@ -15589,7 +17141,7 @@
       </p:sp>
       <p:sp>
         <p:nvSpPr>
-          <p:cNvPr id="11" name="Content Placeholder 1"/>
+          <p:cNvPr id="2" name="Content Placeholder 1"/>
           <p:cNvSpPr>
             <a:spLocks noGrp="1"/>
           </p:cNvSpPr>
@@ -15608,17 +17160,17 @@
           <a:lstStyle/>
           <a:p>
             <a:r>
-              <a:rPr lang="en-US" dirty="0" smtClean="0"/>
+              <a:rPr lang="en-US" dirty="0" smtClean="0">
+                <a:solidFill>
+                  <a:schemeClr val="bg2"/>
+                </a:solidFill>
+              </a:rPr>
               <a:t>Manual Assert</a:t>
             </a:r>
           </a:p>
           <a:p>
             <a:r>
-              <a:rPr lang="en-US" dirty="0" smtClean="0">
-                <a:solidFill>
-                  <a:schemeClr val="bg2"/>
-                </a:solidFill>
-              </a:rPr>
+              <a:rPr lang="en-US" dirty="0" smtClean="0"/>
               <a:t>Approval Tests</a:t>
             </a:r>
           </a:p>
@@ -15632,7 +17184,7 @@
       </p:sp>
       <p:sp>
         <p:nvSpPr>
-          <p:cNvPr id="12" name="Picture Placeholder 2"/>
+          <p:cNvPr id="3" name="Picture Placeholder 2"/>
           <p:cNvSpPr>
             <a:spLocks noGrp="1"/>
           </p:cNvSpPr>
@@ -15640,16 +17192,11 @@
             <p:ph type="pic" sz="quarter" idx="10"/>
           </p:nvPr>
         </p:nvSpPr>
-        <p:spPr>
-          <a:xfrm>
-            <a:off x="3276600" y="0"/>
-            <a:ext cx="5867400" cy="5715000"/>
-          </a:xfrm>
-        </p:spPr>
+        <p:spPr/>
       </p:sp>
       <p:pic>
         <p:nvPicPr>
-          <p:cNvPr id="2" name="Picture 1"/>
+          <p:cNvPr id="7" name="Picture 6"/>
           <p:cNvPicPr>
             <a:picLocks noChangeAspect="1"/>
           </p:cNvPicPr>
@@ -15663,8 +17210,219 @@
         </p:blipFill>
         <p:spPr>
           <a:xfrm>
-            <a:off x="3276601" y="728663"/>
-            <a:ext cx="5867400" cy="4143330"/>
+            <a:off x="3302480" y="168943"/>
+            <a:ext cx="5769048" cy="2558724"/>
+          </a:xfrm>
+          <a:prstGeom prst="rect">
+            <a:avLst/>
+          </a:prstGeom>
+        </p:spPr>
+      </p:pic>
+      <p:pic>
+        <p:nvPicPr>
+          <p:cNvPr id="9" name="Picture 8"/>
+          <p:cNvPicPr>
+            <a:picLocks noChangeAspect="1"/>
+          </p:cNvPicPr>
+          <p:nvPr/>
+        </p:nvPicPr>
+        <p:blipFill>
+          <a:blip r:embed="rId4"/>
+          <a:stretch>
+            <a:fillRect/>
+          </a:stretch>
+        </p:blipFill>
+        <p:spPr>
+          <a:xfrm>
+            <a:off x="3275640" y="2857500"/>
+            <a:ext cx="5795888" cy="2659480"/>
+          </a:xfrm>
+          <a:prstGeom prst="rect">
+            <a:avLst/>
+          </a:prstGeom>
+        </p:spPr>
+      </p:pic>
+    </p:spTree>
+    <p:extLst>
+      <p:ext uri="{BB962C8B-B14F-4D97-AF65-F5344CB8AC3E}">
+        <p14:creationId xmlns:p14="http://schemas.microsoft.com/office/powerpoint/2010/main" val="508794754"/>
+      </p:ext>
+    </p:extLst>
+  </p:cSld>
+  <p:clrMapOvr>
+    <a:masterClrMapping/>
+  </p:clrMapOvr>
+  <p:transition spd="slow">
+    <p:cover/>
+  </p:transition>
+  <p:timing>
+    <p:tnLst>
+      <p:par>
+        <p:cTn id="1" dur="indefinite" restart="never" nodeType="tmRoot"/>
+      </p:par>
+    </p:tnLst>
+  </p:timing>
+</p:sld>
+</file>
+
+<file path=ppt/slides/slide24.xml><?xml version="1.0" encoding="utf-8"?>
+<p:sld xmlns:a="http://schemas.openxmlformats.org/drawingml/2006/main" xmlns:r="http://schemas.openxmlformats.org/officeDocument/2006/relationships" xmlns:p="http://schemas.openxmlformats.org/presentationml/2006/main">
+  <p:cSld>
+    <p:spTree>
+      <p:nvGrpSpPr>
+        <p:cNvPr id="1" name=""/>
+        <p:cNvGrpSpPr/>
+        <p:nvPr/>
+      </p:nvGrpSpPr>
+      <p:grpSpPr>
+        <a:xfrm>
+          <a:off x="0" y="0"/>
+          <a:ext cx="0" cy="0"/>
+          <a:chOff x="0" y="0"/>
+          <a:chExt cx="0" cy="0"/>
+        </a:xfrm>
+      </p:grpSpPr>
+      <p:sp>
+        <p:nvSpPr>
+          <p:cNvPr id="9" name="Title 4"/>
+          <p:cNvSpPr>
+            <a:spLocks noGrp="1"/>
+          </p:cNvSpPr>
+          <p:nvPr>
+            <p:ph type="title"/>
+          </p:nvPr>
+        </p:nvSpPr>
+        <p:spPr>
+          <a:xfrm>
+            <a:off x="273051" y="681896"/>
+            <a:ext cx="2737568" cy="582083"/>
+          </a:xfrm>
+        </p:spPr>
+        <p:txBody>
+          <a:bodyPr/>
+          <a:lstStyle/>
+          <a:p>
+            <a:r>
+              <a:rPr lang="en-US" dirty="0" smtClean="0"/>
+              <a:t>Validation</a:t>
+            </a:r>
+            <a:endParaRPr lang="en-US" dirty="0"/>
+          </a:p>
+        </p:txBody>
+      </p:sp>
+      <p:sp>
+        <p:nvSpPr>
+          <p:cNvPr id="10" name="Text Placeholder 7"/>
+          <p:cNvSpPr>
+            <a:spLocks noGrp="1"/>
+          </p:cNvSpPr>
+          <p:nvPr>
+            <p:ph type="body" sz="quarter" idx="25"/>
+          </p:nvPr>
+        </p:nvSpPr>
+        <p:spPr>
+          <a:xfrm>
+            <a:off x="298929" y="475194"/>
+            <a:ext cx="2694437" cy="527324"/>
+          </a:xfrm>
+        </p:spPr>
+        <p:txBody>
+          <a:bodyPr/>
+          <a:lstStyle/>
+          <a:p>
+            <a:r>
+              <a:rPr lang="en-US" dirty="0"/>
+              <a:t>Unit </a:t>
+            </a:r>
+            <a:r>
+              <a:rPr lang="en-US" dirty="0" smtClean="0"/>
+              <a:t>Testing</a:t>
+            </a:r>
+            <a:endParaRPr lang="en-US" dirty="0"/>
+          </a:p>
+          <a:p>
+            <a:endParaRPr lang="en-US" dirty="0"/>
+          </a:p>
+        </p:txBody>
+      </p:sp>
+      <p:sp>
+        <p:nvSpPr>
+          <p:cNvPr id="11" name="Content Placeholder 1"/>
+          <p:cNvSpPr>
+            <a:spLocks noGrp="1"/>
+          </p:cNvSpPr>
+          <p:nvPr>
+            <p:ph idx="1"/>
+          </p:nvPr>
+        </p:nvSpPr>
+        <p:spPr>
+          <a:xfrm>
+            <a:off x="293298" y="1319843"/>
+            <a:ext cx="2725948" cy="4123426"/>
+          </a:xfrm>
+        </p:spPr>
+        <p:txBody>
+          <a:bodyPr/>
+          <a:lstStyle/>
+          <a:p>
+            <a:r>
+              <a:rPr lang="en-US" dirty="0" smtClean="0"/>
+              <a:t>Manual Assert</a:t>
+            </a:r>
+          </a:p>
+          <a:p>
+            <a:r>
+              <a:rPr lang="en-US" dirty="0" smtClean="0">
+                <a:solidFill>
+                  <a:schemeClr val="bg2"/>
+                </a:solidFill>
+              </a:rPr>
+              <a:t>Approval Tests</a:t>
+            </a:r>
+          </a:p>
+          <a:p>
+            <a:r>
+              <a:rPr lang="en-US" dirty="0" smtClean="0"/>
+              <a:t>Multiple Input Scenarios</a:t>
+            </a:r>
+          </a:p>
+        </p:txBody>
+      </p:sp>
+      <p:sp>
+        <p:nvSpPr>
+          <p:cNvPr id="12" name="Picture Placeholder 2"/>
+          <p:cNvSpPr>
+            <a:spLocks noGrp="1"/>
+          </p:cNvSpPr>
+          <p:nvPr>
+            <p:ph type="pic" sz="quarter" idx="10"/>
+          </p:nvPr>
+        </p:nvSpPr>
+        <p:spPr>
+          <a:xfrm>
+            <a:off x="3276600" y="0"/>
+            <a:ext cx="5867400" cy="5715000"/>
+          </a:xfrm>
+        </p:spPr>
+      </p:sp>
+      <p:pic>
+        <p:nvPicPr>
+          <p:cNvPr id="3" name="Picture 2"/>
+          <p:cNvPicPr>
+            <a:picLocks noChangeAspect="1"/>
+          </p:cNvPicPr>
+          <p:nvPr/>
+        </p:nvPicPr>
+        <p:blipFill>
+          <a:blip r:embed="rId3"/>
+          <a:stretch>
+            <a:fillRect/>
+          </a:stretch>
+        </p:blipFill>
+        <p:spPr>
+          <a:xfrm>
+            <a:off x="3302479" y="738855"/>
+            <a:ext cx="5856551" cy="4362533"/>
           </a:xfrm>
           <a:prstGeom prst="rect">
             <a:avLst/>
@@ -15703,7 +17461,7 @@
 </p:sld>
 </file>
 
-<file path=ppt/slides/slide24.xml><?xml version="1.0" encoding="utf-8"?>
+<file path=ppt/slides/slide25.xml><?xml version="1.0" encoding="utf-8"?>
 <p:sld xmlns:a="http://schemas.openxmlformats.org/drawingml/2006/main" xmlns:r="http://schemas.openxmlformats.org/officeDocument/2006/relationships" xmlns:p="http://schemas.openxmlformats.org/presentationml/2006/main">
   <p:cSld>
     <p:spTree>
@@ -16038,7 +17796,7 @@
 </p:sld>
 </file>
 
-<file path=ppt/slides/slide25.xml><?xml version="1.0" encoding="utf-8"?>
+<file path=ppt/slides/slide26.xml><?xml version="1.0" encoding="utf-8"?>
 <p:sld xmlns:a="http://schemas.openxmlformats.org/drawingml/2006/main" xmlns:r="http://schemas.openxmlformats.org/officeDocument/2006/relationships" xmlns:p="http://schemas.openxmlformats.org/presentationml/2006/main">
   <p:cSld>
     <p:spTree>
@@ -16110,7 +17868,7 @@
 </p:sld>
 </file>
 
-<file path=ppt/slides/slide26.xml><?xml version="1.0" encoding="utf-8"?>
+<file path=ppt/slides/slide27.xml><?xml version="1.0" encoding="utf-8"?>
 <p:sld xmlns:a="http://schemas.openxmlformats.org/drawingml/2006/main" xmlns:r="http://schemas.openxmlformats.org/officeDocument/2006/relationships" xmlns:p="http://schemas.openxmlformats.org/presentationml/2006/main">
   <p:cSld>
     <p:spTree>
@@ -16214,7 +17972,7 @@
       </p:sp>
       <p:pic>
         <p:nvPicPr>
-          <p:cNvPr id="4" name="Picture 3"/>
+          <p:cNvPr id="7" name="Picture 6"/>
           <p:cNvPicPr>
             <a:picLocks noChangeAspect="1"/>
           </p:cNvPicPr>
@@ -16228,8 +17986,8 @@
         </p:blipFill>
         <p:spPr>
           <a:xfrm>
-            <a:off x="3295690" y="241580"/>
-            <a:ext cx="5751348" cy="1462713"/>
+            <a:off x="3433562" y="1704293"/>
+            <a:ext cx="2919112" cy="4037070"/>
           </a:xfrm>
           <a:prstGeom prst="rect">
             <a:avLst/>
@@ -16238,7 +17996,7 @@
       </p:pic>
       <p:pic>
         <p:nvPicPr>
-          <p:cNvPr id="6" name="Picture 5"/>
+          <p:cNvPr id="9" name="Picture 8"/>
           <p:cNvPicPr>
             <a:picLocks noChangeAspect="1"/>
           </p:cNvPicPr>
@@ -16252,8 +18010,8 @@
         </p:blipFill>
         <p:spPr>
           <a:xfrm>
-            <a:off x="3507698" y="1844329"/>
-            <a:ext cx="3311967" cy="3672676"/>
+            <a:off x="3433562" y="306187"/>
+            <a:ext cx="4114800" cy="1333500"/>
           </a:xfrm>
           <a:prstGeom prst="rect">
             <a:avLst/>
@@ -16283,7 +18041,7 @@
 </p:sld>
 </file>
 
-<file path=ppt/slides/slide27.xml><?xml version="1.0" encoding="utf-8"?>
+<file path=ppt/slides/slide28.xml><?xml version="1.0" encoding="utf-8"?>
 <p:sld xmlns:a="http://schemas.openxmlformats.org/drawingml/2006/main" xmlns:r="http://schemas.openxmlformats.org/officeDocument/2006/relationships" xmlns:p="http://schemas.openxmlformats.org/presentationml/2006/main">
   <p:cSld>
     <p:spTree>
@@ -16355,7 +18113,7 @@
 </p:sld>
 </file>
 
-<file path=ppt/slides/slide28.xml><?xml version="1.0" encoding="utf-8"?>
+<file path=ppt/slides/slide29.xml><?xml version="1.0" encoding="utf-8"?>
 <p:sld xmlns:a="http://schemas.openxmlformats.org/drawingml/2006/main" xmlns:r="http://schemas.openxmlformats.org/officeDocument/2006/relationships" xmlns:p="http://schemas.openxmlformats.org/presentationml/2006/main">
   <p:cSld>
     <p:spTree>
@@ -16952,78 +18710,6 @@
 </p:sld>
 </file>
 
-<file path=ppt/slides/slide29.xml><?xml version="1.0" encoding="utf-8"?>
-<p:sld xmlns:a="http://schemas.openxmlformats.org/drawingml/2006/main" xmlns:r="http://schemas.openxmlformats.org/officeDocument/2006/relationships" xmlns:p="http://schemas.openxmlformats.org/presentationml/2006/main">
-  <p:cSld>
-    <p:spTree>
-      <p:nvGrpSpPr>
-        <p:cNvPr id="1" name=""/>
-        <p:cNvGrpSpPr/>
-        <p:nvPr/>
-      </p:nvGrpSpPr>
-      <p:grpSpPr>
-        <a:xfrm>
-          <a:off x="0" y="0"/>
-          <a:ext cx="0" cy="0"/>
-          <a:chOff x="0" y="0"/>
-          <a:chExt cx="0" cy="0"/>
-        </a:xfrm>
-      </p:grpSpPr>
-      <p:sp>
-        <p:nvSpPr>
-          <p:cNvPr id="7" name="Title 6"/>
-          <p:cNvSpPr>
-            <a:spLocks noGrp="1"/>
-          </p:cNvSpPr>
-          <p:nvPr>
-            <p:ph type="title"/>
-          </p:nvPr>
-        </p:nvSpPr>
-        <p:spPr/>
-        <p:txBody>
-          <a:bodyPr/>
-          <a:lstStyle/>
-          <a:p>
-            <a:r>
-              <a:rPr lang="en-US" dirty="0" smtClean="0"/>
-              <a:t>Code</a:t>
-            </a:r>
-            <a:endParaRPr lang="en-US" dirty="0"/>
-          </a:p>
-        </p:txBody>
-      </p:sp>
-    </p:spTree>
-    <p:extLst>
-      <p:ext uri="{BB962C8B-B14F-4D97-AF65-F5344CB8AC3E}">
-        <p14:creationId xmlns:p14="http://schemas.microsoft.com/office/powerpoint/2010/main" val="2382392901"/>
-      </p:ext>
-    </p:extLst>
-  </p:cSld>
-  <p:clrMapOvr>
-    <a:masterClrMapping/>
-  </p:clrMapOvr>
-  <mc:AlternateContent xmlns:mc="http://schemas.openxmlformats.org/markup-compatibility/2006" xmlns:p14="http://schemas.microsoft.com/office/powerpoint/2010/main">
-    <mc:Choice Requires="p14">
-      <p:transition spd="med" p14:dur="700">
-        <p:fade/>
-      </p:transition>
-    </mc:Choice>
-    <mc:Fallback xmlns="">
-      <p:transition spd="med">
-        <p:fade/>
-      </p:transition>
-    </mc:Fallback>
-  </mc:AlternateContent>
-  <p:timing>
-    <p:tnLst>
-      <p:par>
-        <p:cTn id="1" dur="indefinite" restart="never" nodeType="tmRoot"/>
-      </p:par>
-    </p:tnLst>
-  </p:timing>
-</p:sld>
-</file>
-
 <file path=ppt/slides/slide3.xml><?xml version="1.0" encoding="utf-8"?>
 <p:sld xmlns:a="http://schemas.openxmlformats.org/drawingml/2006/main" xmlns:r="http://schemas.openxmlformats.org/officeDocument/2006/relationships" xmlns:p="http://schemas.openxmlformats.org/presentationml/2006/main">
   <p:cSld>
@@ -17250,14 +18936,6 @@
               <a:rPr lang="en-US" dirty="0" err="1" smtClean="0"/>
               <a:t>AutoFixture</a:t>
             </a:r>
-            <a:r>
-              <a:rPr lang="en-US" dirty="0" smtClean="0"/>
-              <a:t>/</a:t>
-            </a:r>
-            <a:r>
-              <a:rPr lang="en-US" dirty="0" err="1" smtClean="0"/>
-              <a:t>AutoMoq</a:t>
-            </a:r>
             <a:endParaRPr lang="en-US" dirty="0" smtClean="0"/>
           </a:p>
           <a:p>
@@ -17345,7 +19023,7 @@
         </p:spPr>
         <p:txBody>
           <a:bodyPr vert="horz" lIns="91440" tIns="45720" rIns="91440" bIns="45720" rtlCol="0">
-            <a:normAutofit lnSpcReduction="10000"/>
+            <a:normAutofit fontScale="92500" lnSpcReduction="10000"/>
           </a:bodyPr>
           <a:lstStyle>
             <a:lvl1pPr marL="285750" indent="-285750" algn="l" defTabSz="685800" rtl="0" fontAlgn="base">
@@ -17678,8 +19356,28 @@
             </a:pPr>
             <a:r>
               <a:rPr lang="en-US" dirty="0" smtClean="0"/>
+              <a:t>Introduction to </a:t>
+            </a:r>
+            <a:r>
+              <a:rPr lang="en-US" dirty="0" err="1" smtClean="0"/>
+              <a:t>AutoMoq</a:t>
+            </a:r>
+            <a:endParaRPr lang="en-US" dirty="0" smtClean="0"/>
+          </a:p>
+          <a:p>
+            <a:pPr>
+              <a:lnSpc>
+                <a:spcPct val="100000"/>
+              </a:lnSpc>
+              <a:spcBef>
+                <a:spcPts val="1200"/>
+              </a:spcBef>
+            </a:pPr>
+            <a:r>
+              <a:rPr lang="en-US" dirty="0" smtClean="0"/>
               <a:t>Questions</a:t>
             </a:r>
+            <a:endParaRPr lang="en-US" dirty="0" smtClean="0"/>
           </a:p>
           <a:p>
             <a:pPr>
@@ -17839,6 +19537,78 @@
 </file>
 
 <file path=ppt/slides/slide30.xml><?xml version="1.0" encoding="utf-8"?>
+<p:sld xmlns:a="http://schemas.openxmlformats.org/drawingml/2006/main" xmlns:r="http://schemas.openxmlformats.org/officeDocument/2006/relationships" xmlns:p="http://schemas.openxmlformats.org/presentationml/2006/main">
+  <p:cSld>
+    <p:spTree>
+      <p:nvGrpSpPr>
+        <p:cNvPr id="1" name=""/>
+        <p:cNvGrpSpPr/>
+        <p:nvPr/>
+      </p:nvGrpSpPr>
+      <p:grpSpPr>
+        <a:xfrm>
+          <a:off x="0" y="0"/>
+          <a:ext cx="0" cy="0"/>
+          <a:chOff x="0" y="0"/>
+          <a:chExt cx="0" cy="0"/>
+        </a:xfrm>
+      </p:grpSpPr>
+      <p:sp>
+        <p:nvSpPr>
+          <p:cNvPr id="7" name="Title 6"/>
+          <p:cNvSpPr>
+            <a:spLocks noGrp="1"/>
+          </p:cNvSpPr>
+          <p:nvPr>
+            <p:ph type="title"/>
+          </p:nvPr>
+        </p:nvSpPr>
+        <p:spPr/>
+        <p:txBody>
+          <a:bodyPr/>
+          <a:lstStyle/>
+          <a:p>
+            <a:r>
+              <a:rPr lang="en-US" dirty="0" smtClean="0"/>
+              <a:t>Code</a:t>
+            </a:r>
+            <a:endParaRPr lang="en-US" dirty="0"/>
+          </a:p>
+        </p:txBody>
+      </p:sp>
+    </p:spTree>
+    <p:extLst>
+      <p:ext uri="{BB962C8B-B14F-4D97-AF65-F5344CB8AC3E}">
+        <p14:creationId xmlns:p14="http://schemas.microsoft.com/office/powerpoint/2010/main" val="2382392901"/>
+      </p:ext>
+    </p:extLst>
+  </p:cSld>
+  <p:clrMapOvr>
+    <a:masterClrMapping/>
+  </p:clrMapOvr>
+  <mc:AlternateContent xmlns:mc="http://schemas.openxmlformats.org/markup-compatibility/2006" xmlns:p14="http://schemas.microsoft.com/office/powerpoint/2010/main">
+    <mc:Choice Requires="p14">
+      <p:transition spd="med" p14:dur="700">
+        <p:fade/>
+      </p:transition>
+    </mc:Choice>
+    <mc:Fallback xmlns="">
+      <p:transition spd="med">
+        <p:fade/>
+      </p:transition>
+    </mc:Fallback>
+  </mc:AlternateContent>
+  <p:timing>
+    <p:tnLst>
+      <p:par>
+        <p:cTn id="1" dur="indefinite" restart="never" nodeType="tmRoot"/>
+      </p:par>
+    </p:tnLst>
+  </p:timing>
+</p:sld>
+</file>
+
+<file path=ppt/slides/slide31.xml><?xml version="1.0" encoding="utf-8"?>
 <p:sld xmlns:a="http://schemas.openxmlformats.org/drawingml/2006/main" xmlns:r="http://schemas.openxmlformats.org/officeDocument/2006/relationships" xmlns:p="http://schemas.openxmlformats.org/presentationml/2006/main">
   <p:cSld>
     <p:spTree>
@@ -18112,7 +19882,7 @@
 </p:sld>
 </file>
 
-<file path=ppt/slides/slide31.xml><?xml version="1.0" encoding="utf-8"?>
+<file path=ppt/slides/slide32.xml><?xml version="1.0" encoding="utf-8"?>
 <p:sld xmlns:a="http://schemas.openxmlformats.org/drawingml/2006/main" xmlns:r="http://schemas.openxmlformats.org/officeDocument/2006/relationships" xmlns:p="http://schemas.openxmlformats.org/presentationml/2006/main">
   <p:cSld>
     <p:spTree>
@@ -18184,7 +19954,7 @@
 </p:sld>
 </file>
 
-<file path=ppt/slides/slide32.xml><?xml version="1.0" encoding="utf-8"?>
+<file path=ppt/slides/slide33.xml><?xml version="1.0" encoding="utf-8"?>
 <p:sld xmlns:a="http://schemas.openxmlformats.org/drawingml/2006/main" xmlns:r="http://schemas.openxmlformats.org/officeDocument/2006/relationships" xmlns:p="http://schemas.openxmlformats.org/presentationml/2006/main">
   <p:cSld>
     <p:spTree>
@@ -18203,6 +19973,414 @@
       </p:grpSpPr>
       <p:sp>
         <p:nvSpPr>
+          <p:cNvPr id="5" name="Title 4"/>
+          <p:cNvSpPr>
+            <a:spLocks noGrp="1"/>
+          </p:cNvSpPr>
+          <p:nvPr>
+            <p:ph type="title"/>
+          </p:nvPr>
+        </p:nvSpPr>
+        <p:spPr/>
+        <p:txBody>
+          <a:bodyPr/>
+          <a:lstStyle/>
+          <a:p>
+            <a:r>
+              <a:rPr lang="en-US" dirty="0" smtClean="0"/>
+              <a:t>Introduction</a:t>
+            </a:r>
+            <a:endParaRPr lang="en-US" dirty="0"/>
+          </a:p>
+        </p:txBody>
+      </p:sp>
+      <p:sp>
+        <p:nvSpPr>
+          <p:cNvPr id="8" name="Text Placeholder 7"/>
+          <p:cNvSpPr>
+            <a:spLocks noGrp="1"/>
+          </p:cNvSpPr>
+          <p:nvPr>
+            <p:ph type="body" sz="quarter" idx="25"/>
+          </p:nvPr>
+        </p:nvSpPr>
+        <p:spPr/>
+        <p:txBody>
+          <a:bodyPr/>
+          <a:lstStyle/>
+          <a:p>
+            <a:r>
+              <a:rPr lang="en-US" dirty="0" err="1" smtClean="0"/>
+              <a:t>Moq</a:t>
+            </a:r>
+            <a:r>
+              <a:rPr lang="en-US" dirty="0" smtClean="0"/>
+              <a:t> and </a:t>
+            </a:r>
+            <a:r>
+              <a:rPr lang="en-US" dirty="0" err="1" smtClean="0"/>
+              <a:t>AutoMoq</a:t>
+            </a:r>
+            <a:endParaRPr lang="en-US" dirty="0"/>
+          </a:p>
+        </p:txBody>
+      </p:sp>
+      <p:sp>
+        <p:nvSpPr>
+          <p:cNvPr id="2" name="Content Placeholder 1"/>
+          <p:cNvSpPr>
+            <a:spLocks noGrp="1"/>
+          </p:cNvSpPr>
+          <p:nvPr>
+            <p:ph idx="1"/>
+          </p:nvPr>
+        </p:nvSpPr>
+        <p:spPr>
+          <a:xfrm>
+            <a:off x="293298" y="2952427"/>
+            <a:ext cx="2725948" cy="2490841"/>
+          </a:xfrm>
+        </p:spPr>
+        <p:txBody>
+          <a:bodyPr/>
+          <a:lstStyle/>
+          <a:p>
+            <a:r>
+              <a:rPr lang="en-US" dirty="0" smtClean="0"/>
+              <a:t>Traditional </a:t>
+            </a:r>
+            <a:r>
+              <a:rPr lang="en-US" dirty="0" err="1" smtClean="0"/>
+              <a:t>Moq</a:t>
+            </a:r>
+            <a:r>
+              <a:rPr lang="en-US" dirty="0" smtClean="0"/>
+              <a:t> Constructor Tests</a:t>
+            </a:r>
+          </a:p>
+          <a:p>
+            <a:r>
+              <a:rPr lang="en-US" dirty="0" err="1" smtClean="0"/>
+              <a:t>AutoMoq</a:t>
+            </a:r>
+            <a:r>
+              <a:rPr lang="en-US" dirty="0" smtClean="0"/>
+              <a:t> Test</a:t>
+            </a:r>
+            <a:endParaRPr lang="en-US" dirty="0" smtClean="0"/>
+          </a:p>
+          <a:p>
+            <a:endParaRPr lang="en-US" dirty="0" smtClean="0"/>
+          </a:p>
+          <a:p>
+            <a:endParaRPr lang="en-US" dirty="0" smtClean="0"/>
+          </a:p>
+        </p:txBody>
+      </p:sp>
+      <p:sp>
+        <p:nvSpPr>
+          <p:cNvPr id="6" name="Rectangle 5"/>
+          <p:cNvSpPr/>
+          <p:nvPr/>
+        </p:nvSpPr>
+        <p:spPr>
+          <a:xfrm>
+            <a:off x="293295" y="1100303"/>
+            <a:ext cx="2690129" cy="1908215"/>
+          </a:xfrm>
+          <a:prstGeom prst="rect">
+            <a:avLst/>
+          </a:prstGeom>
+        </p:spPr>
+        <p:txBody>
+          <a:bodyPr wrap="square">
+            <a:spAutoFit/>
+          </a:bodyPr>
+          <a:lstStyle/>
+          <a:p>
+            <a:pPr>
+              <a:spcAft>
+                <a:spcPts val="1200"/>
+              </a:spcAft>
+            </a:pPr>
+            <a:r>
+              <a:rPr lang="en-US" sz="1800" dirty="0" err="1" smtClean="0">
+                <a:solidFill>
+                  <a:schemeClr val="tx2">
+                    <a:lumMod val="40000"/>
+                    <a:lumOff val="60000"/>
+                  </a:schemeClr>
+                </a:solidFill>
+              </a:rPr>
+              <a:t>Moq</a:t>
+            </a:r>
+            <a:r>
+              <a:rPr lang="en-US" sz="1800" dirty="0" smtClean="0">
+                <a:solidFill>
+                  <a:schemeClr val="tx2">
+                    <a:lumMod val="40000"/>
+                    <a:lumOff val="60000"/>
+                  </a:schemeClr>
+                </a:solidFill>
+              </a:rPr>
+              <a:t> is a mocking library for </a:t>
+            </a:r>
+            <a:r>
+              <a:rPr lang="en-US" sz="1800" dirty="0" err="1" smtClean="0">
+                <a:solidFill>
+                  <a:schemeClr val="tx2">
+                    <a:lumMod val="40000"/>
+                    <a:lumOff val="60000"/>
+                  </a:schemeClr>
+                </a:solidFill>
+              </a:rPr>
+              <a:t>.net</a:t>
+            </a:r>
+            <a:endParaRPr lang="en-US" sz="1800" dirty="0" smtClean="0">
+              <a:solidFill>
+                <a:schemeClr val="tx2">
+                  <a:lumMod val="40000"/>
+                  <a:lumOff val="60000"/>
+                </a:schemeClr>
+              </a:solidFill>
+            </a:endParaRPr>
+          </a:p>
+          <a:p>
+            <a:pPr>
+              <a:spcAft>
+                <a:spcPts val="1200"/>
+              </a:spcAft>
+            </a:pPr>
+            <a:r>
+              <a:rPr lang="en-US" sz="1800" dirty="0" err="1" smtClean="0">
+                <a:solidFill>
+                  <a:schemeClr val="tx2">
+                    <a:lumMod val="40000"/>
+                    <a:lumOff val="60000"/>
+                  </a:schemeClr>
+                </a:solidFill>
+              </a:rPr>
+              <a:t>AutoMoq</a:t>
+            </a:r>
+            <a:r>
+              <a:rPr lang="en-US" sz="1800" dirty="0" smtClean="0">
+                <a:solidFill>
+                  <a:schemeClr val="tx2">
+                    <a:lumMod val="40000"/>
+                    <a:lumOff val="60000"/>
+                  </a:schemeClr>
+                </a:solidFill>
+              </a:rPr>
+              <a:t> is </a:t>
+            </a:r>
+            <a:r>
+              <a:rPr lang="en-US" sz="1800" dirty="0" err="1" smtClean="0">
+                <a:solidFill>
+                  <a:schemeClr val="tx2">
+                    <a:lumMod val="40000"/>
+                    <a:lumOff val="60000"/>
+                  </a:schemeClr>
+                </a:solidFill>
+              </a:rPr>
+              <a:t>AutoFixture</a:t>
+            </a:r>
+            <a:r>
+              <a:rPr lang="en-US" sz="1800" dirty="0" smtClean="0">
+                <a:solidFill>
+                  <a:schemeClr val="tx2">
+                    <a:lumMod val="40000"/>
+                    <a:lumOff val="60000"/>
+                  </a:schemeClr>
+                </a:solidFill>
+              </a:rPr>
+              <a:t> using </a:t>
+            </a:r>
+            <a:r>
+              <a:rPr lang="en-US" sz="1800" dirty="0" err="1" smtClean="0">
+                <a:solidFill>
+                  <a:schemeClr val="tx2">
+                    <a:lumMod val="40000"/>
+                    <a:lumOff val="60000"/>
+                  </a:schemeClr>
+                </a:solidFill>
+              </a:rPr>
+              <a:t>Moq</a:t>
+            </a:r>
+            <a:r>
+              <a:rPr lang="en-US" sz="1800" dirty="0" smtClean="0">
+                <a:solidFill>
+                  <a:schemeClr val="tx2">
+                    <a:lumMod val="40000"/>
+                    <a:lumOff val="60000"/>
+                  </a:schemeClr>
+                </a:solidFill>
+              </a:rPr>
+              <a:t> to automatically resolve dependencies.</a:t>
+            </a:r>
+            <a:endParaRPr lang="en-US" sz="1800" dirty="0">
+              <a:solidFill>
+                <a:schemeClr val="tx2">
+                  <a:lumMod val="40000"/>
+                  <a:lumOff val="60000"/>
+                </a:schemeClr>
+              </a:solidFill>
+            </a:endParaRPr>
+          </a:p>
+        </p:txBody>
+      </p:sp>
+      <p:pic>
+        <p:nvPicPr>
+          <p:cNvPr id="1026" name="Picture 2" descr="http://pluralsight-assets.s3.amazonaws.com/newsletter/images/4-15_autofixture.jpg"/>
+          <p:cNvPicPr>
+            <a:picLocks noChangeAspect="1" noChangeArrowheads="1"/>
+          </p:cNvPicPr>
+          <p:nvPr/>
+        </p:nvPicPr>
+        <p:blipFill rotWithShape="1">
+          <a:blip r:embed="rId3">
+            <a:extLst>
+              <a:ext uri="{28A0092B-C50C-407E-A947-70E740481C1C}">
+                <a14:useLocalDpi xmlns:a14="http://schemas.microsoft.com/office/drawing/2010/main" val="0"/>
+              </a:ext>
+            </a:extLst>
+          </a:blip>
+          <a:srcRect t="12310"/>
+          <a:stretch/>
+        </p:blipFill>
+        <p:spPr bwMode="auto">
+          <a:xfrm>
+            <a:off x="3665938" y="1154624"/>
+            <a:ext cx="5143500" cy="3624987"/>
+          </a:xfrm>
+          <a:prstGeom prst="rect">
+            <a:avLst/>
+          </a:prstGeom>
+          <a:noFill/>
+          <a:extLst>
+            <a:ext uri="{909E8E84-426E-40DD-AFC4-6F175D3DCCD1}">
+              <a14:hiddenFill xmlns:a14="http://schemas.microsoft.com/office/drawing/2010/main">
+                <a:solidFill>
+                  <a:srgbClr val="FFFFFF"/>
+                </a:solidFill>
+              </a14:hiddenFill>
+            </a:ext>
+          </a:extLst>
+        </p:spPr>
+      </p:pic>
+    </p:spTree>
+    <p:extLst>
+      <p:ext uri="{BB962C8B-B14F-4D97-AF65-F5344CB8AC3E}">
+        <p14:creationId xmlns:p14="http://schemas.microsoft.com/office/powerpoint/2010/main" val="3091415512"/>
+      </p:ext>
+    </p:extLst>
+  </p:cSld>
+  <p:clrMapOvr>
+    <a:masterClrMapping/>
+  </p:clrMapOvr>
+  <p:transition spd="slow">
+    <p:cover/>
+  </p:transition>
+  <p:timing>
+    <p:tnLst>
+      <p:par>
+        <p:cTn id="1" dur="indefinite" restart="never" nodeType="tmRoot"/>
+      </p:par>
+    </p:tnLst>
+  </p:timing>
+</p:sld>
+</file>
+
+<file path=ppt/slides/slide34.xml><?xml version="1.0" encoding="utf-8"?>
+<p:sld xmlns:a="http://schemas.openxmlformats.org/drawingml/2006/main" xmlns:r="http://schemas.openxmlformats.org/officeDocument/2006/relationships" xmlns:p="http://schemas.openxmlformats.org/presentationml/2006/main">
+  <p:cSld>
+    <p:spTree>
+      <p:nvGrpSpPr>
+        <p:cNvPr id="1" name=""/>
+        <p:cNvGrpSpPr/>
+        <p:nvPr/>
+      </p:nvGrpSpPr>
+      <p:grpSpPr>
+        <a:xfrm>
+          <a:off x="0" y="0"/>
+          <a:ext cx="0" cy="0"/>
+          <a:chOff x="0" y="0"/>
+          <a:chExt cx="0" cy="0"/>
+        </a:xfrm>
+      </p:grpSpPr>
+      <p:sp>
+        <p:nvSpPr>
+          <p:cNvPr id="7" name="Title 6"/>
+          <p:cNvSpPr>
+            <a:spLocks noGrp="1"/>
+          </p:cNvSpPr>
+          <p:nvPr>
+            <p:ph type="title"/>
+          </p:nvPr>
+        </p:nvSpPr>
+        <p:spPr/>
+        <p:txBody>
+          <a:bodyPr/>
+          <a:lstStyle/>
+          <a:p>
+            <a:r>
+              <a:rPr lang="en-US" dirty="0" smtClean="0"/>
+              <a:t>Code</a:t>
+            </a:r>
+            <a:endParaRPr lang="en-US" dirty="0"/>
+          </a:p>
+        </p:txBody>
+      </p:sp>
+    </p:spTree>
+    <p:extLst>
+      <p:ext uri="{BB962C8B-B14F-4D97-AF65-F5344CB8AC3E}">
+        <p14:creationId xmlns:p14="http://schemas.microsoft.com/office/powerpoint/2010/main" val="3192220649"/>
+      </p:ext>
+    </p:extLst>
+  </p:cSld>
+  <p:clrMapOvr>
+    <a:masterClrMapping/>
+  </p:clrMapOvr>
+  <mc:AlternateContent xmlns:mc="http://schemas.openxmlformats.org/markup-compatibility/2006">
+    <mc:Choice xmlns:p14="http://schemas.microsoft.com/office/powerpoint/2010/main" Requires="p14">
+      <p:transition spd="med" p14:dur="700">
+        <p:fade/>
+      </p:transition>
+    </mc:Choice>
+    <mc:Fallback>
+      <p:transition spd="med">
+        <p:fade/>
+      </p:transition>
+    </mc:Fallback>
+  </mc:AlternateContent>
+  <p:timing>
+    <p:tnLst>
+      <p:par>
+        <p:cTn id="1" dur="indefinite" restart="never" nodeType="tmRoot"/>
+      </p:par>
+    </p:tnLst>
+  </p:timing>
+</p:sld>
+</file>
+
+<file path=ppt/slides/slide35.xml><?xml version="1.0" encoding="utf-8"?>
+<p:sld xmlns:a="http://schemas.openxmlformats.org/drawingml/2006/main" xmlns:r="http://schemas.openxmlformats.org/officeDocument/2006/relationships" xmlns:p="http://schemas.openxmlformats.org/presentationml/2006/main">
+  <p:cSld>
+    <p:spTree>
+      <p:nvGrpSpPr>
+        <p:cNvPr id="1" name=""/>
+        <p:cNvGrpSpPr/>
+        <p:nvPr/>
+      </p:nvGrpSpPr>
+      <p:grpSpPr>
+        <a:xfrm>
+          <a:off x="0" y="0"/>
+          <a:ext cx="0" cy="0"/>
+          <a:chOff x="0" y="0"/>
+          <a:chExt cx="0" cy="0"/>
+        </a:xfrm>
+      </p:grpSpPr>
+      <p:sp>
+        <p:nvSpPr>
           <p:cNvPr id="2" name="Title 1"/>
           <p:cNvSpPr>
             <a:spLocks noGrp="1"/>
@@ -18311,21 +20489,11 @@
             </a:pPr>
             <a:r>
               <a:rPr lang="en-US" dirty="0" smtClean="0"/>
-              <a:t>Auto Mapper </a:t>
-            </a:r>
-          </a:p>
-          <a:p>
-            <a:pPr>
-              <a:lnSpc>
-                <a:spcPct val="100000"/>
-              </a:lnSpc>
-              <a:spcAft>
-                <a:spcPts val="1200"/>
-              </a:spcAft>
-            </a:pPr>
-            <a:r>
-              <a:rPr lang="en-US" dirty="0" smtClean="0"/>
-              <a:t>Approval Tests.com</a:t>
+              <a:t>Approval </a:t>
+            </a:r>
+            <a:r>
+              <a:rPr lang="en-US" dirty="0" smtClean="0"/>
+              <a:t>Tests.com</a:t>
             </a:r>
           </a:p>
           <a:p>
@@ -18426,35 +20594,20 @@
               </a:buBlip>
             </a:pPr>
             <a:r>
+              <a:rPr lang="en-US" dirty="0" smtClean="0">
+                <a:solidFill>
+                  <a:srgbClr val="F61621"/>
+                </a:solidFill>
+              </a:rPr>
+              <a:t>http</a:t>
+            </a:r>
+            <a:r>
               <a:rPr lang="en-US" dirty="0">
                 <a:solidFill>
                   <a:srgbClr val="F61621"/>
                 </a:solidFill>
               </a:rPr>
-              <a:t>https://github.com/AutoMapper/AutoMapper</a:t>
-            </a:r>
-          </a:p>
-          <a:p>
-            <a:pPr marL="285750" indent="-285750">
-              <a:lnSpc>
-                <a:spcPct val="100000"/>
-              </a:lnSpc>
-              <a:spcAft>
-                <a:spcPts val="1200"/>
-              </a:spcAft>
-              <a:buSzPct val="125000"/>
-              <a:buFontTx/>
-              <a:buBlip>
-                <a:blip r:embed="rId3"/>
-              </a:buBlip>
-            </a:pPr>
-            <a:r>
-              <a:rPr lang="en-US" dirty="0">
-                <a:solidFill>
-                  <a:srgbClr val="F61621"/>
-                </a:solidFill>
-              </a:rPr>
-              <a:t>http://</a:t>
+              <a:t>://</a:t>
             </a:r>
             <a:r>
               <a:rPr lang="en-US" dirty="0" smtClean="0">
@@ -18522,7 +20675,7 @@
 </p:sld>
 </file>
 
-<file path=ppt/slides/slide33.xml><?xml version="1.0" encoding="utf-8"?>
+<file path=ppt/slides/slide36.xml><?xml version="1.0" encoding="utf-8"?>
 <p:sld xmlns:a="http://schemas.openxmlformats.org/drawingml/2006/main" xmlns:r="http://schemas.openxmlformats.org/officeDocument/2006/relationships" xmlns:p="http://schemas.openxmlformats.org/presentationml/2006/main">
   <p:cSld>
     <p:spTree>
@@ -18548,7 +20701,7 @@
           <p:nvPr/>
         </p:nvPicPr>
         <p:blipFill>
-          <a:blip r:embed="rId2">
+          <a:blip r:embed="rId3">
             <a:extLst>
               <a:ext uri="{28A0092B-C50C-407E-A947-70E740481C1C}">
                 <a14:useLocalDpi xmlns:a14="http://schemas.microsoft.com/office/drawing/2010/main" val="0"/>
@@ -18585,8 +20738,28 @@
           <a:lstStyle/>
           <a:p>
             <a:r>
-              <a:rPr lang="en-US" smtClean="0"/>
-              <a:t>Hiking Down the Approval Test Trail</a:t>
+              <a:rPr lang="en-US" dirty="0" smtClean="0"/>
+              <a:t>Approval </a:t>
+            </a:r>
+            <a:r>
+              <a:rPr lang="en-US" dirty="0" smtClean="0"/>
+              <a:t>Test </a:t>
+            </a:r>
+            <a:r>
+              <a:rPr lang="en-US" dirty="0" smtClean="0"/>
+              <a:t>/ </a:t>
+            </a:r>
+            <a:r>
+              <a:rPr lang="en-US" dirty="0" err="1" smtClean="0"/>
+              <a:t>AutoFixture</a:t>
+            </a:r>
+            <a:r>
+              <a:rPr lang="en-US" dirty="0" smtClean="0"/>
+              <a:t>/ </a:t>
+            </a:r>
+            <a:r>
+              <a:rPr lang="en-US" dirty="0" err="1" smtClean="0"/>
+              <a:t>AutoMoq</a:t>
             </a:r>
             <a:endParaRPr lang="en-US" dirty="0"/>
           </a:p>
@@ -18806,8 +20979,8 @@
         </p:nvSpPr>
         <p:spPr>
           <a:xfrm>
-            <a:off x="4445876" y="1492980"/>
-            <a:ext cx="4155573" cy="4135310"/>
+            <a:off x="4445876" y="1492979"/>
+            <a:ext cx="4155573" cy="4211493"/>
           </a:xfrm>
           <a:prstGeom prst="rect">
             <a:avLst/>
@@ -18815,7 +20988,7 @@
         </p:spPr>
         <p:txBody>
           <a:bodyPr vert="horz" lIns="91440" tIns="45720" rIns="91440" bIns="45720" rtlCol="0">
-            <a:normAutofit lnSpcReduction="10000"/>
+            <a:normAutofit fontScale="92500" lnSpcReduction="10000"/>
           </a:bodyPr>
           <a:lstStyle>
             <a:lvl1pPr marL="285750" indent="-285750" algn="l" defTabSz="685800" rtl="0" fontAlgn="base">
@@ -18831,7 +21004,7 @@
               <a:buSzPct val="125000"/>
               <a:buFontTx/>
               <a:buBlip>
-                <a:blip r:embed="rId3"/>
+                <a:blip r:embed="rId4"/>
               </a:buBlip>
               <a:defRPr sz="1600" kern="1200">
                 <a:solidFill>
@@ -19147,9 +21320,14 @@
               </a:spcBef>
             </a:pPr>
             <a:r>
-              <a:rPr lang="en-US" dirty="0"/>
-              <a:t>Questions</a:t>
-            </a:r>
+              <a:rPr lang="en-US" dirty="0" smtClean="0"/>
+              <a:t>Introduction to </a:t>
+            </a:r>
+            <a:r>
+              <a:rPr lang="en-US" dirty="0" err="1" smtClean="0"/>
+              <a:t>AutoMoq</a:t>
+            </a:r>
+            <a:endParaRPr lang="en-US" dirty="0" smtClean="0"/>
           </a:p>
           <a:p>
             <a:pPr>
@@ -19161,7 +21339,22 @@
               </a:spcBef>
             </a:pPr>
             <a:r>
-              <a:rPr lang="en-US" dirty="0"/>
+              <a:rPr lang="en-US" dirty="0" smtClean="0"/>
+              <a:t>Questions</a:t>
+            </a:r>
+            <a:endParaRPr lang="en-US" dirty="0" smtClean="0"/>
+          </a:p>
+          <a:p>
+            <a:pPr>
+              <a:lnSpc>
+                <a:spcPct val="100000"/>
+              </a:lnSpc>
+              <a:spcBef>
+                <a:spcPts val="1200"/>
+              </a:spcBef>
+            </a:pPr>
+            <a:r>
+              <a:rPr lang="en-US" dirty="0" smtClean="0"/>
               <a:t>Contact Info</a:t>
             </a:r>
           </a:p>
@@ -19175,14 +21368,14 @@
               </a:spcBef>
             </a:pPr>
             <a:r>
-              <a:rPr lang="en-US" dirty="0"/>
+              <a:rPr lang="en-US" dirty="0" smtClean="0"/>
               <a:t>@</a:t>
             </a:r>
             <a:r>
-              <a:rPr lang="en-US" dirty="0" err="1"/>
+              <a:rPr lang="en-US" dirty="0" err="1" smtClean="0"/>
               <a:t>wyattwebb</a:t>
             </a:r>
-            <a:endParaRPr lang="en-US" dirty="0"/>
+            <a:endParaRPr lang="en-US" dirty="0" smtClean="0"/>
           </a:p>
           <a:p>
             <a:pPr lvl="1">
@@ -19195,13 +21388,12 @@
             </a:pPr>
             <a:r>
               <a:rPr lang="en-US" dirty="0"/>
-              <a:t>http://</a:t>
+              <a:t>https://</a:t>
             </a:r>
             <a:r>
               <a:rPr lang="en-US" dirty="0" smtClean="0"/>
               <a:t>github.com/wyattwebb/ApprovalTestsTalk</a:t>
             </a:r>
-            <a:endParaRPr lang="en-US" dirty="0"/>
           </a:p>
           <a:p>
             <a:pPr lvl="1">
@@ -19213,18 +21405,30 @@
               </a:spcBef>
             </a:pPr>
             <a:r>
-              <a:rPr lang="en-US" dirty="0"/>
+              <a:rPr lang="en-US" dirty="0" smtClean="0"/>
               <a:t>http://wyattwebb.com</a:t>
             </a:r>
           </a:p>
           <a:p>
-            <a:pPr>
+            <a:pPr lvl="1">
               <a:lnSpc>
                 <a:spcPct val="100000"/>
               </a:lnSpc>
               <a:spcBef>
                 <a:spcPts val="1200"/>
               </a:spcBef>
+            </a:pPr>
+            <a:endParaRPr lang="en-US" dirty="0" smtClean="0"/>
+          </a:p>
+          <a:p>
+            <a:pPr marL="0" indent="0">
+              <a:lnSpc>
+                <a:spcPct val="100000"/>
+              </a:lnSpc>
+              <a:spcBef>
+                <a:spcPts val="1200"/>
+              </a:spcBef>
+              <a:buNone/>
             </a:pPr>
             <a:endParaRPr lang="en-US" dirty="0" smtClean="0"/>
           </a:p>
@@ -19277,7 +21481,7 @@
     </p:spTree>
     <p:extLst>
       <p:ext uri="{BB962C8B-B14F-4D97-AF65-F5344CB8AC3E}">
-        <p14:creationId xmlns:p14="http://schemas.microsoft.com/office/powerpoint/2010/main" val="1426128380"/>
+        <p14:creationId xmlns:p14="http://schemas.microsoft.com/office/powerpoint/2010/main" val="2091294120"/>
       </p:ext>
     </p:extLst>
   </p:cSld>
@@ -19285,7 +21489,7 @@
     <a:masterClrMapping/>
   </p:clrMapOvr>
   <p:transition spd="slow">
-    <p:pull/>
+    <p:cover/>
   </p:transition>
   <p:timing>
     <p:tnLst>
@@ -19297,7 +21501,7 @@
 </p:sld>
 </file>
 
-<file path=ppt/slides/slide34.xml><?xml version="1.0" encoding="utf-8"?>
+<file path=ppt/slides/slide37.xml><?xml version="1.0" encoding="utf-8"?>
 <p:sld xmlns:a="http://schemas.openxmlformats.org/drawingml/2006/main" xmlns:r="http://schemas.openxmlformats.org/officeDocument/2006/relationships" xmlns:p="http://schemas.openxmlformats.org/presentationml/2006/main">
   <p:cSld>
     <p:spTree>
@@ -19570,25 +21774,22 @@
       </p:sp>
       <p:pic>
         <p:nvPicPr>
-          <p:cNvPr id="4" name="Picture Placeholder 3"/>
+          <p:cNvPr id="7" name="Picture 6"/>
           <p:cNvPicPr>
-            <a:picLocks noGrp="1" noChangeAspect="1"/>
+            <a:picLocks noChangeAspect="1"/>
           </p:cNvPicPr>
-          <p:nvPr>
-            <p:ph type="pic" sz="quarter" idx="10"/>
-          </p:nvPr>
+          <p:nvPr/>
         </p:nvPicPr>
         <p:blipFill>
           <a:blip r:embed="rId3"/>
-          <a:srcRect l="832" r="832"/>
           <a:stretch>
             <a:fillRect/>
           </a:stretch>
         </p:blipFill>
         <p:spPr>
           <a:xfrm>
-            <a:off x="3276599" y="1319843"/>
-            <a:ext cx="2942898" cy="2847103"/>
+            <a:off x="3302480" y="842963"/>
+            <a:ext cx="2959113" cy="3392154"/>
           </a:xfrm>
           <a:prstGeom prst="rect">
             <a:avLst/>
@@ -19597,7 +21798,7 @@
       </p:pic>
       <p:pic>
         <p:nvPicPr>
-          <p:cNvPr id="6" name="Picture 5"/>
+          <p:cNvPr id="9" name="Picture 8"/>
           <p:cNvPicPr>
             <a:picLocks noChangeAspect="1"/>
           </p:cNvPicPr>
@@ -19611,8 +21812,8 @@
         </p:blipFill>
         <p:spPr>
           <a:xfrm>
-            <a:off x="6219497" y="1319842"/>
-            <a:ext cx="2667508" cy="2847103"/>
+            <a:off x="6224657" y="842964"/>
+            <a:ext cx="2804598" cy="3392154"/>
           </a:xfrm>
           <a:prstGeom prst="rect">
             <a:avLst/>
@@ -19840,30 +22041,6 @@
           </a:p>
         </p:txBody>
       </p:sp>
-      <p:pic>
-        <p:nvPicPr>
-          <p:cNvPr id="9" name="Picture 8"/>
-          <p:cNvPicPr>
-            <a:picLocks noChangeAspect="1"/>
-          </p:cNvPicPr>
-          <p:nvPr/>
-        </p:nvPicPr>
-        <p:blipFill>
-          <a:blip r:embed="rId3"/>
-          <a:stretch>
-            <a:fillRect/>
-          </a:stretch>
-        </p:blipFill>
-        <p:spPr>
-          <a:xfrm>
-            <a:off x="3275637" y="475194"/>
-            <a:ext cx="5868363" cy="4845322"/>
-          </a:xfrm>
-          <a:prstGeom prst="rect">
-            <a:avLst/>
-          </a:prstGeom>
-        </p:spPr>
-      </p:pic>
       <p:sp>
         <p:nvSpPr>
           <p:cNvPr id="10" name="TextBox 9"/>
@@ -19910,6 +22087,30 @@
           </a:p>
         </p:txBody>
       </p:sp>
+      <p:pic>
+        <p:nvPicPr>
+          <p:cNvPr id="3" name="Picture 2"/>
+          <p:cNvPicPr>
+            <a:picLocks noChangeAspect="1"/>
+          </p:cNvPicPr>
+          <p:nvPr/>
+        </p:nvPicPr>
+        <p:blipFill>
+          <a:blip r:embed="rId3"/>
+          <a:stretch>
+            <a:fillRect/>
+          </a:stretch>
+        </p:blipFill>
+        <p:spPr>
+          <a:xfrm>
+            <a:off x="3302480" y="175460"/>
+            <a:ext cx="5273629" cy="5506026"/>
+          </a:xfrm>
+          <a:prstGeom prst="rect">
+            <a:avLst/>
+          </a:prstGeom>
+        </p:spPr>
+      </p:pic>
     </p:spTree>
     <p:extLst>
       <p:ext uri="{BB962C8B-B14F-4D97-AF65-F5344CB8AC3E}">
@@ -19950,30 +22151,6 @@
           <a:chExt cx="0" cy="0"/>
         </a:xfrm>
       </p:grpSpPr>
-      <p:pic>
-        <p:nvPicPr>
-          <p:cNvPr id="3" name="Picture 2"/>
-          <p:cNvPicPr>
-            <a:picLocks noChangeAspect="1"/>
-          </p:cNvPicPr>
-          <p:nvPr/>
-        </p:nvPicPr>
-        <p:blipFill>
-          <a:blip r:embed="rId3"/>
-          <a:stretch>
-            <a:fillRect/>
-          </a:stretch>
-        </p:blipFill>
-        <p:spPr>
-          <a:xfrm>
-            <a:off x="3305727" y="925640"/>
-            <a:ext cx="5838273" cy="3874960"/>
-          </a:xfrm>
-          <a:prstGeom prst="rect">
-            <a:avLst/>
-          </a:prstGeom>
-        </p:spPr>
-      </p:pic>
       <p:sp>
         <p:nvSpPr>
           <p:cNvPr id="9" name="Title 4"/>
@@ -20122,6 +22299,30 @@
           </a:p>
         </p:txBody>
       </p:sp>
+      <p:pic>
+        <p:nvPicPr>
+          <p:cNvPr id="2" name="Picture 1"/>
+          <p:cNvPicPr>
+            <a:picLocks noChangeAspect="1"/>
+          </p:cNvPicPr>
+          <p:nvPr/>
+        </p:nvPicPr>
+        <p:blipFill>
+          <a:blip r:embed="rId3"/>
+          <a:stretch>
+            <a:fillRect/>
+          </a:stretch>
+        </p:blipFill>
+        <p:spPr>
+          <a:xfrm>
+            <a:off x="3321918" y="681896"/>
+            <a:ext cx="5360069" cy="4243388"/>
+          </a:xfrm>
+          <a:prstGeom prst="rect">
+            <a:avLst/>
+          </a:prstGeom>
+        </p:spPr>
+      </p:pic>
     </p:spTree>
     <p:extLst>
       <p:ext uri="{BB962C8B-B14F-4D97-AF65-F5344CB8AC3E}">

--- a/Documentation/Presentation.pptx
+++ b/Documentation/Presentation.pptx
@@ -5,10 +5,10 @@
     <p:sldMasterId id="2147483766" r:id="rId1"/>
   </p:sldMasterIdLst>
   <p:notesMasterIdLst>
-    <p:notesMasterId r:id="rId39"/>
+    <p:notesMasterId r:id="rId43"/>
   </p:notesMasterIdLst>
   <p:handoutMasterIdLst>
-    <p:handoutMasterId r:id="rId40"/>
+    <p:handoutMasterId r:id="rId44"/>
   </p:handoutMasterIdLst>
   <p:sldIdLst>
     <p:sldId id="257" r:id="rId2"/>
@@ -23,31 +23,35 @@
     <p:sldId id="265" r:id="rId11"/>
     <p:sldId id="266" r:id="rId12"/>
     <p:sldId id="267" r:id="rId13"/>
-    <p:sldId id="268" r:id="rId14"/>
-    <p:sldId id="300" r:id="rId15"/>
-    <p:sldId id="269" r:id="rId16"/>
-    <p:sldId id="270" r:id="rId17"/>
-    <p:sldId id="271" r:id="rId18"/>
-    <p:sldId id="272" r:id="rId19"/>
-    <p:sldId id="273" r:id="rId20"/>
-    <p:sldId id="274" r:id="rId21"/>
-    <p:sldId id="275" r:id="rId22"/>
-    <p:sldId id="276" r:id="rId23"/>
-    <p:sldId id="277" r:id="rId24"/>
-    <p:sldId id="278" r:id="rId25"/>
-    <p:sldId id="279" r:id="rId26"/>
-    <p:sldId id="280" r:id="rId27"/>
-    <p:sldId id="281" r:id="rId28"/>
-    <p:sldId id="282" r:id="rId29"/>
-    <p:sldId id="283" r:id="rId30"/>
-    <p:sldId id="284" r:id="rId31"/>
-    <p:sldId id="285" r:id="rId32"/>
-    <p:sldId id="299" r:id="rId33"/>
-    <p:sldId id="303" r:id="rId34"/>
-    <p:sldId id="302" r:id="rId35"/>
-    <p:sldId id="286" r:id="rId36"/>
-    <p:sldId id="301" r:id="rId37"/>
-    <p:sldId id="288" r:id="rId38"/>
+    <p:sldId id="307" r:id="rId14"/>
+    <p:sldId id="268" r:id="rId15"/>
+    <p:sldId id="300" r:id="rId16"/>
+    <p:sldId id="269" r:id="rId17"/>
+    <p:sldId id="270" r:id="rId18"/>
+    <p:sldId id="271" r:id="rId19"/>
+    <p:sldId id="272" r:id="rId20"/>
+    <p:sldId id="273" r:id="rId21"/>
+    <p:sldId id="274" r:id="rId22"/>
+    <p:sldId id="275" r:id="rId23"/>
+    <p:sldId id="276" r:id="rId24"/>
+    <p:sldId id="277" r:id="rId25"/>
+    <p:sldId id="278" r:id="rId26"/>
+    <p:sldId id="279" r:id="rId27"/>
+    <p:sldId id="280" r:id="rId28"/>
+    <p:sldId id="281" r:id="rId29"/>
+    <p:sldId id="282" r:id="rId30"/>
+    <p:sldId id="283" r:id="rId31"/>
+    <p:sldId id="284" r:id="rId32"/>
+    <p:sldId id="285" r:id="rId33"/>
+    <p:sldId id="299" r:id="rId34"/>
+    <p:sldId id="303" r:id="rId35"/>
+    <p:sldId id="304" r:id="rId36"/>
+    <p:sldId id="305" r:id="rId37"/>
+    <p:sldId id="306" r:id="rId38"/>
+    <p:sldId id="302" r:id="rId39"/>
+    <p:sldId id="286" r:id="rId40"/>
+    <p:sldId id="301" r:id="rId41"/>
+    <p:sldId id="288" r:id="rId42"/>
   </p:sldIdLst>
   <p:sldSz cx="9144000" cy="5715000" type="screen16x10"/>
   <p:notesSz cx="7315200" cy="9601200"/>
@@ -1324,7 +1328,7 @@
     </p:spTree>
     <p:extLst>
       <p:ext uri="{BB962C8B-B14F-4D97-AF65-F5344CB8AC3E}">
-        <p14:creationId xmlns:p14="http://schemas.microsoft.com/office/powerpoint/2010/main" val="28294200"/>
+        <p14:creationId xmlns:p14="http://schemas.microsoft.com/office/powerpoint/2010/main" val="4145088748"/>
       </p:ext>
     </p:extLst>
   </p:cSld>
@@ -1414,7 +1418,7 @@
     </p:spTree>
     <p:extLst>
       <p:ext uri="{BB962C8B-B14F-4D97-AF65-F5344CB8AC3E}">
-        <p14:creationId xmlns:p14="http://schemas.microsoft.com/office/powerpoint/2010/main" val="3128544700"/>
+        <p14:creationId xmlns:p14="http://schemas.microsoft.com/office/powerpoint/2010/main" val="28294200"/>
       </p:ext>
     </p:extLst>
   </p:cSld>
@@ -1504,7 +1508,7 @@
     </p:spTree>
     <p:extLst>
       <p:ext uri="{BB962C8B-B14F-4D97-AF65-F5344CB8AC3E}">
-        <p14:creationId xmlns:p14="http://schemas.microsoft.com/office/powerpoint/2010/main" val="304820062"/>
+        <p14:creationId xmlns:p14="http://schemas.microsoft.com/office/powerpoint/2010/main" val="3128544700"/>
       </p:ext>
     </p:extLst>
   </p:cSld>
@@ -1563,30 +1567,6 @@
           <a:bodyPr/>
           <a:lstStyle/>
           <a:p>
-            <a:r>
-              <a:rPr lang="en-US" dirty="0" err="1" smtClean="0"/>
-              <a:t>Guids</a:t>
-            </a:r>
-            <a:r>
-              <a:rPr lang="en-US" baseline="0" dirty="0" smtClean="0"/>
-              <a:t> vs Strings</a:t>
-            </a:r>
-          </a:p>
-          <a:p>
-            <a:r>
-              <a:rPr lang="en-US" baseline="0" dirty="0" smtClean="0"/>
-              <a:t>Enumerations</a:t>
-            </a:r>
-          </a:p>
-          <a:p>
-            <a:r>
-              <a:rPr lang="en-US" dirty="0" smtClean="0"/>
-              <a:t>Build</a:t>
-            </a:r>
-            <a:r>
-              <a:rPr lang="en-US" baseline="0" dirty="0" smtClean="0"/>
-              <a:t> vs Create</a:t>
-            </a:r>
             <a:endParaRPr lang="en-US" dirty="0"/>
           </a:p>
         </p:txBody>
@@ -1618,7 +1598,7 @@
     </p:spTree>
     <p:extLst>
       <p:ext uri="{BB962C8B-B14F-4D97-AF65-F5344CB8AC3E}">
-        <p14:creationId xmlns:p14="http://schemas.microsoft.com/office/powerpoint/2010/main" val="940239705"/>
+        <p14:creationId xmlns:p14="http://schemas.microsoft.com/office/powerpoint/2010/main" val="304820062"/>
       </p:ext>
     </p:extLst>
   </p:cSld>
@@ -1699,24 +1679,8 @@
             </a:r>
             <a:r>
               <a:rPr lang="en-US" baseline="0" dirty="0" smtClean="0"/>
-              <a:t> vs </a:t>
-            </a:r>
-            <a:r>
-              <a:rPr lang="en-US" baseline="0" dirty="0" smtClean="0"/>
-              <a:t>Create</a:t>
-            </a:r>
-          </a:p>
-          <a:p>
-            <a:r>
-              <a:rPr lang="en-US" baseline="0" dirty="0" smtClean="0"/>
-              <a:t>Pipe line explanation – Request comes in, Customizations (blank), runs defaults, and residue collectors, and out </a:t>
-            </a:r>
-            <a:r>
-              <a:rPr lang="en-US" baseline="0" smtClean="0"/>
-              <a:t>anonymous data</a:t>
-            </a:r>
-          </a:p>
-          <a:p>
+              <a:t> vs Create</a:t>
+            </a:r>
             <a:endParaRPr lang="en-US" dirty="0"/>
           </a:p>
         </p:txBody>
@@ -1748,7 +1712,7 @@
     </p:spTree>
     <p:extLst>
       <p:ext uri="{BB962C8B-B14F-4D97-AF65-F5344CB8AC3E}">
-        <p14:creationId xmlns:p14="http://schemas.microsoft.com/office/powerpoint/2010/main" val="2228567272"/>
+        <p14:creationId xmlns:p14="http://schemas.microsoft.com/office/powerpoint/2010/main" val="940239705"/>
       </p:ext>
     </p:extLst>
   </p:cSld>
@@ -1808,20 +1772,38 @@
           <a:lstStyle/>
           <a:p>
             <a:r>
+              <a:rPr lang="en-US" dirty="0" err="1" smtClean="0"/>
+              <a:t>Guids</a:t>
+            </a:r>
+            <a:r>
               <a:rPr lang="en-US" baseline="0" dirty="0" smtClean="0"/>
-              <a:t>SQL Column Lengths</a:t>
+              <a:t> vs Strings</a:t>
             </a:r>
           </a:p>
           <a:p>
             <a:r>
               <a:rPr lang="en-US" baseline="0" dirty="0" smtClean="0"/>
-              <a:t>Registering dependencies</a:t>
-            </a:r>
-          </a:p>
-          <a:p>
+              <a:t>Enumerations</a:t>
+            </a:r>
+          </a:p>
+          <a:p>
+            <a:r>
+              <a:rPr lang="en-US" dirty="0" smtClean="0"/>
+              <a:t>Build</a:t>
+            </a:r>
             <a:r>
               <a:rPr lang="en-US" baseline="0" dirty="0" smtClean="0"/>
-              <a:t>Shiny new hammer</a:t>
+              <a:t> vs </a:t>
+            </a:r>
+            <a:r>
+              <a:rPr lang="en-US" baseline="0" dirty="0" smtClean="0"/>
+              <a:t>Create</a:t>
+            </a:r>
+          </a:p>
+          <a:p>
+            <a:r>
+              <a:rPr lang="en-US" baseline="0" dirty="0" smtClean="0"/>
+              <a:t>Pipe line explanation – Request comes in, Customizations (blank), runs defaults, and residue collectors, and out anonymous data</a:t>
             </a:r>
           </a:p>
           <a:p>
@@ -1856,7 +1838,7 @@
     </p:spTree>
     <p:extLst>
       <p:ext uri="{BB962C8B-B14F-4D97-AF65-F5344CB8AC3E}">
-        <p14:creationId xmlns:p14="http://schemas.microsoft.com/office/powerpoint/2010/main" val="2990068731"/>
+        <p14:creationId xmlns:p14="http://schemas.microsoft.com/office/powerpoint/2010/main" val="2228567272"/>
       </p:ext>
     </p:extLst>
   </p:cSld>
@@ -1893,7 +1875,12 @@
             <p:ph type="sldImg"/>
           </p:nvPr>
         </p:nvSpPr>
-        <p:spPr/>
+        <p:spPr>
+          <a:xfrm>
+            <a:off x="1065213" y="1200150"/>
+            <a:ext cx="5184775" cy="3240088"/>
+          </a:xfrm>
+        </p:spPr>
       </p:sp>
       <p:sp>
         <p:nvSpPr>
@@ -1911,325 +1898,21 @@
           <a:lstStyle/>
           <a:p>
             <a:r>
-              <a:rPr lang="en-US" sz="900" kern="1200" dirty="0" smtClean="0">
-                <a:solidFill>
-                  <a:schemeClr val="tx1"/>
-                </a:solidFill>
-                <a:latin typeface="Arial" panose="020B0604020202020204" pitchFamily="34" charset="0"/>
-                <a:ea typeface="MS PGothic" pitchFamily="34" charset="-128"/>
-                <a:cs typeface="+mn-cs"/>
-              </a:rPr>
-              <a:t>Show – Custom</a:t>
-            </a:r>
-            <a:r>
-              <a:rPr lang="en-US" sz="900" kern="1200" baseline="0" dirty="0" smtClean="0">
-                <a:solidFill>
-                  <a:schemeClr val="tx1"/>
-                </a:solidFill>
-                <a:latin typeface="Arial" panose="020B0604020202020204" pitchFamily="34" charset="0"/>
-                <a:ea typeface="MS PGothic" pitchFamily="34" charset="-128"/>
-                <a:cs typeface="+mn-cs"/>
-              </a:rPr>
-              <a:t> : 	</a:t>
-            </a:r>
-            <a:endParaRPr lang="en-US" sz="900" kern="1200" dirty="0" smtClean="0">
-              <a:solidFill>
-                <a:schemeClr val="tx1"/>
-              </a:solidFill>
-              <a:latin typeface="Arial" panose="020B0604020202020204" pitchFamily="34" charset="0"/>
-              <a:ea typeface="MS PGothic" pitchFamily="34" charset="-128"/>
-              <a:cs typeface="+mn-cs"/>
-            </a:endParaRPr>
-          </a:p>
-          <a:p>
-            <a:r>
-              <a:rPr lang="en-US" sz="900" kern="1200" dirty="0" smtClean="0">
-                <a:solidFill>
-                  <a:schemeClr val="tx1"/>
-                </a:solidFill>
-                <a:latin typeface="Arial" panose="020B0604020202020204" pitchFamily="34" charset="0"/>
-                <a:ea typeface="MS PGothic" pitchFamily="34" charset="-128"/>
-                <a:cs typeface="+mn-cs"/>
-              </a:rPr>
-              <a:t>            _</a:t>
-            </a:r>
-            <a:r>
-              <a:rPr lang="en-US" sz="900" kern="1200" dirty="0" err="1" smtClean="0">
-                <a:solidFill>
-                  <a:schemeClr val="tx1"/>
-                </a:solidFill>
-                <a:latin typeface="Arial" panose="020B0604020202020204" pitchFamily="34" charset="0"/>
-                <a:ea typeface="MS PGothic" pitchFamily="34" charset="-128"/>
-                <a:cs typeface="+mn-cs"/>
-              </a:rPr>
-              <a:t>fixture.Customize</a:t>
-            </a:r>
-            <a:r>
-              <a:rPr lang="en-US" sz="900" kern="1200" dirty="0" smtClean="0">
-                <a:solidFill>
-                  <a:schemeClr val="tx1"/>
-                </a:solidFill>
-                <a:latin typeface="Arial" panose="020B0604020202020204" pitchFamily="34" charset="0"/>
-                <a:ea typeface="MS PGothic" pitchFamily="34" charset="-128"/>
-                <a:cs typeface="+mn-cs"/>
-              </a:rPr>
-              <a:t>(new </a:t>
-            </a:r>
-            <a:r>
-              <a:rPr lang="en-US" sz="900" kern="1200" dirty="0" err="1" smtClean="0">
-                <a:solidFill>
-                  <a:schemeClr val="tx1"/>
-                </a:solidFill>
-                <a:latin typeface="Arial" panose="020B0604020202020204" pitchFamily="34" charset="0"/>
-                <a:ea typeface="MS PGothic" pitchFamily="34" charset="-128"/>
-                <a:cs typeface="+mn-cs"/>
-              </a:rPr>
-              <a:t>ApprovalTestCustomization</a:t>
-            </a:r>
-            <a:r>
-              <a:rPr lang="en-US" sz="900" kern="1200" dirty="0" smtClean="0">
-                <a:solidFill>
-                  <a:schemeClr val="tx1"/>
-                </a:solidFill>
-                <a:latin typeface="Arial" panose="020B0604020202020204" pitchFamily="34" charset="0"/>
-                <a:ea typeface="MS PGothic" pitchFamily="34" charset="-128"/>
-                <a:cs typeface="+mn-cs"/>
-              </a:rPr>
-              <a:t>()); at</a:t>
-            </a:r>
-            <a:r>
-              <a:rPr lang="en-US" sz="900" kern="1200" baseline="0" dirty="0" smtClean="0">
-                <a:solidFill>
-                  <a:schemeClr val="tx1"/>
-                </a:solidFill>
-                <a:latin typeface="Arial" panose="020B0604020202020204" pitchFamily="34" charset="0"/>
-                <a:ea typeface="MS PGothic" pitchFamily="34" charset="-128"/>
-                <a:cs typeface="+mn-cs"/>
-              </a:rPr>
-              <a:t> top of controller tests.	</a:t>
-            </a:r>
-          </a:p>
-          <a:p>
-            <a:endParaRPr lang="en-US" sz="900" kern="1200" baseline="0" dirty="0" smtClean="0">
-              <a:solidFill>
-                <a:schemeClr val="tx1"/>
-              </a:solidFill>
-              <a:latin typeface="Arial" panose="020B0604020202020204" pitchFamily="34" charset="0"/>
-              <a:ea typeface="MS PGothic" pitchFamily="34" charset="-128"/>
-              <a:cs typeface="+mn-cs"/>
-            </a:endParaRPr>
-          </a:p>
-          <a:p>
-            <a:r>
-              <a:rPr lang="en-US" sz="900" kern="1200" baseline="0" dirty="0" smtClean="0">
-                <a:solidFill>
-                  <a:schemeClr val="tx1"/>
-                </a:solidFill>
-                <a:latin typeface="Arial" panose="020B0604020202020204" pitchFamily="34" charset="0"/>
-                <a:ea typeface="MS PGothic" pitchFamily="34" charset="-128"/>
-                <a:cs typeface="+mn-cs"/>
-              </a:rPr>
-              <a:t>Walk through </a:t>
-            </a:r>
-            <a:r>
-              <a:rPr lang="en-US" sz="900" kern="1200" dirty="0" err="1" smtClean="0">
-                <a:solidFill>
-                  <a:schemeClr val="tx1"/>
-                </a:solidFill>
-                <a:latin typeface="Arial" panose="020B0604020202020204" pitchFamily="34" charset="0"/>
-                <a:ea typeface="MS PGothic" pitchFamily="34" charset="-128"/>
-                <a:cs typeface="+mn-cs"/>
-              </a:rPr>
-              <a:t>ApprovalTestCustomization</a:t>
-            </a:r>
-            <a:r>
-              <a:rPr lang="en-US" sz="900" kern="1200" dirty="0" smtClean="0">
-                <a:solidFill>
-                  <a:schemeClr val="tx1"/>
-                </a:solidFill>
-                <a:latin typeface="Arial" panose="020B0604020202020204" pitchFamily="34" charset="0"/>
-                <a:ea typeface="MS PGothic" pitchFamily="34" charset="-128"/>
-                <a:cs typeface="+mn-cs"/>
-              </a:rPr>
-              <a:t> including all of</a:t>
-            </a:r>
-            <a:r>
-              <a:rPr lang="en-US" sz="900" kern="1200" baseline="0" dirty="0" smtClean="0">
-                <a:solidFill>
-                  <a:schemeClr val="tx1"/>
-                </a:solidFill>
-                <a:latin typeface="Arial" panose="020B0604020202020204" pitchFamily="34" charset="0"/>
-                <a:ea typeface="MS PGothic" pitchFamily="34" charset="-128"/>
-                <a:cs typeface="+mn-cs"/>
-              </a:rPr>
-              <a:t> it.</a:t>
-            </a:r>
-          </a:p>
-          <a:p>
-            <a:r>
-              <a:rPr lang="en-US" sz="900" kern="1200" baseline="0" dirty="0" smtClean="0">
-                <a:solidFill>
-                  <a:schemeClr val="tx1"/>
-                </a:solidFill>
-                <a:latin typeface="Arial" panose="020B0604020202020204" pitchFamily="34" charset="0"/>
-                <a:ea typeface="MS PGothic" pitchFamily="34" charset="-128"/>
-                <a:cs typeface="+mn-cs"/>
-              </a:rPr>
-              <a:t>Point out </a:t>
-            </a:r>
-            <a:r>
-              <a:rPr lang="en-US" sz="900" kern="1200" dirty="0" err="1" smtClean="0">
-                <a:solidFill>
-                  <a:schemeClr val="tx1"/>
-                </a:solidFill>
-                <a:latin typeface="Arial" panose="020B0604020202020204" pitchFamily="34" charset="0"/>
-                <a:ea typeface="MS PGothic" pitchFamily="34" charset="-128"/>
-                <a:cs typeface="+mn-cs"/>
-              </a:rPr>
-              <a:t>ISpecimenBuilder</a:t>
-            </a:r>
-            <a:endParaRPr lang="en-US" sz="900" kern="1200" dirty="0" smtClean="0">
-              <a:solidFill>
-                <a:schemeClr val="tx1"/>
-              </a:solidFill>
-              <a:latin typeface="Arial" panose="020B0604020202020204" pitchFamily="34" charset="0"/>
-              <a:ea typeface="MS PGothic" pitchFamily="34" charset="-128"/>
-              <a:cs typeface="+mn-cs"/>
-            </a:endParaRPr>
-          </a:p>
-          <a:p>
-            <a:endParaRPr lang="en-US" sz="900" kern="1200" dirty="0" smtClean="0">
-              <a:solidFill>
-                <a:schemeClr val="tx1"/>
-              </a:solidFill>
-              <a:latin typeface="Arial" panose="020B0604020202020204" pitchFamily="34" charset="0"/>
-              <a:ea typeface="MS PGothic" pitchFamily="34" charset="-128"/>
-              <a:cs typeface="+mn-cs"/>
-            </a:endParaRPr>
-          </a:p>
-          <a:p>
-            <a:r>
-              <a:rPr lang="en-US" sz="900" kern="1200" dirty="0" smtClean="0">
-                <a:solidFill>
-                  <a:schemeClr val="tx1"/>
-                </a:solidFill>
-                <a:latin typeface="Arial" panose="020B0604020202020204" pitchFamily="34" charset="0"/>
-                <a:ea typeface="MS PGothic" pitchFamily="34" charset="-128"/>
-                <a:cs typeface="+mn-cs"/>
-              </a:rPr>
-              <a:t>Show </a:t>
-            </a:r>
-            <a:r>
-              <a:rPr lang="en-US" sz="900" kern="1200" dirty="0" err="1" smtClean="0">
-                <a:solidFill>
-                  <a:schemeClr val="tx1"/>
-                </a:solidFill>
-                <a:latin typeface="Arial" panose="020B0604020202020204" pitchFamily="34" charset="0"/>
-                <a:ea typeface="MS PGothic" pitchFamily="34" charset="-128"/>
-                <a:cs typeface="+mn-cs"/>
-              </a:rPr>
-              <a:t>QuarterBackSpecimenBuilder</a:t>
-            </a:r>
-            <a:endParaRPr lang="en-US" sz="900" kern="1200" dirty="0" smtClean="0">
-              <a:solidFill>
-                <a:schemeClr val="tx1"/>
-              </a:solidFill>
-              <a:latin typeface="Arial" panose="020B0604020202020204" pitchFamily="34" charset="0"/>
-              <a:ea typeface="MS PGothic" pitchFamily="34" charset="-128"/>
-              <a:cs typeface="+mn-cs"/>
-            </a:endParaRPr>
-          </a:p>
-          <a:p>
-            <a:r>
-              <a:rPr lang="en-US" sz="900" kern="1200" dirty="0" smtClean="0">
-                <a:solidFill>
-                  <a:schemeClr val="tx1"/>
-                </a:solidFill>
-                <a:latin typeface="Arial" panose="020B0604020202020204" pitchFamily="34" charset="0"/>
-                <a:ea typeface="MS PGothic" pitchFamily="34" charset="-128"/>
-                <a:cs typeface="+mn-cs"/>
-              </a:rPr>
-              <a:t>Run</a:t>
-            </a:r>
-          </a:p>
-          <a:p>
-            <a:r>
-              <a:rPr lang="en-US" sz="900" kern="1200" dirty="0" smtClean="0">
-                <a:solidFill>
-                  <a:schemeClr val="tx1"/>
-                </a:solidFill>
-                <a:latin typeface="Arial" panose="020B0604020202020204" pitchFamily="34" charset="0"/>
-                <a:ea typeface="MS PGothic" pitchFamily="34" charset="-128"/>
-                <a:cs typeface="+mn-cs"/>
-              </a:rPr>
-              <a:t>GET_Given_Manual_Setups__When_Get_Three__</a:t>
-            </a:r>
-            <a:r>
-              <a:rPr lang="en-US" sz="900" kern="1200" dirty="0" err="1" smtClean="0">
-                <a:solidFill>
-                  <a:schemeClr val="tx1"/>
-                </a:solidFill>
-                <a:latin typeface="Arial" panose="020B0604020202020204" pitchFamily="34" charset="0"/>
-                <a:ea typeface="MS PGothic" pitchFamily="34" charset="-128"/>
-                <a:cs typeface="+mn-cs"/>
-              </a:rPr>
-              <a:t>ThenAsserts</a:t>
-            </a:r>
-            <a:endParaRPr lang="en-US" sz="900" kern="1200" dirty="0" smtClean="0">
-              <a:solidFill>
-                <a:schemeClr val="tx1"/>
-              </a:solidFill>
-              <a:latin typeface="Arial" panose="020B0604020202020204" pitchFamily="34" charset="0"/>
-              <a:ea typeface="MS PGothic" pitchFamily="34" charset="-128"/>
-              <a:cs typeface="+mn-cs"/>
-            </a:endParaRPr>
-          </a:p>
-          <a:p>
-            <a:r>
-              <a:rPr lang="en-US" sz="900" kern="1200" dirty="0" smtClean="0">
-                <a:solidFill>
-                  <a:schemeClr val="tx1"/>
-                </a:solidFill>
-                <a:latin typeface="Arial" panose="020B0604020202020204" pitchFamily="34" charset="0"/>
-                <a:ea typeface="MS PGothic" pitchFamily="34" charset="-128"/>
-                <a:cs typeface="+mn-cs"/>
-              </a:rPr>
-              <a:t>Run </a:t>
-            </a:r>
-          </a:p>
-          <a:p>
-            <a:r>
-              <a:rPr lang="en-US" sz="900" kern="1200" dirty="0" err="1" smtClean="0">
-                <a:solidFill>
-                  <a:schemeClr val="tx1"/>
-                </a:solidFill>
-                <a:latin typeface="Arial" panose="020B0604020202020204" pitchFamily="34" charset="0"/>
-                <a:ea typeface="MS PGothic" pitchFamily="34" charset="-128"/>
-                <a:cs typeface="+mn-cs"/>
-              </a:rPr>
-              <a:t>GET_Get_Ten_UsingAutoFixture</a:t>
-            </a:r>
-            <a:r>
-              <a:rPr lang="en-US" sz="900" kern="1200" dirty="0" smtClean="0">
-                <a:solidFill>
-                  <a:schemeClr val="tx1"/>
-                </a:solidFill>
-                <a:latin typeface="Arial" panose="020B0604020202020204" pitchFamily="34" charset="0"/>
-                <a:ea typeface="MS PGothic" pitchFamily="34" charset="-128"/>
-                <a:cs typeface="+mn-cs"/>
-              </a:rPr>
-              <a:t>	</a:t>
-            </a:r>
-          </a:p>
-          <a:p>
-            <a:endParaRPr lang="en-US" sz="900" kern="1200" dirty="0" smtClean="0">
-              <a:solidFill>
-                <a:schemeClr val="tx1"/>
-              </a:solidFill>
-              <a:latin typeface="Arial" panose="020B0604020202020204" pitchFamily="34" charset="0"/>
-              <a:ea typeface="MS PGothic" pitchFamily="34" charset="-128"/>
-              <a:cs typeface="+mn-cs"/>
-            </a:endParaRPr>
+              <a:rPr lang="en-US" baseline="0" dirty="0" smtClean="0"/>
+              <a:t>SQL Column Lengths</a:t>
+            </a:r>
+          </a:p>
+          <a:p>
+            <a:r>
+              <a:rPr lang="en-US" baseline="0" dirty="0" smtClean="0"/>
+              <a:t>Registering dependencies</a:t>
+            </a:r>
+          </a:p>
+          <a:p>
+            <a:r>
+              <a:rPr lang="en-US" baseline="0" dirty="0" smtClean="0"/>
+              <a:t>Shiny new hammer</a:t>
+            </a:r>
           </a:p>
           <a:p>
             <a:endParaRPr lang="en-US" dirty="0"/>
@@ -2251,19 +1934,19 @@
           <a:bodyPr/>
           <a:lstStyle/>
           <a:p>
-            <a:fld id="{F9F5467A-33E4-43D8-B5CA-5C9AFC758669}" type="slidenum">
-              <a:rPr lang="en-US" altLang="en-US" smtClean="0"/>
+            <a:fld id="{CA5D3BF3-D352-46FC-8343-31F56E6730EA}" type="slidenum">
+              <a:rPr lang="en-US" smtClean="0"/>
               <a:pPr/>
               <a:t>19</a:t>
             </a:fld>
-            <a:endParaRPr lang="en-US" altLang="en-US"/>
+            <a:endParaRPr lang="en-US"/>
           </a:p>
         </p:txBody>
       </p:sp>
     </p:spTree>
     <p:extLst>
       <p:ext uri="{BB962C8B-B14F-4D97-AF65-F5344CB8AC3E}">
-        <p14:creationId xmlns:p14="http://schemas.microsoft.com/office/powerpoint/2010/main" val="1159701232"/>
+        <p14:creationId xmlns:p14="http://schemas.microsoft.com/office/powerpoint/2010/main" val="2990068731"/>
       </p:ext>
     </p:extLst>
   </p:cSld>
@@ -2300,12 +1983,7 @@
             <p:ph type="sldImg"/>
           </p:nvPr>
         </p:nvSpPr>
-        <p:spPr>
-          <a:xfrm>
-            <a:off x="1065213" y="1200150"/>
-            <a:ext cx="5184775" cy="3240088"/>
-          </a:xfrm>
-        </p:spPr>
+        <p:spPr/>
       </p:sp>
       <p:sp>
         <p:nvSpPr>
@@ -2322,6 +2000,328 @@
           <a:bodyPr/>
           <a:lstStyle/>
           <a:p>
+            <a:r>
+              <a:rPr lang="en-US" sz="900" kern="1200" dirty="0" smtClean="0">
+                <a:solidFill>
+                  <a:schemeClr val="tx1"/>
+                </a:solidFill>
+                <a:latin typeface="Arial" panose="020B0604020202020204" pitchFamily="34" charset="0"/>
+                <a:ea typeface="MS PGothic" pitchFamily="34" charset="-128"/>
+                <a:cs typeface="+mn-cs"/>
+              </a:rPr>
+              <a:t>Show – Custom</a:t>
+            </a:r>
+            <a:r>
+              <a:rPr lang="en-US" sz="900" kern="1200" baseline="0" dirty="0" smtClean="0">
+                <a:solidFill>
+                  <a:schemeClr val="tx1"/>
+                </a:solidFill>
+                <a:latin typeface="Arial" panose="020B0604020202020204" pitchFamily="34" charset="0"/>
+                <a:ea typeface="MS PGothic" pitchFamily="34" charset="-128"/>
+                <a:cs typeface="+mn-cs"/>
+              </a:rPr>
+              <a:t> : 	</a:t>
+            </a:r>
+            <a:endParaRPr lang="en-US" sz="900" kern="1200" dirty="0" smtClean="0">
+              <a:solidFill>
+                <a:schemeClr val="tx1"/>
+              </a:solidFill>
+              <a:latin typeface="Arial" panose="020B0604020202020204" pitchFamily="34" charset="0"/>
+              <a:ea typeface="MS PGothic" pitchFamily="34" charset="-128"/>
+              <a:cs typeface="+mn-cs"/>
+            </a:endParaRPr>
+          </a:p>
+          <a:p>
+            <a:r>
+              <a:rPr lang="en-US" sz="900" kern="1200" dirty="0" smtClean="0">
+                <a:solidFill>
+                  <a:schemeClr val="tx1"/>
+                </a:solidFill>
+                <a:latin typeface="Arial" panose="020B0604020202020204" pitchFamily="34" charset="0"/>
+                <a:ea typeface="MS PGothic" pitchFamily="34" charset="-128"/>
+                <a:cs typeface="+mn-cs"/>
+              </a:rPr>
+              <a:t>            _</a:t>
+            </a:r>
+            <a:r>
+              <a:rPr lang="en-US" sz="900" kern="1200" dirty="0" err="1" smtClean="0">
+                <a:solidFill>
+                  <a:schemeClr val="tx1"/>
+                </a:solidFill>
+                <a:latin typeface="Arial" panose="020B0604020202020204" pitchFamily="34" charset="0"/>
+                <a:ea typeface="MS PGothic" pitchFamily="34" charset="-128"/>
+                <a:cs typeface="+mn-cs"/>
+              </a:rPr>
+              <a:t>fixture.Customize</a:t>
+            </a:r>
+            <a:r>
+              <a:rPr lang="en-US" sz="900" kern="1200" dirty="0" smtClean="0">
+                <a:solidFill>
+                  <a:schemeClr val="tx1"/>
+                </a:solidFill>
+                <a:latin typeface="Arial" panose="020B0604020202020204" pitchFamily="34" charset="0"/>
+                <a:ea typeface="MS PGothic" pitchFamily="34" charset="-128"/>
+                <a:cs typeface="+mn-cs"/>
+              </a:rPr>
+              <a:t>(new </a:t>
+            </a:r>
+            <a:r>
+              <a:rPr lang="en-US" sz="900" kern="1200" dirty="0" err="1" smtClean="0">
+                <a:solidFill>
+                  <a:schemeClr val="tx1"/>
+                </a:solidFill>
+                <a:latin typeface="Arial" panose="020B0604020202020204" pitchFamily="34" charset="0"/>
+                <a:ea typeface="MS PGothic" pitchFamily="34" charset="-128"/>
+                <a:cs typeface="+mn-cs"/>
+              </a:rPr>
+              <a:t>ApprovalTestCustomization</a:t>
+            </a:r>
+            <a:r>
+              <a:rPr lang="en-US" sz="900" kern="1200" dirty="0" smtClean="0">
+                <a:solidFill>
+                  <a:schemeClr val="tx1"/>
+                </a:solidFill>
+                <a:latin typeface="Arial" panose="020B0604020202020204" pitchFamily="34" charset="0"/>
+                <a:ea typeface="MS PGothic" pitchFamily="34" charset="-128"/>
+                <a:cs typeface="+mn-cs"/>
+              </a:rPr>
+              <a:t>()); at</a:t>
+            </a:r>
+            <a:r>
+              <a:rPr lang="en-US" sz="900" kern="1200" baseline="0" dirty="0" smtClean="0">
+                <a:solidFill>
+                  <a:schemeClr val="tx1"/>
+                </a:solidFill>
+                <a:latin typeface="Arial" panose="020B0604020202020204" pitchFamily="34" charset="0"/>
+                <a:ea typeface="MS PGothic" pitchFamily="34" charset="-128"/>
+                <a:cs typeface="+mn-cs"/>
+              </a:rPr>
+              <a:t> top of controller tests.	</a:t>
+            </a:r>
+          </a:p>
+          <a:p>
+            <a:endParaRPr lang="en-US" sz="900" kern="1200" baseline="0" dirty="0" smtClean="0">
+              <a:solidFill>
+                <a:schemeClr val="tx1"/>
+              </a:solidFill>
+              <a:latin typeface="Arial" panose="020B0604020202020204" pitchFamily="34" charset="0"/>
+              <a:ea typeface="MS PGothic" pitchFamily="34" charset="-128"/>
+              <a:cs typeface="+mn-cs"/>
+            </a:endParaRPr>
+          </a:p>
+          <a:p>
+            <a:r>
+              <a:rPr lang="en-US" sz="900" kern="1200" baseline="0" dirty="0" smtClean="0">
+                <a:solidFill>
+                  <a:schemeClr val="tx1"/>
+                </a:solidFill>
+                <a:latin typeface="Arial" panose="020B0604020202020204" pitchFamily="34" charset="0"/>
+                <a:ea typeface="MS PGothic" pitchFamily="34" charset="-128"/>
+                <a:cs typeface="+mn-cs"/>
+              </a:rPr>
+              <a:t>Walk through </a:t>
+            </a:r>
+            <a:r>
+              <a:rPr lang="en-US" sz="900" kern="1200" dirty="0" err="1" smtClean="0">
+                <a:solidFill>
+                  <a:schemeClr val="tx1"/>
+                </a:solidFill>
+                <a:latin typeface="Arial" panose="020B0604020202020204" pitchFamily="34" charset="0"/>
+                <a:ea typeface="MS PGothic" pitchFamily="34" charset="-128"/>
+                <a:cs typeface="+mn-cs"/>
+              </a:rPr>
+              <a:t>ApprovalTestCustomization</a:t>
+            </a:r>
+            <a:r>
+              <a:rPr lang="en-US" sz="900" kern="1200" dirty="0" smtClean="0">
+                <a:solidFill>
+                  <a:schemeClr val="tx1"/>
+                </a:solidFill>
+                <a:latin typeface="Arial" panose="020B0604020202020204" pitchFamily="34" charset="0"/>
+                <a:ea typeface="MS PGothic" pitchFamily="34" charset="-128"/>
+                <a:cs typeface="+mn-cs"/>
+              </a:rPr>
+              <a:t> including all of</a:t>
+            </a:r>
+            <a:r>
+              <a:rPr lang="en-US" sz="900" kern="1200" baseline="0" dirty="0" smtClean="0">
+                <a:solidFill>
+                  <a:schemeClr val="tx1"/>
+                </a:solidFill>
+                <a:latin typeface="Arial" panose="020B0604020202020204" pitchFamily="34" charset="0"/>
+                <a:ea typeface="MS PGothic" pitchFamily="34" charset="-128"/>
+                <a:cs typeface="+mn-cs"/>
+              </a:rPr>
+              <a:t> it.</a:t>
+            </a:r>
+          </a:p>
+          <a:p>
+            <a:r>
+              <a:rPr lang="en-US" sz="900" kern="1200" baseline="0" dirty="0" smtClean="0">
+                <a:solidFill>
+                  <a:schemeClr val="tx1"/>
+                </a:solidFill>
+                <a:latin typeface="Arial" panose="020B0604020202020204" pitchFamily="34" charset="0"/>
+                <a:ea typeface="MS PGothic" pitchFamily="34" charset="-128"/>
+                <a:cs typeface="+mn-cs"/>
+              </a:rPr>
+              <a:t>Point out </a:t>
+            </a:r>
+            <a:r>
+              <a:rPr lang="en-US" sz="900" kern="1200" dirty="0" err="1" smtClean="0">
+                <a:solidFill>
+                  <a:schemeClr val="tx1"/>
+                </a:solidFill>
+                <a:latin typeface="Arial" panose="020B0604020202020204" pitchFamily="34" charset="0"/>
+                <a:ea typeface="MS PGothic" pitchFamily="34" charset="-128"/>
+                <a:cs typeface="+mn-cs"/>
+              </a:rPr>
+              <a:t>ISpecimenBuilder</a:t>
+            </a:r>
+            <a:endParaRPr lang="en-US" sz="900" kern="1200" dirty="0" smtClean="0">
+              <a:solidFill>
+                <a:schemeClr val="tx1"/>
+              </a:solidFill>
+              <a:latin typeface="Arial" panose="020B0604020202020204" pitchFamily="34" charset="0"/>
+              <a:ea typeface="MS PGothic" pitchFamily="34" charset="-128"/>
+              <a:cs typeface="+mn-cs"/>
+            </a:endParaRPr>
+          </a:p>
+          <a:p>
+            <a:endParaRPr lang="en-US" sz="900" kern="1200" dirty="0" smtClean="0">
+              <a:solidFill>
+                <a:schemeClr val="tx1"/>
+              </a:solidFill>
+              <a:latin typeface="Arial" panose="020B0604020202020204" pitchFamily="34" charset="0"/>
+              <a:ea typeface="MS PGothic" pitchFamily="34" charset="-128"/>
+              <a:cs typeface="+mn-cs"/>
+            </a:endParaRPr>
+          </a:p>
+          <a:p>
+            <a:r>
+              <a:rPr lang="en-US" sz="900" kern="1200" dirty="0" smtClean="0">
+                <a:solidFill>
+                  <a:schemeClr val="tx1"/>
+                </a:solidFill>
+                <a:latin typeface="Arial" panose="020B0604020202020204" pitchFamily="34" charset="0"/>
+                <a:ea typeface="MS PGothic" pitchFamily="34" charset="-128"/>
+                <a:cs typeface="+mn-cs"/>
+              </a:rPr>
+              <a:t>Show </a:t>
+            </a:r>
+            <a:r>
+              <a:rPr lang="en-US" sz="900" kern="1200" dirty="0" err="1" smtClean="0">
+                <a:solidFill>
+                  <a:schemeClr val="tx1"/>
+                </a:solidFill>
+                <a:latin typeface="Arial" panose="020B0604020202020204" pitchFamily="34" charset="0"/>
+                <a:ea typeface="MS PGothic" pitchFamily="34" charset="-128"/>
+                <a:cs typeface="+mn-cs"/>
+              </a:rPr>
+              <a:t>QuarterBackSpecimenBuilder</a:t>
+            </a:r>
+            <a:endParaRPr lang="en-US" sz="900" kern="1200" dirty="0" smtClean="0">
+              <a:solidFill>
+                <a:schemeClr val="tx1"/>
+              </a:solidFill>
+              <a:latin typeface="Arial" panose="020B0604020202020204" pitchFamily="34" charset="0"/>
+              <a:ea typeface="MS PGothic" pitchFamily="34" charset="-128"/>
+              <a:cs typeface="+mn-cs"/>
+            </a:endParaRPr>
+          </a:p>
+          <a:p>
+            <a:r>
+              <a:rPr lang="en-US" sz="900" kern="1200" dirty="0" smtClean="0">
+                <a:solidFill>
+                  <a:schemeClr val="tx1"/>
+                </a:solidFill>
+                <a:latin typeface="Arial" panose="020B0604020202020204" pitchFamily="34" charset="0"/>
+                <a:ea typeface="MS PGothic" pitchFamily="34" charset="-128"/>
+                <a:cs typeface="+mn-cs"/>
+              </a:rPr>
+              <a:t>Run</a:t>
+            </a:r>
+          </a:p>
+          <a:p>
+            <a:r>
+              <a:rPr lang="en-US" sz="900" kern="1200" dirty="0" smtClean="0">
+                <a:solidFill>
+                  <a:schemeClr val="tx1"/>
+                </a:solidFill>
+                <a:latin typeface="Arial" panose="020B0604020202020204" pitchFamily="34" charset="0"/>
+                <a:ea typeface="MS PGothic" pitchFamily="34" charset="-128"/>
+                <a:cs typeface="+mn-cs"/>
+              </a:rPr>
+              <a:t>GET_Given_Manual_Setups__When_Get_Three__</a:t>
+            </a:r>
+            <a:r>
+              <a:rPr lang="en-US" sz="900" kern="1200" dirty="0" err="1" smtClean="0">
+                <a:solidFill>
+                  <a:schemeClr val="tx1"/>
+                </a:solidFill>
+                <a:latin typeface="Arial" panose="020B0604020202020204" pitchFamily="34" charset="0"/>
+                <a:ea typeface="MS PGothic" pitchFamily="34" charset="-128"/>
+                <a:cs typeface="+mn-cs"/>
+              </a:rPr>
+              <a:t>ThenAsserts</a:t>
+            </a:r>
+            <a:endParaRPr lang="en-US" sz="900" kern="1200" dirty="0" smtClean="0">
+              <a:solidFill>
+                <a:schemeClr val="tx1"/>
+              </a:solidFill>
+              <a:latin typeface="Arial" panose="020B0604020202020204" pitchFamily="34" charset="0"/>
+              <a:ea typeface="MS PGothic" pitchFamily="34" charset="-128"/>
+              <a:cs typeface="+mn-cs"/>
+            </a:endParaRPr>
+          </a:p>
+          <a:p>
+            <a:r>
+              <a:rPr lang="en-US" sz="900" kern="1200" dirty="0" smtClean="0">
+                <a:solidFill>
+                  <a:schemeClr val="tx1"/>
+                </a:solidFill>
+                <a:latin typeface="Arial" panose="020B0604020202020204" pitchFamily="34" charset="0"/>
+                <a:ea typeface="MS PGothic" pitchFamily="34" charset="-128"/>
+                <a:cs typeface="+mn-cs"/>
+              </a:rPr>
+              <a:t>Run </a:t>
+            </a:r>
+          </a:p>
+          <a:p>
+            <a:r>
+              <a:rPr lang="en-US" sz="900" kern="1200" dirty="0" err="1" smtClean="0">
+                <a:solidFill>
+                  <a:schemeClr val="tx1"/>
+                </a:solidFill>
+                <a:latin typeface="Arial" panose="020B0604020202020204" pitchFamily="34" charset="0"/>
+                <a:ea typeface="MS PGothic" pitchFamily="34" charset="-128"/>
+                <a:cs typeface="+mn-cs"/>
+              </a:rPr>
+              <a:t>GET_Get_Ten_UsingAutoFixture</a:t>
+            </a:r>
+            <a:r>
+              <a:rPr lang="en-US" sz="900" kern="1200" dirty="0" smtClean="0">
+                <a:solidFill>
+                  <a:schemeClr val="tx1"/>
+                </a:solidFill>
+                <a:latin typeface="Arial" panose="020B0604020202020204" pitchFamily="34" charset="0"/>
+                <a:ea typeface="MS PGothic" pitchFamily="34" charset="-128"/>
+                <a:cs typeface="+mn-cs"/>
+              </a:rPr>
+              <a:t>	</a:t>
+            </a:r>
+          </a:p>
+          <a:p>
+            <a:endParaRPr lang="en-US" sz="900" kern="1200" dirty="0" smtClean="0">
+              <a:solidFill>
+                <a:schemeClr val="tx1"/>
+              </a:solidFill>
+              <a:latin typeface="Arial" panose="020B0604020202020204" pitchFamily="34" charset="0"/>
+              <a:ea typeface="MS PGothic" pitchFamily="34" charset="-128"/>
+              <a:cs typeface="+mn-cs"/>
+            </a:endParaRPr>
+          </a:p>
+          <a:p>
             <a:endParaRPr lang="en-US" dirty="0"/>
           </a:p>
         </p:txBody>
@@ -2341,19 +2341,19 @@
           <a:bodyPr/>
           <a:lstStyle/>
           <a:p>
-            <a:fld id="{CA5D3BF3-D352-46FC-8343-31F56E6730EA}" type="slidenum">
-              <a:rPr lang="en-US" smtClean="0"/>
+            <a:fld id="{F9F5467A-33E4-43D8-B5CA-5C9AFC758669}" type="slidenum">
+              <a:rPr lang="en-US" altLang="en-US" smtClean="0"/>
               <a:pPr/>
               <a:t>20</a:t>
             </a:fld>
-            <a:endParaRPr lang="en-US"/>
+            <a:endParaRPr lang="en-US" altLang="en-US"/>
           </a:p>
         </p:txBody>
       </p:sp>
     </p:spTree>
     <p:extLst>
       <p:ext uri="{BB962C8B-B14F-4D97-AF65-F5344CB8AC3E}">
-        <p14:creationId xmlns:p14="http://schemas.microsoft.com/office/powerpoint/2010/main" val="2810903104"/>
+        <p14:creationId xmlns:p14="http://schemas.microsoft.com/office/powerpoint/2010/main" val="1159701232"/>
       </p:ext>
     </p:extLst>
   </p:cSld>
@@ -2528,7 +2528,7 @@
     </p:spTree>
     <p:extLst>
       <p:ext uri="{BB962C8B-B14F-4D97-AF65-F5344CB8AC3E}">
-        <p14:creationId xmlns:p14="http://schemas.microsoft.com/office/powerpoint/2010/main" val="2329220651"/>
+        <p14:creationId xmlns:p14="http://schemas.microsoft.com/office/powerpoint/2010/main" val="2810903104"/>
       </p:ext>
     </p:extLst>
   </p:cSld>
@@ -2565,7 +2565,12 @@
             <p:ph type="sldImg"/>
           </p:nvPr>
         </p:nvSpPr>
-        <p:spPr/>
+        <p:spPr>
+          <a:xfrm>
+            <a:off x="1065213" y="1200150"/>
+            <a:ext cx="5184775" cy="3240088"/>
+          </a:xfrm>
+        </p:spPr>
       </p:sp>
       <p:sp>
         <p:nvSpPr>
@@ -2582,133 +2587,7 @@
           <a:bodyPr/>
           <a:lstStyle/>
           <a:p>
-            <a:r>
-              <a:rPr lang="en-US" dirty="0" smtClean="0"/>
-              <a:t>Show</a:t>
-            </a:r>
-            <a:r>
-              <a:rPr lang="en-US" baseline="0" dirty="0" smtClean="0"/>
-              <a:t> base class again with diff reporters</a:t>
-            </a:r>
-          </a:p>
-          <a:p>
-            <a:r>
-              <a:rPr lang="en-US" baseline="0" dirty="0" smtClean="0"/>
-              <a:t>Show </a:t>
-            </a:r>
-            <a:r>
-              <a:rPr lang="en-US" sz="900" kern="1200" dirty="0" err="1" smtClean="0">
-                <a:solidFill>
-                  <a:schemeClr val="tx1"/>
-                </a:solidFill>
-                <a:latin typeface="Arial" panose="020B0604020202020204" pitchFamily="34" charset="0"/>
-                <a:ea typeface="MS PGothic" pitchFamily="34" charset="-128"/>
-                <a:cs typeface="+mn-cs"/>
-              </a:rPr>
-              <a:t>JsonApprovalOutputContractResolver</a:t>
-            </a:r>
-            <a:endParaRPr lang="en-US" sz="900" kern="1200" dirty="0" smtClean="0">
-              <a:solidFill>
-                <a:schemeClr val="tx1"/>
-              </a:solidFill>
-              <a:latin typeface="Arial" panose="020B0604020202020204" pitchFamily="34" charset="0"/>
-              <a:ea typeface="MS PGothic" pitchFamily="34" charset="-128"/>
-              <a:cs typeface="+mn-cs"/>
-            </a:endParaRPr>
-          </a:p>
-          <a:p>
-            <a:endParaRPr lang="en-US" dirty="0" smtClean="0"/>
-          </a:p>
-          <a:p>
-            <a:r>
-              <a:rPr lang="en-US" dirty="0" smtClean="0"/>
-              <a:t>Mention </a:t>
-            </a:r>
-            <a:r>
-              <a:rPr lang="en-US" dirty="0" smtClean="0"/>
-              <a:t>image</a:t>
-            </a:r>
-            <a:r>
-              <a:rPr lang="en-US" baseline="0" dirty="0" smtClean="0"/>
-              <a:t> diffs</a:t>
-            </a:r>
-          </a:p>
-          <a:p>
-            <a:r>
-              <a:rPr lang="en-US" baseline="0" dirty="0" smtClean="0"/>
-              <a:t>Audio Diffs</a:t>
-            </a:r>
-          </a:p>
-          <a:p>
-            <a:r>
-              <a:rPr lang="en-US" baseline="0" dirty="0" smtClean="0"/>
-              <a:t>Also configuration at the method/class/</a:t>
-            </a:r>
-            <a:r>
-              <a:rPr lang="en-US" baseline="0" dirty="0" err="1" smtClean="0"/>
-              <a:t>config</a:t>
-            </a:r>
-            <a:r>
-              <a:rPr lang="en-US" baseline="0" dirty="0" smtClean="0"/>
-              <a:t>/ machine </a:t>
-            </a:r>
-            <a:r>
-              <a:rPr lang="en-US" baseline="0" dirty="0" err="1" smtClean="0"/>
-              <a:t>config</a:t>
-            </a:r>
-            <a:r>
-              <a:rPr lang="en-US" baseline="0" dirty="0" smtClean="0"/>
-              <a:t> </a:t>
-            </a:r>
-            <a:r>
-              <a:rPr lang="en-US" baseline="0" dirty="0" smtClean="0"/>
-              <a:t>override</a:t>
-            </a:r>
-          </a:p>
-          <a:p>
-            <a:r>
-              <a:rPr lang="en-US" baseline="0" dirty="0" smtClean="0"/>
-              <a:t>Mention use of </a:t>
-            </a:r>
-            <a:r>
-              <a:rPr lang="en-US" baseline="0" dirty="0" err="1" smtClean="0"/>
-              <a:t>config</a:t>
-            </a:r>
-            <a:r>
-              <a:rPr lang="en-US" baseline="0" dirty="0" smtClean="0"/>
-              <a:t> for build server.</a:t>
-            </a:r>
-          </a:p>
-          <a:p>
-            <a:endParaRPr lang="en-US" baseline="0" dirty="0" smtClean="0"/>
-          </a:p>
-          <a:p>
-            <a:r>
-              <a:rPr lang="en-US" baseline="0" dirty="0" smtClean="0"/>
-              <a:t>Run</a:t>
-            </a:r>
-          </a:p>
-          <a:p>
-            <a:r>
-              <a:rPr lang="en-US" sz="900" kern="1200" dirty="0" smtClean="0">
-                <a:solidFill>
-                  <a:schemeClr val="tx1"/>
-                </a:solidFill>
-                <a:latin typeface="Arial" panose="020B0604020202020204" pitchFamily="34" charset="0"/>
-                <a:ea typeface="MS PGothic" pitchFamily="34" charset="-128"/>
-                <a:cs typeface="+mn-cs"/>
-              </a:rPr>
-              <a:t>GET_Get_Given_Parameter__When_Executed__Then_Return_Validation_Errors_Html</a:t>
-            </a:r>
-          </a:p>
-          <a:p>
-            <a:endParaRPr lang="en-US" baseline="0" dirty="0" smtClean="0"/>
-          </a:p>
-          <a:p>
-            <a:endParaRPr lang="en-US" baseline="0" dirty="0" smtClean="0"/>
-          </a:p>
-          <a:p>
-            <a:endParaRPr lang="en-US" baseline="0" dirty="0" smtClean="0"/>
+            <a:endParaRPr lang="en-US" dirty="0"/>
           </a:p>
         </p:txBody>
       </p:sp>
@@ -2727,19 +2606,19 @@
           <a:bodyPr/>
           <a:lstStyle/>
           <a:p>
-            <a:fld id="{F9F5467A-33E4-43D8-B5CA-5C9AFC758669}" type="slidenum">
-              <a:rPr lang="en-US" altLang="en-US" smtClean="0"/>
+            <a:fld id="{CA5D3BF3-D352-46FC-8343-31F56E6730EA}" type="slidenum">
+              <a:rPr lang="en-US" smtClean="0"/>
               <a:pPr/>
               <a:t>22</a:t>
             </a:fld>
-            <a:endParaRPr lang="en-US" altLang="en-US"/>
+            <a:endParaRPr lang="en-US"/>
           </a:p>
         </p:txBody>
       </p:sp>
     </p:spTree>
     <p:extLst>
       <p:ext uri="{BB962C8B-B14F-4D97-AF65-F5344CB8AC3E}">
-        <p14:creationId xmlns:p14="http://schemas.microsoft.com/office/powerpoint/2010/main" val="4163556701"/>
+        <p14:creationId xmlns:p14="http://schemas.microsoft.com/office/powerpoint/2010/main" val="2329220651"/>
       </p:ext>
     </p:extLst>
   </p:cSld>
@@ -2776,12 +2655,7 @@
             <p:ph type="sldImg"/>
           </p:nvPr>
         </p:nvSpPr>
-        <p:spPr>
-          <a:xfrm>
-            <a:off x="1065213" y="1200150"/>
-            <a:ext cx="5184775" cy="3240088"/>
-          </a:xfrm>
-        </p:spPr>
+        <p:spPr/>
       </p:sp>
       <p:sp>
         <p:nvSpPr>
@@ -2798,7 +2672,133 @@
           <a:bodyPr/>
           <a:lstStyle/>
           <a:p>
-            <a:endParaRPr lang="en-US" dirty="0"/>
+            <a:r>
+              <a:rPr lang="en-US" dirty="0" smtClean="0"/>
+              <a:t>Show</a:t>
+            </a:r>
+            <a:r>
+              <a:rPr lang="en-US" baseline="0" dirty="0" smtClean="0"/>
+              <a:t> base class again with diff reporters</a:t>
+            </a:r>
+          </a:p>
+          <a:p>
+            <a:r>
+              <a:rPr lang="en-US" baseline="0" dirty="0" smtClean="0"/>
+              <a:t>Show </a:t>
+            </a:r>
+            <a:r>
+              <a:rPr lang="en-US" sz="900" kern="1200" dirty="0" err="1" smtClean="0">
+                <a:solidFill>
+                  <a:schemeClr val="tx1"/>
+                </a:solidFill>
+                <a:latin typeface="Arial" panose="020B0604020202020204" pitchFamily="34" charset="0"/>
+                <a:ea typeface="MS PGothic" pitchFamily="34" charset="-128"/>
+                <a:cs typeface="+mn-cs"/>
+              </a:rPr>
+              <a:t>JsonApprovalOutputContractResolver</a:t>
+            </a:r>
+            <a:endParaRPr lang="en-US" sz="900" kern="1200" dirty="0" smtClean="0">
+              <a:solidFill>
+                <a:schemeClr val="tx1"/>
+              </a:solidFill>
+              <a:latin typeface="Arial" panose="020B0604020202020204" pitchFamily="34" charset="0"/>
+              <a:ea typeface="MS PGothic" pitchFamily="34" charset="-128"/>
+              <a:cs typeface="+mn-cs"/>
+            </a:endParaRPr>
+          </a:p>
+          <a:p>
+            <a:endParaRPr lang="en-US" dirty="0" smtClean="0"/>
+          </a:p>
+          <a:p>
+            <a:r>
+              <a:rPr lang="en-US" dirty="0" smtClean="0"/>
+              <a:t>Mention </a:t>
+            </a:r>
+            <a:r>
+              <a:rPr lang="en-US" dirty="0" smtClean="0"/>
+              <a:t>image</a:t>
+            </a:r>
+            <a:r>
+              <a:rPr lang="en-US" baseline="0" dirty="0" smtClean="0"/>
+              <a:t> diffs</a:t>
+            </a:r>
+          </a:p>
+          <a:p>
+            <a:r>
+              <a:rPr lang="en-US" baseline="0" dirty="0" smtClean="0"/>
+              <a:t>Audio Diffs</a:t>
+            </a:r>
+          </a:p>
+          <a:p>
+            <a:r>
+              <a:rPr lang="en-US" baseline="0" dirty="0" smtClean="0"/>
+              <a:t>Also configuration at the method/class/</a:t>
+            </a:r>
+            <a:r>
+              <a:rPr lang="en-US" baseline="0" dirty="0" err="1" smtClean="0"/>
+              <a:t>config</a:t>
+            </a:r>
+            <a:r>
+              <a:rPr lang="en-US" baseline="0" dirty="0" smtClean="0"/>
+              <a:t>/ machine </a:t>
+            </a:r>
+            <a:r>
+              <a:rPr lang="en-US" baseline="0" dirty="0" err="1" smtClean="0"/>
+              <a:t>config</a:t>
+            </a:r>
+            <a:r>
+              <a:rPr lang="en-US" baseline="0" dirty="0" smtClean="0"/>
+              <a:t> </a:t>
+            </a:r>
+            <a:r>
+              <a:rPr lang="en-US" baseline="0" dirty="0" smtClean="0"/>
+              <a:t>override</a:t>
+            </a:r>
+          </a:p>
+          <a:p>
+            <a:r>
+              <a:rPr lang="en-US" baseline="0" dirty="0" smtClean="0"/>
+              <a:t>Mention use of </a:t>
+            </a:r>
+            <a:r>
+              <a:rPr lang="en-US" baseline="0" dirty="0" err="1" smtClean="0"/>
+              <a:t>config</a:t>
+            </a:r>
+            <a:r>
+              <a:rPr lang="en-US" baseline="0" dirty="0" smtClean="0"/>
+              <a:t> for build server.</a:t>
+            </a:r>
+          </a:p>
+          <a:p>
+            <a:endParaRPr lang="en-US" baseline="0" dirty="0" smtClean="0"/>
+          </a:p>
+          <a:p>
+            <a:r>
+              <a:rPr lang="en-US" baseline="0" dirty="0" smtClean="0"/>
+              <a:t>Run</a:t>
+            </a:r>
+          </a:p>
+          <a:p>
+            <a:r>
+              <a:rPr lang="en-US" sz="900" kern="1200" dirty="0" smtClean="0">
+                <a:solidFill>
+                  <a:schemeClr val="tx1"/>
+                </a:solidFill>
+                <a:latin typeface="Arial" panose="020B0604020202020204" pitchFamily="34" charset="0"/>
+                <a:ea typeface="MS PGothic" pitchFamily="34" charset="-128"/>
+                <a:cs typeface="+mn-cs"/>
+              </a:rPr>
+              <a:t>GET_Get_Given_Parameter__When_Executed__Then_Return_Validation_Errors_Html</a:t>
+            </a:r>
+          </a:p>
+          <a:p>
+            <a:endParaRPr lang="en-US" baseline="0" dirty="0" smtClean="0"/>
+          </a:p>
+          <a:p>
+            <a:endParaRPr lang="en-US" baseline="0" dirty="0" smtClean="0"/>
+          </a:p>
+          <a:p>
+            <a:endParaRPr lang="en-US" baseline="0" dirty="0" smtClean="0"/>
           </a:p>
         </p:txBody>
       </p:sp>
@@ -2817,19 +2817,19 @@
           <a:bodyPr/>
           <a:lstStyle/>
           <a:p>
-            <a:fld id="{CA5D3BF3-D352-46FC-8343-31F56E6730EA}" type="slidenum">
-              <a:rPr lang="en-US" smtClean="0"/>
+            <a:fld id="{F9F5467A-33E4-43D8-B5CA-5C9AFC758669}" type="slidenum">
+              <a:rPr lang="en-US" altLang="en-US" smtClean="0"/>
               <a:pPr/>
               <a:t>23</a:t>
             </a:fld>
-            <a:endParaRPr lang="en-US"/>
+            <a:endParaRPr lang="en-US" altLang="en-US"/>
           </a:p>
         </p:txBody>
       </p:sp>
     </p:spTree>
     <p:extLst>
       <p:ext uri="{BB962C8B-B14F-4D97-AF65-F5344CB8AC3E}">
-        <p14:creationId xmlns:p14="http://schemas.microsoft.com/office/powerpoint/2010/main" val="3810134010"/>
+        <p14:creationId xmlns:p14="http://schemas.microsoft.com/office/powerpoint/2010/main" val="4163556701"/>
       </p:ext>
     </p:extLst>
   </p:cSld>
@@ -2919,7 +2919,7 @@
     </p:spTree>
     <p:extLst>
       <p:ext uri="{BB962C8B-B14F-4D97-AF65-F5344CB8AC3E}">
-        <p14:creationId xmlns:p14="http://schemas.microsoft.com/office/powerpoint/2010/main" val="2298906351"/>
+        <p14:creationId xmlns:p14="http://schemas.microsoft.com/office/powerpoint/2010/main" val="3810134010"/>
       </p:ext>
     </p:extLst>
   </p:cSld>
@@ -3009,7 +3009,7 @@
     </p:spTree>
     <p:extLst>
       <p:ext uri="{BB962C8B-B14F-4D97-AF65-F5344CB8AC3E}">
-        <p14:creationId xmlns:p14="http://schemas.microsoft.com/office/powerpoint/2010/main" val="3779475911"/>
+        <p14:creationId xmlns:p14="http://schemas.microsoft.com/office/powerpoint/2010/main" val="2298906351"/>
       </p:ext>
     </p:extLst>
   </p:cSld>
@@ -3046,7 +3046,12 @@
             <p:ph type="sldImg"/>
           </p:nvPr>
         </p:nvSpPr>
-        <p:spPr/>
+        <p:spPr>
+          <a:xfrm>
+            <a:off x="1065213" y="1200150"/>
+            <a:ext cx="5184775" cy="3240088"/>
+          </a:xfrm>
+        </p:spPr>
       </p:sp>
       <p:sp>
         <p:nvSpPr>
@@ -3063,218 +3068,7 @@
           <a:bodyPr/>
           <a:lstStyle/>
           <a:p>
-            <a:r>
-              <a:rPr lang="en-US" sz="900" kern="1200" dirty="0" smtClean="0">
-                <a:solidFill>
-                  <a:schemeClr val="tx1"/>
-                </a:solidFill>
-                <a:latin typeface="Arial" panose="020B0604020202020204" pitchFamily="34" charset="0"/>
-                <a:ea typeface="MS PGothic" pitchFamily="34" charset="-128"/>
-                <a:cs typeface="+mn-cs"/>
-              </a:rPr>
-              <a:t>API Controller</a:t>
-            </a:r>
-            <a:r>
-              <a:rPr lang="en-US" sz="900" kern="1200" baseline="0" dirty="0" smtClean="0">
-                <a:solidFill>
-                  <a:schemeClr val="tx1"/>
-                </a:solidFill>
-                <a:latin typeface="Arial" panose="020B0604020202020204" pitchFamily="34" charset="0"/>
-                <a:ea typeface="MS PGothic" pitchFamily="34" charset="-128"/>
-                <a:cs typeface="+mn-cs"/>
-              </a:rPr>
-              <a:t> Tests:</a:t>
-            </a:r>
-            <a:endParaRPr lang="en-US" sz="900" kern="1200" dirty="0" smtClean="0">
-              <a:solidFill>
-                <a:schemeClr val="tx1"/>
-              </a:solidFill>
-              <a:latin typeface="Arial" panose="020B0604020202020204" pitchFamily="34" charset="0"/>
-              <a:ea typeface="MS PGothic" pitchFamily="34" charset="-128"/>
-              <a:cs typeface="+mn-cs"/>
-            </a:endParaRPr>
-          </a:p>
-          <a:p>
-            <a:r>
-              <a:rPr lang="en-US" sz="900" kern="1200" dirty="0" smtClean="0">
-                <a:solidFill>
-                  <a:schemeClr val="tx1"/>
-                </a:solidFill>
-                <a:latin typeface="Arial" panose="020B0604020202020204" pitchFamily="34" charset="0"/>
-                <a:ea typeface="MS PGothic" pitchFamily="34" charset="-128"/>
-                <a:cs typeface="+mn-cs"/>
-              </a:rPr>
-              <a:t>GET_Get_Given_Null_Parameter__When_Executed__Then_Return_Validation_Error_ManualAssertion</a:t>
-            </a:r>
-          </a:p>
-          <a:p>
-            <a:endParaRPr lang="en-US" sz="900" kern="1200" dirty="0" smtClean="0">
-              <a:solidFill>
-                <a:schemeClr val="tx1"/>
-              </a:solidFill>
-              <a:latin typeface="Arial" panose="020B0604020202020204" pitchFamily="34" charset="0"/>
-              <a:ea typeface="MS PGothic" pitchFamily="34" charset="-128"/>
-              <a:cs typeface="+mn-cs"/>
-            </a:endParaRPr>
-          </a:p>
-          <a:p>
-            <a:r>
-              <a:rPr lang="en-US" sz="900" kern="1200" dirty="0" smtClean="0">
-                <a:solidFill>
-                  <a:schemeClr val="tx1"/>
-                </a:solidFill>
-                <a:latin typeface="Arial" panose="020B0604020202020204" pitchFamily="34" charset="0"/>
-                <a:ea typeface="MS PGothic" pitchFamily="34" charset="-128"/>
-                <a:cs typeface="+mn-cs"/>
-              </a:rPr>
-              <a:t>GET_Get_Given_Min_Parameter__When_Executed__Then_Return_Validation_Error_ManualAssertion</a:t>
-            </a:r>
-          </a:p>
-          <a:p>
-            <a:endParaRPr lang="en-US" sz="900" kern="1200" dirty="0" smtClean="0">
-              <a:solidFill>
-                <a:schemeClr val="tx1"/>
-              </a:solidFill>
-              <a:latin typeface="Arial" panose="020B0604020202020204" pitchFamily="34" charset="0"/>
-              <a:ea typeface="MS PGothic" pitchFamily="34" charset="-128"/>
-              <a:cs typeface="+mn-cs"/>
-            </a:endParaRPr>
-          </a:p>
-          <a:p>
-            <a:r>
-              <a:rPr lang="en-US" sz="900" kern="1200" dirty="0" smtClean="0">
-                <a:solidFill>
-                  <a:schemeClr val="tx1"/>
-                </a:solidFill>
-                <a:latin typeface="Arial" panose="020B0604020202020204" pitchFamily="34" charset="0"/>
-                <a:ea typeface="MS PGothic" pitchFamily="34" charset="-128"/>
-                <a:cs typeface="+mn-cs"/>
-              </a:rPr>
-              <a:t>GET_Get_Given_Parameter__When_Executed__Then_Return_Validation_Errors</a:t>
-            </a:r>
-          </a:p>
-          <a:p>
-            <a:endParaRPr lang="en-US" sz="900" kern="1200" dirty="0" smtClean="0">
-              <a:solidFill>
-                <a:schemeClr val="tx1"/>
-              </a:solidFill>
-              <a:latin typeface="Arial" panose="020B0604020202020204" pitchFamily="34" charset="0"/>
-              <a:ea typeface="MS PGothic" pitchFamily="34" charset="-128"/>
-              <a:cs typeface="+mn-cs"/>
-            </a:endParaRPr>
-          </a:p>
-          <a:p>
-            <a:r>
-              <a:rPr lang="en-US" sz="900" kern="1200" dirty="0" smtClean="0">
-                <a:solidFill>
-                  <a:schemeClr val="tx1"/>
-                </a:solidFill>
-                <a:latin typeface="Arial" panose="020B0604020202020204" pitchFamily="34" charset="0"/>
-                <a:ea typeface="MS PGothic" pitchFamily="34" charset="-128"/>
-                <a:cs typeface="+mn-cs"/>
-              </a:rPr>
-              <a:t>Go over</a:t>
-            </a:r>
-            <a:r>
-              <a:rPr lang="en-US" sz="900" kern="1200" baseline="0" dirty="0" smtClean="0">
-                <a:solidFill>
-                  <a:schemeClr val="tx1"/>
-                </a:solidFill>
-                <a:latin typeface="Arial" panose="020B0604020202020204" pitchFamily="34" charset="0"/>
-                <a:ea typeface="MS PGothic" pitchFamily="34" charset="-128"/>
-                <a:cs typeface="+mn-cs"/>
-              </a:rPr>
-              <a:t> </a:t>
-            </a:r>
-          </a:p>
-          <a:p>
-            <a:r>
-              <a:rPr lang="en-US" sz="900" kern="1200" dirty="0" err="1" smtClean="0">
-                <a:solidFill>
-                  <a:schemeClr val="tx1"/>
-                </a:solidFill>
-                <a:latin typeface="Arial" panose="020B0604020202020204" pitchFamily="34" charset="0"/>
-                <a:ea typeface="MS PGothic" pitchFamily="34" charset="-128"/>
-                <a:cs typeface="+mn-cs"/>
-              </a:rPr>
-              <a:t>ApprovalUtilities.SimpleLogger</a:t>
-            </a:r>
-            <a:r>
-              <a:rPr lang="en-US" sz="900" kern="1200" dirty="0" smtClean="0">
-                <a:solidFill>
-                  <a:schemeClr val="tx1"/>
-                </a:solidFill>
-                <a:latin typeface="Arial" panose="020B0604020202020204" pitchFamily="34" charset="0"/>
-                <a:ea typeface="MS PGothic" pitchFamily="34" charset="-128"/>
-                <a:cs typeface="+mn-cs"/>
-              </a:rPr>
-              <a:t>;</a:t>
-            </a:r>
-          </a:p>
-          <a:p>
-            <a:r>
-              <a:rPr lang="en-US" sz="900" kern="1200" dirty="0" err="1" smtClean="0">
-                <a:solidFill>
-                  <a:schemeClr val="tx1"/>
-                </a:solidFill>
-                <a:latin typeface="Arial" panose="020B0604020202020204" pitchFamily="34" charset="0"/>
-                <a:ea typeface="MS PGothic" pitchFamily="34" charset="-128"/>
-                <a:cs typeface="+mn-cs"/>
-              </a:rPr>
-              <a:t>CombinationApprovals</a:t>
-            </a:r>
-            <a:endParaRPr lang="en-US" sz="900" kern="1200" dirty="0" smtClean="0">
-              <a:solidFill>
-                <a:schemeClr val="tx1"/>
-              </a:solidFill>
-              <a:latin typeface="Arial" panose="020B0604020202020204" pitchFamily="34" charset="0"/>
-              <a:ea typeface="MS PGothic" pitchFamily="34" charset="-128"/>
-              <a:cs typeface="+mn-cs"/>
-            </a:endParaRPr>
-          </a:p>
-          <a:p>
-            <a:endParaRPr lang="en-US" sz="900" kern="1200" dirty="0" smtClean="0">
-              <a:solidFill>
-                <a:schemeClr val="tx1"/>
-              </a:solidFill>
-              <a:latin typeface="Arial" panose="020B0604020202020204" pitchFamily="34" charset="0"/>
-              <a:ea typeface="MS PGothic" pitchFamily="34" charset="-128"/>
-              <a:cs typeface="+mn-cs"/>
-            </a:endParaRPr>
-          </a:p>
-          <a:p>
-            <a:r>
-              <a:rPr lang="en-US" sz="900" kern="1200" dirty="0" err="1" smtClean="0">
-                <a:solidFill>
-                  <a:schemeClr val="tx1"/>
-                </a:solidFill>
-                <a:latin typeface="Arial" panose="020B0604020202020204" pitchFamily="34" charset="0"/>
-                <a:ea typeface="MS PGothic" pitchFamily="34" charset="-128"/>
-                <a:cs typeface="+mn-cs"/>
-              </a:rPr>
-              <a:t>TestMultiple</a:t>
-            </a:r>
-            <a:r>
-              <a:rPr lang="en-US" sz="900" kern="1200" dirty="0" smtClean="0">
-                <a:solidFill>
-                  <a:schemeClr val="tx1"/>
-                </a:solidFill>
-                <a:latin typeface="Arial" panose="020B0604020202020204" pitchFamily="34" charset="0"/>
-                <a:ea typeface="MS PGothic" pitchFamily="34" charset="-128"/>
-                <a:cs typeface="+mn-cs"/>
-              </a:rPr>
-              <a:t>() test</a:t>
-            </a:r>
-          </a:p>
-          <a:p>
-            <a:endParaRPr lang="en-US" sz="900" kern="1200" dirty="0" smtClean="0">
-              <a:solidFill>
-                <a:schemeClr val="tx1"/>
-              </a:solidFill>
-              <a:latin typeface="Arial" panose="020B0604020202020204" pitchFamily="34" charset="0"/>
-              <a:ea typeface="MS PGothic" pitchFamily="34" charset="-128"/>
-              <a:cs typeface="+mn-cs"/>
-            </a:endParaRPr>
+            <a:endParaRPr lang="en-US" dirty="0"/>
           </a:p>
         </p:txBody>
       </p:sp>
@@ -3293,19 +3087,19 @@
           <a:bodyPr/>
           <a:lstStyle/>
           <a:p>
-            <a:fld id="{F9F5467A-33E4-43D8-B5CA-5C9AFC758669}" type="slidenum">
-              <a:rPr lang="en-US" altLang="en-US" smtClean="0"/>
+            <a:fld id="{CA5D3BF3-D352-46FC-8343-31F56E6730EA}" type="slidenum">
+              <a:rPr lang="en-US" smtClean="0"/>
               <a:pPr/>
               <a:t>26</a:t>
             </a:fld>
-            <a:endParaRPr lang="en-US" altLang="en-US"/>
+            <a:endParaRPr lang="en-US"/>
           </a:p>
         </p:txBody>
       </p:sp>
     </p:spTree>
     <p:extLst>
       <p:ext uri="{BB962C8B-B14F-4D97-AF65-F5344CB8AC3E}">
-        <p14:creationId xmlns:p14="http://schemas.microsoft.com/office/powerpoint/2010/main" val="1135719565"/>
+        <p14:creationId xmlns:p14="http://schemas.microsoft.com/office/powerpoint/2010/main" val="3779475911"/>
       </p:ext>
     </p:extLst>
   </p:cSld>
@@ -3342,12 +3136,7 @@
             <p:ph type="sldImg"/>
           </p:nvPr>
         </p:nvSpPr>
-        <p:spPr>
-          <a:xfrm>
-            <a:off x="1065213" y="1200150"/>
-            <a:ext cx="5184775" cy="3240088"/>
-          </a:xfrm>
-        </p:spPr>
+        <p:spPr/>
       </p:sp>
       <p:sp>
         <p:nvSpPr>
@@ -3364,7 +3153,218 @@
           <a:bodyPr/>
           <a:lstStyle/>
           <a:p>
-            <a:endParaRPr lang="en-US" dirty="0"/>
+            <a:r>
+              <a:rPr lang="en-US" sz="900" kern="1200" dirty="0" smtClean="0">
+                <a:solidFill>
+                  <a:schemeClr val="tx1"/>
+                </a:solidFill>
+                <a:latin typeface="Arial" panose="020B0604020202020204" pitchFamily="34" charset="0"/>
+                <a:ea typeface="MS PGothic" pitchFamily="34" charset="-128"/>
+                <a:cs typeface="+mn-cs"/>
+              </a:rPr>
+              <a:t>API Controller</a:t>
+            </a:r>
+            <a:r>
+              <a:rPr lang="en-US" sz="900" kern="1200" baseline="0" dirty="0" smtClean="0">
+                <a:solidFill>
+                  <a:schemeClr val="tx1"/>
+                </a:solidFill>
+                <a:latin typeface="Arial" panose="020B0604020202020204" pitchFamily="34" charset="0"/>
+                <a:ea typeface="MS PGothic" pitchFamily="34" charset="-128"/>
+                <a:cs typeface="+mn-cs"/>
+              </a:rPr>
+              <a:t> Tests:</a:t>
+            </a:r>
+            <a:endParaRPr lang="en-US" sz="900" kern="1200" dirty="0" smtClean="0">
+              <a:solidFill>
+                <a:schemeClr val="tx1"/>
+              </a:solidFill>
+              <a:latin typeface="Arial" panose="020B0604020202020204" pitchFamily="34" charset="0"/>
+              <a:ea typeface="MS PGothic" pitchFamily="34" charset="-128"/>
+              <a:cs typeface="+mn-cs"/>
+            </a:endParaRPr>
+          </a:p>
+          <a:p>
+            <a:r>
+              <a:rPr lang="en-US" sz="900" kern="1200" dirty="0" smtClean="0">
+                <a:solidFill>
+                  <a:schemeClr val="tx1"/>
+                </a:solidFill>
+                <a:latin typeface="Arial" panose="020B0604020202020204" pitchFamily="34" charset="0"/>
+                <a:ea typeface="MS PGothic" pitchFamily="34" charset="-128"/>
+                <a:cs typeface="+mn-cs"/>
+              </a:rPr>
+              <a:t>GET_Get_Given_Null_Parameter__When_Executed__Then_Return_Validation_Error_ManualAssertion</a:t>
+            </a:r>
+          </a:p>
+          <a:p>
+            <a:endParaRPr lang="en-US" sz="900" kern="1200" dirty="0" smtClean="0">
+              <a:solidFill>
+                <a:schemeClr val="tx1"/>
+              </a:solidFill>
+              <a:latin typeface="Arial" panose="020B0604020202020204" pitchFamily="34" charset="0"/>
+              <a:ea typeface="MS PGothic" pitchFamily="34" charset="-128"/>
+              <a:cs typeface="+mn-cs"/>
+            </a:endParaRPr>
+          </a:p>
+          <a:p>
+            <a:r>
+              <a:rPr lang="en-US" sz="900" kern="1200" dirty="0" smtClean="0">
+                <a:solidFill>
+                  <a:schemeClr val="tx1"/>
+                </a:solidFill>
+                <a:latin typeface="Arial" panose="020B0604020202020204" pitchFamily="34" charset="0"/>
+                <a:ea typeface="MS PGothic" pitchFamily="34" charset="-128"/>
+                <a:cs typeface="+mn-cs"/>
+              </a:rPr>
+              <a:t>GET_Get_Given_Min_Parameter__When_Executed__Then_Return_Validation_Error_ManualAssertion</a:t>
+            </a:r>
+          </a:p>
+          <a:p>
+            <a:endParaRPr lang="en-US" sz="900" kern="1200" dirty="0" smtClean="0">
+              <a:solidFill>
+                <a:schemeClr val="tx1"/>
+              </a:solidFill>
+              <a:latin typeface="Arial" panose="020B0604020202020204" pitchFamily="34" charset="0"/>
+              <a:ea typeface="MS PGothic" pitchFamily="34" charset="-128"/>
+              <a:cs typeface="+mn-cs"/>
+            </a:endParaRPr>
+          </a:p>
+          <a:p>
+            <a:r>
+              <a:rPr lang="en-US" sz="900" kern="1200" dirty="0" smtClean="0">
+                <a:solidFill>
+                  <a:schemeClr val="tx1"/>
+                </a:solidFill>
+                <a:latin typeface="Arial" panose="020B0604020202020204" pitchFamily="34" charset="0"/>
+                <a:ea typeface="MS PGothic" pitchFamily="34" charset="-128"/>
+                <a:cs typeface="+mn-cs"/>
+              </a:rPr>
+              <a:t>GET_Get_Given_Parameter__When_Executed__Then_Return_Validation_Errors</a:t>
+            </a:r>
+          </a:p>
+          <a:p>
+            <a:endParaRPr lang="en-US" sz="900" kern="1200" dirty="0" smtClean="0">
+              <a:solidFill>
+                <a:schemeClr val="tx1"/>
+              </a:solidFill>
+              <a:latin typeface="Arial" panose="020B0604020202020204" pitchFamily="34" charset="0"/>
+              <a:ea typeface="MS PGothic" pitchFamily="34" charset="-128"/>
+              <a:cs typeface="+mn-cs"/>
+            </a:endParaRPr>
+          </a:p>
+          <a:p>
+            <a:r>
+              <a:rPr lang="en-US" sz="900" kern="1200" dirty="0" smtClean="0">
+                <a:solidFill>
+                  <a:schemeClr val="tx1"/>
+                </a:solidFill>
+                <a:latin typeface="Arial" panose="020B0604020202020204" pitchFamily="34" charset="0"/>
+                <a:ea typeface="MS PGothic" pitchFamily="34" charset="-128"/>
+                <a:cs typeface="+mn-cs"/>
+              </a:rPr>
+              <a:t>Go over</a:t>
+            </a:r>
+            <a:r>
+              <a:rPr lang="en-US" sz="900" kern="1200" baseline="0" dirty="0" smtClean="0">
+                <a:solidFill>
+                  <a:schemeClr val="tx1"/>
+                </a:solidFill>
+                <a:latin typeface="Arial" panose="020B0604020202020204" pitchFamily="34" charset="0"/>
+                <a:ea typeface="MS PGothic" pitchFamily="34" charset="-128"/>
+                <a:cs typeface="+mn-cs"/>
+              </a:rPr>
+              <a:t> </a:t>
+            </a:r>
+          </a:p>
+          <a:p>
+            <a:r>
+              <a:rPr lang="en-US" sz="900" kern="1200" dirty="0" err="1" smtClean="0">
+                <a:solidFill>
+                  <a:schemeClr val="tx1"/>
+                </a:solidFill>
+                <a:latin typeface="Arial" panose="020B0604020202020204" pitchFamily="34" charset="0"/>
+                <a:ea typeface="MS PGothic" pitchFamily="34" charset="-128"/>
+                <a:cs typeface="+mn-cs"/>
+              </a:rPr>
+              <a:t>ApprovalUtilities.SimpleLogger</a:t>
+            </a:r>
+            <a:r>
+              <a:rPr lang="en-US" sz="900" kern="1200" dirty="0" smtClean="0">
+                <a:solidFill>
+                  <a:schemeClr val="tx1"/>
+                </a:solidFill>
+                <a:latin typeface="Arial" panose="020B0604020202020204" pitchFamily="34" charset="0"/>
+                <a:ea typeface="MS PGothic" pitchFamily="34" charset="-128"/>
+                <a:cs typeface="+mn-cs"/>
+              </a:rPr>
+              <a:t>;</a:t>
+            </a:r>
+          </a:p>
+          <a:p>
+            <a:r>
+              <a:rPr lang="en-US" sz="900" kern="1200" dirty="0" err="1" smtClean="0">
+                <a:solidFill>
+                  <a:schemeClr val="tx1"/>
+                </a:solidFill>
+                <a:latin typeface="Arial" panose="020B0604020202020204" pitchFamily="34" charset="0"/>
+                <a:ea typeface="MS PGothic" pitchFamily="34" charset="-128"/>
+                <a:cs typeface="+mn-cs"/>
+              </a:rPr>
+              <a:t>CombinationApprovals</a:t>
+            </a:r>
+            <a:endParaRPr lang="en-US" sz="900" kern="1200" dirty="0" smtClean="0">
+              <a:solidFill>
+                <a:schemeClr val="tx1"/>
+              </a:solidFill>
+              <a:latin typeface="Arial" panose="020B0604020202020204" pitchFamily="34" charset="0"/>
+              <a:ea typeface="MS PGothic" pitchFamily="34" charset="-128"/>
+              <a:cs typeface="+mn-cs"/>
+            </a:endParaRPr>
+          </a:p>
+          <a:p>
+            <a:endParaRPr lang="en-US" sz="900" kern="1200" dirty="0" smtClean="0">
+              <a:solidFill>
+                <a:schemeClr val="tx1"/>
+              </a:solidFill>
+              <a:latin typeface="Arial" panose="020B0604020202020204" pitchFamily="34" charset="0"/>
+              <a:ea typeface="MS PGothic" pitchFamily="34" charset="-128"/>
+              <a:cs typeface="+mn-cs"/>
+            </a:endParaRPr>
+          </a:p>
+          <a:p>
+            <a:r>
+              <a:rPr lang="en-US" sz="900" kern="1200" dirty="0" err="1" smtClean="0">
+                <a:solidFill>
+                  <a:schemeClr val="tx1"/>
+                </a:solidFill>
+                <a:latin typeface="Arial" panose="020B0604020202020204" pitchFamily="34" charset="0"/>
+                <a:ea typeface="MS PGothic" pitchFamily="34" charset="-128"/>
+                <a:cs typeface="+mn-cs"/>
+              </a:rPr>
+              <a:t>TestMultiple</a:t>
+            </a:r>
+            <a:r>
+              <a:rPr lang="en-US" sz="900" kern="1200" dirty="0" smtClean="0">
+                <a:solidFill>
+                  <a:schemeClr val="tx1"/>
+                </a:solidFill>
+                <a:latin typeface="Arial" panose="020B0604020202020204" pitchFamily="34" charset="0"/>
+                <a:ea typeface="MS PGothic" pitchFamily="34" charset="-128"/>
+                <a:cs typeface="+mn-cs"/>
+              </a:rPr>
+              <a:t>() test</a:t>
+            </a:r>
+          </a:p>
+          <a:p>
+            <a:endParaRPr lang="en-US" sz="900" kern="1200" dirty="0" smtClean="0">
+              <a:solidFill>
+                <a:schemeClr val="tx1"/>
+              </a:solidFill>
+              <a:latin typeface="Arial" panose="020B0604020202020204" pitchFamily="34" charset="0"/>
+              <a:ea typeface="MS PGothic" pitchFamily="34" charset="-128"/>
+              <a:cs typeface="+mn-cs"/>
+            </a:endParaRPr>
           </a:p>
         </p:txBody>
       </p:sp>
@@ -3383,19 +3383,19 @@
           <a:bodyPr/>
           <a:lstStyle/>
           <a:p>
-            <a:fld id="{CA5D3BF3-D352-46FC-8343-31F56E6730EA}" type="slidenum">
-              <a:rPr lang="en-US" smtClean="0"/>
+            <a:fld id="{F9F5467A-33E4-43D8-B5CA-5C9AFC758669}" type="slidenum">
+              <a:rPr lang="en-US" altLang="en-US" smtClean="0"/>
               <a:pPr/>
               <a:t>27</a:t>
             </a:fld>
-            <a:endParaRPr lang="en-US"/>
+            <a:endParaRPr lang="en-US" altLang="en-US"/>
           </a:p>
         </p:txBody>
       </p:sp>
     </p:spTree>
     <p:extLst>
       <p:ext uri="{BB962C8B-B14F-4D97-AF65-F5344CB8AC3E}">
-        <p14:creationId xmlns:p14="http://schemas.microsoft.com/office/powerpoint/2010/main" val="1217511885"/>
+        <p14:creationId xmlns:p14="http://schemas.microsoft.com/office/powerpoint/2010/main" val="1135719565"/>
       </p:ext>
     </p:extLst>
   </p:cSld>
@@ -3432,7 +3432,12 @@
             <p:ph type="sldImg"/>
           </p:nvPr>
         </p:nvSpPr>
-        <p:spPr/>
+        <p:spPr>
+          <a:xfrm>
+            <a:off x="1065213" y="1200150"/>
+            <a:ext cx="5184775" cy="3240088"/>
+          </a:xfrm>
+        </p:spPr>
       </p:sp>
       <p:sp>
         <p:nvSpPr>
@@ -3449,17 +3454,6 @@
           <a:bodyPr/>
           <a:lstStyle/>
           <a:p>
-            <a:r>
-              <a:rPr lang="en-US" sz="900" kern="1200" dirty="0" err="1" smtClean="0">
-                <a:solidFill>
-                  <a:schemeClr val="tx1"/>
-                </a:solidFill>
-                <a:latin typeface="Arial" panose="020B0604020202020204" pitchFamily="34" charset="0"/>
-                <a:ea typeface="MS PGothic" pitchFamily="34" charset="-128"/>
-                <a:cs typeface="+mn-cs"/>
-              </a:rPr>
-              <a:t>GET_Get_API_JsonTest</a:t>
-            </a:r>
             <a:endParaRPr lang="en-US" dirty="0"/>
           </a:p>
         </p:txBody>
@@ -3479,19 +3473,19 @@
           <a:bodyPr/>
           <a:lstStyle/>
           <a:p>
-            <a:fld id="{F9F5467A-33E4-43D8-B5CA-5C9AFC758669}" type="slidenum">
-              <a:rPr lang="en-US" altLang="en-US" smtClean="0"/>
+            <a:fld id="{CA5D3BF3-D352-46FC-8343-31F56E6730EA}" type="slidenum">
+              <a:rPr lang="en-US" smtClean="0"/>
               <a:pPr/>
               <a:t>28</a:t>
             </a:fld>
-            <a:endParaRPr lang="en-US" altLang="en-US"/>
+            <a:endParaRPr lang="en-US"/>
           </a:p>
         </p:txBody>
       </p:sp>
     </p:spTree>
     <p:extLst>
       <p:ext uri="{BB962C8B-B14F-4D97-AF65-F5344CB8AC3E}">
-        <p14:creationId xmlns:p14="http://schemas.microsoft.com/office/powerpoint/2010/main" val="1937335927"/>
+        <p14:creationId xmlns:p14="http://schemas.microsoft.com/office/powerpoint/2010/main" val="1217511885"/>
       </p:ext>
     </p:extLst>
   </p:cSld>
@@ -3528,12 +3522,7 @@
             <p:ph type="sldImg"/>
           </p:nvPr>
         </p:nvSpPr>
-        <p:spPr>
-          <a:xfrm>
-            <a:off x="1065213" y="1200150"/>
-            <a:ext cx="5184775" cy="3240088"/>
-          </a:xfrm>
-        </p:spPr>
+        <p:spPr/>
       </p:sp>
       <p:sp>
         <p:nvSpPr>
@@ -3550,6 +3539,71 @@
           <a:bodyPr/>
           <a:lstStyle/>
           <a:p>
+            <a:r>
+              <a:rPr lang="en-US" sz="900" kern="1200" dirty="0" err="1" smtClean="0">
+                <a:solidFill>
+                  <a:schemeClr val="tx1"/>
+                </a:solidFill>
+                <a:latin typeface="Arial" panose="020B0604020202020204" pitchFamily="34" charset="0"/>
+                <a:ea typeface="MS PGothic" pitchFamily="34" charset="-128"/>
+                <a:cs typeface="+mn-cs"/>
+              </a:rPr>
+              <a:t>GET_Get_API_JsonTest</a:t>
+            </a:r>
+            <a:endParaRPr lang="en-US" sz="900" kern="1200" dirty="0" smtClean="0">
+              <a:solidFill>
+                <a:schemeClr val="tx1"/>
+              </a:solidFill>
+              <a:latin typeface="Arial" panose="020B0604020202020204" pitchFamily="34" charset="0"/>
+              <a:ea typeface="MS PGothic" pitchFamily="34" charset="-128"/>
+              <a:cs typeface="+mn-cs"/>
+            </a:endParaRPr>
+          </a:p>
+          <a:p>
+            <a:r>
+              <a:rPr lang="en-US" sz="900" kern="1200" dirty="0" smtClean="0">
+                <a:solidFill>
+                  <a:schemeClr val="tx1"/>
+                </a:solidFill>
+                <a:latin typeface="Arial" panose="020B0604020202020204" pitchFamily="34" charset="0"/>
+                <a:ea typeface="MS PGothic" pitchFamily="34" charset="-128"/>
+                <a:cs typeface="+mn-cs"/>
+              </a:rPr>
+              <a:t>Show </a:t>
+            </a:r>
+            <a:r>
+              <a:rPr lang="en-US" sz="900" kern="1200" dirty="0" err="1" smtClean="0">
+                <a:solidFill>
+                  <a:schemeClr val="tx1"/>
+                </a:solidFill>
+                <a:latin typeface="Arial" panose="020B0604020202020204" pitchFamily="34" charset="0"/>
+                <a:ea typeface="MS PGothic" pitchFamily="34" charset="-128"/>
+                <a:cs typeface="+mn-cs"/>
+              </a:rPr>
+              <a:t>WebApiConfig</a:t>
+            </a:r>
+            <a:r>
+              <a:rPr lang="en-US" sz="900" kern="1200" dirty="0" smtClean="0">
+                <a:solidFill>
+                  <a:schemeClr val="tx1"/>
+                </a:solidFill>
+                <a:latin typeface="Arial" panose="020B0604020202020204" pitchFamily="34" charset="0"/>
+                <a:ea typeface="MS PGothic" pitchFamily="34" charset="-128"/>
+                <a:cs typeface="+mn-cs"/>
+              </a:rPr>
+              <a:t> and </a:t>
+            </a:r>
+            <a:r>
+              <a:rPr lang="en-US" sz="900" kern="1200" smtClean="0">
+                <a:solidFill>
+                  <a:schemeClr val="tx1"/>
+                </a:solidFill>
+                <a:latin typeface="Arial" panose="020B0604020202020204" pitchFamily="34" charset="0"/>
+                <a:ea typeface="MS PGothic" pitchFamily="34" charset="-128"/>
+                <a:cs typeface="+mn-cs"/>
+              </a:rPr>
+              <a:t>CamelCasePropertyNamesContractResolver</a:t>
+            </a:r>
             <a:endParaRPr lang="en-US" dirty="0"/>
           </a:p>
         </p:txBody>
@@ -3569,19 +3623,19 @@
           <a:bodyPr/>
           <a:lstStyle/>
           <a:p>
-            <a:fld id="{CA5D3BF3-D352-46FC-8343-31F56E6730EA}" type="slidenum">
-              <a:rPr lang="en-US" smtClean="0"/>
+            <a:fld id="{F9F5467A-33E4-43D8-B5CA-5C9AFC758669}" type="slidenum">
+              <a:rPr lang="en-US" altLang="en-US" smtClean="0"/>
               <a:pPr/>
               <a:t>29</a:t>
             </a:fld>
-            <a:endParaRPr lang="en-US"/>
+            <a:endParaRPr lang="en-US" altLang="en-US"/>
           </a:p>
         </p:txBody>
       </p:sp>
     </p:spTree>
     <p:extLst>
       <p:ext uri="{BB962C8B-B14F-4D97-AF65-F5344CB8AC3E}">
-        <p14:creationId xmlns:p14="http://schemas.microsoft.com/office/powerpoint/2010/main" val="278104447"/>
+        <p14:creationId xmlns:p14="http://schemas.microsoft.com/office/powerpoint/2010/main" val="1937335927"/>
       </p:ext>
     </p:extLst>
   </p:cSld>
@@ -3618,7 +3672,12 @@
             <p:ph type="sldImg"/>
           </p:nvPr>
         </p:nvSpPr>
-        <p:spPr/>
+        <p:spPr>
+          <a:xfrm>
+            <a:off x="1065213" y="1200150"/>
+            <a:ext cx="5184775" cy="3240088"/>
+          </a:xfrm>
+        </p:spPr>
       </p:sp>
       <p:sp>
         <p:nvSpPr>
@@ -3635,59 +3694,6 @@
           <a:bodyPr/>
           <a:lstStyle/>
           <a:p>
-            <a:r>
-              <a:rPr lang="en-US" sz="900" kern="1200" dirty="0" err="1" smtClean="0">
-                <a:solidFill>
-                  <a:schemeClr val="tx1"/>
-                </a:solidFill>
-                <a:latin typeface="Arial" panose="020B0604020202020204" pitchFamily="34" charset="0"/>
-                <a:ea typeface="MS PGothic" pitchFamily="34" charset="-128"/>
-                <a:cs typeface="+mn-cs"/>
-              </a:rPr>
-              <a:t>HomeControllerTests</a:t>
-            </a:r>
-            <a:endParaRPr lang="en-US" sz="900" kern="1200" dirty="0" smtClean="0">
-              <a:solidFill>
-                <a:schemeClr val="tx1"/>
-              </a:solidFill>
-              <a:latin typeface="Arial" panose="020B0604020202020204" pitchFamily="34" charset="0"/>
-              <a:ea typeface="MS PGothic" pitchFamily="34" charset="-128"/>
-              <a:cs typeface="+mn-cs"/>
-            </a:endParaRPr>
-          </a:p>
-          <a:p>
-            <a:endParaRPr lang="en-US" sz="900" kern="1200" dirty="0" smtClean="0">
-              <a:solidFill>
-                <a:schemeClr val="tx1"/>
-              </a:solidFill>
-              <a:latin typeface="Arial" panose="020B0604020202020204" pitchFamily="34" charset="0"/>
-              <a:ea typeface="MS PGothic" pitchFamily="34" charset="-128"/>
-              <a:cs typeface="+mn-cs"/>
-            </a:endParaRPr>
-          </a:p>
-          <a:p>
-            <a:r>
-              <a:rPr lang="en-US" sz="900" kern="1200" dirty="0" smtClean="0">
-                <a:solidFill>
-                  <a:schemeClr val="tx1"/>
-                </a:solidFill>
-                <a:latin typeface="Arial" panose="020B0604020202020204" pitchFamily="34" charset="0"/>
-                <a:ea typeface="MS PGothic" pitchFamily="34" charset="-128"/>
-                <a:cs typeface="+mn-cs"/>
-              </a:rPr>
-              <a:t>Show razor</a:t>
-            </a:r>
-            <a:r>
-              <a:rPr lang="en-US" sz="900" kern="1200" baseline="0" dirty="0" smtClean="0">
-                <a:solidFill>
-                  <a:schemeClr val="tx1"/>
-                </a:solidFill>
-                <a:latin typeface="Arial" panose="020B0604020202020204" pitchFamily="34" charset="0"/>
-                <a:ea typeface="MS PGothic" pitchFamily="34" charset="-128"/>
-                <a:cs typeface="+mn-cs"/>
-              </a:rPr>
-              <a:t> generator extension and file properties of a view.</a:t>
-            </a:r>
             <a:endParaRPr lang="en-US" dirty="0"/>
           </a:p>
         </p:txBody>
@@ -3707,19 +3713,19 @@
           <a:bodyPr/>
           <a:lstStyle/>
           <a:p>
-            <a:fld id="{F9F5467A-33E4-43D8-B5CA-5C9AFC758669}" type="slidenum">
-              <a:rPr lang="en-US" altLang="en-US" smtClean="0"/>
+            <a:fld id="{CA5D3BF3-D352-46FC-8343-31F56E6730EA}" type="slidenum">
+              <a:rPr lang="en-US" smtClean="0"/>
               <a:pPr/>
               <a:t>30</a:t>
             </a:fld>
-            <a:endParaRPr lang="en-US" altLang="en-US"/>
+            <a:endParaRPr lang="en-US"/>
           </a:p>
         </p:txBody>
       </p:sp>
     </p:spTree>
     <p:extLst>
       <p:ext uri="{BB962C8B-B14F-4D97-AF65-F5344CB8AC3E}">
-        <p14:creationId xmlns:p14="http://schemas.microsoft.com/office/powerpoint/2010/main" val="2414514750"/>
+        <p14:creationId xmlns:p14="http://schemas.microsoft.com/office/powerpoint/2010/main" val="278104447"/>
       </p:ext>
     </p:extLst>
   </p:cSld>
@@ -3914,12 +3920,7 @@
             <p:ph type="sldImg"/>
           </p:nvPr>
         </p:nvSpPr>
-        <p:spPr>
-          <a:xfrm>
-            <a:off x="1065213" y="1200150"/>
-            <a:ext cx="5184775" cy="3240088"/>
-          </a:xfrm>
-        </p:spPr>
+        <p:spPr/>
       </p:sp>
       <p:sp>
         <p:nvSpPr>
@@ -3936,6 +3937,59 @@
           <a:bodyPr/>
           <a:lstStyle/>
           <a:p>
+            <a:r>
+              <a:rPr lang="en-US" sz="900" kern="1200" dirty="0" err="1" smtClean="0">
+                <a:solidFill>
+                  <a:schemeClr val="tx1"/>
+                </a:solidFill>
+                <a:latin typeface="Arial" panose="020B0604020202020204" pitchFamily="34" charset="0"/>
+                <a:ea typeface="MS PGothic" pitchFamily="34" charset="-128"/>
+                <a:cs typeface="+mn-cs"/>
+              </a:rPr>
+              <a:t>HomeControllerTests</a:t>
+            </a:r>
+            <a:endParaRPr lang="en-US" sz="900" kern="1200" dirty="0" smtClean="0">
+              <a:solidFill>
+                <a:schemeClr val="tx1"/>
+              </a:solidFill>
+              <a:latin typeface="Arial" panose="020B0604020202020204" pitchFamily="34" charset="0"/>
+              <a:ea typeface="MS PGothic" pitchFamily="34" charset="-128"/>
+              <a:cs typeface="+mn-cs"/>
+            </a:endParaRPr>
+          </a:p>
+          <a:p>
+            <a:endParaRPr lang="en-US" sz="900" kern="1200" dirty="0" smtClean="0">
+              <a:solidFill>
+                <a:schemeClr val="tx1"/>
+              </a:solidFill>
+              <a:latin typeface="Arial" panose="020B0604020202020204" pitchFamily="34" charset="0"/>
+              <a:ea typeface="MS PGothic" pitchFamily="34" charset="-128"/>
+              <a:cs typeface="+mn-cs"/>
+            </a:endParaRPr>
+          </a:p>
+          <a:p>
+            <a:r>
+              <a:rPr lang="en-US" sz="900" kern="1200" dirty="0" smtClean="0">
+                <a:solidFill>
+                  <a:schemeClr val="tx1"/>
+                </a:solidFill>
+                <a:latin typeface="Arial" panose="020B0604020202020204" pitchFamily="34" charset="0"/>
+                <a:ea typeface="MS PGothic" pitchFamily="34" charset="-128"/>
+                <a:cs typeface="+mn-cs"/>
+              </a:rPr>
+              <a:t>Show razor</a:t>
+            </a:r>
+            <a:r>
+              <a:rPr lang="en-US" sz="900" kern="1200" baseline="0" dirty="0" smtClean="0">
+                <a:solidFill>
+                  <a:schemeClr val="tx1"/>
+                </a:solidFill>
+                <a:latin typeface="Arial" panose="020B0604020202020204" pitchFamily="34" charset="0"/>
+                <a:ea typeface="MS PGothic" pitchFamily="34" charset="-128"/>
+                <a:cs typeface="+mn-cs"/>
+              </a:rPr>
+              <a:t> generator extension and file properties of a view.</a:t>
+            </a:r>
             <a:endParaRPr lang="en-US" dirty="0"/>
           </a:p>
         </p:txBody>
@@ -3955,19 +4009,19 @@
           <a:bodyPr/>
           <a:lstStyle/>
           <a:p>
-            <a:fld id="{CA5D3BF3-D352-46FC-8343-31F56E6730EA}" type="slidenum">
-              <a:rPr lang="en-US" smtClean="0"/>
+            <a:fld id="{F9F5467A-33E4-43D8-B5CA-5C9AFC758669}" type="slidenum">
+              <a:rPr lang="en-US" altLang="en-US" smtClean="0"/>
               <a:pPr/>
               <a:t>31</a:t>
             </a:fld>
-            <a:endParaRPr lang="en-US"/>
+            <a:endParaRPr lang="en-US" altLang="en-US"/>
           </a:p>
         </p:txBody>
       </p:sp>
     </p:spTree>
     <p:extLst>
       <p:ext uri="{BB962C8B-B14F-4D97-AF65-F5344CB8AC3E}">
-        <p14:creationId xmlns:p14="http://schemas.microsoft.com/office/powerpoint/2010/main" val="1320626204"/>
+        <p14:creationId xmlns:p14="http://schemas.microsoft.com/office/powerpoint/2010/main" val="2414514750"/>
       </p:ext>
     </p:extLst>
   </p:cSld>
@@ -4004,7 +4058,12 @@
             <p:ph type="sldImg"/>
           </p:nvPr>
         </p:nvSpPr>
-        <p:spPr/>
+        <p:spPr>
+          <a:xfrm>
+            <a:off x="1065213" y="1200150"/>
+            <a:ext cx="5184775" cy="3240088"/>
+          </a:xfrm>
+        </p:spPr>
       </p:sp>
       <p:sp>
         <p:nvSpPr>
@@ -4021,28 +4080,6 @@
           <a:bodyPr/>
           <a:lstStyle/>
           <a:p>
-            <a:r>
-              <a:rPr lang="en-US" sz="900" kern="1200" dirty="0" err="1" smtClean="0">
-                <a:solidFill>
-                  <a:schemeClr val="tx1"/>
-                </a:solidFill>
-                <a:latin typeface="Arial" panose="020B0604020202020204" pitchFamily="34" charset="0"/>
-                <a:ea typeface="MS PGothic" pitchFamily="34" charset="-128"/>
-                <a:cs typeface="+mn-cs"/>
-              </a:rPr>
-              <a:t>TestLogger</a:t>
-            </a:r>
-            <a:r>
-              <a:rPr lang="en-US" sz="900" kern="1200" dirty="0" smtClean="0">
-                <a:solidFill>
-                  <a:schemeClr val="tx1"/>
-                </a:solidFill>
-                <a:latin typeface="Arial" panose="020B0604020202020204" pitchFamily="34" charset="0"/>
-                <a:ea typeface="MS PGothic" pitchFamily="34" charset="-128"/>
-                <a:cs typeface="+mn-cs"/>
-              </a:rPr>
-              <a:t> test</a:t>
-            </a:r>
             <a:endParaRPr lang="en-US" dirty="0"/>
           </a:p>
         </p:txBody>
@@ -4062,19 +4099,19 @@
           <a:bodyPr/>
           <a:lstStyle/>
           <a:p>
-            <a:fld id="{F9F5467A-33E4-43D8-B5CA-5C9AFC758669}" type="slidenum">
-              <a:rPr lang="en-US" altLang="en-US" smtClean="0"/>
+            <a:fld id="{CA5D3BF3-D352-46FC-8343-31F56E6730EA}" type="slidenum">
+              <a:rPr lang="en-US" smtClean="0"/>
               <a:pPr/>
               <a:t>32</a:t>
             </a:fld>
-            <a:endParaRPr lang="en-US" altLang="en-US"/>
+            <a:endParaRPr lang="en-US"/>
           </a:p>
         </p:txBody>
       </p:sp>
     </p:spTree>
     <p:extLst>
       <p:ext uri="{BB962C8B-B14F-4D97-AF65-F5344CB8AC3E}">
-        <p14:creationId xmlns:p14="http://schemas.microsoft.com/office/powerpoint/2010/main" val="2460511176"/>
+        <p14:creationId xmlns:p14="http://schemas.microsoft.com/office/powerpoint/2010/main" val="1320626204"/>
       </p:ext>
     </p:extLst>
   </p:cSld>
@@ -4111,12 +4148,7 @@
             <p:ph type="sldImg"/>
           </p:nvPr>
         </p:nvSpPr>
-        <p:spPr>
-          <a:xfrm>
-            <a:off x="1065213" y="1200150"/>
-            <a:ext cx="5184775" cy="3240088"/>
-          </a:xfrm>
-        </p:spPr>
+        <p:spPr/>
       </p:sp>
       <p:sp>
         <p:nvSpPr>
@@ -4133,6 +4165,30 @@
           <a:bodyPr/>
           <a:lstStyle/>
           <a:p>
+            <a:r>
+              <a:rPr lang="en-US" sz="900" kern="1200" dirty="0" err="1" smtClean="0">
+                <a:solidFill>
+                  <a:schemeClr val="tx1"/>
+                </a:solidFill>
+                <a:latin typeface="Arial" panose="020B0604020202020204" pitchFamily="34" charset="0"/>
+                <a:ea typeface="MS PGothic" pitchFamily="34" charset="-128"/>
+                <a:cs typeface="+mn-cs"/>
+              </a:rPr>
+              <a:t>TestLogger</a:t>
+            </a:r>
+            <a:r>
+              <a:rPr lang="en-US" sz="900" kern="1200" dirty="0" smtClean="0">
+                <a:solidFill>
+                  <a:schemeClr val="tx1"/>
+                </a:solidFill>
+                <a:latin typeface="Arial" panose="020B0604020202020204" pitchFamily="34" charset="0"/>
+                <a:ea typeface="MS PGothic" pitchFamily="34" charset="-128"/>
+                <a:cs typeface="+mn-cs"/>
+              </a:rPr>
+              <a:t> test and validation Logger code</a:t>
+            </a:r>
+          </a:p>
+          <a:p>
             <a:endParaRPr lang="en-US" dirty="0"/>
           </a:p>
         </p:txBody>
@@ -4152,19 +4208,19 @@
           <a:bodyPr/>
           <a:lstStyle/>
           <a:p>
-            <a:fld id="{CA5D3BF3-D352-46FC-8343-31F56E6730EA}" type="slidenum">
-              <a:rPr lang="en-US" smtClean="0"/>
+            <a:fld id="{F9F5467A-33E4-43D8-B5CA-5C9AFC758669}" type="slidenum">
+              <a:rPr lang="en-US" altLang="en-US" smtClean="0"/>
               <a:pPr/>
               <a:t>33</a:t>
             </a:fld>
-            <a:endParaRPr lang="en-US"/>
+            <a:endParaRPr lang="en-US" altLang="en-US"/>
           </a:p>
         </p:txBody>
       </p:sp>
     </p:spTree>
     <p:extLst>
       <p:ext uri="{BB962C8B-B14F-4D97-AF65-F5344CB8AC3E}">
-        <p14:creationId xmlns:p14="http://schemas.microsoft.com/office/powerpoint/2010/main" val="2343067105"/>
+        <p14:creationId xmlns:p14="http://schemas.microsoft.com/office/powerpoint/2010/main" val="2460511176"/>
       </p:ext>
     </p:extLst>
   </p:cSld>
@@ -4201,7 +4257,12 @@
             <p:ph type="sldImg"/>
           </p:nvPr>
         </p:nvSpPr>
-        <p:spPr/>
+        <p:spPr>
+          <a:xfrm>
+            <a:off x="1065213" y="1200150"/>
+            <a:ext cx="5184775" cy="3240088"/>
+          </a:xfrm>
+        </p:spPr>
       </p:sp>
       <p:sp>
         <p:nvSpPr>
@@ -4218,28 +4279,6 @@
           <a:bodyPr/>
           <a:lstStyle/>
           <a:p>
-            <a:r>
-              <a:rPr lang="en-US" sz="900" kern="1200" dirty="0" err="1" smtClean="0">
-                <a:solidFill>
-                  <a:schemeClr val="tx1"/>
-                </a:solidFill>
-                <a:latin typeface="Arial" panose="020B0604020202020204" pitchFamily="34" charset="0"/>
-                <a:ea typeface="MS PGothic" pitchFamily="34" charset="-128"/>
-                <a:cs typeface="+mn-cs"/>
-              </a:rPr>
-              <a:t>TestLogger</a:t>
-            </a:r>
-            <a:r>
-              <a:rPr lang="en-US" sz="900" kern="1200" dirty="0" smtClean="0">
-                <a:solidFill>
-                  <a:schemeClr val="tx1"/>
-                </a:solidFill>
-                <a:latin typeface="Arial" panose="020B0604020202020204" pitchFamily="34" charset="0"/>
-                <a:ea typeface="MS PGothic" pitchFamily="34" charset="-128"/>
-                <a:cs typeface="+mn-cs"/>
-              </a:rPr>
-              <a:t> test</a:t>
-            </a:r>
             <a:endParaRPr lang="en-US" dirty="0"/>
           </a:p>
         </p:txBody>
@@ -4259,19 +4298,19 @@
           <a:bodyPr/>
           <a:lstStyle/>
           <a:p>
-            <a:fld id="{F9F5467A-33E4-43D8-B5CA-5C9AFC758669}" type="slidenum">
-              <a:rPr lang="en-US" altLang="en-US" smtClean="0"/>
+            <a:fld id="{CA5D3BF3-D352-46FC-8343-31F56E6730EA}" type="slidenum">
+              <a:rPr lang="en-US" smtClean="0"/>
               <a:pPr/>
               <a:t>34</a:t>
             </a:fld>
-            <a:endParaRPr lang="en-US" altLang="en-US"/>
+            <a:endParaRPr lang="en-US"/>
           </a:p>
         </p:txBody>
       </p:sp>
     </p:spTree>
     <p:extLst>
       <p:ext uri="{BB962C8B-B14F-4D97-AF65-F5344CB8AC3E}">
-        <p14:creationId xmlns:p14="http://schemas.microsoft.com/office/powerpoint/2010/main" val="390630591"/>
+        <p14:creationId xmlns:p14="http://schemas.microsoft.com/office/powerpoint/2010/main" val="2343067105"/>
       </p:ext>
     </p:extLst>
   </p:cSld>
@@ -4361,7 +4400,7 @@
     </p:spTree>
     <p:extLst>
       <p:ext uri="{BB962C8B-B14F-4D97-AF65-F5344CB8AC3E}">
-        <p14:creationId xmlns:p14="http://schemas.microsoft.com/office/powerpoint/2010/main" val="795984873"/>
+        <p14:creationId xmlns:p14="http://schemas.microsoft.com/office/powerpoint/2010/main" val="1031874314"/>
       </p:ext>
     </p:extLst>
   </p:cSld>
@@ -4398,7 +4437,12 @@
             <p:ph type="sldImg"/>
           </p:nvPr>
         </p:nvSpPr>
-        <p:spPr/>
+        <p:spPr>
+          <a:xfrm>
+            <a:off x="1065213" y="1200150"/>
+            <a:ext cx="5184775" cy="3240088"/>
+          </a:xfrm>
+        </p:spPr>
       </p:sp>
       <p:sp>
         <p:nvSpPr>
@@ -4414,6 +4458,358 @@
         <p:txBody>
           <a:bodyPr/>
           <a:lstStyle/>
+          <a:p>
+            <a:r>
+              <a:rPr lang="en-US" dirty="0" err="1" smtClean="0"/>
+              <a:t>Nuget</a:t>
+            </a:r>
+            <a:r>
+              <a:rPr lang="en-US" baseline="0" dirty="0" smtClean="0"/>
+              <a:t> package</a:t>
+            </a:r>
+            <a:endParaRPr lang="en-US" dirty="0"/>
+          </a:p>
+        </p:txBody>
+      </p:sp>
+      <p:sp>
+        <p:nvSpPr>
+          <p:cNvPr id="4" name="Slide Number Placeholder 3"/>
+          <p:cNvSpPr>
+            <a:spLocks noGrp="1"/>
+          </p:cNvSpPr>
+          <p:nvPr>
+            <p:ph type="sldNum" sz="quarter" idx="10"/>
+          </p:nvPr>
+        </p:nvSpPr>
+        <p:spPr/>
+        <p:txBody>
+          <a:bodyPr/>
+          <a:lstStyle/>
+          <a:p>
+            <a:fld id="{CA5D3BF3-D352-46FC-8343-31F56E6730EA}" type="slidenum">
+              <a:rPr lang="en-US" smtClean="0"/>
+              <a:pPr/>
+              <a:t>36</a:t>
+            </a:fld>
+            <a:endParaRPr lang="en-US"/>
+          </a:p>
+        </p:txBody>
+      </p:sp>
+    </p:spTree>
+    <p:extLst>
+      <p:ext uri="{BB962C8B-B14F-4D97-AF65-F5344CB8AC3E}">
+        <p14:creationId xmlns:p14="http://schemas.microsoft.com/office/powerpoint/2010/main" val="2985655013"/>
+      </p:ext>
+    </p:extLst>
+  </p:cSld>
+  <p:clrMapOvr>
+    <a:masterClrMapping/>
+  </p:clrMapOvr>
+</p:notes>
+</file>
+
+<file path=ppt/notesSlides/notesSlide36.xml><?xml version="1.0" encoding="utf-8"?>
+<p:notes xmlns:a="http://schemas.openxmlformats.org/drawingml/2006/main" xmlns:r="http://schemas.openxmlformats.org/officeDocument/2006/relationships" xmlns:p="http://schemas.openxmlformats.org/presentationml/2006/main">
+  <p:cSld>
+    <p:spTree>
+      <p:nvGrpSpPr>
+        <p:cNvPr id="1" name=""/>
+        <p:cNvGrpSpPr/>
+        <p:nvPr/>
+      </p:nvGrpSpPr>
+      <p:grpSpPr>
+        <a:xfrm>
+          <a:off x="0" y="0"/>
+          <a:ext cx="0" cy="0"/>
+          <a:chOff x="0" y="0"/>
+          <a:chExt cx="0" cy="0"/>
+        </a:xfrm>
+      </p:grpSpPr>
+      <p:sp>
+        <p:nvSpPr>
+          <p:cNvPr id="2" name="Slide Image Placeholder 1"/>
+          <p:cNvSpPr>
+            <a:spLocks noGrp="1" noRot="1" noChangeAspect="1"/>
+          </p:cNvSpPr>
+          <p:nvPr>
+            <p:ph type="sldImg"/>
+          </p:nvPr>
+        </p:nvSpPr>
+        <p:spPr>
+          <a:xfrm>
+            <a:off x="1065213" y="1200150"/>
+            <a:ext cx="5184775" cy="3240088"/>
+          </a:xfrm>
+        </p:spPr>
+      </p:sp>
+      <p:sp>
+        <p:nvSpPr>
+          <p:cNvPr id="3" name="Notes Placeholder 2"/>
+          <p:cNvSpPr>
+            <a:spLocks noGrp="1"/>
+          </p:cNvSpPr>
+          <p:nvPr>
+            <p:ph type="body" idx="1"/>
+          </p:nvPr>
+        </p:nvSpPr>
+        <p:spPr/>
+        <p:txBody>
+          <a:bodyPr/>
+          <a:lstStyle/>
+          <a:p>
+            <a:endParaRPr lang="en-US" dirty="0"/>
+          </a:p>
+        </p:txBody>
+      </p:sp>
+      <p:sp>
+        <p:nvSpPr>
+          <p:cNvPr id="4" name="Slide Number Placeholder 3"/>
+          <p:cNvSpPr>
+            <a:spLocks noGrp="1"/>
+          </p:cNvSpPr>
+          <p:nvPr>
+            <p:ph type="sldNum" sz="quarter" idx="10"/>
+          </p:nvPr>
+        </p:nvSpPr>
+        <p:spPr/>
+        <p:txBody>
+          <a:bodyPr/>
+          <a:lstStyle/>
+          <a:p>
+            <a:fld id="{CA5D3BF3-D352-46FC-8343-31F56E6730EA}" type="slidenum">
+              <a:rPr lang="en-US" smtClean="0"/>
+              <a:pPr/>
+              <a:t>37</a:t>
+            </a:fld>
+            <a:endParaRPr lang="en-US"/>
+          </a:p>
+        </p:txBody>
+      </p:sp>
+    </p:spTree>
+    <p:extLst>
+      <p:ext uri="{BB962C8B-B14F-4D97-AF65-F5344CB8AC3E}">
+        <p14:creationId xmlns:p14="http://schemas.microsoft.com/office/powerpoint/2010/main" val="2677710483"/>
+      </p:ext>
+    </p:extLst>
+  </p:cSld>
+  <p:clrMapOvr>
+    <a:masterClrMapping/>
+  </p:clrMapOvr>
+</p:notes>
+</file>
+
+<file path=ppt/notesSlides/notesSlide37.xml><?xml version="1.0" encoding="utf-8"?>
+<p:notes xmlns:a="http://schemas.openxmlformats.org/drawingml/2006/main" xmlns:r="http://schemas.openxmlformats.org/officeDocument/2006/relationships" xmlns:p="http://schemas.openxmlformats.org/presentationml/2006/main">
+  <p:cSld>
+    <p:spTree>
+      <p:nvGrpSpPr>
+        <p:cNvPr id="1" name=""/>
+        <p:cNvGrpSpPr/>
+        <p:nvPr/>
+      </p:nvGrpSpPr>
+      <p:grpSpPr>
+        <a:xfrm>
+          <a:off x="0" y="0"/>
+          <a:ext cx="0" cy="0"/>
+          <a:chOff x="0" y="0"/>
+          <a:chExt cx="0" cy="0"/>
+        </a:xfrm>
+      </p:grpSpPr>
+      <p:sp>
+        <p:nvSpPr>
+          <p:cNvPr id="2" name="Slide Image Placeholder 1"/>
+          <p:cNvSpPr>
+            <a:spLocks noGrp="1" noRot="1" noChangeAspect="1"/>
+          </p:cNvSpPr>
+          <p:nvPr>
+            <p:ph type="sldImg"/>
+          </p:nvPr>
+        </p:nvSpPr>
+        <p:spPr/>
+      </p:sp>
+      <p:sp>
+        <p:nvSpPr>
+          <p:cNvPr id="3" name="Notes Placeholder 2"/>
+          <p:cNvSpPr>
+            <a:spLocks noGrp="1"/>
+          </p:cNvSpPr>
+          <p:nvPr>
+            <p:ph type="body" idx="1"/>
+          </p:nvPr>
+        </p:nvSpPr>
+        <p:spPr/>
+        <p:txBody>
+          <a:bodyPr/>
+          <a:lstStyle/>
+          <a:p>
+            <a:r>
+              <a:rPr lang="en-US" dirty="0" smtClean="0"/>
+              <a:t>Show refactoring</a:t>
+            </a:r>
+            <a:r>
+              <a:rPr lang="en-US" baseline="0" dirty="0" smtClean="0"/>
+              <a:t> of constructor of </a:t>
+            </a:r>
+            <a:r>
+              <a:rPr lang="en-US" baseline="0" dirty="0" err="1" smtClean="0"/>
+              <a:t>SampleService</a:t>
+            </a:r>
+            <a:r>
+              <a:rPr lang="en-US" dirty="0" smtClean="0"/>
+              <a:t/>
+            </a:r>
+            <a:br>
+              <a:rPr lang="en-US" dirty="0" smtClean="0"/>
+            </a:br>
+            <a:r>
+              <a:rPr lang="en-US" dirty="0" err="1" smtClean="0"/>
+              <a:t>Nuge</a:t>
+            </a:r>
+            <a:r>
+              <a:rPr lang="en-US" baseline="0" dirty="0" err="1" smtClean="0"/>
+              <a:t>t</a:t>
+            </a:r>
+            <a:r>
+              <a:rPr lang="en-US" baseline="0" dirty="0" smtClean="0"/>
+              <a:t> package for </a:t>
+            </a:r>
+            <a:r>
+              <a:rPr lang="en-US" baseline="0" dirty="0" err="1" smtClean="0"/>
+              <a:t>Autofixture.Automoq</a:t>
+            </a:r>
+            <a:endParaRPr lang="en-US" baseline="0" dirty="0" smtClean="0"/>
+          </a:p>
+          <a:p>
+            <a:r>
+              <a:rPr lang="en-US" baseline="0" dirty="0" smtClean="0"/>
+              <a:t>Show Tests</a:t>
+            </a:r>
+          </a:p>
+          <a:p>
+            <a:pPr marL="171450" indent="-171450">
+              <a:buFont typeface="Arial" panose="020B0604020202020204" pitchFamily="34" charset="0"/>
+              <a:buChar char="•"/>
+            </a:pPr>
+            <a:r>
+              <a:rPr lang="en-US" sz="900" kern="1200" dirty="0" err="1" smtClean="0">
+                <a:solidFill>
+                  <a:schemeClr val="tx1"/>
+                </a:solidFill>
+                <a:latin typeface="Arial" panose="020B0604020202020204" pitchFamily="34" charset="0"/>
+                <a:ea typeface="MS PGothic" pitchFamily="34" charset="-128"/>
+                <a:cs typeface="+mn-cs"/>
+              </a:rPr>
+              <a:t>Sample_TestContructorWithMoq_Test</a:t>
+            </a:r>
+            <a:endParaRPr lang="en-US" sz="900" kern="1200" dirty="0" smtClean="0">
+              <a:solidFill>
+                <a:schemeClr val="tx1"/>
+              </a:solidFill>
+              <a:latin typeface="Arial" panose="020B0604020202020204" pitchFamily="34" charset="0"/>
+              <a:ea typeface="MS PGothic" pitchFamily="34" charset="-128"/>
+              <a:cs typeface="+mn-cs"/>
+            </a:endParaRPr>
+          </a:p>
+          <a:p>
+            <a:pPr marL="171450" indent="-171450">
+              <a:buFont typeface="Arial" panose="020B0604020202020204" pitchFamily="34" charset="0"/>
+              <a:buChar char="•"/>
+            </a:pPr>
+            <a:r>
+              <a:rPr lang="en-US" sz="900" kern="1200" dirty="0" err="1" smtClean="0">
+                <a:solidFill>
+                  <a:schemeClr val="tx1"/>
+                </a:solidFill>
+                <a:latin typeface="Arial" panose="020B0604020202020204" pitchFamily="34" charset="0"/>
+                <a:ea typeface="MS PGothic" pitchFamily="34" charset="-128"/>
+                <a:cs typeface="+mn-cs"/>
+              </a:rPr>
+              <a:t>Sample_TestContructorWithMoq_And_AutoMoq_Test</a:t>
+            </a:r>
+            <a:endParaRPr lang="en-US" sz="900" kern="1200" dirty="0" smtClean="0">
+              <a:solidFill>
+                <a:schemeClr val="tx1"/>
+              </a:solidFill>
+              <a:latin typeface="Arial" panose="020B0604020202020204" pitchFamily="34" charset="0"/>
+              <a:ea typeface="MS PGothic" pitchFamily="34" charset="-128"/>
+              <a:cs typeface="+mn-cs"/>
+            </a:endParaRPr>
+          </a:p>
+          <a:p>
+            <a:r>
+              <a:rPr lang="en-US" sz="900" kern="1200" baseline="0" dirty="0" smtClean="0">
+                <a:solidFill>
+                  <a:schemeClr val="tx1"/>
+                </a:solidFill>
+                <a:latin typeface="Arial" panose="020B0604020202020204" pitchFamily="34" charset="0"/>
+                <a:ea typeface="MS PGothic" pitchFamily="34" charset="-128"/>
+                <a:cs typeface="+mn-cs"/>
+              </a:rPr>
+              <a:t>Show customizations with </a:t>
+            </a:r>
+            <a:r>
+              <a:rPr lang="en-US" sz="900" kern="1200" baseline="0" dirty="0" err="1" smtClean="0">
+                <a:solidFill>
+                  <a:schemeClr val="tx1"/>
+                </a:solidFill>
+                <a:latin typeface="Arial" panose="020B0604020202020204" pitchFamily="34" charset="0"/>
+                <a:ea typeface="MS PGothic" pitchFamily="34" charset="-128"/>
+                <a:cs typeface="+mn-cs"/>
+              </a:rPr>
+              <a:t>APIController</a:t>
+            </a:r>
+            <a:endParaRPr lang="en-US" sz="900" kern="1200" baseline="0" dirty="0" smtClean="0">
+              <a:solidFill>
+                <a:schemeClr val="tx1"/>
+              </a:solidFill>
+              <a:latin typeface="Arial" panose="020B0604020202020204" pitchFamily="34" charset="0"/>
+              <a:ea typeface="MS PGothic" pitchFamily="34" charset="-128"/>
+              <a:cs typeface="+mn-cs"/>
+            </a:endParaRPr>
+          </a:p>
+          <a:p>
+            <a:pPr marL="171450" indent="-171450">
+              <a:buFont typeface="Arial" panose="020B0604020202020204" pitchFamily="34" charset="0"/>
+              <a:buChar char="•"/>
+            </a:pPr>
+            <a:r>
+              <a:rPr lang="en-US" sz="900" kern="1200" dirty="0" err="1" smtClean="0">
+                <a:solidFill>
+                  <a:schemeClr val="tx1"/>
+                </a:solidFill>
+                <a:latin typeface="Arial" panose="020B0604020202020204" pitchFamily="34" charset="0"/>
+                <a:ea typeface="MS PGothic" pitchFamily="34" charset="-128"/>
+                <a:cs typeface="+mn-cs"/>
+              </a:rPr>
+              <a:t>TestContructorWithMoq_Test</a:t>
+            </a:r>
+            <a:endParaRPr lang="en-US" sz="900" kern="1200" dirty="0" smtClean="0">
+              <a:solidFill>
+                <a:schemeClr val="tx1"/>
+              </a:solidFill>
+              <a:latin typeface="Arial" panose="020B0604020202020204" pitchFamily="34" charset="0"/>
+              <a:ea typeface="MS PGothic" pitchFamily="34" charset="-128"/>
+              <a:cs typeface="+mn-cs"/>
+            </a:endParaRPr>
+          </a:p>
+          <a:p>
+            <a:pPr marL="171450" indent="-171450">
+              <a:buFont typeface="Arial" panose="020B0604020202020204" pitchFamily="34" charset="0"/>
+              <a:buChar char="•"/>
+            </a:pPr>
+            <a:r>
+              <a:rPr lang="en-US" sz="900" kern="1200" dirty="0" err="1" smtClean="0">
+                <a:solidFill>
+                  <a:schemeClr val="tx1"/>
+                </a:solidFill>
+                <a:latin typeface="Arial" panose="020B0604020202020204" pitchFamily="34" charset="0"/>
+                <a:ea typeface="MS PGothic" pitchFamily="34" charset="-128"/>
+                <a:cs typeface="+mn-cs"/>
+              </a:rPr>
+              <a:t>TestContructorWithMoq_And_AutoMoq_Test</a:t>
+            </a:r>
+            <a:endParaRPr lang="en-US" baseline="0" dirty="0" smtClean="0"/>
+          </a:p>
           <a:p>
             <a:endParaRPr lang="en-US" dirty="0"/>
           </a:p>
@@ -4437,7 +4833,182 @@
             <a:fld id="{F9F5467A-33E4-43D8-B5CA-5C9AFC758669}" type="slidenum">
               <a:rPr lang="en-US" altLang="en-US" smtClean="0"/>
               <a:pPr/>
-              <a:t>36</a:t>
+              <a:t>38</a:t>
+            </a:fld>
+            <a:endParaRPr lang="en-US" altLang="en-US"/>
+          </a:p>
+        </p:txBody>
+      </p:sp>
+    </p:spTree>
+    <p:extLst>
+      <p:ext uri="{BB962C8B-B14F-4D97-AF65-F5344CB8AC3E}">
+        <p14:creationId xmlns:p14="http://schemas.microsoft.com/office/powerpoint/2010/main" val="390630591"/>
+      </p:ext>
+    </p:extLst>
+  </p:cSld>
+  <p:clrMapOvr>
+    <a:masterClrMapping/>
+  </p:clrMapOvr>
+</p:notes>
+</file>
+
+<file path=ppt/notesSlides/notesSlide38.xml><?xml version="1.0" encoding="utf-8"?>
+<p:notes xmlns:a="http://schemas.openxmlformats.org/drawingml/2006/main" xmlns:r="http://schemas.openxmlformats.org/officeDocument/2006/relationships" xmlns:p="http://schemas.openxmlformats.org/presentationml/2006/main">
+  <p:cSld>
+    <p:spTree>
+      <p:nvGrpSpPr>
+        <p:cNvPr id="1" name=""/>
+        <p:cNvGrpSpPr/>
+        <p:nvPr/>
+      </p:nvGrpSpPr>
+      <p:grpSpPr>
+        <a:xfrm>
+          <a:off x="0" y="0"/>
+          <a:ext cx="0" cy="0"/>
+          <a:chOff x="0" y="0"/>
+          <a:chExt cx="0" cy="0"/>
+        </a:xfrm>
+      </p:grpSpPr>
+      <p:sp>
+        <p:nvSpPr>
+          <p:cNvPr id="2" name="Slide Image Placeholder 1"/>
+          <p:cNvSpPr>
+            <a:spLocks noGrp="1" noRot="1" noChangeAspect="1"/>
+          </p:cNvSpPr>
+          <p:nvPr>
+            <p:ph type="sldImg"/>
+          </p:nvPr>
+        </p:nvSpPr>
+        <p:spPr>
+          <a:xfrm>
+            <a:off x="1065213" y="1200150"/>
+            <a:ext cx="5184775" cy="3240088"/>
+          </a:xfrm>
+        </p:spPr>
+      </p:sp>
+      <p:sp>
+        <p:nvSpPr>
+          <p:cNvPr id="3" name="Notes Placeholder 2"/>
+          <p:cNvSpPr>
+            <a:spLocks noGrp="1"/>
+          </p:cNvSpPr>
+          <p:nvPr>
+            <p:ph type="body" idx="1"/>
+          </p:nvPr>
+        </p:nvSpPr>
+        <p:spPr/>
+        <p:txBody>
+          <a:bodyPr/>
+          <a:lstStyle/>
+          <a:p>
+            <a:endParaRPr lang="en-US" dirty="0"/>
+          </a:p>
+        </p:txBody>
+      </p:sp>
+      <p:sp>
+        <p:nvSpPr>
+          <p:cNvPr id="4" name="Slide Number Placeholder 3"/>
+          <p:cNvSpPr>
+            <a:spLocks noGrp="1"/>
+          </p:cNvSpPr>
+          <p:nvPr>
+            <p:ph type="sldNum" sz="quarter" idx="10"/>
+          </p:nvPr>
+        </p:nvSpPr>
+        <p:spPr/>
+        <p:txBody>
+          <a:bodyPr/>
+          <a:lstStyle/>
+          <a:p>
+            <a:fld id="{CA5D3BF3-D352-46FC-8343-31F56E6730EA}" type="slidenum">
+              <a:rPr lang="en-US" smtClean="0"/>
+              <a:pPr/>
+              <a:t>39</a:t>
+            </a:fld>
+            <a:endParaRPr lang="en-US"/>
+          </a:p>
+        </p:txBody>
+      </p:sp>
+    </p:spTree>
+    <p:extLst>
+      <p:ext uri="{BB962C8B-B14F-4D97-AF65-F5344CB8AC3E}">
+        <p14:creationId xmlns:p14="http://schemas.microsoft.com/office/powerpoint/2010/main" val="795984873"/>
+      </p:ext>
+    </p:extLst>
+  </p:cSld>
+  <p:clrMapOvr>
+    <a:masterClrMapping/>
+  </p:clrMapOvr>
+</p:notes>
+</file>
+
+<file path=ppt/notesSlides/notesSlide39.xml><?xml version="1.0" encoding="utf-8"?>
+<p:notes xmlns:a="http://schemas.openxmlformats.org/drawingml/2006/main" xmlns:r="http://schemas.openxmlformats.org/officeDocument/2006/relationships" xmlns:p="http://schemas.openxmlformats.org/presentationml/2006/main">
+  <p:cSld>
+    <p:spTree>
+      <p:nvGrpSpPr>
+        <p:cNvPr id="1" name=""/>
+        <p:cNvGrpSpPr/>
+        <p:nvPr/>
+      </p:nvGrpSpPr>
+      <p:grpSpPr>
+        <a:xfrm>
+          <a:off x="0" y="0"/>
+          <a:ext cx="0" cy="0"/>
+          <a:chOff x="0" y="0"/>
+          <a:chExt cx="0" cy="0"/>
+        </a:xfrm>
+      </p:grpSpPr>
+      <p:sp>
+        <p:nvSpPr>
+          <p:cNvPr id="2" name="Slide Image Placeholder 1"/>
+          <p:cNvSpPr>
+            <a:spLocks noGrp="1" noRot="1" noChangeAspect="1"/>
+          </p:cNvSpPr>
+          <p:nvPr>
+            <p:ph type="sldImg"/>
+          </p:nvPr>
+        </p:nvSpPr>
+        <p:spPr/>
+      </p:sp>
+      <p:sp>
+        <p:nvSpPr>
+          <p:cNvPr id="3" name="Notes Placeholder 2"/>
+          <p:cNvSpPr>
+            <a:spLocks noGrp="1"/>
+          </p:cNvSpPr>
+          <p:nvPr>
+            <p:ph type="body" idx="1"/>
+          </p:nvPr>
+        </p:nvSpPr>
+        <p:spPr/>
+        <p:txBody>
+          <a:bodyPr/>
+          <a:lstStyle/>
+          <a:p>
+            <a:endParaRPr lang="en-US" dirty="0"/>
+          </a:p>
+        </p:txBody>
+      </p:sp>
+      <p:sp>
+        <p:nvSpPr>
+          <p:cNvPr id="4" name="Slide Number Placeholder 3"/>
+          <p:cNvSpPr>
+            <a:spLocks noGrp="1"/>
+          </p:cNvSpPr>
+          <p:nvPr>
+            <p:ph type="sldNum" sz="quarter" idx="10"/>
+          </p:nvPr>
+        </p:nvSpPr>
+        <p:spPr/>
+        <p:txBody>
+          <a:bodyPr/>
+          <a:lstStyle/>
+          <a:p>
+            <a:fld id="{F9F5467A-33E4-43D8-B5CA-5C9AFC758669}" type="slidenum">
+              <a:rPr lang="en-US" altLang="en-US" smtClean="0"/>
+              <a:pPr/>
+              <a:t>40</a:t>
             </a:fld>
             <a:endParaRPr lang="en-US" altLang="en-US"/>
           </a:p>
@@ -14621,6 +15192,225 @@
       </p:grpSpPr>
       <p:sp>
         <p:nvSpPr>
+          <p:cNvPr id="5" name="Title 4"/>
+          <p:cNvSpPr>
+            <a:spLocks noGrp="1"/>
+          </p:cNvSpPr>
+          <p:nvPr>
+            <p:ph type="title"/>
+          </p:nvPr>
+        </p:nvSpPr>
+        <p:spPr/>
+        <p:txBody>
+          <a:bodyPr/>
+          <a:lstStyle/>
+          <a:p>
+            <a:r>
+              <a:rPr lang="en-US" dirty="0" smtClean="0"/>
+              <a:t>Introduction</a:t>
+            </a:r>
+            <a:endParaRPr lang="en-US" dirty="0"/>
+          </a:p>
+        </p:txBody>
+      </p:sp>
+      <p:sp>
+        <p:nvSpPr>
+          <p:cNvPr id="8" name="Text Placeholder 7"/>
+          <p:cNvSpPr>
+            <a:spLocks noGrp="1"/>
+          </p:cNvSpPr>
+          <p:nvPr>
+            <p:ph type="body" sz="quarter" idx="25"/>
+          </p:nvPr>
+        </p:nvSpPr>
+        <p:spPr/>
+        <p:txBody>
+          <a:bodyPr/>
+          <a:lstStyle/>
+          <a:p>
+            <a:r>
+              <a:rPr lang="en-US" dirty="0" smtClean="0"/>
+              <a:t>AutoFixture</a:t>
+            </a:r>
+            <a:endParaRPr lang="en-US" dirty="0"/>
+          </a:p>
+        </p:txBody>
+      </p:sp>
+      <p:sp>
+        <p:nvSpPr>
+          <p:cNvPr id="2" name="Content Placeholder 1"/>
+          <p:cNvSpPr>
+            <a:spLocks noGrp="1"/>
+          </p:cNvSpPr>
+          <p:nvPr>
+            <p:ph idx="1"/>
+          </p:nvPr>
+        </p:nvSpPr>
+        <p:spPr>
+          <a:xfrm>
+            <a:off x="293298" y="2952427"/>
+            <a:ext cx="2725948" cy="2490841"/>
+          </a:xfrm>
+        </p:spPr>
+        <p:txBody>
+          <a:bodyPr/>
+          <a:lstStyle/>
+          <a:p>
+            <a:r>
+              <a:rPr lang="en-US" dirty="0"/>
+              <a:t>Arrange/Act/Assert</a:t>
+            </a:r>
+          </a:p>
+          <a:p>
+            <a:r>
+              <a:rPr lang="en-US" dirty="0" smtClean="0"/>
+              <a:t>Traditional </a:t>
+            </a:r>
+            <a:r>
+              <a:rPr lang="en-US" dirty="0" smtClean="0"/>
+              <a:t>Arrange</a:t>
+            </a:r>
+          </a:p>
+          <a:p>
+            <a:r>
+              <a:rPr lang="en-US" dirty="0" smtClean="0"/>
+              <a:t>AutoFixture Arrange</a:t>
+            </a:r>
+          </a:p>
+          <a:p>
+            <a:r>
+              <a:rPr lang="en-US" dirty="0" smtClean="0"/>
+              <a:t>Customize</a:t>
+            </a:r>
+          </a:p>
+          <a:p>
+            <a:r>
+              <a:rPr lang="en-US" dirty="0" smtClean="0"/>
+              <a:t>Gotchas</a:t>
+            </a:r>
+          </a:p>
+          <a:p>
+            <a:endParaRPr lang="en-US" dirty="0" smtClean="0"/>
+          </a:p>
+        </p:txBody>
+      </p:sp>
+      <p:sp>
+        <p:nvSpPr>
+          <p:cNvPr id="6" name="Rectangle 5"/>
+          <p:cNvSpPr/>
+          <p:nvPr/>
+        </p:nvSpPr>
+        <p:spPr>
+          <a:xfrm>
+            <a:off x="293295" y="1100303"/>
+            <a:ext cx="2690129" cy="1754326"/>
+          </a:xfrm>
+          <a:prstGeom prst="rect">
+            <a:avLst/>
+          </a:prstGeom>
+        </p:spPr>
+        <p:txBody>
+          <a:bodyPr wrap="square">
+            <a:spAutoFit/>
+          </a:bodyPr>
+          <a:lstStyle/>
+          <a:p>
+            <a:pPr>
+              <a:spcAft>
+                <a:spcPts val="1200"/>
+              </a:spcAft>
+            </a:pPr>
+            <a:r>
+              <a:rPr lang="en-US" sz="1800" dirty="0" err="1">
+                <a:solidFill>
+                  <a:schemeClr val="tx2">
+                    <a:lumMod val="40000"/>
+                    <a:lumOff val="60000"/>
+                  </a:schemeClr>
+                </a:solidFill>
+              </a:rPr>
+              <a:t>AutoFixture</a:t>
+            </a:r>
+            <a:r>
+              <a:rPr lang="en-US" sz="1800" dirty="0">
+                <a:solidFill>
+                  <a:schemeClr val="tx2">
+                    <a:lumMod val="40000"/>
+                    <a:lumOff val="60000"/>
+                  </a:schemeClr>
+                </a:solidFill>
+              </a:rPr>
+              <a:t> is an open source library for .NET designed to minimize the 'Arrange' phase of your unit tests in order to maximize maintainability.</a:t>
+            </a:r>
+          </a:p>
+        </p:txBody>
+      </p:sp>
+      <p:pic>
+        <p:nvPicPr>
+          <p:cNvPr id="3" name="Picture 2"/>
+          <p:cNvPicPr>
+            <a:picLocks noChangeAspect="1"/>
+          </p:cNvPicPr>
+          <p:nvPr/>
+        </p:nvPicPr>
+        <p:blipFill>
+          <a:blip r:embed="rId3"/>
+          <a:stretch>
+            <a:fillRect/>
+          </a:stretch>
+        </p:blipFill>
+        <p:spPr>
+          <a:xfrm>
+            <a:off x="3290085" y="1659405"/>
+            <a:ext cx="5853915" cy="1876425"/>
+          </a:xfrm>
+          <a:prstGeom prst="rect">
+            <a:avLst/>
+          </a:prstGeom>
+        </p:spPr>
+      </p:pic>
+    </p:spTree>
+    <p:extLst>
+      <p:ext uri="{BB962C8B-B14F-4D97-AF65-F5344CB8AC3E}">
+        <p14:creationId xmlns:p14="http://schemas.microsoft.com/office/powerpoint/2010/main" val="1873751043"/>
+      </p:ext>
+    </p:extLst>
+  </p:cSld>
+  <p:clrMapOvr>
+    <a:masterClrMapping/>
+  </p:clrMapOvr>
+  <p:transition spd="slow">
+    <p:cover/>
+  </p:transition>
+  <p:timing>
+    <p:tnLst>
+      <p:par>
+        <p:cTn id="1" dur="indefinite" restart="never" nodeType="tmRoot"/>
+      </p:par>
+    </p:tnLst>
+  </p:timing>
+</p:sld>
+</file>
+
+<file path=ppt/slides/slide14.xml><?xml version="1.0" encoding="utf-8"?>
+<p:sld xmlns:a="http://schemas.openxmlformats.org/drawingml/2006/main" xmlns:r="http://schemas.openxmlformats.org/officeDocument/2006/relationships" xmlns:p="http://schemas.openxmlformats.org/presentationml/2006/main">
+  <p:cSld>
+    <p:spTree>
+      <p:nvGrpSpPr>
+        <p:cNvPr id="1" name=""/>
+        <p:cNvGrpSpPr/>
+        <p:nvPr/>
+      </p:nvGrpSpPr>
+      <p:grpSpPr>
+        <a:xfrm>
+          <a:off x="0" y="0"/>
+          <a:ext cx="0" cy="0"/>
+          <a:chOff x="0" y="0"/>
+          <a:chExt cx="0" cy="0"/>
+        </a:xfrm>
+      </p:grpSpPr>
+      <p:sp>
+        <p:nvSpPr>
           <p:cNvPr id="9" name="Title 4"/>
           <p:cNvSpPr>
             <a:spLocks noGrp="1"/>
@@ -14864,7 +15654,7 @@
 </p:sld>
 </file>
 
-<file path=ppt/slides/slide14.xml><?xml version="1.0" encoding="utf-8"?>
+<file path=ppt/slides/slide15.xml><?xml version="1.0" encoding="utf-8"?>
 <p:sld xmlns:a="http://schemas.openxmlformats.org/drawingml/2006/main" xmlns:r="http://schemas.openxmlformats.org/officeDocument/2006/relationships" xmlns:p="http://schemas.openxmlformats.org/presentationml/2006/main">
   <p:cSld>
     <p:spTree>
@@ -15127,260 +15917,6 @@
 </p:sld>
 </file>
 
-<file path=ppt/slides/slide15.xml><?xml version="1.0" encoding="utf-8"?>
-<p:sld xmlns:a="http://schemas.openxmlformats.org/drawingml/2006/main" xmlns:r="http://schemas.openxmlformats.org/officeDocument/2006/relationships" xmlns:p="http://schemas.openxmlformats.org/presentationml/2006/main">
-  <p:cSld>
-    <p:spTree>
-      <p:nvGrpSpPr>
-        <p:cNvPr id="1" name=""/>
-        <p:cNvGrpSpPr/>
-        <p:nvPr/>
-      </p:nvGrpSpPr>
-      <p:grpSpPr>
-        <a:xfrm>
-          <a:off x="0" y="0"/>
-          <a:ext cx="0" cy="0"/>
-          <a:chOff x="0" y="0"/>
-          <a:chExt cx="0" cy="0"/>
-        </a:xfrm>
-      </p:grpSpPr>
-      <p:sp>
-        <p:nvSpPr>
-          <p:cNvPr id="3" name="Picture Placeholder 2"/>
-          <p:cNvSpPr>
-            <a:spLocks noGrp="1"/>
-          </p:cNvSpPr>
-          <p:nvPr>
-            <p:ph type="pic" sz="quarter" idx="10"/>
-          </p:nvPr>
-        </p:nvSpPr>
-        <p:spPr/>
-      </p:sp>
-      <p:pic>
-        <p:nvPicPr>
-          <p:cNvPr id="4" name="Picture 3"/>
-          <p:cNvPicPr>
-            <a:picLocks noChangeAspect="1"/>
-          </p:cNvPicPr>
-          <p:nvPr/>
-        </p:nvPicPr>
-        <p:blipFill>
-          <a:blip r:embed="rId3"/>
-          <a:stretch>
-            <a:fillRect/>
-          </a:stretch>
-        </p:blipFill>
-        <p:spPr>
-          <a:xfrm>
-            <a:off x="3302481" y="1715150"/>
-            <a:ext cx="5841520" cy="1576506"/>
-          </a:xfrm>
-          <a:prstGeom prst="rect">
-            <a:avLst/>
-          </a:prstGeom>
-        </p:spPr>
-      </p:pic>
-      <p:sp>
-        <p:nvSpPr>
-          <p:cNvPr id="10" name="Title 4"/>
-          <p:cNvSpPr>
-            <a:spLocks noGrp="1"/>
-          </p:cNvSpPr>
-          <p:nvPr>
-            <p:ph type="title"/>
-          </p:nvPr>
-        </p:nvSpPr>
-        <p:spPr>
-          <a:xfrm>
-            <a:off x="273051" y="681896"/>
-            <a:ext cx="2737568" cy="582083"/>
-          </a:xfrm>
-        </p:spPr>
-        <p:txBody>
-          <a:bodyPr/>
-          <a:lstStyle/>
-          <a:p>
-            <a:r>
-              <a:rPr lang="en-US" dirty="0" smtClean="0"/>
-              <a:t>Introduction</a:t>
-            </a:r>
-            <a:endParaRPr lang="en-US" dirty="0"/>
-          </a:p>
-        </p:txBody>
-      </p:sp>
-      <p:sp>
-        <p:nvSpPr>
-          <p:cNvPr id="11" name="Text Placeholder 7"/>
-          <p:cNvSpPr>
-            <a:spLocks noGrp="1"/>
-          </p:cNvSpPr>
-          <p:nvPr>
-            <p:ph type="body" sz="quarter" idx="25"/>
-          </p:nvPr>
-        </p:nvSpPr>
-        <p:spPr>
-          <a:xfrm>
-            <a:off x="298929" y="475194"/>
-            <a:ext cx="2694437" cy="258532"/>
-          </a:xfrm>
-        </p:spPr>
-        <p:txBody>
-          <a:bodyPr/>
-          <a:lstStyle/>
-          <a:p>
-            <a:r>
-              <a:rPr lang="en-US" dirty="0" smtClean="0"/>
-              <a:t>AutoFixture</a:t>
-            </a:r>
-            <a:endParaRPr lang="en-US" dirty="0"/>
-          </a:p>
-        </p:txBody>
-      </p:sp>
-      <p:sp>
-        <p:nvSpPr>
-          <p:cNvPr id="12" name="Content Placeholder 1"/>
-          <p:cNvSpPr>
-            <a:spLocks noGrp="1"/>
-          </p:cNvSpPr>
-          <p:nvPr>
-            <p:ph idx="1"/>
-          </p:nvPr>
-        </p:nvSpPr>
-        <p:spPr>
-          <a:xfrm>
-            <a:off x="293298" y="2952427"/>
-            <a:ext cx="2725948" cy="2490841"/>
-          </a:xfrm>
-        </p:spPr>
-        <p:txBody>
-          <a:bodyPr/>
-          <a:lstStyle/>
-          <a:p>
-            <a:r>
-              <a:rPr lang="en-US" dirty="0"/>
-              <a:t>Arrange/Act/Assert</a:t>
-            </a:r>
-          </a:p>
-          <a:p>
-            <a:r>
-              <a:rPr lang="en-US" dirty="0" smtClean="0"/>
-              <a:t>Traditional </a:t>
-            </a:r>
-            <a:r>
-              <a:rPr lang="en-US" dirty="0" smtClean="0"/>
-              <a:t>Arrange</a:t>
-            </a:r>
-          </a:p>
-          <a:p>
-            <a:r>
-              <a:rPr lang="en-US" dirty="0" smtClean="0">
-                <a:solidFill>
-                  <a:schemeClr val="bg2"/>
-                </a:solidFill>
-              </a:rPr>
-              <a:t>AutoFixture Arrange</a:t>
-            </a:r>
-          </a:p>
-          <a:p>
-            <a:r>
-              <a:rPr lang="en-US" dirty="0" smtClean="0"/>
-              <a:t>Customize</a:t>
-            </a:r>
-          </a:p>
-          <a:p>
-            <a:r>
-              <a:rPr lang="en-US" dirty="0" smtClean="0"/>
-              <a:t>Gotchas</a:t>
-            </a:r>
-          </a:p>
-          <a:p>
-            <a:endParaRPr lang="en-US" dirty="0" smtClean="0"/>
-          </a:p>
-        </p:txBody>
-      </p:sp>
-      <p:sp>
-        <p:nvSpPr>
-          <p:cNvPr id="13" name="Rectangle 12"/>
-          <p:cNvSpPr/>
-          <p:nvPr/>
-        </p:nvSpPr>
-        <p:spPr>
-          <a:xfrm>
-            <a:off x="293295" y="1100303"/>
-            <a:ext cx="2690129" cy="1754326"/>
-          </a:xfrm>
-          <a:prstGeom prst="rect">
-            <a:avLst/>
-          </a:prstGeom>
-        </p:spPr>
-        <p:txBody>
-          <a:bodyPr wrap="square">
-            <a:spAutoFit/>
-          </a:bodyPr>
-          <a:lstStyle/>
-          <a:p>
-            <a:pPr>
-              <a:spcAft>
-                <a:spcPts val="1200"/>
-              </a:spcAft>
-            </a:pPr>
-            <a:r>
-              <a:rPr lang="en-US" sz="1800" dirty="0" err="1">
-                <a:solidFill>
-                  <a:schemeClr val="tx2">
-                    <a:lumMod val="40000"/>
-                    <a:lumOff val="60000"/>
-                  </a:schemeClr>
-                </a:solidFill>
-              </a:rPr>
-              <a:t>AutoFixture</a:t>
-            </a:r>
-            <a:r>
-              <a:rPr lang="en-US" sz="1800" dirty="0">
-                <a:solidFill>
-                  <a:schemeClr val="tx2">
-                    <a:lumMod val="40000"/>
-                    <a:lumOff val="60000"/>
-                  </a:schemeClr>
-                </a:solidFill>
-              </a:rPr>
-              <a:t> is an open source library for .NET designed to minimize the 'Arrange' phase of your unit tests in order to maximize maintainability.</a:t>
-            </a:r>
-          </a:p>
-        </p:txBody>
-      </p:sp>
-    </p:spTree>
-    <p:extLst>
-      <p:ext uri="{BB962C8B-B14F-4D97-AF65-F5344CB8AC3E}">
-        <p14:creationId xmlns:p14="http://schemas.microsoft.com/office/powerpoint/2010/main" val="1551753869"/>
-      </p:ext>
-    </p:extLst>
-  </p:cSld>
-  <p:clrMapOvr>
-    <a:masterClrMapping/>
-  </p:clrMapOvr>
-  <mc:AlternateContent xmlns:mc="http://schemas.openxmlformats.org/markup-compatibility/2006" xmlns:p14="http://schemas.microsoft.com/office/powerpoint/2010/main">
-    <mc:Choice Requires="p14">
-      <p:transition spd="med" p14:dur="700">
-        <p:fade/>
-      </p:transition>
-    </mc:Choice>
-    <mc:Fallback xmlns="">
-      <p:transition spd="med">
-        <p:fade/>
-      </p:transition>
-    </mc:Fallback>
-  </mc:AlternateContent>
-  <p:timing>
-    <p:tnLst>
-      <p:par>
-        <p:cTn id="1" dur="indefinite" restart="never" nodeType="tmRoot"/>
-      </p:par>
-    </p:tnLst>
-  </p:timing>
-</p:sld>
-</file>
-
 <file path=ppt/slides/slide16.xml><?xml version="1.0" encoding="utf-8"?>
 <p:sld xmlns:a="http://schemas.openxmlformats.org/drawingml/2006/main" xmlns:r="http://schemas.openxmlformats.org/officeDocument/2006/relationships" xmlns:p="http://schemas.openxmlformats.org/presentationml/2006/main">
   <p:cSld>
@@ -15400,7 +15936,7 @@
       </p:grpSpPr>
       <p:sp>
         <p:nvSpPr>
-          <p:cNvPr id="6" name="Picture Placeholder 5"/>
+          <p:cNvPr id="3" name="Picture Placeholder 2"/>
           <p:cNvSpPr>
             <a:spLocks noGrp="1"/>
           </p:cNvSpPr>
@@ -15412,7 +15948,7 @@
       </p:sp>
       <p:pic>
         <p:nvPicPr>
-          <p:cNvPr id="7" name="Picture 6"/>
+          <p:cNvPr id="4" name="Picture 3"/>
           <p:cNvPicPr>
             <a:picLocks noChangeAspect="1"/>
           </p:cNvPicPr>
@@ -15426,8 +15962,8 @@
         </p:blipFill>
         <p:spPr>
           <a:xfrm>
-            <a:off x="3302479" y="1170403"/>
-            <a:ext cx="5711341" cy="2487197"/>
+            <a:off x="3302481" y="1715150"/>
+            <a:ext cx="5841520" cy="1576506"/>
           </a:xfrm>
           <a:prstGeom prst="rect">
             <a:avLst/>
@@ -15527,17 +16063,17 @@
           </a:p>
           <a:p>
             <a:r>
-              <a:rPr lang="en-US" dirty="0" smtClean="0"/>
+              <a:rPr lang="en-US" dirty="0" smtClean="0">
+                <a:solidFill>
+                  <a:schemeClr val="bg2"/>
+                </a:solidFill>
+              </a:rPr>
               <a:t>AutoFixture Arrange</a:t>
             </a:r>
           </a:p>
           <a:p>
             <a:r>
-              <a:rPr lang="en-US" dirty="0" smtClean="0">
-                <a:solidFill>
-                  <a:schemeClr val="bg2"/>
-                </a:solidFill>
-              </a:rPr>
+              <a:rPr lang="en-US" dirty="0" smtClean="0"/>
               <a:t>Customize</a:t>
             </a:r>
           </a:p>
@@ -15606,7 +16142,7 @@
     </p:spTree>
     <p:extLst>
       <p:ext uri="{BB962C8B-B14F-4D97-AF65-F5344CB8AC3E}">
-        <p14:creationId xmlns:p14="http://schemas.microsoft.com/office/powerpoint/2010/main" val="1212732230"/>
+        <p14:creationId xmlns:p14="http://schemas.microsoft.com/office/powerpoint/2010/main" val="1551753869"/>
       </p:ext>
     </p:extLst>
   </p:cSld>
@@ -15666,6 +16202,260 @@
       </p:sp>
       <p:pic>
         <p:nvPicPr>
+          <p:cNvPr id="7" name="Picture 6"/>
+          <p:cNvPicPr>
+            <a:picLocks noChangeAspect="1"/>
+          </p:cNvPicPr>
+          <p:nvPr/>
+        </p:nvPicPr>
+        <p:blipFill>
+          <a:blip r:embed="rId3"/>
+          <a:stretch>
+            <a:fillRect/>
+          </a:stretch>
+        </p:blipFill>
+        <p:spPr>
+          <a:xfrm>
+            <a:off x="3302479" y="1170403"/>
+            <a:ext cx="5711341" cy="2487197"/>
+          </a:xfrm>
+          <a:prstGeom prst="rect">
+            <a:avLst/>
+          </a:prstGeom>
+        </p:spPr>
+      </p:pic>
+      <p:sp>
+        <p:nvSpPr>
+          <p:cNvPr id="10" name="Title 4"/>
+          <p:cNvSpPr>
+            <a:spLocks noGrp="1"/>
+          </p:cNvSpPr>
+          <p:nvPr>
+            <p:ph type="title"/>
+          </p:nvPr>
+        </p:nvSpPr>
+        <p:spPr>
+          <a:xfrm>
+            <a:off x="273051" y="681896"/>
+            <a:ext cx="2737568" cy="582083"/>
+          </a:xfrm>
+        </p:spPr>
+        <p:txBody>
+          <a:bodyPr/>
+          <a:lstStyle/>
+          <a:p>
+            <a:r>
+              <a:rPr lang="en-US" dirty="0" smtClean="0"/>
+              <a:t>Introduction</a:t>
+            </a:r>
+            <a:endParaRPr lang="en-US" dirty="0"/>
+          </a:p>
+        </p:txBody>
+      </p:sp>
+      <p:sp>
+        <p:nvSpPr>
+          <p:cNvPr id="11" name="Text Placeholder 7"/>
+          <p:cNvSpPr>
+            <a:spLocks noGrp="1"/>
+          </p:cNvSpPr>
+          <p:nvPr>
+            <p:ph type="body" sz="quarter" idx="25"/>
+          </p:nvPr>
+        </p:nvSpPr>
+        <p:spPr>
+          <a:xfrm>
+            <a:off x="298929" y="475194"/>
+            <a:ext cx="2694437" cy="258532"/>
+          </a:xfrm>
+        </p:spPr>
+        <p:txBody>
+          <a:bodyPr/>
+          <a:lstStyle/>
+          <a:p>
+            <a:r>
+              <a:rPr lang="en-US" dirty="0" smtClean="0"/>
+              <a:t>AutoFixture</a:t>
+            </a:r>
+            <a:endParaRPr lang="en-US" dirty="0"/>
+          </a:p>
+        </p:txBody>
+      </p:sp>
+      <p:sp>
+        <p:nvSpPr>
+          <p:cNvPr id="12" name="Content Placeholder 1"/>
+          <p:cNvSpPr>
+            <a:spLocks noGrp="1"/>
+          </p:cNvSpPr>
+          <p:nvPr>
+            <p:ph idx="1"/>
+          </p:nvPr>
+        </p:nvSpPr>
+        <p:spPr>
+          <a:xfrm>
+            <a:off x="293298" y="2952427"/>
+            <a:ext cx="2725948" cy="2490841"/>
+          </a:xfrm>
+        </p:spPr>
+        <p:txBody>
+          <a:bodyPr/>
+          <a:lstStyle/>
+          <a:p>
+            <a:r>
+              <a:rPr lang="en-US" dirty="0"/>
+              <a:t>Arrange/Act/Assert</a:t>
+            </a:r>
+          </a:p>
+          <a:p>
+            <a:r>
+              <a:rPr lang="en-US" dirty="0" smtClean="0"/>
+              <a:t>Traditional </a:t>
+            </a:r>
+            <a:r>
+              <a:rPr lang="en-US" dirty="0" smtClean="0"/>
+              <a:t>Arrange</a:t>
+            </a:r>
+          </a:p>
+          <a:p>
+            <a:r>
+              <a:rPr lang="en-US" dirty="0" smtClean="0"/>
+              <a:t>AutoFixture Arrange</a:t>
+            </a:r>
+          </a:p>
+          <a:p>
+            <a:r>
+              <a:rPr lang="en-US" dirty="0" smtClean="0">
+                <a:solidFill>
+                  <a:schemeClr val="bg2"/>
+                </a:solidFill>
+              </a:rPr>
+              <a:t>Customize</a:t>
+            </a:r>
+          </a:p>
+          <a:p>
+            <a:r>
+              <a:rPr lang="en-US" dirty="0" smtClean="0"/>
+              <a:t>Gotchas</a:t>
+            </a:r>
+          </a:p>
+          <a:p>
+            <a:endParaRPr lang="en-US" dirty="0" smtClean="0"/>
+          </a:p>
+        </p:txBody>
+      </p:sp>
+      <p:sp>
+        <p:nvSpPr>
+          <p:cNvPr id="13" name="Rectangle 12"/>
+          <p:cNvSpPr/>
+          <p:nvPr/>
+        </p:nvSpPr>
+        <p:spPr>
+          <a:xfrm>
+            <a:off x="293295" y="1100303"/>
+            <a:ext cx="2690129" cy="1754326"/>
+          </a:xfrm>
+          <a:prstGeom prst="rect">
+            <a:avLst/>
+          </a:prstGeom>
+        </p:spPr>
+        <p:txBody>
+          <a:bodyPr wrap="square">
+            <a:spAutoFit/>
+          </a:bodyPr>
+          <a:lstStyle/>
+          <a:p>
+            <a:pPr>
+              <a:spcAft>
+                <a:spcPts val="1200"/>
+              </a:spcAft>
+            </a:pPr>
+            <a:r>
+              <a:rPr lang="en-US" sz="1800" dirty="0" err="1">
+                <a:solidFill>
+                  <a:schemeClr val="tx2">
+                    <a:lumMod val="40000"/>
+                    <a:lumOff val="60000"/>
+                  </a:schemeClr>
+                </a:solidFill>
+              </a:rPr>
+              <a:t>AutoFixture</a:t>
+            </a:r>
+            <a:r>
+              <a:rPr lang="en-US" sz="1800" dirty="0">
+                <a:solidFill>
+                  <a:schemeClr val="tx2">
+                    <a:lumMod val="40000"/>
+                    <a:lumOff val="60000"/>
+                  </a:schemeClr>
+                </a:solidFill>
+              </a:rPr>
+              <a:t> is an open source library for .NET designed to minimize the 'Arrange' phase of your unit tests in order to maximize maintainability.</a:t>
+            </a:r>
+          </a:p>
+        </p:txBody>
+      </p:sp>
+    </p:spTree>
+    <p:extLst>
+      <p:ext uri="{BB962C8B-B14F-4D97-AF65-F5344CB8AC3E}">
+        <p14:creationId xmlns:p14="http://schemas.microsoft.com/office/powerpoint/2010/main" val="1212732230"/>
+      </p:ext>
+    </p:extLst>
+  </p:cSld>
+  <p:clrMapOvr>
+    <a:masterClrMapping/>
+  </p:clrMapOvr>
+  <mc:AlternateContent xmlns:mc="http://schemas.openxmlformats.org/markup-compatibility/2006" xmlns:p14="http://schemas.microsoft.com/office/powerpoint/2010/main">
+    <mc:Choice Requires="p14">
+      <p:transition spd="med" p14:dur="700">
+        <p:fade/>
+      </p:transition>
+    </mc:Choice>
+    <mc:Fallback xmlns="">
+      <p:transition spd="med">
+        <p:fade/>
+      </p:transition>
+    </mc:Fallback>
+  </mc:AlternateContent>
+  <p:timing>
+    <p:tnLst>
+      <p:par>
+        <p:cTn id="1" dur="indefinite" restart="never" nodeType="tmRoot"/>
+      </p:par>
+    </p:tnLst>
+  </p:timing>
+</p:sld>
+</file>
+
+<file path=ppt/slides/slide18.xml><?xml version="1.0" encoding="utf-8"?>
+<p:sld xmlns:a="http://schemas.openxmlformats.org/drawingml/2006/main" xmlns:r="http://schemas.openxmlformats.org/officeDocument/2006/relationships" xmlns:p="http://schemas.openxmlformats.org/presentationml/2006/main">
+  <p:cSld>
+    <p:spTree>
+      <p:nvGrpSpPr>
+        <p:cNvPr id="1" name=""/>
+        <p:cNvGrpSpPr/>
+        <p:nvPr/>
+      </p:nvGrpSpPr>
+      <p:grpSpPr>
+        <a:xfrm>
+          <a:off x="0" y="0"/>
+          <a:ext cx="0" cy="0"/>
+          <a:chOff x="0" y="0"/>
+          <a:chExt cx="0" cy="0"/>
+        </a:xfrm>
+      </p:grpSpPr>
+      <p:sp>
+        <p:nvSpPr>
+          <p:cNvPr id="6" name="Picture Placeholder 5"/>
+          <p:cNvSpPr>
+            <a:spLocks noGrp="1"/>
+          </p:cNvSpPr>
+          <p:nvPr>
+            <p:ph type="pic" sz="quarter" idx="10"/>
+          </p:nvPr>
+        </p:nvSpPr>
+        <p:spPr/>
+      </p:sp>
+      <p:pic>
+        <p:nvPicPr>
           <p:cNvPr id="4" name="Picture 3"/>
           <p:cNvPicPr>
             <a:picLocks noChangeAspect="1"/>
@@ -15889,7 +16679,7 @@
 </p:sld>
 </file>
 
-<file path=ppt/slides/slide18.xml><?xml version="1.0" encoding="utf-8"?>
+<file path=ppt/slides/slide19.xml><?xml version="1.0" encoding="utf-8"?>
 <p:sld xmlns:a="http://schemas.openxmlformats.org/drawingml/2006/main" xmlns:r="http://schemas.openxmlformats.org/officeDocument/2006/relationships" xmlns:p="http://schemas.openxmlformats.org/presentationml/2006/main">
   <p:cSld>
     <p:spTree>
@@ -16280,78 +17070,6 @@
 </p:sld>
 </file>
 
-<file path=ppt/slides/slide19.xml><?xml version="1.0" encoding="utf-8"?>
-<p:sld xmlns:a="http://schemas.openxmlformats.org/drawingml/2006/main" xmlns:r="http://schemas.openxmlformats.org/officeDocument/2006/relationships" xmlns:p="http://schemas.openxmlformats.org/presentationml/2006/main">
-  <p:cSld>
-    <p:spTree>
-      <p:nvGrpSpPr>
-        <p:cNvPr id="1" name=""/>
-        <p:cNvGrpSpPr/>
-        <p:nvPr/>
-      </p:nvGrpSpPr>
-      <p:grpSpPr>
-        <a:xfrm>
-          <a:off x="0" y="0"/>
-          <a:ext cx="0" cy="0"/>
-          <a:chOff x="0" y="0"/>
-          <a:chExt cx="0" cy="0"/>
-        </a:xfrm>
-      </p:grpSpPr>
-      <p:sp>
-        <p:nvSpPr>
-          <p:cNvPr id="7" name="Title 6"/>
-          <p:cNvSpPr>
-            <a:spLocks noGrp="1"/>
-          </p:cNvSpPr>
-          <p:nvPr>
-            <p:ph type="title"/>
-          </p:nvPr>
-        </p:nvSpPr>
-        <p:spPr/>
-        <p:txBody>
-          <a:bodyPr/>
-          <a:lstStyle/>
-          <a:p>
-            <a:r>
-              <a:rPr lang="en-US" dirty="0" smtClean="0"/>
-              <a:t>Code</a:t>
-            </a:r>
-            <a:endParaRPr lang="en-US" dirty="0"/>
-          </a:p>
-        </p:txBody>
-      </p:sp>
-    </p:spTree>
-    <p:extLst>
-      <p:ext uri="{BB962C8B-B14F-4D97-AF65-F5344CB8AC3E}">
-        <p14:creationId xmlns:p14="http://schemas.microsoft.com/office/powerpoint/2010/main" val="1924640258"/>
-      </p:ext>
-    </p:extLst>
-  </p:cSld>
-  <p:clrMapOvr>
-    <a:masterClrMapping/>
-  </p:clrMapOvr>
-  <mc:AlternateContent xmlns:mc="http://schemas.openxmlformats.org/markup-compatibility/2006" xmlns:p14="http://schemas.microsoft.com/office/powerpoint/2010/main">
-    <mc:Choice Requires="p14">
-      <p:transition spd="med" p14:dur="700">
-        <p:fade/>
-      </p:transition>
-    </mc:Choice>
-    <mc:Fallback xmlns="">
-      <p:transition spd="med">
-        <p:fade/>
-      </p:transition>
-    </mc:Fallback>
-  </mc:AlternateContent>
-  <p:timing>
-    <p:tnLst>
-      <p:par>
-        <p:cTn id="1" dur="indefinite" restart="never" nodeType="tmRoot"/>
-      </p:par>
-    </p:tnLst>
-  </p:timing>
-</p:sld>
-</file>
-
 <file path=ppt/slides/slide2.xml><?xml version="1.0" encoding="utf-8"?>
 <p:sld xmlns:a="http://schemas.openxmlformats.org/drawingml/2006/main" xmlns:r="http://schemas.openxmlformats.org/officeDocument/2006/relationships" xmlns:p="http://schemas.openxmlformats.org/presentationml/2006/main">
   <p:cSld>
@@ -16587,7 +17305,7 @@
       </p:grpSpPr>
       <p:sp>
         <p:nvSpPr>
-          <p:cNvPr id="5" name="Title 4"/>
+          <p:cNvPr id="7" name="Title 6"/>
           <p:cNvSpPr>
             <a:spLocks noGrp="1"/>
           </p:cNvSpPr>
@@ -16595,161 +17313,23 @@
             <p:ph type="title"/>
           </p:nvPr>
         </p:nvSpPr>
-        <p:spPr>
-          <a:xfrm>
-            <a:off x="217714" y="681896"/>
-            <a:ext cx="2792905" cy="582083"/>
-          </a:xfrm>
-        </p:spPr>
+        <p:spPr/>
         <p:txBody>
           <a:bodyPr/>
           <a:lstStyle/>
           <a:p>
             <a:r>
               <a:rPr lang="en-US" dirty="0" smtClean="0"/>
-              <a:t>Reporters/Approvers</a:t>
+              <a:t>Code</a:t>
             </a:r>
             <a:endParaRPr lang="en-US" dirty="0"/>
           </a:p>
         </p:txBody>
       </p:sp>
-      <p:sp>
-        <p:nvSpPr>
-          <p:cNvPr id="9" name="Picture Placeholder 8"/>
-          <p:cNvSpPr>
-            <a:spLocks noGrp="1"/>
-          </p:cNvSpPr>
-          <p:nvPr>
-            <p:ph type="pic" sz="quarter" idx="10"/>
-          </p:nvPr>
-        </p:nvSpPr>
-        <p:spPr/>
-      </p:sp>
-      <p:sp>
-        <p:nvSpPr>
-          <p:cNvPr id="8" name="Text Placeholder 7"/>
-          <p:cNvSpPr>
-            <a:spLocks noGrp="1"/>
-          </p:cNvSpPr>
-          <p:nvPr>
-            <p:ph type="body" sz="quarter" idx="25"/>
-          </p:nvPr>
-        </p:nvSpPr>
-        <p:spPr/>
-        <p:txBody>
-          <a:bodyPr/>
-          <a:lstStyle/>
-          <a:p>
-            <a:r>
-              <a:rPr lang="en-US" smtClean="0"/>
-              <a:t>Approval Tests</a:t>
-            </a:r>
-            <a:endParaRPr lang="en-US" dirty="0"/>
-          </a:p>
-        </p:txBody>
-      </p:sp>
-      <p:sp>
-        <p:nvSpPr>
-          <p:cNvPr id="2" name="Content Placeholder 1"/>
-          <p:cNvSpPr>
-            <a:spLocks noGrp="1"/>
-          </p:cNvSpPr>
-          <p:nvPr>
-            <p:ph idx="1"/>
-          </p:nvPr>
-        </p:nvSpPr>
-        <p:spPr>
-          <a:xfrm>
-            <a:off x="293298" y="1335907"/>
-            <a:ext cx="2725948" cy="3812893"/>
-          </a:xfrm>
-        </p:spPr>
-        <p:txBody>
-          <a:bodyPr/>
-          <a:lstStyle/>
-          <a:p>
-            <a:r>
-              <a:rPr lang="en-US" dirty="0" err="1" smtClean="0">
-                <a:solidFill>
-                  <a:srgbClr val="FFFFFF"/>
-                </a:solidFill>
-              </a:rPr>
-              <a:t>DiffReporter</a:t>
-            </a:r>
-            <a:endParaRPr lang="en-US" dirty="0" smtClean="0">
-              <a:solidFill>
-                <a:srgbClr val="FFFFFF"/>
-              </a:solidFill>
-            </a:endParaRPr>
-          </a:p>
-          <a:p>
-            <a:pPr lvl="1"/>
-            <a:r>
-              <a:rPr lang="en-US" dirty="0" smtClean="0">
-                <a:solidFill>
-                  <a:schemeClr val="tx2"/>
-                </a:solidFill>
-              </a:rPr>
-              <a:t>Using JSON Serialization</a:t>
-            </a:r>
-          </a:p>
-          <a:p>
-            <a:r>
-              <a:rPr lang="en-US" dirty="0" err="1" smtClean="0"/>
-              <a:t>FileLauncherReporter</a:t>
-            </a:r>
-            <a:endParaRPr lang="en-US" dirty="0" smtClean="0"/>
-          </a:p>
-          <a:p>
-            <a:pPr marL="285750" lvl="1"/>
-            <a:r>
-              <a:rPr lang="en-US" dirty="0">
-                <a:solidFill>
-                  <a:schemeClr val="tx2"/>
-                </a:solidFill>
-              </a:rPr>
-              <a:t>Html verification</a:t>
-            </a:r>
-          </a:p>
-          <a:p>
-            <a:endParaRPr lang="en-US" dirty="0" smtClean="0"/>
-          </a:p>
-          <a:p>
-            <a:endParaRPr lang="en-US" dirty="0" smtClean="0"/>
-          </a:p>
-          <a:p>
-            <a:endParaRPr lang="en-US" dirty="0" smtClean="0"/>
-          </a:p>
-        </p:txBody>
-      </p:sp>
-      <p:pic>
-        <p:nvPicPr>
-          <p:cNvPr id="3" name="Picture 2"/>
-          <p:cNvPicPr>
-            <a:picLocks noChangeAspect="1"/>
-          </p:cNvPicPr>
-          <p:nvPr/>
-        </p:nvPicPr>
-        <p:blipFill>
-          <a:blip r:embed="rId3"/>
-          <a:stretch>
-            <a:fillRect/>
-          </a:stretch>
-        </p:blipFill>
-        <p:spPr>
-          <a:xfrm>
-            <a:off x="3302480" y="1335907"/>
-            <a:ext cx="5762240" cy="2177087"/>
-          </a:xfrm>
-          <a:prstGeom prst="rect">
-            <a:avLst/>
-          </a:prstGeom>
-        </p:spPr>
-      </p:pic>
     </p:spTree>
     <p:extLst>
       <p:ext uri="{BB962C8B-B14F-4D97-AF65-F5344CB8AC3E}">
-        <p14:creationId xmlns:p14="http://schemas.microsoft.com/office/powerpoint/2010/main" val="3633871917"/>
+        <p14:creationId xmlns:p14="http://schemas.microsoft.com/office/powerpoint/2010/main" val="1924640258"/>
       </p:ext>
     </p:extLst>
   </p:cSld>
@@ -16797,7 +17377,7 @@
       </p:grpSpPr>
       <p:sp>
         <p:nvSpPr>
-          <p:cNvPr id="13" name="Title 4"/>
+          <p:cNvPr id="5" name="Title 4"/>
           <p:cNvSpPr>
             <a:spLocks noGrp="1"/>
           </p:cNvSpPr>
@@ -16807,8 +17387,8 @@
         </p:nvSpPr>
         <p:spPr>
           <a:xfrm>
-            <a:off x="273051" y="681896"/>
-            <a:ext cx="2807428" cy="582083"/>
+            <a:off x="217714" y="681896"/>
+            <a:ext cx="2792905" cy="582083"/>
           </a:xfrm>
         </p:spPr>
         <p:txBody>
@@ -16825,7 +17405,7 @@
       </p:sp>
       <p:sp>
         <p:nvSpPr>
-          <p:cNvPr id="14" name="Picture Placeholder 8"/>
+          <p:cNvPr id="9" name="Picture Placeholder 8"/>
           <p:cNvSpPr>
             <a:spLocks noGrp="1"/>
           </p:cNvSpPr>
@@ -16833,16 +17413,11 @@
             <p:ph type="pic" sz="quarter" idx="10"/>
           </p:nvPr>
         </p:nvSpPr>
-        <p:spPr>
-          <a:xfrm>
-            <a:off x="3276600" y="0"/>
-            <a:ext cx="5867400" cy="5715000"/>
-          </a:xfrm>
-        </p:spPr>
-      </p:sp>
-      <p:sp>
-        <p:nvSpPr>
-          <p:cNvPr id="15" name="Text Placeholder 7"/>
+        <p:spPr/>
+      </p:sp>
+      <p:sp>
+        <p:nvSpPr>
+          <p:cNvPr id="8" name="Text Placeholder 7"/>
           <p:cNvSpPr>
             <a:spLocks noGrp="1"/>
           </p:cNvSpPr>
@@ -16850,12 +17425,7 @@
             <p:ph type="body" sz="quarter" idx="25"/>
           </p:nvPr>
         </p:nvSpPr>
-        <p:spPr>
-          <a:xfrm>
-            <a:off x="298929" y="475194"/>
-            <a:ext cx="2694437" cy="258532"/>
-          </a:xfrm>
-        </p:spPr>
+        <p:spPr/>
         <p:txBody>
           <a:bodyPr/>
           <a:lstStyle/>
@@ -16870,7 +17440,7 @@
       </p:sp>
       <p:sp>
         <p:nvSpPr>
-          <p:cNvPr id="16" name="Content Placeholder 1"/>
+          <p:cNvPr id="2" name="Content Placeholder 1"/>
           <p:cNvSpPr>
             <a:spLocks noGrp="1"/>
           </p:cNvSpPr>
@@ -16889,15 +17459,23 @@
           <a:lstStyle/>
           <a:p>
             <a:r>
-              <a:rPr lang="en-US" dirty="0" err="1"/>
+              <a:rPr lang="en-US" dirty="0" err="1" smtClean="0">
+                <a:solidFill>
+                  <a:srgbClr val="FFFFFF"/>
+                </a:solidFill>
+              </a:rPr>
               <a:t>DiffReporter</a:t>
             </a:r>
-            <a:endParaRPr lang="en-US" dirty="0"/>
+            <a:endParaRPr lang="en-US" dirty="0" smtClean="0">
+              <a:solidFill>
+                <a:srgbClr val="FFFFFF"/>
+              </a:solidFill>
+            </a:endParaRPr>
           </a:p>
           <a:p>
             <a:pPr lvl="1"/>
             <a:r>
-              <a:rPr lang="en-US" dirty="0">
+              <a:rPr lang="en-US" dirty="0" smtClean="0">
                 <a:solidFill>
                   <a:schemeClr val="tx2"/>
                 </a:solidFill>
@@ -16907,29 +17485,27 @@
           </a:p>
           <a:p>
             <a:r>
-              <a:rPr lang="en-US" dirty="0" err="1" smtClean="0">
-                <a:solidFill>
-                  <a:schemeClr val="bg1"/>
-                </a:solidFill>
-              </a:rPr>
+              <a:rPr lang="en-US" dirty="0" err="1" smtClean="0"/>
               <a:t>FileLauncherReporter</a:t>
             </a:r>
-            <a:endParaRPr lang="en-US" dirty="0" smtClean="0">
-              <a:solidFill>
-                <a:schemeClr val="bg1"/>
-              </a:solidFill>
-            </a:endParaRPr>
-          </a:p>
-          <a:p>
-            <a:pPr lvl="1"/>
-            <a:r>
-              <a:rPr lang="en-US" dirty="0" smtClean="0">
+            <a:endParaRPr lang="en-US" dirty="0" smtClean="0"/>
+          </a:p>
+          <a:p>
+            <a:pPr marL="285750" lvl="1"/>
+            <a:r>
+              <a:rPr lang="en-US" dirty="0">
                 <a:solidFill>
                   <a:schemeClr val="tx2"/>
                 </a:solidFill>
               </a:rPr>
               <a:t>Html verification</a:t>
             </a:r>
+          </a:p>
+          <a:p>
+            <a:endParaRPr lang="en-US" dirty="0" smtClean="0"/>
+          </a:p>
+          <a:p>
+            <a:endParaRPr lang="en-US" dirty="0" smtClean="0"/>
           </a:p>
           <a:p>
             <a:endParaRPr lang="en-US" dirty="0" smtClean="0"/>
@@ -16952,8 +17528,8 @@
         </p:blipFill>
         <p:spPr>
           <a:xfrm>
-            <a:off x="3302480" y="1990725"/>
-            <a:ext cx="5698316" cy="1299616"/>
+            <a:off x="3302480" y="1335907"/>
+            <a:ext cx="5762240" cy="2177087"/>
           </a:xfrm>
           <a:prstGeom prst="rect">
             <a:avLst/>
@@ -16963,7 +17539,7 @@
     </p:spTree>
     <p:extLst>
       <p:ext uri="{BB962C8B-B14F-4D97-AF65-F5344CB8AC3E}">
-        <p14:creationId xmlns:p14="http://schemas.microsoft.com/office/powerpoint/2010/main" val="1617385961"/>
+        <p14:creationId xmlns:p14="http://schemas.microsoft.com/office/powerpoint/2010/main" val="3633871917"/>
       </p:ext>
     </p:extLst>
   </p:cSld>
@@ -17011,7 +17587,7 @@
       </p:grpSpPr>
       <p:sp>
         <p:nvSpPr>
-          <p:cNvPr id="7" name="Title 6"/>
+          <p:cNvPr id="13" name="Title 4"/>
           <p:cNvSpPr>
             <a:spLocks noGrp="1"/>
           </p:cNvSpPr>
@@ -17019,23 +17595,165 @@
             <p:ph type="title"/>
           </p:nvPr>
         </p:nvSpPr>
-        <p:spPr/>
+        <p:spPr>
+          <a:xfrm>
+            <a:off x="273051" y="681896"/>
+            <a:ext cx="2807428" cy="582083"/>
+          </a:xfrm>
+        </p:spPr>
         <p:txBody>
           <a:bodyPr/>
           <a:lstStyle/>
           <a:p>
             <a:r>
               <a:rPr lang="en-US" dirty="0" smtClean="0"/>
-              <a:t>Code</a:t>
+              <a:t>Reporters/Approvers</a:t>
             </a:r>
             <a:endParaRPr lang="en-US" dirty="0"/>
           </a:p>
         </p:txBody>
       </p:sp>
+      <p:sp>
+        <p:nvSpPr>
+          <p:cNvPr id="14" name="Picture Placeholder 8"/>
+          <p:cNvSpPr>
+            <a:spLocks noGrp="1"/>
+          </p:cNvSpPr>
+          <p:nvPr>
+            <p:ph type="pic" sz="quarter" idx="10"/>
+          </p:nvPr>
+        </p:nvSpPr>
+        <p:spPr>
+          <a:xfrm>
+            <a:off x="3276600" y="0"/>
+            <a:ext cx="5867400" cy="5715000"/>
+          </a:xfrm>
+        </p:spPr>
+      </p:sp>
+      <p:sp>
+        <p:nvSpPr>
+          <p:cNvPr id="15" name="Text Placeholder 7"/>
+          <p:cNvSpPr>
+            <a:spLocks noGrp="1"/>
+          </p:cNvSpPr>
+          <p:nvPr>
+            <p:ph type="body" sz="quarter" idx="25"/>
+          </p:nvPr>
+        </p:nvSpPr>
+        <p:spPr>
+          <a:xfrm>
+            <a:off x="298929" y="475194"/>
+            <a:ext cx="2694437" cy="258532"/>
+          </a:xfrm>
+        </p:spPr>
+        <p:txBody>
+          <a:bodyPr/>
+          <a:lstStyle/>
+          <a:p>
+            <a:r>
+              <a:rPr lang="en-US" smtClean="0"/>
+              <a:t>Approval Tests</a:t>
+            </a:r>
+            <a:endParaRPr lang="en-US" dirty="0"/>
+          </a:p>
+        </p:txBody>
+      </p:sp>
+      <p:sp>
+        <p:nvSpPr>
+          <p:cNvPr id="16" name="Content Placeholder 1"/>
+          <p:cNvSpPr>
+            <a:spLocks noGrp="1"/>
+          </p:cNvSpPr>
+          <p:nvPr>
+            <p:ph idx="1"/>
+          </p:nvPr>
+        </p:nvSpPr>
+        <p:spPr>
+          <a:xfrm>
+            <a:off x="293298" y="1335907"/>
+            <a:ext cx="2725948" cy="3812893"/>
+          </a:xfrm>
+        </p:spPr>
+        <p:txBody>
+          <a:bodyPr/>
+          <a:lstStyle/>
+          <a:p>
+            <a:r>
+              <a:rPr lang="en-US" dirty="0" err="1"/>
+              <a:t>DiffReporter</a:t>
+            </a:r>
+            <a:endParaRPr lang="en-US" dirty="0"/>
+          </a:p>
+          <a:p>
+            <a:pPr lvl="1"/>
+            <a:r>
+              <a:rPr lang="en-US" dirty="0">
+                <a:solidFill>
+                  <a:schemeClr val="tx2"/>
+                </a:solidFill>
+              </a:rPr>
+              <a:t>Using JSON Serialization</a:t>
+            </a:r>
+          </a:p>
+          <a:p>
+            <a:r>
+              <a:rPr lang="en-US" dirty="0" err="1" smtClean="0">
+                <a:solidFill>
+                  <a:schemeClr val="bg1"/>
+                </a:solidFill>
+              </a:rPr>
+              <a:t>FileLauncherReporter</a:t>
+            </a:r>
+            <a:endParaRPr lang="en-US" dirty="0" smtClean="0">
+              <a:solidFill>
+                <a:schemeClr val="bg1"/>
+              </a:solidFill>
+            </a:endParaRPr>
+          </a:p>
+          <a:p>
+            <a:pPr lvl="1"/>
+            <a:r>
+              <a:rPr lang="en-US" dirty="0" smtClean="0">
+                <a:solidFill>
+                  <a:schemeClr val="tx2"/>
+                </a:solidFill>
+              </a:rPr>
+              <a:t>Html verification</a:t>
+            </a:r>
+          </a:p>
+          <a:p>
+            <a:endParaRPr lang="en-US" dirty="0" smtClean="0"/>
+          </a:p>
+        </p:txBody>
+      </p:sp>
+      <p:pic>
+        <p:nvPicPr>
+          <p:cNvPr id="3" name="Picture 2"/>
+          <p:cNvPicPr>
+            <a:picLocks noChangeAspect="1"/>
+          </p:cNvPicPr>
+          <p:nvPr/>
+        </p:nvPicPr>
+        <p:blipFill>
+          <a:blip r:embed="rId3"/>
+          <a:stretch>
+            <a:fillRect/>
+          </a:stretch>
+        </p:blipFill>
+        <p:spPr>
+          <a:xfrm>
+            <a:off x="3302480" y="1990725"/>
+            <a:ext cx="5698316" cy="1299616"/>
+          </a:xfrm>
+          <a:prstGeom prst="rect">
+            <a:avLst/>
+          </a:prstGeom>
+        </p:spPr>
+      </p:pic>
     </p:spTree>
     <p:extLst>
       <p:ext uri="{BB962C8B-B14F-4D97-AF65-F5344CB8AC3E}">
-        <p14:creationId xmlns:p14="http://schemas.microsoft.com/office/powerpoint/2010/main" val="2162080867"/>
+        <p14:creationId xmlns:p14="http://schemas.microsoft.com/office/powerpoint/2010/main" val="1617385961"/>
       </p:ext>
     </p:extLst>
   </p:cSld>
@@ -17083,6 +17801,78 @@
       </p:grpSpPr>
       <p:sp>
         <p:nvSpPr>
+          <p:cNvPr id="7" name="Title 6"/>
+          <p:cNvSpPr>
+            <a:spLocks noGrp="1"/>
+          </p:cNvSpPr>
+          <p:nvPr>
+            <p:ph type="title"/>
+          </p:nvPr>
+        </p:nvSpPr>
+        <p:spPr/>
+        <p:txBody>
+          <a:bodyPr/>
+          <a:lstStyle/>
+          <a:p>
+            <a:r>
+              <a:rPr lang="en-US" dirty="0" smtClean="0"/>
+              <a:t>Code</a:t>
+            </a:r>
+            <a:endParaRPr lang="en-US" dirty="0"/>
+          </a:p>
+        </p:txBody>
+      </p:sp>
+    </p:spTree>
+    <p:extLst>
+      <p:ext uri="{BB962C8B-B14F-4D97-AF65-F5344CB8AC3E}">
+        <p14:creationId xmlns:p14="http://schemas.microsoft.com/office/powerpoint/2010/main" val="2162080867"/>
+      </p:ext>
+    </p:extLst>
+  </p:cSld>
+  <p:clrMapOvr>
+    <a:masterClrMapping/>
+  </p:clrMapOvr>
+  <mc:AlternateContent xmlns:mc="http://schemas.openxmlformats.org/markup-compatibility/2006" xmlns:p14="http://schemas.microsoft.com/office/powerpoint/2010/main">
+    <mc:Choice Requires="p14">
+      <p:transition spd="med" p14:dur="700">
+        <p:fade/>
+      </p:transition>
+    </mc:Choice>
+    <mc:Fallback xmlns="">
+      <p:transition spd="med">
+        <p:fade/>
+      </p:transition>
+    </mc:Fallback>
+  </mc:AlternateContent>
+  <p:timing>
+    <p:tnLst>
+      <p:par>
+        <p:cTn id="1" dur="indefinite" restart="never" nodeType="tmRoot"/>
+      </p:par>
+    </p:tnLst>
+  </p:timing>
+</p:sld>
+</file>
+
+<file path=ppt/slides/slide24.xml><?xml version="1.0" encoding="utf-8"?>
+<p:sld xmlns:a="http://schemas.openxmlformats.org/drawingml/2006/main" xmlns:r="http://schemas.openxmlformats.org/officeDocument/2006/relationships" xmlns:p="http://schemas.openxmlformats.org/presentationml/2006/main">
+  <p:cSld>
+    <p:spTree>
+      <p:nvGrpSpPr>
+        <p:cNvPr id="1" name=""/>
+        <p:cNvGrpSpPr/>
+        <p:nvPr/>
+      </p:nvGrpSpPr>
+      <p:grpSpPr>
+        <a:xfrm>
+          <a:off x="0" y="0"/>
+          <a:ext cx="0" cy="0"/>
+          <a:chOff x="0" y="0"/>
+          <a:chExt cx="0" cy="0"/>
+        </a:xfrm>
+      </p:grpSpPr>
+      <p:sp>
+        <p:nvSpPr>
           <p:cNvPr id="5" name="Title 4"/>
           <p:cNvSpPr>
             <a:spLocks noGrp="1"/>
@@ -17265,7 +18055,7 @@
 </p:sld>
 </file>
 
-<file path=ppt/slides/slide24.xml><?xml version="1.0" encoding="utf-8"?>
+<file path=ppt/slides/slide25.xml><?xml version="1.0" encoding="utf-8"?>
 <p:sld xmlns:a="http://schemas.openxmlformats.org/drawingml/2006/main" xmlns:r="http://schemas.openxmlformats.org/officeDocument/2006/relationships" xmlns:p="http://schemas.openxmlformats.org/presentationml/2006/main">
   <p:cSld>
     <p:spTree>
@@ -17461,7 +18251,7 @@
 </p:sld>
 </file>
 
-<file path=ppt/slides/slide25.xml><?xml version="1.0" encoding="utf-8"?>
+<file path=ppt/slides/slide26.xml><?xml version="1.0" encoding="utf-8"?>
 <p:sld xmlns:a="http://schemas.openxmlformats.org/drawingml/2006/main" xmlns:r="http://schemas.openxmlformats.org/officeDocument/2006/relationships" xmlns:p="http://schemas.openxmlformats.org/presentationml/2006/main">
   <p:cSld>
     <p:spTree>
@@ -17796,7 +18586,7 @@
 </p:sld>
 </file>
 
-<file path=ppt/slides/slide26.xml><?xml version="1.0" encoding="utf-8"?>
+<file path=ppt/slides/slide27.xml><?xml version="1.0" encoding="utf-8"?>
 <p:sld xmlns:a="http://schemas.openxmlformats.org/drawingml/2006/main" xmlns:r="http://schemas.openxmlformats.org/officeDocument/2006/relationships" xmlns:p="http://schemas.openxmlformats.org/presentationml/2006/main">
   <p:cSld>
     <p:spTree>
@@ -17868,7 +18658,7 @@
 </p:sld>
 </file>
 
-<file path=ppt/slides/slide27.xml><?xml version="1.0" encoding="utf-8"?>
+<file path=ppt/slides/slide28.xml><?xml version="1.0" encoding="utf-8"?>
 <p:sld xmlns:a="http://schemas.openxmlformats.org/drawingml/2006/main" xmlns:r="http://schemas.openxmlformats.org/officeDocument/2006/relationships" xmlns:p="http://schemas.openxmlformats.org/presentationml/2006/main">
   <p:cSld>
     <p:spTree>
@@ -18041,7 +18831,7 @@
 </p:sld>
 </file>
 
-<file path=ppt/slides/slide28.xml><?xml version="1.0" encoding="utf-8"?>
+<file path=ppt/slides/slide29.xml><?xml version="1.0" encoding="utf-8"?>
 <p:sld xmlns:a="http://schemas.openxmlformats.org/drawingml/2006/main" xmlns:r="http://schemas.openxmlformats.org/officeDocument/2006/relationships" xmlns:p="http://schemas.openxmlformats.org/presentationml/2006/main">
   <p:cSld>
     <p:spTree>
@@ -18113,7 +18903,833 @@
 </p:sld>
 </file>
 
-<file path=ppt/slides/slide29.xml><?xml version="1.0" encoding="utf-8"?>
+<file path=ppt/slides/slide3.xml><?xml version="1.0" encoding="utf-8"?>
+<p:sld xmlns:a="http://schemas.openxmlformats.org/drawingml/2006/main" xmlns:r="http://schemas.openxmlformats.org/officeDocument/2006/relationships" xmlns:p="http://schemas.openxmlformats.org/presentationml/2006/main">
+  <p:cSld>
+    <p:spTree>
+      <p:nvGrpSpPr>
+        <p:cNvPr id="1" name=""/>
+        <p:cNvGrpSpPr/>
+        <p:nvPr/>
+      </p:nvGrpSpPr>
+      <p:grpSpPr>
+        <a:xfrm>
+          <a:off x="0" y="0"/>
+          <a:ext cx="0" cy="0"/>
+          <a:chOff x="0" y="0"/>
+          <a:chExt cx="0" cy="0"/>
+        </a:xfrm>
+      </p:grpSpPr>
+      <p:pic>
+        <p:nvPicPr>
+          <p:cNvPr id="12" name="Picture 11"/>
+          <p:cNvPicPr>
+            <a:picLocks noChangeAspect="1"/>
+          </p:cNvPicPr>
+          <p:nvPr/>
+        </p:nvPicPr>
+        <p:blipFill>
+          <a:blip r:embed="rId3">
+            <a:extLst>
+              <a:ext uri="{28A0092B-C50C-407E-A947-70E740481C1C}">
+                <a14:useLocalDpi xmlns:a14="http://schemas.microsoft.com/office/drawing/2010/main" val="0"/>
+              </a:ext>
+            </a:extLst>
+          </a:blip>
+          <a:stretch>
+            <a:fillRect/>
+          </a:stretch>
+        </p:blipFill>
+        <p:spPr>
+          <a:xfrm>
+            <a:off x="19050" y="0"/>
+            <a:ext cx="9105900" cy="5715000"/>
+          </a:xfrm>
+          <a:prstGeom prst="rect">
+            <a:avLst/>
+          </a:prstGeom>
+        </p:spPr>
+      </p:pic>
+      <p:sp>
+        <p:nvSpPr>
+          <p:cNvPr id="2" name="Title 1"/>
+          <p:cNvSpPr>
+            <a:spLocks noGrp="1"/>
+          </p:cNvSpPr>
+          <p:nvPr>
+            <p:ph type="title"/>
+          </p:nvPr>
+        </p:nvSpPr>
+        <p:spPr/>
+        <p:txBody>
+          <a:bodyPr/>
+          <a:lstStyle/>
+          <a:p>
+            <a:r>
+              <a:rPr lang="en-US" dirty="0" smtClean="0"/>
+              <a:t>Approval </a:t>
+            </a:r>
+            <a:r>
+              <a:rPr lang="en-US" dirty="0" smtClean="0"/>
+              <a:t>Test </a:t>
+            </a:r>
+            <a:r>
+              <a:rPr lang="en-US" dirty="0" smtClean="0"/>
+              <a:t>/ </a:t>
+            </a:r>
+            <a:r>
+              <a:rPr lang="en-US" dirty="0" err="1" smtClean="0"/>
+              <a:t>AutoFixture</a:t>
+            </a:r>
+            <a:r>
+              <a:rPr lang="en-US" dirty="0" smtClean="0"/>
+              <a:t>/ </a:t>
+            </a:r>
+            <a:r>
+              <a:rPr lang="en-US" dirty="0" err="1" smtClean="0"/>
+              <a:t>AutoMoq</a:t>
+            </a:r>
+            <a:endParaRPr lang="en-US" dirty="0"/>
+          </a:p>
+        </p:txBody>
+      </p:sp>
+      <p:sp>
+        <p:nvSpPr>
+          <p:cNvPr id="3" name="Content Placeholder 2"/>
+          <p:cNvSpPr>
+            <a:spLocks noGrp="1"/>
+          </p:cNvSpPr>
+          <p:nvPr>
+            <p:ph idx="1"/>
+          </p:nvPr>
+        </p:nvSpPr>
+        <p:spPr>
+          <a:xfrm>
+            <a:off x="293297" y="1492980"/>
+            <a:ext cx="8531525" cy="4211493"/>
+          </a:xfrm>
+        </p:spPr>
+        <p:txBody>
+          <a:bodyPr>
+            <a:normAutofit/>
+          </a:bodyPr>
+          <a:lstStyle/>
+          <a:p>
+            <a:pPr>
+              <a:lnSpc>
+                <a:spcPct val="100000"/>
+              </a:lnSpc>
+              <a:spcBef>
+                <a:spcPts val="0"/>
+              </a:spcBef>
+            </a:pPr>
+            <a:r>
+              <a:rPr lang="en-US" dirty="0" smtClean="0"/>
+              <a:t>Introduction</a:t>
+            </a:r>
+          </a:p>
+          <a:p>
+            <a:pPr>
+              <a:lnSpc>
+                <a:spcPct val="100000"/>
+              </a:lnSpc>
+              <a:spcBef>
+                <a:spcPts val="1200"/>
+              </a:spcBef>
+            </a:pPr>
+            <a:r>
+              <a:rPr lang="en-US" dirty="0" smtClean="0"/>
+              <a:t>Persistence / View Model Mapping</a:t>
+            </a:r>
+          </a:p>
+          <a:p>
+            <a:pPr>
+              <a:lnSpc>
+                <a:spcPct val="100000"/>
+              </a:lnSpc>
+              <a:spcBef>
+                <a:spcPts val="1200"/>
+              </a:spcBef>
+            </a:pPr>
+            <a:r>
+              <a:rPr lang="en-US" dirty="0" smtClean="0"/>
+              <a:t>Unit testing auto projection (mapping)</a:t>
+            </a:r>
+          </a:p>
+          <a:p>
+            <a:pPr lvl="1">
+              <a:lnSpc>
+                <a:spcPct val="100000"/>
+              </a:lnSpc>
+              <a:spcBef>
+                <a:spcPts val="0"/>
+              </a:spcBef>
+            </a:pPr>
+            <a:r>
+              <a:rPr lang="en-US" dirty="0" smtClean="0"/>
+              <a:t>Manual Asserts vs. Approval Test</a:t>
+            </a:r>
+          </a:p>
+          <a:p>
+            <a:pPr>
+              <a:lnSpc>
+                <a:spcPct val="100000"/>
+              </a:lnSpc>
+              <a:spcBef>
+                <a:spcPts val="1200"/>
+              </a:spcBef>
+            </a:pPr>
+            <a:r>
+              <a:rPr lang="en-US" dirty="0" smtClean="0"/>
+              <a:t>What are Approval Tests</a:t>
+            </a:r>
+          </a:p>
+          <a:p>
+            <a:pPr lvl="1">
+              <a:lnSpc>
+                <a:spcPct val="100000"/>
+              </a:lnSpc>
+              <a:spcBef>
+                <a:spcPts val="0"/>
+              </a:spcBef>
+            </a:pPr>
+            <a:r>
+              <a:rPr lang="en-US" dirty="0" smtClean="0"/>
+              <a:t>How are they used? Why they are useful?</a:t>
+            </a:r>
+          </a:p>
+          <a:p>
+            <a:pPr>
+              <a:lnSpc>
+                <a:spcPct val="100000"/>
+              </a:lnSpc>
+              <a:spcBef>
+                <a:spcPts val="1200"/>
+              </a:spcBef>
+            </a:pPr>
+            <a:r>
+              <a:rPr lang="en-US" dirty="0" smtClean="0"/>
+              <a:t>How to install them</a:t>
+            </a:r>
+          </a:p>
+          <a:p>
+            <a:pPr>
+              <a:lnSpc>
+                <a:spcPct val="100000"/>
+              </a:lnSpc>
+              <a:spcBef>
+                <a:spcPts val="1200"/>
+              </a:spcBef>
+            </a:pPr>
+            <a:r>
+              <a:rPr lang="en-US" dirty="0" smtClean="0"/>
+              <a:t>Introduction to </a:t>
+            </a:r>
+            <a:r>
+              <a:rPr lang="en-US" dirty="0" err="1" smtClean="0"/>
+              <a:t>AutoFixture</a:t>
+            </a:r>
+            <a:endParaRPr lang="en-US" dirty="0" smtClean="0"/>
+          </a:p>
+          <a:p>
+            <a:pPr>
+              <a:lnSpc>
+                <a:spcPct val="100000"/>
+              </a:lnSpc>
+              <a:spcBef>
+                <a:spcPts val="1200"/>
+              </a:spcBef>
+            </a:pPr>
+            <a:r>
+              <a:rPr lang="en-US" dirty="0" smtClean="0"/>
+              <a:t>Reporters</a:t>
+            </a:r>
+          </a:p>
+          <a:p>
+            <a:pPr lvl="1">
+              <a:lnSpc>
+                <a:spcPct val="100000"/>
+              </a:lnSpc>
+              <a:spcBef>
+                <a:spcPts val="0"/>
+              </a:spcBef>
+            </a:pPr>
+            <a:r>
+              <a:rPr lang="en-US" dirty="0" smtClean="0"/>
+              <a:t>JSON Reporter</a:t>
+            </a:r>
+          </a:p>
+          <a:p>
+            <a:pPr lvl="1">
+              <a:lnSpc>
+                <a:spcPct val="100000"/>
+              </a:lnSpc>
+              <a:spcBef>
+                <a:spcPts val="0"/>
+              </a:spcBef>
+            </a:pPr>
+            <a:r>
+              <a:rPr lang="en-US" dirty="0" smtClean="0"/>
+              <a:t>HTML Reporter</a:t>
+            </a:r>
+          </a:p>
+          <a:p>
+            <a:pPr lvl="2">
+              <a:lnSpc>
+                <a:spcPct val="100000"/>
+              </a:lnSpc>
+              <a:spcBef>
+                <a:spcPts val="0"/>
+              </a:spcBef>
+            </a:pPr>
+            <a:endParaRPr lang="en-US" dirty="0" smtClean="0"/>
+          </a:p>
+          <a:p>
+            <a:pPr>
+              <a:lnSpc>
+                <a:spcPct val="100000"/>
+              </a:lnSpc>
+              <a:spcBef>
+                <a:spcPts val="0"/>
+              </a:spcBef>
+            </a:pPr>
+            <a:endParaRPr lang="en-US" dirty="0"/>
+          </a:p>
+        </p:txBody>
+      </p:sp>
+      <p:sp>
+        <p:nvSpPr>
+          <p:cNvPr id="9" name="Content Placeholder 2"/>
+          <p:cNvSpPr txBox="1">
+            <a:spLocks/>
+          </p:cNvSpPr>
+          <p:nvPr/>
+        </p:nvSpPr>
+        <p:spPr>
+          <a:xfrm>
+            <a:off x="4445876" y="1492979"/>
+            <a:ext cx="4155573" cy="4211493"/>
+          </a:xfrm>
+          <a:prstGeom prst="rect">
+            <a:avLst/>
+          </a:prstGeom>
+        </p:spPr>
+        <p:txBody>
+          <a:bodyPr vert="horz" lIns="91440" tIns="45720" rIns="91440" bIns="45720" rtlCol="0">
+            <a:normAutofit fontScale="92500" lnSpcReduction="10000"/>
+          </a:bodyPr>
+          <a:lstStyle>
+            <a:lvl1pPr marL="285750" indent="-285750" algn="l" defTabSz="685800" rtl="0" fontAlgn="base">
+              <a:lnSpc>
+                <a:spcPct val="90000"/>
+              </a:lnSpc>
+              <a:spcBef>
+                <a:spcPts val="750"/>
+              </a:spcBef>
+              <a:spcAft>
+                <a:spcPct val="0"/>
+              </a:spcAft>
+              <a:buSzPct val="125000"/>
+              <a:buFontTx/>
+              <a:buBlip>
+                <a:blip r:embed="rId4"/>
+              </a:buBlip>
+              <a:defRPr sz="1600" kern="1200">
+                <a:solidFill>
+                  <a:srgbClr val="F61621"/>
+                </a:solidFill>
+                <a:latin typeface="Calibri" panose="020F0502020204030204" pitchFamily="34" charset="0"/>
+                <a:ea typeface="Roboto Condensed" pitchFamily="2" charset="0"/>
+                <a:cs typeface="+mn-cs"/>
+              </a:defRPr>
+            </a:lvl1pPr>
+            <a:lvl2pPr marL="287338" indent="0" algn="l" defTabSz="685800" rtl="0" fontAlgn="base">
+              <a:lnSpc>
+                <a:spcPct val="90000"/>
+              </a:lnSpc>
+              <a:spcBef>
+                <a:spcPts val="375"/>
+              </a:spcBef>
+              <a:spcAft>
+                <a:spcPct val="0"/>
+              </a:spcAft>
+              <a:buFontTx/>
+              <a:buNone/>
+              <a:tabLst/>
+              <a:defRPr sz="1200" kern="1200">
+                <a:solidFill>
+                  <a:schemeClr val="bg2">
+                    <a:lumMod val="65000"/>
+                  </a:schemeClr>
+                </a:solidFill>
+                <a:latin typeface="Calibri" panose="020F0502020204030204" pitchFamily="34" charset="0"/>
+                <a:ea typeface="Roboto Condensed" pitchFamily="2" charset="0"/>
+                <a:cs typeface="+mn-cs"/>
+              </a:defRPr>
+            </a:lvl2pPr>
+            <a:lvl3pPr marL="287338" indent="0" algn="l" defTabSz="685800" rtl="0" fontAlgn="base">
+              <a:lnSpc>
+                <a:spcPct val="90000"/>
+              </a:lnSpc>
+              <a:spcBef>
+                <a:spcPts val="375"/>
+              </a:spcBef>
+              <a:spcAft>
+                <a:spcPct val="0"/>
+              </a:spcAft>
+              <a:buFontTx/>
+              <a:buNone/>
+              <a:tabLst/>
+              <a:defRPr sz="1100" kern="1200">
+                <a:solidFill>
+                  <a:schemeClr val="bg2">
+                    <a:lumMod val="65000"/>
+                  </a:schemeClr>
+                </a:solidFill>
+                <a:latin typeface="Calibri" panose="020F0502020204030204" pitchFamily="34" charset="0"/>
+                <a:ea typeface="Roboto Condensed" pitchFamily="2" charset="0"/>
+                <a:cs typeface="+mn-cs"/>
+              </a:defRPr>
+            </a:lvl3pPr>
+            <a:lvl4pPr marL="287338" indent="0" algn="l" defTabSz="685800" rtl="0" fontAlgn="base">
+              <a:lnSpc>
+                <a:spcPct val="90000"/>
+              </a:lnSpc>
+              <a:spcBef>
+                <a:spcPts val="375"/>
+              </a:spcBef>
+              <a:spcAft>
+                <a:spcPct val="0"/>
+              </a:spcAft>
+              <a:buFontTx/>
+              <a:buNone/>
+              <a:tabLst/>
+              <a:defRPr sz="1050" kern="1200">
+                <a:solidFill>
+                  <a:schemeClr val="bg2">
+                    <a:lumMod val="65000"/>
+                  </a:schemeClr>
+                </a:solidFill>
+                <a:latin typeface="Calibri" panose="020F0502020204030204" pitchFamily="34" charset="0"/>
+                <a:ea typeface="Roboto Condensed" pitchFamily="2" charset="0"/>
+                <a:cs typeface="+mn-cs"/>
+              </a:defRPr>
+            </a:lvl4pPr>
+            <a:lvl5pPr marL="287338" indent="0" algn="l" defTabSz="685800" rtl="0" fontAlgn="base">
+              <a:lnSpc>
+                <a:spcPct val="90000"/>
+              </a:lnSpc>
+              <a:spcBef>
+                <a:spcPts val="375"/>
+              </a:spcBef>
+              <a:spcAft>
+                <a:spcPct val="0"/>
+              </a:spcAft>
+              <a:buFontTx/>
+              <a:buNone/>
+              <a:tabLst/>
+              <a:defRPr sz="1050" kern="1200">
+                <a:solidFill>
+                  <a:schemeClr val="bg2">
+                    <a:lumMod val="65000"/>
+                  </a:schemeClr>
+                </a:solidFill>
+                <a:latin typeface="Calibri" panose="020F0502020204030204" pitchFamily="34" charset="0"/>
+                <a:ea typeface="Roboto Condensed" pitchFamily="2" charset="0"/>
+                <a:cs typeface="+mn-cs"/>
+              </a:defRPr>
+            </a:lvl5pPr>
+            <a:lvl6pPr marL="1885950" indent="-171450" algn="l" defTabSz="685800" rtl="0" eaLnBrk="1" latinLnBrk="0" hangingPunct="1">
+              <a:lnSpc>
+                <a:spcPct val="90000"/>
+              </a:lnSpc>
+              <a:spcBef>
+                <a:spcPts val="375"/>
+              </a:spcBef>
+              <a:buFont typeface="Arial" panose="020B0604020202020204" pitchFamily="34" charset="0"/>
+              <a:buChar char="•"/>
+              <a:defRPr sz="1350" kern="1200">
+                <a:solidFill>
+                  <a:schemeClr val="tx1"/>
+                </a:solidFill>
+                <a:latin typeface="+mn-lt"/>
+                <a:ea typeface="+mn-ea"/>
+                <a:cs typeface="+mn-cs"/>
+              </a:defRPr>
+            </a:lvl6pPr>
+            <a:lvl7pPr marL="2228850" indent="-171450" algn="l" defTabSz="685800" rtl="0" eaLnBrk="1" latinLnBrk="0" hangingPunct="1">
+              <a:lnSpc>
+                <a:spcPct val="90000"/>
+              </a:lnSpc>
+              <a:spcBef>
+                <a:spcPts val="375"/>
+              </a:spcBef>
+              <a:buFont typeface="Arial" panose="020B0604020202020204" pitchFamily="34" charset="0"/>
+              <a:buChar char="•"/>
+              <a:defRPr sz="1350" kern="1200">
+                <a:solidFill>
+                  <a:schemeClr val="tx1"/>
+                </a:solidFill>
+                <a:latin typeface="+mn-lt"/>
+                <a:ea typeface="+mn-ea"/>
+                <a:cs typeface="+mn-cs"/>
+              </a:defRPr>
+            </a:lvl7pPr>
+            <a:lvl8pPr marL="2571750" indent="-171450" algn="l" defTabSz="685800" rtl="0" eaLnBrk="1" latinLnBrk="0" hangingPunct="1">
+              <a:lnSpc>
+                <a:spcPct val="90000"/>
+              </a:lnSpc>
+              <a:spcBef>
+                <a:spcPts val="375"/>
+              </a:spcBef>
+              <a:buFont typeface="Arial" panose="020B0604020202020204" pitchFamily="34" charset="0"/>
+              <a:buChar char="•"/>
+              <a:defRPr sz="1350" kern="1200">
+                <a:solidFill>
+                  <a:schemeClr val="tx1"/>
+                </a:solidFill>
+                <a:latin typeface="+mn-lt"/>
+                <a:ea typeface="+mn-ea"/>
+                <a:cs typeface="+mn-cs"/>
+              </a:defRPr>
+            </a:lvl8pPr>
+            <a:lvl9pPr marL="2914650" indent="-171450" algn="l" defTabSz="685800" rtl="0" eaLnBrk="1" latinLnBrk="0" hangingPunct="1">
+              <a:lnSpc>
+                <a:spcPct val="90000"/>
+              </a:lnSpc>
+              <a:spcBef>
+                <a:spcPts val="375"/>
+              </a:spcBef>
+              <a:buFont typeface="Arial" panose="020B0604020202020204" pitchFamily="34" charset="0"/>
+              <a:buChar char="•"/>
+              <a:defRPr sz="1350" kern="1200">
+                <a:solidFill>
+                  <a:schemeClr val="tx1"/>
+                </a:solidFill>
+                <a:latin typeface="+mn-lt"/>
+                <a:ea typeface="+mn-ea"/>
+                <a:cs typeface="+mn-cs"/>
+              </a:defRPr>
+            </a:lvl9pPr>
+          </a:lstStyle>
+          <a:p>
+            <a:pPr>
+              <a:lnSpc>
+                <a:spcPct val="100000"/>
+              </a:lnSpc>
+              <a:spcBef>
+                <a:spcPts val="0"/>
+              </a:spcBef>
+            </a:pPr>
+            <a:r>
+              <a:rPr lang="en-US" dirty="0" smtClean="0"/>
+              <a:t>Unit testing validation</a:t>
+            </a:r>
+          </a:p>
+          <a:p>
+            <a:pPr lvl="1">
+              <a:lnSpc>
+                <a:spcPct val="100000"/>
+              </a:lnSpc>
+              <a:spcBef>
+                <a:spcPts val="0"/>
+              </a:spcBef>
+            </a:pPr>
+            <a:r>
+              <a:rPr lang="en-US" dirty="0" smtClean="0"/>
+              <a:t>Manual Assert vs. Approval Tests</a:t>
+            </a:r>
+          </a:p>
+          <a:p>
+            <a:pPr lvl="1">
+              <a:lnSpc>
+                <a:spcPct val="100000"/>
+              </a:lnSpc>
+              <a:spcBef>
+                <a:spcPts val="0"/>
+              </a:spcBef>
+            </a:pPr>
+            <a:r>
+              <a:rPr lang="en-US" dirty="0" smtClean="0"/>
+              <a:t>Testing multiple inputs in one test</a:t>
+            </a:r>
+          </a:p>
+          <a:p>
+            <a:pPr>
+              <a:lnSpc>
+                <a:spcPct val="100000"/>
+              </a:lnSpc>
+              <a:spcBef>
+                <a:spcPts val="1200"/>
+              </a:spcBef>
+            </a:pPr>
+            <a:r>
+              <a:rPr lang="en-US" dirty="0" smtClean="0"/>
+              <a:t>.NET Web API Testing</a:t>
+            </a:r>
+          </a:p>
+          <a:p>
+            <a:pPr lvl="1">
+              <a:lnSpc>
+                <a:spcPct val="100000"/>
+              </a:lnSpc>
+              <a:spcBef>
+                <a:spcPts val="0"/>
+              </a:spcBef>
+            </a:pPr>
+            <a:r>
+              <a:rPr lang="en-US" dirty="0" smtClean="0"/>
+              <a:t>Testing with Approval Tests</a:t>
+            </a:r>
+          </a:p>
+          <a:p>
+            <a:pPr>
+              <a:lnSpc>
+                <a:spcPct val="100000"/>
+              </a:lnSpc>
+              <a:spcBef>
+                <a:spcPts val="1200"/>
+              </a:spcBef>
+            </a:pPr>
+            <a:r>
+              <a:rPr lang="en-US" dirty="0" smtClean="0"/>
+              <a:t>Unit testing Razor views</a:t>
+            </a:r>
+          </a:p>
+          <a:p>
+            <a:pPr lvl="1">
+              <a:lnSpc>
+                <a:spcPct val="100000"/>
+              </a:lnSpc>
+              <a:spcBef>
+                <a:spcPts val="0"/>
+              </a:spcBef>
+            </a:pPr>
+            <a:r>
+              <a:rPr lang="en-US" dirty="0" smtClean="0"/>
+              <a:t>Razor Generator</a:t>
+            </a:r>
+          </a:p>
+          <a:p>
+            <a:pPr>
+              <a:lnSpc>
+                <a:spcPct val="100000"/>
+              </a:lnSpc>
+              <a:spcBef>
+                <a:spcPts val="1200"/>
+              </a:spcBef>
+            </a:pPr>
+            <a:r>
+              <a:rPr lang="en-US" dirty="0" smtClean="0"/>
+              <a:t>Testing coverage improvement</a:t>
+            </a:r>
+          </a:p>
+          <a:p>
+            <a:pPr lvl="1">
+              <a:lnSpc>
+                <a:spcPct val="100000"/>
+              </a:lnSpc>
+              <a:spcBef>
+                <a:spcPts val="0"/>
+              </a:spcBef>
+            </a:pPr>
+            <a:r>
+              <a:rPr lang="en-US" dirty="0" smtClean="0"/>
+              <a:t>Approval Utilities Logger</a:t>
+            </a:r>
+          </a:p>
+          <a:p>
+            <a:pPr>
+              <a:lnSpc>
+                <a:spcPct val="100000"/>
+              </a:lnSpc>
+              <a:spcBef>
+                <a:spcPts val="1200"/>
+              </a:spcBef>
+            </a:pPr>
+            <a:r>
+              <a:rPr lang="en-US" dirty="0" smtClean="0"/>
+              <a:t>Introduction to </a:t>
+            </a:r>
+            <a:r>
+              <a:rPr lang="en-US" dirty="0" err="1" smtClean="0"/>
+              <a:t>AutoMoq</a:t>
+            </a:r>
+            <a:endParaRPr lang="en-US" dirty="0" smtClean="0"/>
+          </a:p>
+          <a:p>
+            <a:pPr>
+              <a:lnSpc>
+                <a:spcPct val="100000"/>
+              </a:lnSpc>
+              <a:spcBef>
+                <a:spcPts val="1200"/>
+              </a:spcBef>
+            </a:pPr>
+            <a:r>
+              <a:rPr lang="en-US" dirty="0" smtClean="0"/>
+              <a:t>Questions</a:t>
+            </a:r>
+            <a:endParaRPr lang="en-US" dirty="0" smtClean="0"/>
+          </a:p>
+          <a:p>
+            <a:pPr>
+              <a:lnSpc>
+                <a:spcPct val="100000"/>
+              </a:lnSpc>
+              <a:spcBef>
+                <a:spcPts val="1200"/>
+              </a:spcBef>
+            </a:pPr>
+            <a:r>
+              <a:rPr lang="en-US" dirty="0" smtClean="0"/>
+              <a:t>Contact Info</a:t>
+            </a:r>
+          </a:p>
+          <a:p>
+            <a:pPr lvl="1">
+              <a:lnSpc>
+                <a:spcPct val="100000"/>
+              </a:lnSpc>
+              <a:spcBef>
+                <a:spcPts val="1200"/>
+              </a:spcBef>
+            </a:pPr>
+            <a:r>
+              <a:rPr lang="en-US" dirty="0" smtClean="0"/>
+              <a:t>@</a:t>
+            </a:r>
+            <a:r>
+              <a:rPr lang="en-US" dirty="0" err="1" smtClean="0"/>
+              <a:t>wyattwebb</a:t>
+            </a:r>
+            <a:endParaRPr lang="en-US" dirty="0" smtClean="0"/>
+          </a:p>
+          <a:p>
+            <a:pPr lvl="1">
+              <a:lnSpc>
+                <a:spcPct val="100000"/>
+              </a:lnSpc>
+              <a:spcBef>
+                <a:spcPts val="1200"/>
+              </a:spcBef>
+            </a:pPr>
+            <a:r>
+              <a:rPr lang="en-US" dirty="0"/>
+              <a:t>https://</a:t>
+            </a:r>
+            <a:r>
+              <a:rPr lang="en-US" dirty="0" smtClean="0"/>
+              <a:t>github.com/wyattwebb/ApprovalTestsTalk</a:t>
+            </a:r>
+          </a:p>
+          <a:p>
+            <a:pPr lvl="1">
+              <a:lnSpc>
+                <a:spcPct val="100000"/>
+              </a:lnSpc>
+              <a:spcBef>
+                <a:spcPts val="1200"/>
+              </a:spcBef>
+            </a:pPr>
+            <a:r>
+              <a:rPr lang="en-US" dirty="0" smtClean="0"/>
+              <a:t>http://wyattwebb.com</a:t>
+            </a:r>
+          </a:p>
+          <a:p>
+            <a:pPr lvl="1">
+              <a:lnSpc>
+                <a:spcPct val="100000"/>
+              </a:lnSpc>
+              <a:spcBef>
+                <a:spcPts val="1200"/>
+              </a:spcBef>
+            </a:pPr>
+            <a:endParaRPr lang="en-US" dirty="0" smtClean="0"/>
+          </a:p>
+          <a:p>
+            <a:pPr marL="0" indent="0">
+              <a:lnSpc>
+                <a:spcPct val="100000"/>
+              </a:lnSpc>
+              <a:spcBef>
+                <a:spcPts val="1200"/>
+              </a:spcBef>
+              <a:buNone/>
+            </a:pPr>
+            <a:endParaRPr lang="en-US" dirty="0" smtClean="0"/>
+          </a:p>
+          <a:p>
+            <a:pPr lvl="1">
+              <a:lnSpc>
+                <a:spcPct val="100000"/>
+              </a:lnSpc>
+              <a:spcBef>
+                <a:spcPts val="0"/>
+              </a:spcBef>
+            </a:pPr>
+            <a:endParaRPr lang="en-US" dirty="0" smtClean="0"/>
+          </a:p>
+          <a:p>
+            <a:pPr lvl="2">
+              <a:lnSpc>
+                <a:spcPct val="100000"/>
+              </a:lnSpc>
+              <a:spcBef>
+                <a:spcPts val="0"/>
+              </a:spcBef>
+            </a:pPr>
+            <a:endParaRPr lang="en-US" dirty="0" smtClean="0"/>
+          </a:p>
+          <a:p>
+            <a:pPr lvl="2">
+              <a:lnSpc>
+                <a:spcPct val="100000"/>
+              </a:lnSpc>
+              <a:spcBef>
+                <a:spcPts val="0"/>
+              </a:spcBef>
+            </a:pPr>
+            <a:endParaRPr lang="en-US" dirty="0" smtClean="0"/>
+          </a:p>
+          <a:p>
+            <a:pPr>
+              <a:lnSpc>
+                <a:spcPct val="100000"/>
+              </a:lnSpc>
+              <a:spcBef>
+                <a:spcPts val="0"/>
+              </a:spcBef>
+            </a:pPr>
+            <a:endParaRPr lang="en-US" dirty="0"/>
+          </a:p>
+        </p:txBody>
+      </p:sp>
+    </p:spTree>
+    <p:extLst>
+      <p:ext uri="{BB962C8B-B14F-4D97-AF65-F5344CB8AC3E}">
+        <p14:creationId xmlns:p14="http://schemas.microsoft.com/office/powerpoint/2010/main" val="948711417"/>
+      </p:ext>
+    </p:extLst>
+  </p:cSld>
+  <p:clrMapOvr>
+    <a:masterClrMapping/>
+  </p:clrMapOvr>
+  <p:transition spd="slow">
+    <p:cover/>
+  </p:transition>
+  <p:timing>
+    <p:tnLst>
+      <p:par>
+        <p:cTn id="1" dur="indefinite" restart="never" nodeType="tmRoot"/>
+      </p:par>
+    </p:tnLst>
+  </p:timing>
+</p:sld>
+</file>
+
+<file path=ppt/slides/slide30.xml><?xml version="1.0" encoding="utf-8"?>
 <p:sld xmlns:a="http://schemas.openxmlformats.org/drawingml/2006/main" xmlns:r="http://schemas.openxmlformats.org/officeDocument/2006/relationships" xmlns:p="http://schemas.openxmlformats.org/presentationml/2006/main">
   <p:cSld>
     <p:spTree>
@@ -18710,833 +20326,7 @@
 </p:sld>
 </file>
 
-<file path=ppt/slides/slide3.xml><?xml version="1.0" encoding="utf-8"?>
-<p:sld xmlns:a="http://schemas.openxmlformats.org/drawingml/2006/main" xmlns:r="http://schemas.openxmlformats.org/officeDocument/2006/relationships" xmlns:p="http://schemas.openxmlformats.org/presentationml/2006/main">
-  <p:cSld>
-    <p:spTree>
-      <p:nvGrpSpPr>
-        <p:cNvPr id="1" name=""/>
-        <p:cNvGrpSpPr/>
-        <p:nvPr/>
-      </p:nvGrpSpPr>
-      <p:grpSpPr>
-        <a:xfrm>
-          <a:off x="0" y="0"/>
-          <a:ext cx="0" cy="0"/>
-          <a:chOff x="0" y="0"/>
-          <a:chExt cx="0" cy="0"/>
-        </a:xfrm>
-      </p:grpSpPr>
-      <p:pic>
-        <p:nvPicPr>
-          <p:cNvPr id="12" name="Picture 11"/>
-          <p:cNvPicPr>
-            <a:picLocks noChangeAspect="1"/>
-          </p:cNvPicPr>
-          <p:nvPr/>
-        </p:nvPicPr>
-        <p:blipFill>
-          <a:blip r:embed="rId3">
-            <a:extLst>
-              <a:ext uri="{28A0092B-C50C-407E-A947-70E740481C1C}">
-                <a14:useLocalDpi xmlns:a14="http://schemas.microsoft.com/office/drawing/2010/main" val="0"/>
-              </a:ext>
-            </a:extLst>
-          </a:blip>
-          <a:stretch>
-            <a:fillRect/>
-          </a:stretch>
-        </p:blipFill>
-        <p:spPr>
-          <a:xfrm>
-            <a:off x="19050" y="0"/>
-            <a:ext cx="9105900" cy="5715000"/>
-          </a:xfrm>
-          <a:prstGeom prst="rect">
-            <a:avLst/>
-          </a:prstGeom>
-        </p:spPr>
-      </p:pic>
-      <p:sp>
-        <p:nvSpPr>
-          <p:cNvPr id="2" name="Title 1"/>
-          <p:cNvSpPr>
-            <a:spLocks noGrp="1"/>
-          </p:cNvSpPr>
-          <p:nvPr>
-            <p:ph type="title"/>
-          </p:nvPr>
-        </p:nvSpPr>
-        <p:spPr/>
-        <p:txBody>
-          <a:bodyPr/>
-          <a:lstStyle/>
-          <a:p>
-            <a:r>
-              <a:rPr lang="en-US" dirty="0" smtClean="0"/>
-              <a:t>Approval </a:t>
-            </a:r>
-            <a:r>
-              <a:rPr lang="en-US" dirty="0" smtClean="0"/>
-              <a:t>Test </a:t>
-            </a:r>
-            <a:r>
-              <a:rPr lang="en-US" dirty="0" smtClean="0"/>
-              <a:t>/ </a:t>
-            </a:r>
-            <a:r>
-              <a:rPr lang="en-US" dirty="0" err="1" smtClean="0"/>
-              <a:t>AutoFixture</a:t>
-            </a:r>
-            <a:r>
-              <a:rPr lang="en-US" dirty="0" smtClean="0"/>
-              <a:t>/ </a:t>
-            </a:r>
-            <a:r>
-              <a:rPr lang="en-US" dirty="0" err="1" smtClean="0"/>
-              <a:t>AutoMoq</a:t>
-            </a:r>
-            <a:endParaRPr lang="en-US" dirty="0"/>
-          </a:p>
-        </p:txBody>
-      </p:sp>
-      <p:sp>
-        <p:nvSpPr>
-          <p:cNvPr id="3" name="Content Placeholder 2"/>
-          <p:cNvSpPr>
-            <a:spLocks noGrp="1"/>
-          </p:cNvSpPr>
-          <p:nvPr>
-            <p:ph idx="1"/>
-          </p:nvPr>
-        </p:nvSpPr>
-        <p:spPr>
-          <a:xfrm>
-            <a:off x="293297" y="1492980"/>
-            <a:ext cx="8531525" cy="4211493"/>
-          </a:xfrm>
-        </p:spPr>
-        <p:txBody>
-          <a:bodyPr>
-            <a:normAutofit/>
-          </a:bodyPr>
-          <a:lstStyle/>
-          <a:p>
-            <a:pPr>
-              <a:lnSpc>
-                <a:spcPct val="100000"/>
-              </a:lnSpc>
-              <a:spcBef>
-                <a:spcPts val="0"/>
-              </a:spcBef>
-            </a:pPr>
-            <a:r>
-              <a:rPr lang="en-US" dirty="0" smtClean="0"/>
-              <a:t>Introduction</a:t>
-            </a:r>
-          </a:p>
-          <a:p>
-            <a:pPr>
-              <a:lnSpc>
-                <a:spcPct val="100000"/>
-              </a:lnSpc>
-              <a:spcBef>
-                <a:spcPts val="1200"/>
-              </a:spcBef>
-            </a:pPr>
-            <a:r>
-              <a:rPr lang="en-US" dirty="0" smtClean="0"/>
-              <a:t>Persistence / View Model Mapping</a:t>
-            </a:r>
-          </a:p>
-          <a:p>
-            <a:pPr>
-              <a:lnSpc>
-                <a:spcPct val="100000"/>
-              </a:lnSpc>
-              <a:spcBef>
-                <a:spcPts val="1200"/>
-              </a:spcBef>
-            </a:pPr>
-            <a:r>
-              <a:rPr lang="en-US" dirty="0" smtClean="0"/>
-              <a:t>Unit testing auto projection (mapping)</a:t>
-            </a:r>
-          </a:p>
-          <a:p>
-            <a:pPr lvl="1">
-              <a:lnSpc>
-                <a:spcPct val="100000"/>
-              </a:lnSpc>
-              <a:spcBef>
-                <a:spcPts val="0"/>
-              </a:spcBef>
-            </a:pPr>
-            <a:r>
-              <a:rPr lang="en-US" dirty="0" smtClean="0"/>
-              <a:t>Manual Asserts vs. Approval Test</a:t>
-            </a:r>
-          </a:p>
-          <a:p>
-            <a:pPr>
-              <a:lnSpc>
-                <a:spcPct val="100000"/>
-              </a:lnSpc>
-              <a:spcBef>
-                <a:spcPts val="1200"/>
-              </a:spcBef>
-            </a:pPr>
-            <a:r>
-              <a:rPr lang="en-US" dirty="0" smtClean="0"/>
-              <a:t>What are Approval Tests</a:t>
-            </a:r>
-          </a:p>
-          <a:p>
-            <a:pPr lvl="1">
-              <a:lnSpc>
-                <a:spcPct val="100000"/>
-              </a:lnSpc>
-              <a:spcBef>
-                <a:spcPts val="0"/>
-              </a:spcBef>
-            </a:pPr>
-            <a:r>
-              <a:rPr lang="en-US" dirty="0" smtClean="0"/>
-              <a:t>How are they used? Why they are useful?</a:t>
-            </a:r>
-          </a:p>
-          <a:p>
-            <a:pPr>
-              <a:lnSpc>
-                <a:spcPct val="100000"/>
-              </a:lnSpc>
-              <a:spcBef>
-                <a:spcPts val="1200"/>
-              </a:spcBef>
-            </a:pPr>
-            <a:r>
-              <a:rPr lang="en-US" dirty="0" smtClean="0"/>
-              <a:t>How to install them</a:t>
-            </a:r>
-          </a:p>
-          <a:p>
-            <a:pPr>
-              <a:lnSpc>
-                <a:spcPct val="100000"/>
-              </a:lnSpc>
-              <a:spcBef>
-                <a:spcPts val="1200"/>
-              </a:spcBef>
-            </a:pPr>
-            <a:r>
-              <a:rPr lang="en-US" dirty="0" smtClean="0"/>
-              <a:t>Introduction to </a:t>
-            </a:r>
-            <a:r>
-              <a:rPr lang="en-US" dirty="0" err="1" smtClean="0"/>
-              <a:t>AutoFixture</a:t>
-            </a:r>
-            <a:endParaRPr lang="en-US" dirty="0" smtClean="0"/>
-          </a:p>
-          <a:p>
-            <a:pPr>
-              <a:lnSpc>
-                <a:spcPct val="100000"/>
-              </a:lnSpc>
-              <a:spcBef>
-                <a:spcPts val="1200"/>
-              </a:spcBef>
-            </a:pPr>
-            <a:r>
-              <a:rPr lang="en-US" dirty="0" smtClean="0"/>
-              <a:t>Reporters</a:t>
-            </a:r>
-          </a:p>
-          <a:p>
-            <a:pPr lvl="1">
-              <a:lnSpc>
-                <a:spcPct val="100000"/>
-              </a:lnSpc>
-              <a:spcBef>
-                <a:spcPts val="0"/>
-              </a:spcBef>
-            </a:pPr>
-            <a:r>
-              <a:rPr lang="en-US" dirty="0" smtClean="0"/>
-              <a:t>JSON Reporter</a:t>
-            </a:r>
-          </a:p>
-          <a:p>
-            <a:pPr lvl="1">
-              <a:lnSpc>
-                <a:spcPct val="100000"/>
-              </a:lnSpc>
-              <a:spcBef>
-                <a:spcPts val="0"/>
-              </a:spcBef>
-            </a:pPr>
-            <a:r>
-              <a:rPr lang="en-US" dirty="0" smtClean="0"/>
-              <a:t>HTML Reporter</a:t>
-            </a:r>
-          </a:p>
-          <a:p>
-            <a:pPr lvl="2">
-              <a:lnSpc>
-                <a:spcPct val="100000"/>
-              </a:lnSpc>
-              <a:spcBef>
-                <a:spcPts val="0"/>
-              </a:spcBef>
-            </a:pPr>
-            <a:endParaRPr lang="en-US" dirty="0" smtClean="0"/>
-          </a:p>
-          <a:p>
-            <a:pPr>
-              <a:lnSpc>
-                <a:spcPct val="100000"/>
-              </a:lnSpc>
-              <a:spcBef>
-                <a:spcPts val="0"/>
-              </a:spcBef>
-            </a:pPr>
-            <a:endParaRPr lang="en-US" dirty="0"/>
-          </a:p>
-        </p:txBody>
-      </p:sp>
-      <p:sp>
-        <p:nvSpPr>
-          <p:cNvPr id="9" name="Content Placeholder 2"/>
-          <p:cNvSpPr txBox="1">
-            <a:spLocks/>
-          </p:cNvSpPr>
-          <p:nvPr/>
-        </p:nvSpPr>
-        <p:spPr>
-          <a:xfrm>
-            <a:off x="4445876" y="1492979"/>
-            <a:ext cx="4155573" cy="4211493"/>
-          </a:xfrm>
-          <a:prstGeom prst="rect">
-            <a:avLst/>
-          </a:prstGeom>
-        </p:spPr>
-        <p:txBody>
-          <a:bodyPr vert="horz" lIns="91440" tIns="45720" rIns="91440" bIns="45720" rtlCol="0">
-            <a:normAutofit fontScale="92500" lnSpcReduction="10000"/>
-          </a:bodyPr>
-          <a:lstStyle>
-            <a:lvl1pPr marL="285750" indent="-285750" algn="l" defTabSz="685800" rtl="0" fontAlgn="base">
-              <a:lnSpc>
-                <a:spcPct val="90000"/>
-              </a:lnSpc>
-              <a:spcBef>
-                <a:spcPts val="750"/>
-              </a:spcBef>
-              <a:spcAft>
-                <a:spcPct val="0"/>
-              </a:spcAft>
-              <a:buSzPct val="125000"/>
-              <a:buFontTx/>
-              <a:buBlip>
-                <a:blip r:embed="rId4"/>
-              </a:buBlip>
-              <a:defRPr sz="1600" kern="1200">
-                <a:solidFill>
-                  <a:srgbClr val="F61621"/>
-                </a:solidFill>
-                <a:latin typeface="Calibri" panose="020F0502020204030204" pitchFamily="34" charset="0"/>
-                <a:ea typeface="Roboto Condensed" pitchFamily="2" charset="0"/>
-                <a:cs typeface="+mn-cs"/>
-              </a:defRPr>
-            </a:lvl1pPr>
-            <a:lvl2pPr marL="287338" indent="0" algn="l" defTabSz="685800" rtl="0" fontAlgn="base">
-              <a:lnSpc>
-                <a:spcPct val="90000"/>
-              </a:lnSpc>
-              <a:spcBef>
-                <a:spcPts val="375"/>
-              </a:spcBef>
-              <a:spcAft>
-                <a:spcPct val="0"/>
-              </a:spcAft>
-              <a:buFontTx/>
-              <a:buNone/>
-              <a:tabLst/>
-              <a:defRPr sz="1200" kern="1200">
-                <a:solidFill>
-                  <a:schemeClr val="bg2">
-                    <a:lumMod val="65000"/>
-                  </a:schemeClr>
-                </a:solidFill>
-                <a:latin typeface="Calibri" panose="020F0502020204030204" pitchFamily="34" charset="0"/>
-                <a:ea typeface="Roboto Condensed" pitchFamily="2" charset="0"/>
-                <a:cs typeface="+mn-cs"/>
-              </a:defRPr>
-            </a:lvl2pPr>
-            <a:lvl3pPr marL="287338" indent="0" algn="l" defTabSz="685800" rtl="0" fontAlgn="base">
-              <a:lnSpc>
-                <a:spcPct val="90000"/>
-              </a:lnSpc>
-              <a:spcBef>
-                <a:spcPts val="375"/>
-              </a:spcBef>
-              <a:spcAft>
-                <a:spcPct val="0"/>
-              </a:spcAft>
-              <a:buFontTx/>
-              <a:buNone/>
-              <a:tabLst/>
-              <a:defRPr sz="1100" kern="1200">
-                <a:solidFill>
-                  <a:schemeClr val="bg2">
-                    <a:lumMod val="65000"/>
-                  </a:schemeClr>
-                </a:solidFill>
-                <a:latin typeface="Calibri" panose="020F0502020204030204" pitchFamily="34" charset="0"/>
-                <a:ea typeface="Roboto Condensed" pitchFamily="2" charset="0"/>
-                <a:cs typeface="+mn-cs"/>
-              </a:defRPr>
-            </a:lvl3pPr>
-            <a:lvl4pPr marL="287338" indent="0" algn="l" defTabSz="685800" rtl="0" fontAlgn="base">
-              <a:lnSpc>
-                <a:spcPct val="90000"/>
-              </a:lnSpc>
-              <a:spcBef>
-                <a:spcPts val="375"/>
-              </a:spcBef>
-              <a:spcAft>
-                <a:spcPct val="0"/>
-              </a:spcAft>
-              <a:buFontTx/>
-              <a:buNone/>
-              <a:tabLst/>
-              <a:defRPr sz="1050" kern="1200">
-                <a:solidFill>
-                  <a:schemeClr val="bg2">
-                    <a:lumMod val="65000"/>
-                  </a:schemeClr>
-                </a:solidFill>
-                <a:latin typeface="Calibri" panose="020F0502020204030204" pitchFamily="34" charset="0"/>
-                <a:ea typeface="Roboto Condensed" pitchFamily="2" charset="0"/>
-                <a:cs typeface="+mn-cs"/>
-              </a:defRPr>
-            </a:lvl4pPr>
-            <a:lvl5pPr marL="287338" indent="0" algn="l" defTabSz="685800" rtl="0" fontAlgn="base">
-              <a:lnSpc>
-                <a:spcPct val="90000"/>
-              </a:lnSpc>
-              <a:spcBef>
-                <a:spcPts val="375"/>
-              </a:spcBef>
-              <a:spcAft>
-                <a:spcPct val="0"/>
-              </a:spcAft>
-              <a:buFontTx/>
-              <a:buNone/>
-              <a:tabLst/>
-              <a:defRPr sz="1050" kern="1200">
-                <a:solidFill>
-                  <a:schemeClr val="bg2">
-                    <a:lumMod val="65000"/>
-                  </a:schemeClr>
-                </a:solidFill>
-                <a:latin typeface="Calibri" panose="020F0502020204030204" pitchFamily="34" charset="0"/>
-                <a:ea typeface="Roboto Condensed" pitchFamily="2" charset="0"/>
-                <a:cs typeface="+mn-cs"/>
-              </a:defRPr>
-            </a:lvl5pPr>
-            <a:lvl6pPr marL="1885950" indent="-171450" algn="l" defTabSz="685800" rtl="0" eaLnBrk="1" latinLnBrk="0" hangingPunct="1">
-              <a:lnSpc>
-                <a:spcPct val="90000"/>
-              </a:lnSpc>
-              <a:spcBef>
-                <a:spcPts val="375"/>
-              </a:spcBef>
-              <a:buFont typeface="Arial" panose="020B0604020202020204" pitchFamily="34" charset="0"/>
-              <a:buChar char="•"/>
-              <a:defRPr sz="1350" kern="1200">
-                <a:solidFill>
-                  <a:schemeClr val="tx1"/>
-                </a:solidFill>
-                <a:latin typeface="+mn-lt"/>
-                <a:ea typeface="+mn-ea"/>
-                <a:cs typeface="+mn-cs"/>
-              </a:defRPr>
-            </a:lvl6pPr>
-            <a:lvl7pPr marL="2228850" indent="-171450" algn="l" defTabSz="685800" rtl="0" eaLnBrk="1" latinLnBrk="0" hangingPunct="1">
-              <a:lnSpc>
-                <a:spcPct val="90000"/>
-              </a:lnSpc>
-              <a:spcBef>
-                <a:spcPts val="375"/>
-              </a:spcBef>
-              <a:buFont typeface="Arial" panose="020B0604020202020204" pitchFamily="34" charset="0"/>
-              <a:buChar char="•"/>
-              <a:defRPr sz="1350" kern="1200">
-                <a:solidFill>
-                  <a:schemeClr val="tx1"/>
-                </a:solidFill>
-                <a:latin typeface="+mn-lt"/>
-                <a:ea typeface="+mn-ea"/>
-                <a:cs typeface="+mn-cs"/>
-              </a:defRPr>
-            </a:lvl7pPr>
-            <a:lvl8pPr marL="2571750" indent="-171450" algn="l" defTabSz="685800" rtl="0" eaLnBrk="1" latinLnBrk="0" hangingPunct="1">
-              <a:lnSpc>
-                <a:spcPct val="90000"/>
-              </a:lnSpc>
-              <a:spcBef>
-                <a:spcPts val="375"/>
-              </a:spcBef>
-              <a:buFont typeface="Arial" panose="020B0604020202020204" pitchFamily="34" charset="0"/>
-              <a:buChar char="•"/>
-              <a:defRPr sz="1350" kern="1200">
-                <a:solidFill>
-                  <a:schemeClr val="tx1"/>
-                </a:solidFill>
-                <a:latin typeface="+mn-lt"/>
-                <a:ea typeface="+mn-ea"/>
-                <a:cs typeface="+mn-cs"/>
-              </a:defRPr>
-            </a:lvl8pPr>
-            <a:lvl9pPr marL="2914650" indent="-171450" algn="l" defTabSz="685800" rtl="0" eaLnBrk="1" latinLnBrk="0" hangingPunct="1">
-              <a:lnSpc>
-                <a:spcPct val="90000"/>
-              </a:lnSpc>
-              <a:spcBef>
-                <a:spcPts val="375"/>
-              </a:spcBef>
-              <a:buFont typeface="Arial" panose="020B0604020202020204" pitchFamily="34" charset="0"/>
-              <a:buChar char="•"/>
-              <a:defRPr sz="1350" kern="1200">
-                <a:solidFill>
-                  <a:schemeClr val="tx1"/>
-                </a:solidFill>
-                <a:latin typeface="+mn-lt"/>
-                <a:ea typeface="+mn-ea"/>
-                <a:cs typeface="+mn-cs"/>
-              </a:defRPr>
-            </a:lvl9pPr>
-          </a:lstStyle>
-          <a:p>
-            <a:pPr>
-              <a:lnSpc>
-                <a:spcPct val="100000"/>
-              </a:lnSpc>
-              <a:spcBef>
-                <a:spcPts val="0"/>
-              </a:spcBef>
-            </a:pPr>
-            <a:r>
-              <a:rPr lang="en-US" dirty="0" smtClean="0"/>
-              <a:t>Unit testing validation</a:t>
-            </a:r>
-          </a:p>
-          <a:p>
-            <a:pPr lvl="1">
-              <a:lnSpc>
-                <a:spcPct val="100000"/>
-              </a:lnSpc>
-              <a:spcBef>
-                <a:spcPts val="0"/>
-              </a:spcBef>
-            </a:pPr>
-            <a:r>
-              <a:rPr lang="en-US" dirty="0" smtClean="0"/>
-              <a:t>Manual Assert vs. Approval Tests</a:t>
-            </a:r>
-          </a:p>
-          <a:p>
-            <a:pPr lvl="1">
-              <a:lnSpc>
-                <a:spcPct val="100000"/>
-              </a:lnSpc>
-              <a:spcBef>
-                <a:spcPts val="0"/>
-              </a:spcBef>
-            </a:pPr>
-            <a:r>
-              <a:rPr lang="en-US" dirty="0" smtClean="0"/>
-              <a:t>Testing multiple inputs in one test</a:t>
-            </a:r>
-          </a:p>
-          <a:p>
-            <a:pPr>
-              <a:lnSpc>
-                <a:spcPct val="100000"/>
-              </a:lnSpc>
-              <a:spcBef>
-                <a:spcPts val="1200"/>
-              </a:spcBef>
-            </a:pPr>
-            <a:r>
-              <a:rPr lang="en-US" dirty="0" smtClean="0"/>
-              <a:t>.NET Web API Testing</a:t>
-            </a:r>
-          </a:p>
-          <a:p>
-            <a:pPr lvl="1">
-              <a:lnSpc>
-                <a:spcPct val="100000"/>
-              </a:lnSpc>
-              <a:spcBef>
-                <a:spcPts val="0"/>
-              </a:spcBef>
-            </a:pPr>
-            <a:r>
-              <a:rPr lang="en-US" dirty="0" smtClean="0"/>
-              <a:t>Testing with Approval Tests</a:t>
-            </a:r>
-          </a:p>
-          <a:p>
-            <a:pPr>
-              <a:lnSpc>
-                <a:spcPct val="100000"/>
-              </a:lnSpc>
-              <a:spcBef>
-                <a:spcPts val="1200"/>
-              </a:spcBef>
-            </a:pPr>
-            <a:r>
-              <a:rPr lang="en-US" dirty="0" smtClean="0"/>
-              <a:t>Unit testing Razor views</a:t>
-            </a:r>
-          </a:p>
-          <a:p>
-            <a:pPr lvl="1">
-              <a:lnSpc>
-                <a:spcPct val="100000"/>
-              </a:lnSpc>
-              <a:spcBef>
-                <a:spcPts val="0"/>
-              </a:spcBef>
-            </a:pPr>
-            <a:r>
-              <a:rPr lang="en-US" dirty="0" smtClean="0"/>
-              <a:t>Razor Generator</a:t>
-            </a:r>
-          </a:p>
-          <a:p>
-            <a:pPr>
-              <a:lnSpc>
-                <a:spcPct val="100000"/>
-              </a:lnSpc>
-              <a:spcBef>
-                <a:spcPts val="1200"/>
-              </a:spcBef>
-            </a:pPr>
-            <a:r>
-              <a:rPr lang="en-US" dirty="0" smtClean="0"/>
-              <a:t>Testing coverage improvement</a:t>
-            </a:r>
-          </a:p>
-          <a:p>
-            <a:pPr lvl="1">
-              <a:lnSpc>
-                <a:spcPct val="100000"/>
-              </a:lnSpc>
-              <a:spcBef>
-                <a:spcPts val="0"/>
-              </a:spcBef>
-            </a:pPr>
-            <a:r>
-              <a:rPr lang="en-US" dirty="0" smtClean="0"/>
-              <a:t>Approval Utilities Logger</a:t>
-            </a:r>
-          </a:p>
-          <a:p>
-            <a:pPr>
-              <a:lnSpc>
-                <a:spcPct val="100000"/>
-              </a:lnSpc>
-              <a:spcBef>
-                <a:spcPts val="1200"/>
-              </a:spcBef>
-            </a:pPr>
-            <a:r>
-              <a:rPr lang="en-US" dirty="0" smtClean="0"/>
-              <a:t>Introduction to </a:t>
-            </a:r>
-            <a:r>
-              <a:rPr lang="en-US" dirty="0" err="1" smtClean="0"/>
-              <a:t>AutoMoq</a:t>
-            </a:r>
-            <a:endParaRPr lang="en-US" dirty="0" smtClean="0"/>
-          </a:p>
-          <a:p>
-            <a:pPr>
-              <a:lnSpc>
-                <a:spcPct val="100000"/>
-              </a:lnSpc>
-              <a:spcBef>
-                <a:spcPts val="1200"/>
-              </a:spcBef>
-            </a:pPr>
-            <a:r>
-              <a:rPr lang="en-US" dirty="0" smtClean="0"/>
-              <a:t>Questions</a:t>
-            </a:r>
-            <a:endParaRPr lang="en-US" dirty="0" smtClean="0"/>
-          </a:p>
-          <a:p>
-            <a:pPr>
-              <a:lnSpc>
-                <a:spcPct val="100000"/>
-              </a:lnSpc>
-              <a:spcBef>
-                <a:spcPts val="1200"/>
-              </a:spcBef>
-            </a:pPr>
-            <a:r>
-              <a:rPr lang="en-US" dirty="0" smtClean="0"/>
-              <a:t>Contact Info</a:t>
-            </a:r>
-          </a:p>
-          <a:p>
-            <a:pPr lvl="1">
-              <a:lnSpc>
-                <a:spcPct val="100000"/>
-              </a:lnSpc>
-              <a:spcBef>
-                <a:spcPts val="1200"/>
-              </a:spcBef>
-            </a:pPr>
-            <a:r>
-              <a:rPr lang="en-US" dirty="0" smtClean="0"/>
-              <a:t>@</a:t>
-            </a:r>
-            <a:r>
-              <a:rPr lang="en-US" dirty="0" err="1" smtClean="0"/>
-              <a:t>wyattwebb</a:t>
-            </a:r>
-            <a:endParaRPr lang="en-US" dirty="0" smtClean="0"/>
-          </a:p>
-          <a:p>
-            <a:pPr lvl="1">
-              <a:lnSpc>
-                <a:spcPct val="100000"/>
-              </a:lnSpc>
-              <a:spcBef>
-                <a:spcPts val="1200"/>
-              </a:spcBef>
-            </a:pPr>
-            <a:r>
-              <a:rPr lang="en-US" dirty="0"/>
-              <a:t>https://</a:t>
-            </a:r>
-            <a:r>
-              <a:rPr lang="en-US" dirty="0" smtClean="0"/>
-              <a:t>github.com/wyattwebb/ApprovalTestsTalk</a:t>
-            </a:r>
-          </a:p>
-          <a:p>
-            <a:pPr lvl="1">
-              <a:lnSpc>
-                <a:spcPct val="100000"/>
-              </a:lnSpc>
-              <a:spcBef>
-                <a:spcPts val="1200"/>
-              </a:spcBef>
-            </a:pPr>
-            <a:r>
-              <a:rPr lang="en-US" dirty="0" smtClean="0"/>
-              <a:t>http://wyattwebb.com</a:t>
-            </a:r>
-          </a:p>
-          <a:p>
-            <a:pPr lvl="1">
-              <a:lnSpc>
-                <a:spcPct val="100000"/>
-              </a:lnSpc>
-              <a:spcBef>
-                <a:spcPts val="1200"/>
-              </a:spcBef>
-            </a:pPr>
-            <a:endParaRPr lang="en-US" dirty="0" smtClean="0"/>
-          </a:p>
-          <a:p>
-            <a:pPr marL="0" indent="0">
-              <a:lnSpc>
-                <a:spcPct val="100000"/>
-              </a:lnSpc>
-              <a:spcBef>
-                <a:spcPts val="1200"/>
-              </a:spcBef>
-              <a:buNone/>
-            </a:pPr>
-            <a:endParaRPr lang="en-US" dirty="0" smtClean="0"/>
-          </a:p>
-          <a:p>
-            <a:pPr lvl="1">
-              <a:lnSpc>
-                <a:spcPct val="100000"/>
-              </a:lnSpc>
-              <a:spcBef>
-                <a:spcPts val="0"/>
-              </a:spcBef>
-            </a:pPr>
-            <a:endParaRPr lang="en-US" dirty="0" smtClean="0"/>
-          </a:p>
-          <a:p>
-            <a:pPr lvl="2">
-              <a:lnSpc>
-                <a:spcPct val="100000"/>
-              </a:lnSpc>
-              <a:spcBef>
-                <a:spcPts val="0"/>
-              </a:spcBef>
-            </a:pPr>
-            <a:endParaRPr lang="en-US" dirty="0" smtClean="0"/>
-          </a:p>
-          <a:p>
-            <a:pPr lvl="2">
-              <a:lnSpc>
-                <a:spcPct val="100000"/>
-              </a:lnSpc>
-              <a:spcBef>
-                <a:spcPts val="0"/>
-              </a:spcBef>
-            </a:pPr>
-            <a:endParaRPr lang="en-US" dirty="0" smtClean="0"/>
-          </a:p>
-          <a:p>
-            <a:pPr>
-              <a:lnSpc>
-                <a:spcPct val="100000"/>
-              </a:lnSpc>
-              <a:spcBef>
-                <a:spcPts val="0"/>
-              </a:spcBef>
-            </a:pPr>
-            <a:endParaRPr lang="en-US" dirty="0"/>
-          </a:p>
-        </p:txBody>
-      </p:sp>
-    </p:spTree>
-    <p:extLst>
-      <p:ext uri="{BB962C8B-B14F-4D97-AF65-F5344CB8AC3E}">
-        <p14:creationId xmlns:p14="http://schemas.microsoft.com/office/powerpoint/2010/main" val="948711417"/>
-      </p:ext>
-    </p:extLst>
-  </p:cSld>
-  <p:clrMapOvr>
-    <a:masterClrMapping/>
-  </p:clrMapOvr>
-  <p:transition spd="slow">
-    <p:cover/>
-  </p:transition>
-  <p:timing>
-    <p:tnLst>
-      <p:par>
-        <p:cTn id="1" dur="indefinite" restart="never" nodeType="tmRoot"/>
-      </p:par>
-    </p:tnLst>
-  </p:timing>
-</p:sld>
-</file>
-
-<file path=ppt/slides/slide30.xml><?xml version="1.0" encoding="utf-8"?>
+<file path=ppt/slides/slide31.xml><?xml version="1.0" encoding="utf-8"?>
 <p:sld xmlns:a="http://schemas.openxmlformats.org/drawingml/2006/main" xmlns:r="http://schemas.openxmlformats.org/officeDocument/2006/relationships" xmlns:p="http://schemas.openxmlformats.org/presentationml/2006/main">
   <p:cSld>
     <p:spTree>
@@ -19608,7 +20398,7 @@
 </p:sld>
 </file>
 
-<file path=ppt/slides/slide31.xml><?xml version="1.0" encoding="utf-8"?>
+<file path=ppt/slides/slide32.xml><?xml version="1.0" encoding="utf-8"?>
 <p:sld xmlns:a="http://schemas.openxmlformats.org/drawingml/2006/main" xmlns:r="http://schemas.openxmlformats.org/officeDocument/2006/relationships" xmlns:p="http://schemas.openxmlformats.org/presentationml/2006/main">
   <p:cSld>
     <p:spTree>
@@ -19882,7 +20672,7 @@
 </p:sld>
 </file>
 
-<file path=ppt/slides/slide32.xml><?xml version="1.0" encoding="utf-8"?>
+<file path=ppt/slides/slide33.xml><?xml version="1.0" encoding="utf-8"?>
 <p:sld xmlns:a="http://schemas.openxmlformats.org/drawingml/2006/main" xmlns:r="http://schemas.openxmlformats.org/officeDocument/2006/relationships" xmlns:p="http://schemas.openxmlformats.org/presentationml/2006/main">
   <p:cSld>
     <p:spTree>
@@ -19954,7 +20744,7 @@
 </p:sld>
 </file>
 
-<file path=ppt/slides/slide33.xml><?xml version="1.0" encoding="utf-8"?>
+<file path=ppt/slides/slide34.xml><?xml version="1.0" encoding="utf-8"?>
 <p:sld xmlns:a="http://schemas.openxmlformats.org/drawingml/2006/main" xmlns:r="http://schemas.openxmlformats.org/officeDocument/2006/relationships" xmlns:p="http://schemas.openxmlformats.org/presentationml/2006/main">
   <p:cSld>
     <p:spTree>
@@ -20290,7 +21080,1006 @@
 </p:sld>
 </file>
 
-<file path=ppt/slides/slide34.xml><?xml version="1.0" encoding="utf-8"?>
+<file path=ppt/slides/slide35.xml><?xml version="1.0" encoding="utf-8"?>
+<p:sld xmlns:a="http://schemas.openxmlformats.org/drawingml/2006/main" xmlns:r="http://schemas.openxmlformats.org/officeDocument/2006/relationships" xmlns:p="http://schemas.openxmlformats.org/presentationml/2006/main">
+  <p:cSld>
+    <p:spTree>
+      <p:nvGrpSpPr>
+        <p:cNvPr id="1" name=""/>
+        <p:cNvGrpSpPr/>
+        <p:nvPr/>
+      </p:nvGrpSpPr>
+      <p:grpSpPr>
+        <a:xfrm>
+          <a:off x="0" y="0"/>
+          <a:ext cx="0" cy="0"/>
+          <a:chOff x="0" y="0"/>
+          <a:chExt cx="0" cy="0"/>
+        </a:xfrm>
+      </p:grpSpPr>
+      <p:sp>
+        <p:nvSpPr>
+          <p:cNvPr id="5" name="Title 4"/>
+          <p:cNvSpPr>
+            <a:spLocks noGrp="1"/>
+          </p:cNvSpPr>
+          <p:nvPr>
+            <p:ph type="title"/>
+          </p:nvPr>
+        </p:nvSpPr>
+        <p:spPr/>
+        <p:txBody>
+          <a:bodyPr/>
+          <a:lstStyle/>
+          <a:p>
+            <a:r>
+              <a:rPr lang="en-US" dirty="0" smtClean="0"/>
+              <a:t>Introduction</a:t>
+            </a:r>
+            <a:endParaRPr lang="en-US" dirty="0"/>
+          </a:p>
+        </p:txBody>
+      </p:sp>
+      <p:sp>
+        <p:nvSpPr>
+          <p:cNvPr id="8" name="Text Placeholder 7"/>
+          <p:cNvSpPr>
+            <a:spLocks noGrp="1"/>
+          </p:cNvSpPr>
+          <p:nvPr>
+            <p:ph type="body" sz="quarter" idx="25"/>
+          </p:nvPr>
+        </p:nvSpPr>
+        <p:spPr/>
+        <p:txBody>
+          <a:bodyPr/>
+          <a:lstStyle/>
+          <a:p>
+            <a:r>
+              <a:rPr lang="en-US" dirty="0" err="1" smtClean="0"/>
+              <a:t>Moq</a:t>
+            </a:r>
+            <a:r>
+              <a:rPr lang="en-US" dirty="0" smtClean="0"/>
+              <a:t> and </a:t>
+            </a:r>
+            <a:r>
+              <a:rPr lang="en-US" dirty="0" err="1" smtClean="0"/>
+              <a:t>AutoMoq</a:t>
+            </a:r>
+            <a:endParaRPr lang="en-US" dirty="0"/>
+          </a:p>
+        </p:txBody>
+      </p:sp>
+      <p:sp>
+        <p:nvSpPr>
+          <p:cNvPr id="2" name="Content Placeholder 1"/>
+          <p:cNvSpPr>
+            <a:spLocks noGrp="1"/>
+          </p:cNvSpPr>
+          <p:nvPr>
+            <p:ph idx="1"/>
+          </p:nvPr>
+        </p:nvSpPr>
+        <p:spPr>
+          <a:xfrm>
+            <a:off x="293298" y="2952427"/>
+            <a:ext cx="2725948" cy="2490841"/>
+          </a:xfrm>
+        </p:spPr>
+        <p:txBody>
+          <a:bodyPr/>
+          <a:lstStyle/>
+          <a:p>
+            <a:r>
+              <a:rPr lang="en-US" dirty="0" smtClean="0">
+                <a:solidFill>
+                  <a:schemeClr val="bg1"/>
+                </a:solidFill>
+              </a:rPr>
+              <a:t>Traditional </a:t>
+            </a:r>
+            <a:r>
+              <a:rPr lang="en-US" dirty="0" err="1" smtClean="0">
+                <a:solidFill>
+                  <a:schemeClr val="bg1"/>
+                </a:solidFill>
+              </a:rPr>
+              <a:t>Moq</a:t>
+            </a:r>
+            <a:r>
+              <a:rPr lang="en-US" dirty="0" smtClean="0">
+                <a:solidFill>
+                  <a:schemeClr val="bg1"/>
+                </a:solidFill>
+              </a:rPr>
+              <a:t> Constructor Tests</a:t>
+            </a:r>
+          </a:p>
+          <a:p>
+            <a:r>
+              <a:rPr lang="en-US" dirty="0" err="1" smtClean="0"/>
+              <a:t>AutoMoq</a:t>
+            </a:r>
+            <a:r>
+              <a:rPr lang="en-US" dirty="0" smtClean="0"/>
+              <a:t> Test</a:t>
+            </a:r>
+            <a:endParaRPr lang="en-US" dirty="0" smtClean="0"/>
+          </a:p>
+          <a:p>
+            <a:endParaRPr lang="en-US" dirty="0" smtClean="0"/>
+          </a:p>
+          <a:p>
+            <a:endParaRPr lang="en-US" dirty="0" smtClean="0"/>
+          </a:p>
+        </p:txBody>
+      </p:sp>
+      <p:sp>
+        <p:nvSpPr>
+          <p:cNvPr id="6" name="Rectangle 5"/>
+          <p:cNvSpPr/>
+          <p:nvPr/>
+        </p:nvSpPr>
+        <p:spPr>
+          <a:xfrm>
+            <a:off x="293295" y="1100303"/>
+            <a:ext cx="2690129" cy="1908215"/>
+          </a:xfrm>
+          <a:prstGeom prst="rect">
+            <a:avLst/>
+          </a:prstGeom>
+        </p:spPr>
+        <p:txBody>
+          <a:bodyPr wrap="square">
+            <a:spAutoFit/>
+          </a:bodyPr>
+          <a:lstStyle/>
+          <a:p>
+            <a:pPr>
+              <a:spcAft>
+                <a:spcPts val="1200"/>
+              </a:spcAft>
+            </a:pPr>
+            <a:r>
+              <a:rPr lang="en-US" sz="1800" dirty="0" err="1" smtClean="0">
+                <a:solidFill>
+                  <a:schemeClr val="tx2">
+                    <a:lumMod val="40000"/>
+                    <a:lumOff val="60000"/>
+                  </a:schemeClr>
+                </a:solidFill>
+              </a:rPr>
+              <a:t>Moq</a:t>
+            </a:r>
+            <a:r>
+              <a:rPr lang="en-US" sz="1800" dirty="0" smtClean="0">
+                <a:solidFill>
+                  <a:schemeClr val="tx2">
+                    <a:lumMod val="40000"/>
+                    <a:lumOff val="60000"/>
+                  </a:schemeClr>
+                </a:solidFill>
+              </a:rPr>
+              <a:t> is a mocking library for </a:t>
+            </a:r>
+            <a:r>
+              <a:rPr lang="en-US" sz="1800" dirty="0" err="1" smtClean="0">
+                <a:solidFill>
+                  <a:schemeClr val="tx2">
+                    <a:lumMod val="40000"/>
+                    <a:lumOff val="60000"/>
+                  </a:schemeClr>
+                </a:solidFill>
+              </a:rPr>
+              <a:t>.net</a:t>
+            </a:r>
+            <a:endParaRPr lang="en-US" sz="1800" dirty="0" smtClean="0">
+              <a:solidFill>
+                <a:schemeClr val="tx2">
+                  <a:lumMod val="40000"/>
+                  <a:lumOff val="60000"/>
+                </a:schemeClr>
+              </a:solidFill>
+            </a:endParaRPr>
+          </a:p>
+          <a:p>
+            <a:pPr>
+              <a:spcAft>
+                <a:spcPts val="1200"/>
+              </a:spcAft>
+            </a:pPr>
+            <a:r>
+              <a:rPr lang="en-US" sz="1800" dirty="0" err="1" smtClean="0">
+                <a:solidFill>
+                  <a:schemeClr val="tx2">
+                    <a:lumMod val="40000"/>
+                    <a:lumOff val="60000"/>
+                  </a:schemeClr>
+                </a:solidFill>
+              </a:rPr>
+              <a:t>AutoMoq</a:t>
+            </a:r>
+            <a:r>
+              <a:rPr lang="en-US" sz="1800" dirty="0" smtClean="0">
+                <a:solidFill>
+                  <a:schemeClr val="tx2">
+                    <a:lumMod val="40000"/>
+                    <a:lumOff val="60000"/>
+                  </a:schemeClr>
+                </a:solidFill>
+              </a:rPr>
+              <a:t> is </a:t>
+            </a:r>
+            <a:r>
+              <a:rPr lang="en-US" sz="1800" dirty="0" err="1" smtClean="0">
+                <a:solidFill>
+                  <a:schemeClr val="tx2">
+                    <a:lumMod val="40000"/>
+                    <a:lumOff val="60000"/>
+                  </a:schemeClr>
+                </a:solidFill>
+              </a:rPr>
+              <a:t>AutoFixture</a:t>
+            </a:r>
+            <a:r>
+              <a:rPr lang="en-US" sz="1800" dirty="0" smtClean="0">
+                <a:solidFill>
+                  <a:schemeClr val="tx2">
+                    <a:lumMod val="40000"/>
+                    <a:lumOff val="60000"/>
+                  </a:schemeClr>
+                </a:solidFill>
+              </a:rPr>
+              <a:t> using </a:t>
+            </a:r>
+            <a:r>
+              <a:rPr lang="en-US" sz="1800" dirty="0" err="1" smtClean="0">
+                <a:solidFill>
+                  <a:schemeClr val="tx2">
+                    <a:lumMod val="40000"/>
+                    <a:lumOff val="60000"/>
+                  </a:schemeClr>
+                </a:solidFill>
+              </a:rPr>
+              <a:t>Moq</a:t>
+            </a:r>
+            <a:r>
+              <a:rPr lang="en-US" sz="1800" dirty="0" smtClean="0">
+                <a:solidFill>
+                  <a:schemeClr val="tx2">
+                    <a:lumMod val="40000"/>
+                    <a:lumOff val="60000"/>
+                  </a:schemeClr>
+                </a:solidFill>
+              </a:rPr>
+              <a:t> to automatically resolve dependencies.</a:t>
+            </a:r>
+            <a:endParaRPr lang="en-US" sz="1800" dirty="0">
+              <a:solidFill>
+                <a:schemeClr val="tx2">
+                  <a:lumMod val="40000"/>
+                  <a:lumOff val="60000"/>
+                </a:schemeClr>
+              </a:solidFill>
+            </a:endParaRPr>
+          </a:p>
+        </p:txBody>
+      </p:sp>
+      <p:pic>
+        <p:nvPicPr>
+          <p:cNvPr id="4" name="Picture 3"/>
+          <p:cNvPicPr>
+            <a:picLocks noChangeAspect="1"/>
+          </p:cNvPicPr>
+          <p:nvPr/>
+        </p:nvPicPr>
+        <p:blipFill>
+          <a:blip r:embed="rId3"/>
+          <a:stretch>
+            <a:fillRect/>
+          </a:stretch>
+        </p:blipFill>
+        <p:spPr>
+          <a:xfrm>
+            <a:off x="3360319" y="681896"/>
+            <a:ext cx="5254291" cy="4076605"/>
+          </a:xfrm>
+          <a:prstGeom prst="rect">
+            <a:avLst/>
+          </a:prstGeom>
+        </p:spPr>
+      </p:pic>
+    </p:spTree>
+    <p:extLst>
+      <p:ext uri="{BB962C8B-B14F-4D97-AF65-F5344CB8AC3E}">
+        <p14:creationId xmlns:p14="http://schemas.microsoft.com/office/powerpoint/2010/main" val="559968561"/>
+      </p:ext>
+    </p:extLst>
+  </p:cSld>
+  <p:clrMapOvr>
+    <a:masterClrMapping/>
+  </p:clrMapOvr>
+  <p:transition spd="slow">
+    <p:cover/>
+  </p:transition>
+  <p:timing>
+    <p:tnLst>
+      <p:par>
+        <p:cTn id="1" dur="indefinite" restart="never" nodeType="tmRoot"/>
+      </p:par>
+    </p:tnLst>
+  </p:timing>
+</p:sld>
+</file>
+
+<file path=ppt/slides/slide36.xml><?xml version="1.0" encoding="utf-8"?>
+<p:sld xmlns:a="http://schemas.openxmlformats.org/drawingml/2006/main" xmlns:r="http://schemas.openxmlformats.org/officeDocument/2006/relationships" xmlns:p="http://schemas.openxmlformats.org/presentationml/2006/main">
+  <p:cSld>
+    <p:spTree>
+      <p:nvGrpSpPr>
+        <p:cNvPr id="1" name=""/>
+        <p:cNvGrpSpPr/>
+        <p:nvPr/>
+      </p:nvGrpSpPr>
+      <p:grpSpPr>
+        <a:xfrm>
+          <a:off x="0" y="0"/>
+          <a:ext cx="0" cy="0"/>
+          <a:chOff x="0" y="0"/>
+          <a:chExt cx="0" cy="0"/>
+        </a:xfrm>
+      </p:grpSpPr>
+      <p:sp>
+        <p:nvSpPr>
+          <p:cNvPr id="5" name="Title 4"/>
+          <p:cNvSpPr>
+            <a:spLocks noGrp="1"/>
+          </p:cNvSpPr>
+          <p:nvPr>
+            <p:ph type="title"/>
+          </p:nvPr>
+        </p:nvSpPr>
+        <p:spPr/>
+        <p:txBody>
+          <a:bodyPr/>
+          <a:lstStyle/>
+          <a:p>
+            <a:r>
+              <a:rPr lang="en-US" dirty="0" smtClean="0"/>
+              <a:t>Introduction</a:t>
+            </a:r>
+            <a:endParaRPr lang="en-US" dirty="0"/>
+          </a:p>
+        </p:txBody>
+      </p:sp>
+      <p:sp>
+        <p:nvSpPr>
+          <p:cNvPr id="8" name="Text Placeholder 7"/>
+          <p:cNvSpPr>
+            <a:spLocks noGrp="1"/>
+          </p:cNvSpPr>
+          <p:nvPr>
+            <p:ph type="body" sz="quarter" idx="25"/>
+          </p:nvPr>
+        </p:nvSpPr>
+        <p:spPr/>
+        <p:txBody>
+          <a:bodyPr/>
+          <a:lstStyle/>
+          <a:p>
+            <a:r>
+              <a:rPr lang="en-US" dirty="0" err="1" smtClean="0"/>
+              <a:t>Moq</a:t>
+            </a:r>
+            <a:r>
+              <a:rPr lang="en-US" dirty="0" smtClean="0"/>
+              <a:t> and </a:t>
+            </a:r>
+            <a:r>
+              <a:rPr lang="en-US" dirty="0" err="1" smtClean="0"/>
+              <a:t>AutoMoq</a:t>
+            </a:r>
+            <a:endParaRPr lang="en-US" dirty="0"/>
+          </a:p>
+        </p:txBody>
+      </p:sp>
+      <p:sp>
+        <p:nvSpPr>
+          <p:cNvPr id="2" name="Content Placeholder 1"/>
+          <p:cNvSpPr>
+            <a:spLocks noGrp="1"/>
+          </p:cNvSpPr>
+          <p:nvPr>
+            <p:ph idx="1"/>
+          </p:nvPr>
+        </p:nvSpPr>
+        <p:spPr>
+          <a:xfrm>
+            <a:off x="293298" y="2952427"/>
+            <a:ext cx="2725948" cy="2490841"/>
+          </a:xfrm>
+        </p:spPr>
+        <p:txBody>
+          <a:bodyPr/>
+          <a:lstStyle/>
+          <a:p>
+            <a:r>
+              <a:rPr lang="en-US" dirty="0" smtClean="0"/>
+              <a:t>Traditional </a:t>
+            </a:r>
+            <a:r>
+              <a:rPr lang="en-US" dirty="0" err="1" smtClean="0"/>
+              <a:t>Moq</a:t>
+            </a:r>
+            <a:r>
+              <a:rPr lang="en-US" dirty="0" smtClean="0"/>
+              <a:t> Constructor Tests</a:t>
+            </a:r>
+          </a:p>
+          <a:p>
+            <a:r>
+              <a:rPr lang="en-US" dirty="0" err="1" smtClean="0">
+                <a:solidFill>
+                  <a:schemeClr val="bg1"/>
+                </a:solidFill>
+              </a:rPr>
+              <a:t>AutoMoq</a:t>
+            </a:r>
+            <a:r>
+              <a:rPr lang="en-US" dirty="0" smtClean="0">
+                <a:solidFill>
+                  <a:schemeClr val="bg1"/>
+                </a:solidFill>
+              </a:rPr>
+              <a:t> Test</a:t>
+            </a:r>
+            <a:endParaRPr lang="en-US" dirty="0" smtClean="0">
+              <a:solidFill>
+                <a:schemeClr val="bg1"/>
+              </a:solidFill>
+            </a:endParaRPr>
+          </a:p>
+          <a:p>
+            <a:endParaRPr lang="en-US" dirty="0" smtClean="0"/>
+          </a:p>
+          <a:p>
+            <a:endParaRPr lang="en-US" dirty="0" smtClean="0"/>
+          </a:p>
+        </p:txBody>
+      </p:sp>
+      <p:sp>
+        <p:nvSpPr>
+          <p:cNvPr id="6" name="Rectangle 5"/>
+          <p:cNvSpPr/>
+          <p:nvPr/>
+        </p:nvSpPr>
+        <p:spPr>
+          <a:xfrm>
+            <a:off x="293295" y="1100303"/>
+            <a:ext cx="2690129" cy="1908215"/>
+          </a:xfrm>
+          <a:prstGeom prst="rect">
+            <a:avLst/>
+          </a:prstGeom>
+        </p:spPr>
+        <p:txBody>
+          <a:bodyPr wrap="square">
+            <a:spAutoFit/>
+          </a:bodyPr>
+          <a:lstStyle/>
+          <a:p>
+            <a:pPr>
+              <a:spcAft>
+                <a:spcPts val="1200"/>
+              </a:spcAft>
+            </a:pPr>
+            <a:r>
+              <a:rPr lang="en-US" sz="1800" dirty="0" err="1" smtClean="0">
+                <a:solidFill>
+                  <a:schemeClr val="tx2">
+                    <a:lumMod val="40000"/>
+                    <a:lumOff val="60000"/>
+                  </a:schemeClr>
+                </a:solidFill>
+              </a:rPr>
+              <a:t>Moq</a:t>
+            </a:r>
+            <a:r>
+              <a:rPr lang="en-US" sz="1800" dirty="0" smtClean="0">
+                <a:solidFill>
+                  <a:schemeClr val="tx2">
+                    <a:lumMod val="40000"/>
+                    <a:lumOff val="60000"/>
+                  </a:schemeClr>
+                </a:solidFill>
+              </a:rPr>
+              <a:t> is a mocking library for </a:t>
+            </a:r>
+            <a:r>
+              <a:rPr lang="en-US" sz="1800" dirty="0" err="1" smtClean="0">
+                <a:solidFill>
+                  <a:schemeClr val="tx2">
+                    <a:lumMod val="40000"/>
+                    <a:lumOff val="60000"/>
+                  </a:schemeClr>
+                </a:solidFill>
+              </a:rPr>
+              <a:t>.net</a:t>
+            </a:r>
+            <a:endParaRPr lang="en-US" sz="1800" dirty="0" smtClean="0">
+              <a:solidFill>
+                <a:schemeClr val="tx2">
+                  <a:lumMod val="40000"/>
+                  <a:lumOff val="60000"/>
+                </a:schemeClr>
+              </a:solidFill>
+            </a:endParaRPr>
+          </a:p>
+          <a:p>
+            <a:pPr>
+              <a:spcAft>
+                <a:spcPts val="1200"/>
+              </a:spcAft>
+            </a:pPr>
+            <a:r>
+              <a:rPr lang="en-US" sz="1800" dirty="0" err="1" smtClean="0">
+                <a:solidFill>
+                  <a:schemeClr val="tx2">
+                    <a:lumMod val="40000"/>
+                    <a:lumOff val="60000"/>
+                  </a:schemeClr>
+                </a:solidFill>
+              </a:rPr>
+              <a:t>AutoMoq</a:t>
+            </a:r>
+            <a:r>
+              <a:rPr lang="en-US" sz="1800" dirty="0" smtClean="0">
+                <a:solidFill>
+                  <a:schemeClr val="tx2">
+                    <a:lumMod val="40000"/>
+                    <a:lumOff val="60000"/>
+                  </a:schemeClr>
+                </a:solidFill>
+              </a:rPr>
+              <a:t> is </a:t>
+            </a:r>
+            <a:r>
+              <a:rPr lang="en-US" sz="1800" dirty="0" err="1" smtClean="0">
+                <a:solidFill>
+                  <a:schemeClr val="tx2">
+                    <a:lumMod val="40000"/>
+                    <a:lumOff val="60000"/>
+                  </a:schemeClr>
+                </a:solidFill>
+              </a:rPr>
+              <a:t>AutoFixture</a:t>
+            </a:r>
+            <a:r>
+              <a:rPr lang="en-US" sz="1800" dirty="0" smtClean="0">
+                <a:solidFill>
+                  <a:schemeClr val="tx2">
+                    <a:lumMod val="40000"/>
+                    <a:lumOff val="60000"/>
+                  </a:schemeClr>
+                </a:solidFill>
+              </a:rPr>
+              <a:t> using </a:t>
+            </a:r>
+            <a:r>
+              <a:rPr lang="en-US" sz="1800" dirty="0" err="1" smtClean="0">
+                <a:solidFill>
+                  <a:schemeClr val="tx2">
+                    <a:lumMod val="40000"/>
+                    <a:lumOff val="60000"/>
+                  </a:schemeClr>
+                </a:solidFill>
+              </a:rPr>
+              <a:t>Moq</a:t>
+            </a:r>
+            <a:r>
+              <a:rPr lang="en-US" sz="1800" dirty="0" smtClean="0">
+                <a:solidFill>
+                  <a:schemeClr val="tx2">
+                    <a:lumMod val="40000"/>
+                    <a:lumOff val="60000"/>
+                  </a:schemeClr>
+                </a:solidFill>
+              </a:rPr>
+              <a:t> to automatically resolve dependencies.</a:t>
+            </a:r>
+            <a:endParaRPr lang="en-US" sz="1800" dirty="0">
+              <a:solidFill>
+                <a:schemeClr val="tx2">
+                  <a:lumMod val="40000"/>
+                  <a:lumOff val="60000"/>
+                </a:schemeClr>
+              </a:solidFill>
+            </a:endParaRPr>
+          </a:p>
+        </p:txBody>
+      </p:sp>
+      <p:pic>
+        <p:nvPicPr>
+          <p:cNvPr id="3" name="Picture 2"/>
+          <p:cNvPicPr>
+            <a:picLocks noChangeAspect="1"/>
+          </p:cNvPicPr>
+          <p:nvPr/>
+        </p:nvPicPr>
+        <p:blipFill>
+          <a:blip r:embed="rId3"/>
+          <a:stretch>
+            <a:fillRect/>
+          </a:stretch>
+        </p:blipFill>
+        <p:spPr>
+          <a:xfrm>
+            <a:off x="3259805" y="475194"/>
+            <a:ext cx="7629525" cy="4267200"/>
+          </a:xfrm>
+          <a:prstGeom prst="rect">
+            <a:avLst/>
+          </a:prstGeom>
+        </p:spPr>
+      </p:pic>
+    </p:spTree>
+    <p:extLst>
+      <p:ext uri="{BB962C8B-B14F-4D97-AF65-F5344CB8AC3E}">
+        <p14:creationId xmlns:p14="http://schemas.microsoft.com/office/powerpoint/2010/main" val="975240161"/>
+      </p:ext>
+    </p:extLst>
+  </p:cSld>
+  <p:clrMapOvr>
+    <a:masterClrMapping/>
+  </p:clrMapOvr>
+  <p:transition spd="slow">
+    <p:cover/>
+  </p:transition>
+  <p:timing>
+    <p:tnLst>
+      <p:par>
+        <p:cTn id="1" dur="indefinite" restart="never" nodeType="tmRoot"/>
+      </p:par>
+    </p:tnLst>
+  </p:timing>
+</p:sld>
+</file>
+
+<file path=ppt/slides/slide37.xml><?xml version="1.0" encoding="utf-8"?>
+<p:sld xmlns:a="http://schemas.openxmlformats.org/drawingml/2006/main" xmlns:r="http://schemas.openxmlformats.org/officeDocument/2006/relationships" xmlns:p="http://schemas.openxmlformats.org/presentationml/2006/main">
+  <p:cSld>
+    <p:spTree>
+      <p:nvGrpSpPr>
+        <p:cNvPr id="1" name=""/>
+        <p:cNvGrpSpPr/>
+        <p:nvPr/>
+      </p:nvGrpSpPr>
+      <p:grpSpPr>
+        <a:xfrm>
+          <a:off x="0" y="0"/>
+          <a:ext cx="0" cy="0"/>
+          <a:chOff x="0" y="0"/>
+          <a:chExt cx="0" cy="0"/>
+        </a:xfrm>
+      </p:grpSpPr>
+      <p:sp>
+        <p:nvSpPr>
+          <p:cNvPr id="5" name="Title 4"/>
+          <p:cNvSpPr>
+            <a:spLocks noGrp="1"/>
+          </p:cNvSpPr>
+          <p:nvPr>
+            <p:ph type="title"/>
+          </p:nvPr>
+        </p:nvSpPr>
+        <p:spPr/>
+        <p:txBody>
+          <a:bodyPr/>
+          <a:lstStyle/>
+          <a:p>
+            <a:r>
+              <a:rPr lang="en-US" dirty="0" smtClean="0"/>
+              <a:t>Introduction</a:t>
+            </a:r>
+            <a:endParaRPr lang="en-US" dirty="0"/>
+          </a:p>
+        </p:txBody>
+      </p:sp>
+      <p:sp>
+        <p:nvSpPr>
+          <p:cNvPr id="8" name="Text Placeholder 7"/>
+          <p:cNvSpPr>
+            <a:spLocks noGrp="1"/>
+          </p:cNvSpPr>
+          <p:nvPr>
+            <p:ph type="body" sz="quarter" idx="25"/>
+          </p:nvPr>
+        </p:nvSpPr>
+        <p:spPr/>
+        <p:txBody>
+          <a:bodyPr/>
+          <a:lstStyle/>
+          <a:p>
+            <a:r>
+              <a:rPr lang="en-US" dirty="0" err="1" smtClean="0"/>
+              <a:t>Moq</a:t>
+            </a:r>
+            <a:r>
+              <a:rPr lang="en-US" dirty="0" smtClean="0"/>
+              <a:t> and </a:t>
+            </a:r>
+            <a:r>
+              <a:rPr lang="en-US" dirty="0" err="1" smtClean="0"/>
+              <a:t>AutoMoq</a:t>
+            </a:r>
+            <a:endParaRPr lang="en-US" dirty="0"/>
+          </a:p>
+        </p:txBody>
+      </p:sp>
+      <p:sp>
+        <p:nvSpPr>
+          <p:cNvPr id="2" name="Content Placeholder 1"/>
+          <p:cNvSpPr>
+            <a:spLocks noGrp="1"/>
+          </p:cNvSpPr>
+          <p:nvPr>
+            <p:ph idx="1"/>
+          </p:nvPr>
+        </p:nvSpPr>
+        <p:spPr>
+          <a:xfrm>
+            <a:off x="293298" y="2952427"/>
+            <a:ext cx="2725948" cy="2490841"/>
+          </a:xfrm>
+        </p:spPr>
+        <p:txBody>
+          <a:bodyPr/>
+          <a:lstStyle/>
+          <a:p>
+            <a:r>
+              <a:rPr lang="en-US" dirty="0" smtClean="0"/>
+              <a:t>Traditional </a:t>
+            </a:r>
+            <a:r>
+              <a:rPr lang="en-US" dirty="0" err="1" smtClean="0"/>
+              <a:t>Moq</a:t>
+            </a:r>
+            <a:r>
+              <a:rPr lang="en-US" dirty="0" smtClean="0"/>
+              <a:t> Constructor Tests</a:t>
+            </a:r>
+          </a:p>
+          <a:p>
+            <a:r>
+              <a:rPr lang="en-US" dirty="0" err="1" smtClean="0">
+                <a:solidFill>
+                  <a:schemeClr val="bg1"/>
+                </a:solidFill>
+              </a:rPr>
+              <a:t>AutoMoq</a:t>
+            </a:r>
+            <a:r>
+              <a:rPr lang="en-US" dirty="0" smtClean="0">
+                <a:solidFill>
+                  <a:schemeClr val="bg1"/>
+                </a:solidFill>
+              </a:rPr>
+              <a:t> Test</a:t>
+            </a:r>
+            <a:endParaRPr lang="en-US" dirty="0" smtClean="0">
+              <a:solidFill>
+                <a:schemeClr val="bg1"/>
+              </a:solidFill>
+            </a:endParaRPr>
+          </a:p>
+          <a:p>
+            <a:endParaRPr lang="en-US" dirty="0" smtClean="0"/>
+          </a:p>
+          <a:p>
+            <a:endParaRPr lang="en-US" dirty="0" smtClean="0"/>
+          </a:p>
+        </p:txBody>
+      </p:sp>
+      <p:sp>
+        <p:nvSpPr>
+          <p:cNvPr id="6" name="Rectangle 5"/>
+          <p:cNvSpPr/>
+          <p:nvPr/>
+        </p:nvSpPr>
+        <p:spPr>
+          <a:xfrm>
+            <a:off x="293295" y="1100303"/>
+            <a:ext cx="2690129" cy="1908215"/>
+          </a:xfrm>
+          <a:prstGeom prst="rect">
+            <a:avLst/>
+          </a:prstGeom>
+        </p:spPr>
+        <p:txBody>
+          <a:bodyPr wrap="square">
+            <a:spAutoFit/>
+          </a:bodyPr>
+          <a:lstStyle/>
+          <a:p>
+            <a:pPr>
+              <a:spcAft>
+                <a:spcPts val="1200"/>
+              </a:spcAft>
+            </a:pPr>
+            <a:r>
+              <a:rPr lang="en-US" sz="1800" dirty="0" err="1" smtClean="0">
+                <a:solidFill>
+                  <a:schemeClr val="tx2">
+                    <a:lumMod val="40000"/>
+                    <a:lumOff val="60000"/>
+                  </a:schemeClr>
+                </a:solidFill>
+              </a:rPr>
+              <a:t>Moq</a:t>
+            </a:r>
+            <a:r>
+              <a:rPr lang="en-US" sz="1800" dirty="0" smtClean="0">
+                <a:solidFill>
+                  <a:schemeClr val="tx2">
+                    <a:lumMod val="40000"/>
+                    <a:lumOff val="60000"/>
+                  </a:schemeClr>
+                </a:solidFill>
+              </a:rPr>
+              <a:t> is a mocking library for </a:t>
+            </a:r>
+            <a:r>
+              <a:rPr lang="en-US" sz="1800" dirty="0" err="1" smtClean="0">
+                <a:solidFill>
+                  <a:schemeClr val="tx2">
+                    <a:lumMod val="40000"/>
+                    <a:lumOff val="60000"/>
+                  </a:schemeClr>
+                </a:solidFill>
+              </a:rPr>
+              <a:t>.net</a:t>
+            </a:r>
+            <a:endParaRPr lang="en-US" sz="1800" dirty="0" smtClean="0">
+              <a:solidFill>
+                <a:schemeClr val="tx2">
+                  <a:lumMod val="40000"/>
+                  <a:lumOff val="60000"/>
+                </a:schemeClr>
+              </a:solidFill>
+            </a:endParaRPr>
+          </a:p>
+          <a:p>
+            <a:pPr>
+              <a:spcAft>
+                <a:spcPts val="1200"/>
+              </a:spcAft>
+            </a:pPr>
+            <a:r>
+              <a:rPr lang="en-US" sz="1800" dirty="0" err="1" smtClean="0">
+                <a:solidFill>
+                  <a:schemeClr val="tx2">
+                    <a:lumMod val="40000"/>
+                    <a:lumOff val="60000"/>
+                  </a:schemeClr>
+                </a:solidFill>
+              </a:rPr>
+              <a:t>AutoMoq</a:t>
+            </a:r>
+            <a:r>
+              <a:rPr lang="en-US" sz="1800" dirty="0" smtClean="0">
+                <a:solidFill>
+                  <a:schemeClr val="tx2">
+                    <a:lumMod val="40000"/>
+                    <a:lumOff val="60000"/>
+                  </a:schemeClr>
+                </a:solidFill>
+              </a:rPr>
+              <a:t> is </a:t>
+            </a:r>
+            <a:r>
+              <a:rPr lang="en-US" sz="1800" dirty="0" err="1" smtClean="0">
+                <a:solidFill>
+                  <a:schemeClr val="tx2">
+                    <a:lumMod val="40000"/>
+                    <a:lumOff val="60000"/>
+                  </a:schemeClr>
+                </a:solidFill>
+              </a:rPr>
+              <a:t>AutoFixture</a:t>
+            </a:r>
+            <a:r>
+              <a:rPr lang="en-US" sz="1800" dirty="0" smtClean="0">
+                <a:solidFill>
+                  <a:schemeClr val="tx2">
+                    <a:lumMod val="40000"/>
+                    <a:lumOff val="60000"/>
+                  </a:schemeClr>
+                </a:solidFill>
+              </a:rPr>
+              <a:t> using </a:t>
+            </a:r>
+            <a:r>
+              <a:rPr lang="en-US" sz="1800" dirty="0" err="1" smtClean="0">
+                <a:solidFill>
+                  <a:schemeClr val="tx2">
+                    <a:lumMod val="40000"/>
+                    <a:lumOff val="60000"/>
+                  </a:schemeClr>
+                </a:solidFill>
+              </a:rPr>
+              <a:t>Moq</a:t>
+            </a:r>
+            <a:r>
+              <a:rPr lang="en-US" sz="1800" dirty="0" smtClean="0">
+                <a:solidFill>
+                  <a:schemeClr val="tx2">
+                    <a:lumMod val="40000"/>
+                    <a:lumOff val="60000"/>
+                  </a:schemeClr>
+                </a:solidFill>
+              </a:rPr>
+              <a:t> to automatically resolve dependencies.</a:t>
+            </a:r>
+            <a:endParaRPr lang="en-US" sz="1800" dirty="0">
+              <a:solidFill>
+                <a:schemeClr val="tx2">
+                  <a:lumMod val="40000"/>
+                  <a:lumOff val="60000"/>
+                </a:schemeClr>
+              </a:solidFill>
+            </a:endParaRPr>
+          </a:p>
+        </p:txBody>
+      </p:sp>
+      <p:pic>
+        <p:nvPicPr>
+          <p:cNvPr id="3" name="Picture 2"/>
+          <p:cNvPicPr>
+            <a:picLocks noChangeAspect="1"/>
+          </p:cNvPicPr>
+          <p:nvPr/>
+        </p:nvPicPr>
+        <p:blipFill>
+          <a:blip r:embed="rId3"/>
+          <a:stretch>
+            <a:fillRect/>
+          </a:stretch>
+        </p:blipFill>
+        <p:spPr>
+          <a:xfrm>
+            <a:off x="3303771" y="999284"/>
+            <a:ext cx="5703526" cy="3514964"/>
+          </a:xfrm>
+          <a:prstGeom prst="rect">
+            <a:avLst/>
+          </a:prstGeom>
+        </p:spPr>
+      </p:pic>
+    </p:spTree>
+    <p:extLst>
+      <p:ext uri="{BB962C8B-B14F-4D97-AF65-F5344CB8AC3E}">
+        <p14:creationId xmlns:p14="http://schemas.microsoft.com/office/powerpoint/2010/main" val="3792288127"/>
+      </p:ext>
+    </p:extLst>
+  </p:cSld>
+  <p:clrMapOvr>
+    <a:masterClrMapping/>
+  </p:clrMapOvr>
+  <p:transition spd="slow">
+    <p:cover/>
+  </p:transition>
+  <p:timing>
+    <p:tnLst>
+      <p:par>
+        <p:cTn id="1" dur="indefinite" restart="never" nodeType="tmRoot"/>
+      </p:par>
+    </p:tnLst>
+  </p:timing>
+</p:sld>
+</file>
+
+<file path=ppt/slides/slide38.xml><?xml version="1.0" encoding="utf-8"?>
 <p:sld xmlns:a="http://schemas.openxmlformats.org/drawingml/2006/main" xmlns:r="http://schemas.openxmlformats.org/officeDocument/2006/relationships" xmlns:p="http://schemas.openxmlformats.org/presentationml/2006/main">
   <p:cSld>
     <p:spTree>
@@ -20362,7 +22151,7 @@
 </p:sld>
 </file>
 
-<file path=ppt/slides/slide35.xml><?xml version="1.0" encoding="utf-8"?>
+<file path=ppt/slides/slide39.xml><?xml version="1.0" encoding="utf-8"?>
 <p:sld xmlns:a="http://schemas.openxmlformats.org/drawingml/2006/main" xmlns:r="http://schemas.openxmlformats.org/officeDocument/2006/relationships" xmlns:p="http://schemas.openxmlformats.org/presentationml/2006/main">
   <p:cSld>
     <p:spTree>
@@ -20675,7 +22464,79 @@
 </p:sld>
 </file>
 
-<file path=ppt/slides/slide36.xml><?xml version="1.0" encoding="utf-8"?>
+<file path=ppt/slides/slide4.xml><?xml version="1.0" encoding="utf-8"?>
+<p:sld xmlns:a="http://schemas.openxmlformats.org/drawingml/2006/main" xmlns:r="http://schemas.openxmlformats.org/officeDocument/2006/relationships" xmlns:p="http://schemas.openxmlformats.org/presentationml/2006/main">
+  <p:cSld>
+    <p:spTree>
+      <p:nvGrpSpPr>
+        <p:cNvPr id="1" name=""/>
+        <p:cNvGrpSpPr/>
+        <p:nvPr/>
+      </p:nvGrpSpPr>
+      <p:grpSpPr>
+        <a:xfrm>
+          <a:off x="0" y="0"/>
+          <a:ext cx="0" cy="0"/>
+          <a:chOff x="0" y="0"/>
+          <a:chExt cx="0" cy="0"/>
+        </a:xfrm>
+      </p:grpSpPr>
+      <p:sp>
+        <p:nvSpPr>
+          <p:cNvPr id="7" name="Title 6"/>
+          <p:cNvSpPr>
+            <a:spLocks noGrp="1"/>
+          </p:cNvSpPr>
+          <p:nvPr>
+            <p:ph type="title"/>
+          </p:nvPr>
+        </p:nvSpPr>
+        <p:spPr/>
+        <p:txBody>
+          <a:bodyPr/>
+          <a:lstStyle/>
+          <a:p>
+            <a:r>
+              <a:rPr lang="en-US" dirty="0" smtClean="0"/>
+              <a:t>Participation</a:t>
+            </a:r>
+            <a:endParaRPr lang="en-US" dirty="0"/>
+          </a:p>
+        </p:txBody>
+      </p:sp>
+    </p:spTree>
+    <p:extLst>
+      <p:ext uri="{BB962C8B-B14F-4D97-AF65-F5344CB8AC3E}">
+        <p14:creationId xmlns:p14="http://schemas.microsoft.com/office/powerpoint/2010/main" val="3831544649"/>
+      </p:ext>
+    </p:extLst>
+  </p:cSld>
+  <p:clrMapOvr>
+    <a:masterClrMapping/>
+  </p:clrMapOvr>
+  <mc:AlternateContent xmlns:mc="http://schemas.openxmlformats.org/markup-compatibility/2006" xmlns:p14="http://schemas.microsoft.com/office/powerpoint/2010/main">
+    <mc:Choice Requires="p14">
+      <p:transition spd="med" p14:dur="700">
+        <p:fade/>
+      </p:transition>
+    </mc:Choice>
+    <mc:Fallback xmlns="">
+      <p:transition spd="med">
+        <p:fade/>
+      </p:transition>
+    </mc:Fallback>
+  </mc:AlternateContent>
+  <p:timing>
+    <p:tnLst>
+      <p:par>
+        <p:cTn id="1" dur="indefinite" restart="never" nodeType="tmRoot"/>
+      </p:par>
+    </p:tnLst>
+  </p:timing>
+</p:sld>
+</file>
+
+<file path=ppt/slides/slide40.xml><?xml version="1.0" encoding="utf-8"?>
 <p:sld xmlns:a="http://schemas.openxmlformats.org/drawingml/2006/main" xmlns:r="http://schemas.openxmlformats.org/officeDocument/2006/relationships" xmlns:p="http://schemas.openxmlformats.org/presentationml/2006/main">
   <p:cSld>
     <p:spTree>
@@ -21501,7 +23362,7 @@
 </p:sld>
 </file>
 
-<file path=ppt/slides/slide37.xml><?xml version="1.0" encoding="utf-8"?>
+<file path=ppt/slides/slide41.xml><?xml version="1.0" encoding="utf-8"?>
 <p:sld xmlns:a="http://schemas.openxmlformats.org/drawingml/2006/main" xmlns:r="http://schemas.openxmlformats.org/officeDocument/2006/relationships" xmlns:p="http://schemas.openxmlformats.org/presentationml/2006/main">
   <p:cSld>
     <p:spTree>
@@ -21545,78 +23406,6 @@
     <p:extLst>
       <p:ext uri="{BB962C8B-B14F-4D97-AF65-F5344CB8AC3E}">
         <p14:creationId xmlns:p14="http://schemas.microsoft.com/office/powerpoint/2010/main" val="428029349"/>
-      </p:ext>
-    </p:extLst>
-  </p:cSld>
-  <p:clrMapOvr>
-    <a:masterClrMapping/>
-  </p:clrMapOvr>
-  <mc:AlternateContent xmlns:mc="http://schemas.openxmlformats.org/markup-compatibility/2006" xmlns:p14="http://schemas.microsoft.com/office/powerpoint/2010/main">
-    <mc:Choice Requires="p14">
-      <p:transition spd="med" p14:dur="700">
-        <p:fade/>
-      </p:transition>
-    </mc:Choice>
-    <mc:Fallback xmlns="">
-      <p:transition spd="med">
-        <p:fade/>
-      </p:transition>
-    </mc:Fallback>
-  </mc:AlternateContent>
-  <p:timing>
-    <p:tnLst>
-      <p:par>
-        <p:cTn id="1" dur="indefinite" restart="never" nodeType="tmRoot"/>
-      </p:par>
-    </p:tnLst>
-  </p:timing>
-</p:sld>
-</file>
-
-<file path=ppt/slides/slide4.xml><?xml version="1.0" encoding="utf-8"?>
-<p:sld xmlns:a="http://schemas.openxmlformats.org/drawingml/2006/main" xmlns:r="http://schemas.openxmlformats.org/officeDocument/2006/relationships" xmlns:p="http://schemas.openxmlformats.org/presentationml/2006/main">
-  <p:cSld>
-    <p:spTree>
-      <p:nvGrpSpPr>
-        <p:cNvPr id="1" name=""/>
-        <p:cNvGrpSpPr/>
-        <p:nvPr/>
-      </p:nvGrpSpPr>
-      <p:grpSpPr>
-        <a:xfrm>
-          <a:off x="0" y="0"/>
-          <a:ext cx="0" cy="0"/>
-          <a:chOff x="0" y="0"/>
-          <a:chExt cx="0" cy="0"/>
-        </a:xfrm>
-      </p:grpSpPr>
-      <p:sp>
-        <p:nvSpPr>
-          <p:cNvPr id="7" name="Title 6"/>
-          <p:cNvSpPr>
-            <a:spLocks noGrp="1"/>
-          </p:cNvSpPr>
-          <p:nvPr>
-            <p:ph type="title"/>
-          </p:nvPr>
-        </p:nvSpPr>
-        <p:spPr/>
-        <p:txBody>
-          <a:bodyPr/>
-          <a:lstStyle/>
-          <a:p>
-            <a:r>
-              <a:rPr lang="en-US" dirty="0" smtClean="0"/>
-              <a:t>Participation</a:t>
-            </a:r>
-            <a:endParaRPr lang="en-US" dirty="0"/>
-          </a:p>
-        </p:txBody>
-      </p:sp>
-    </p:spTree>
-    <p:extLst>
-      <p:ext uri="{BB962C8B-B14F-4D97-AF65-F5344CB8AC3E}">
-        <p14:creationId xmlns:p14="http://schemas.microsoft.com/office/powerpoint/2010/main" val="3831544649"/>
       </p:ext>
     </p:extLst>
   </p:cSld>

--- a/Documentation/Presentation.pptx
+++ b/Documentation/Presentation.pptx
@@ -920,11 +920,7 @@
             </a:pPr>
             <a:r>
               <a:rPr lang="en-US" dirty="0" smtClean="0"/>
-              <a:t>Red </a:t>
-            </a:r>
-            <a:r>
-              <a:rPr lang="en-US" dirty="0" smtClean="0"/>
-              <a:t>Arrow</a:t>
+              <a:t>Red Arrow</a:t>
             </a:r>
             <a:r>
               <a:rPr lang="en-US" baseline="0" dirty="0" smtClean="0"/>
@@ -958,7 +954,6 @@
               <a:rPr lang="en-US" baseline="0" dirty="0" smtClean="0"/>
               <a:t> January 2014</a:t>
             </a:r>
-            <a:endParaRPr lang="en-US" baseline="0" dirty="0" smtClean="0"/>
           </a:p>
           <a:p>
             <a:pPr marL="171450" indent="-171450">
@@ -967,13 +962,8 @@
             </a:pPr>
             <a:r>
               <a:rPr lang="en-US" baseline="0" dirty="0" smtClean="0"/>
-              <a:t>Where we go from </a:t>
-            </a:r>
-            <a:r>
-              <a:rPr lang="en-US" baseline="0" dirty="0" smtClean="0"/>
-              <a:t>here, Creating an efficient, effective, and easy to use health experience.</a:t>
-            </a:r>
-            <a:endParaRPr lang="en-US" baseline="0" dirty="0" smtClean="0"/>
+              <a:t>Where we go from here, Creating an efficient, effective, and easy to use health experience.</a:t>
+            </a:r>
           </a:p>
         </p:txBody>
       </p:sp>
@@ -1297,6 +1287,18 @@
           <a:bodyPr/>
           <a:lstStyle/>
           <a:p>
+            <a:r>
+              <a:rPr lang="en-US" dirty="0" smtClean="0"/>
+              <a:t>Support in all</a:t>
+            </a:r>
+            <a:r>
+              <a:rPr lang="en-US" baseline="0" dirty="0" smtClean="0"/>
+              <a:t> unit test frameworks. We’ll be using </a:t>
+            </a:r>
+            <a:r>
+              <a:rPr lang="en-US" baseline="0" dirty="0" err="1" smtClean="0"/>
+              <a:t>mstest</a:t>
+            </a:r>
             <a:endParaRPr lang="en-US" dirty="0"/>
           </a:p>
         </p:txBody>
@@ -1793,11 +1795,7 @@
             </a:r>
             <a:r>
               <a:rPr lang="en-US" baseline="0" dirty="0" smtClean="0"/>
-              <a:t> vs </a:t>
-            </a:r>
-            <a:r>
-              <a:rPr lang="en-US" baseline="0" dirty="0" smtClean="0"/>
-              <a:t>Create</a:t>
+              <a:t> vs Create</a:t>
             </a:r>
           </a:p>
           <a:p>
@@ -2712,11 +2710,7 @@
           <a:p>
             <a:r>
               <a:rPr lang="en-US" dirty="0" smtClean="0"/>
-              <a:t>Mention </a:t>
-            </a:r>
-            <a:r>
-              <a:rPr lang="en-US" dirty="0" smtClean="0"/>
-              <a:t>image</a:t>
+              <a:t>Mention image</a:t>
             </a:r>
             <a:r>
               <a:rPr lang="en-US" baseline="0" dirty="0" smtClean="0"/>
@@ -2748,11 +2742,7 @@
             </a:r>
             <a:r>
               <a:rPr lang="en-US" baseline="0" dirty="0" smtClean="0"/>
-              <a:t> </a:t>
-            </a:r>
-            <a:r>
-              <a:rPr lang="en-US" baseline="0" dirty="0" smtClean="0"/>
-              <a:t>override</a:t>
+              <a:t> override</a:t>
             </a:r>
           </a:p>
           <a:p>
@@ -14367,20 +14357,12 @@
               <a:rPr lang="en-US" sz="2800" dirty="0" smtClean="0"/>
               <a:t> </a:t>
             </a:r>
-            <a:r>
-              <a:rPr lang="en-US" sz="2800" dirty="0" smtClean="0"/>
-              <a:t/>
-            </a:r>
             <a:br>
               <a:rPr lang="en-US" sz="2800" dirty="0" smtClean="0"/>
             </a:br>
             <a:r>
               <a:rPr lang="en-US" sz="2800" dirty="0" smtClean="0"/>
-              <a:t>Oh </a:t>
-            </a:r>
-            <a:r>
-              <a:rPr lang="en-US" sz="2800" dirty="0" smtClean="0"/>
-              <a:t>MY!</a:t>
+              <a:t>Oh MY!</a:t>
             </a:r>
             <a:br>
               <a:rPr lang="en-US" sz="2800" dirty="0" smtClean="0"/>
@@ -15030,11 +15012,7 @@
           <a:p>
             <a:r>
               <a:rPr lang="en-US" dirty="0" smtClean="0"/>
-              <a:t>Traditional </a:t>
-            </a:r>
-            <a:r>
-              <a:rPr lang="en-US" dirty="0" smtClean="0"/>
-              <a:t>Arrange</a:t>
+              <a:t>Traditional Arrange</a:t>
             </a:r>
           </a:p>
           <a:p>
@@ -15264,11 +15242,7 @@
           <a:p>
             <a:r>
               <a:rPr lang="en-US" dirty="0" smtClean="0"/>
-              <a:t>Traditional </a:t>
-            </a:r>
-            <a:r>
-              <a:rPr lang="en-US" dirty="0" smtClean="0"/>
-              <a:t>Arrange</a:t>
+              <a:t>Traditional Arrange</a:t>
             </a:r>
           </a:p>
           <a:p>
@@ -15588,7 +15562,7 @@
       </p:sp>
       <p:sp>
         <p:nvSpPr>
-          <p:cNvPr id="2" name="Picture Placeholder 1"/>
+          <p:cNvPr id="5" name="Picture Placeholder 4"/>
           <p:cNvSpPr>
             <a:spLocks noGrp="1"/>
           </p:cNvSpPr>
@@ -15600,7 +15574,7 @@
       </p:sp>
       <p:pic>
         <p:nvPicPr>
-          <p:cNvPr id="3" name="Picture 2"/>
+          <p:cNvPr id="6" name="Picture 5"/>
           <p:cNvPicPr>
             <a:picLocks noChangeAspect="1"/>
           </p:cNvPicPr>
@@ -15614,8 +15588,8 @@
         </p:blipFill>
         <p:spPr>
           <a:xfrm>
-            <a:off x="3293853" y="101904"/>
-            <a:ext cx="4572000" cy="5505450"/>
+            <a:off x="3312421" y="1263979"/>
+            <a:ext cx="5405693" cy="3671030"/>
           </a:xfrm>
           <a:prstGeom prst="rect">
             <a:avLst/>
@@ -15764,15 +15738,7 @@
                   <a:schemeClr val="bg2"/>
                 </a:solidFill>
               </a:rPr>
-              <a:t>Traditional </a:t>
-            </a:r>
-            <a:r>
-              <a:rPr lang="en-US" dirty="0" smtClean="0">
-                <a:solidFill>
-                  <a:schemeClr val="bg2"/>
-                </a:solidFill>
-              </a:rPr>
-              <a:t>Arrange</a:t>
+              <a:t>Traditional Arrange</a:t>
             </a:r>
           </a:p>
           <a:p>
@@ -15895,13 +15861,13 @@
   <p:clrMapOvr>
     <a:masterClrMapping/>
   </p:clrMapOvr>
-  <mc:AlternateContent xmlns:mc="http://schemas.openxmlformats.org/markup-compatibility/2006">
-    <mc:Choice xmlns:p14="http://schemas.microsoft.com/office/powerpoint/2010/main" Requires="p14">
+  <mc:AlternateContent xmlns:mc="http://schemas.openxmlformats.org/markup-compatibility/2006" xmlns:p14="http://schemas.microsoft.com/office/powerpoint/2010/main">
+    <mc:Choice Requires="p14">
       <p:transition spd="med" p14:dur="700">
         <p:fade/>
       </p:transition>
     </mc:Choice>
-    <mc:Fallback>
+    <mc:Fallback xmlns="">
       <p:transition spd="med">
         <p:fade/>
       </p:transition>
@@ -15944,11 +15910,181 @@
             <p:ph type="pic" sz="quarter" idx="10"/>
           </p:nvPr>
         </p:nvSpPr>
-        <p:spPr/>
+        <p:spPr>
+          <a:xfrm>
+            <a:off x="3276600" y="25052"/>
+            <a:ext cx="5867400" cy="5715000"/>
+          </a:xfrm>
+        </p:spPr>
+      </p:sp>
+      <p:sp>
+        <p:nvSpPr>
+          <p:cNvPr id="10" name="Title 4"/>
+          <p:cNvSpPr>
+            <a:spLocks noGrp="1"/>
+          </p:cNvSpPr>
+          <p:nvPr>
+            <p:ph type="title"/>
+          </p:nvPr>
+        </p:nvSpPr>
+        <p:spPr>
+          <a:xfrm>
+            <a:off x="273051" y="681896"/>
+            <a:ext cx="2737568" cy="582083"/>
+          </a:xfrm>
+        </p:spPr>
+        <p:txBody>
+          <a:bodyPr/>
+          <a:lstStyle/>
+          <a:p>
+            <a:r>
+              <a:rPr lang="en-US" dirty="0" smtClean="0"/>
+              <a:t>Introduction</a:t>
+            </a:r>
+            <a:endParaRPr lang="en-US" dirty="0"/>
+          </a:p>
+        </p:txBody>
+      </p:sp>
+      <p:sp>
+        <p:nvSpPr>
+          <p:cNvPr id="11" name="Text Placeholder 7"/>
+          <p:cNvSpPr>
+            <a:spLocks noGrp="1"/>
+          </p:cNvSpPr>
+          <p:nvPr>
+            <p:ph type="body" sz="quarter" idx="25"/>
+          </p:nvPr>
+        </p:nvSpPr>
+        <p:spPr>
+          <a:xfrm>
+            <a:off x="298929" y="475194"/>
+            <a:ext cx="2694437" cy="258532"/>
+          </a:xfrm>
+        </p:spPr>
+        <p:txBody>
+          <a:bodyPr/>
+          <a:lstStyle/>
+          <a:p>
+            <a:r>
+              <a:rPr lang="en-US" dirty="0" smtClean="0"/>
+              <a:t>AutoFixture</a:t>
+            </a:r>
+            <a:endParaRPr lang="en-US" dirty="0"/>
+          </a:p>
+        </p:txBody>
+      </p:sp>
+      <p:sp>
+        <p:nvSpPr>
+          <p:cNvPr id="12" name="Content Placeholder 1"/>
+          <p:cNvSpPr>
+            <a:spLocks noGrp="1"/>
+          </p:cNvSpPr>
+          <p:nvPr>
+            <p:ph idx="1"/>
+          </p:nvPr>
+        </p:nvSpPr>
+        <p:spPr>
+          <a:xfrm>
+            <a:off x="293298" y="2952427"/>
+            <a:ext cx="2725948" cy="2490841"/>
+          </a:xfrm>
+        </p:spPr>
+        <p:txBody>
+          <a:bodyPr/>
+          <a:lstStyle/>
+          <a:p>
+            <a:r>
+              <a:rPr lang="en-US" dirty="0"/>
+              <a:t>Arrange/Act/Assert</a:t>
+            </a:r>
+          </a:p>
+          <a:p>
+            <a:r>
+              <a:rPr lang="en-US" dirty="0" smtClean="0"/>
+              <a:t>Traditional Arrange</a:t>
+            </a:r>
+          </a:p>
+          <a:p>
+            <a:r>
+              <a:rPr lang="en-US" dirty="0" smtClean="0">
+                <a:solidFill>
+                  <a:schemeClr val="bg2"/>
+                </a:solidFill>
+              </a:rPr>
+              <a:t>AutoFixture Arrange</a:t>
+            </a:r>
+          </a:p>
+          <a:p>
+            <a:r>
+              <a:rPr lang="en-US" dirty="0" smtClean="0"/>
+              <a:t>Customize</a:t>
+            </a:r>
+          </a:p>
+          <a:p>
+            <a:r>
+              <a:rPr lang="en-US" dirty="0" smtClean="0"/>
+              <a:t>Gotchas</a:t>
+            </a:r>
+          </a:p>
+          <a:p>
+            <a:endParaRPr lang="en-US" dirty="0" smtClean="0"/>
+          </a:p>
+        </p:txBody>
+      </p:sp>
+      <p:sp>
+        <p:nvSpPr>
+          <p:cNvPr id="13" name="Rectangle 12"/>
+          <p:cNvSpPr/>
+          <p:nvPr/>
+        </p:nvSpPr>
+        <p:spPr>
+          <a:xfrm>
+            <a:off x="293295" y="1100303"/>
+            <a:ext cx="2690129" cy="1754326"/>
+          </a:xfrm>
+          <a:prstGeom prst="rect">
+            <a:avLst/>
+          </a:prstGeom>
+        </p:spPr>
+        <p:txBody>
+          <a:bodyPr wrap="square">
+            <a:spAutoFit/>
+          </a:bodyPr>
+          <a:lstStyle/>
+          <a:p>
+            <a:pPr>
+              <a:spcAft>
+                <a:spcPts val="1200"/>
+              </a:spcAft>
+            </a:pPr>
+            <a:r>
+              <a:rPr lang="en-US" sz="1800" dirty="0" err="1">
+                <a:solidFill>
+                  <a:schemeClr val="tx2">
+                    <a:lumMod val="40000"/>
+                    <a:lumOff val="60000"/>
+                  </a:schemeClr>
+                </a:solidFill>
+              </a:rPr>
+              <a:t>AutoFixture</a:t>
+            </a:r>
+            <a:r>
+              <a:rPr lang="en-US" sz="1800" dirty="0">
+                <a:solidFill>
+                  <a:schemeClr val="tx2">
+                    <a:lumMod val="40000"/>
+                    <a:lumOff val="60000"/>
+                  </a:schemeClr>
+                </a:solidFill>
+              </a:rPr>
+              <a:t> is an open source library for .NET designed to minimize the 'Arrange' phase of your unit tests in order to maximize maintainability.</a:t>
+            </a:r>
+          </a:p>
+        </p:txBody>
       </p:sp>
       <p:pic>
         <p:nvPicPr>
-          <p:cNvPr id="4" name="Picture 3"/>
+          <p:cNvPr id="2" name="Picture 1"/>
           <p:cNvPicPr>
             <a:picLocks noChangeAspect="1"/>
           </p:cNvPicPr>
@@ -15962,183 +16098,14 @@
         </p:blipFill>
         <p:spPr>
           <a:xfrm>
-            <a:off x="3302481" y="1715150"/>
-            <a:ext cx="5841520" cy="1576506"/>
+            <a:off x="3312422" y="1844066"/>
+            <a:ext cx="6046046" cy="1763430"/>
           </a:xfrm>
           <a:prstGeom prst="rect">
             <a:avLst/>
           </a:prstGeom>
         </p:spPr>
       </p:pic>
-      <p:sp>
-        <p:nvSpPr>
-          <p:cNvPr id="10" name="Title 4"/>
-          <p:cNvSpPr>
-            <a:spLocks noGrp="1"/>
-          </p:cNvSpPr>
-          <p:nvPr>
-            <p:ph type="title"/>
-          </p:nvPr>
-        </p:nvSpPr>
-        <p:spPr>
-          <a:xfrm>
-            <a:off x="273051" y="681896"/>
-            <a:ext cx="2737568" cy="582083"/>
-          </a:xfrm>
-        </p:spPr>
-        <p:txBody>
-          <a:bodyPr/>
-          <a:lstStyle/>
-          <a:p>
-            <a:r>
-              <a:rPr lang="en-US" dirty="0" smtClean="0"/>
-              <a:t>Introduction</a:t>
-            </a:r>
-            <a:endParaRPr lang="en-US" dirty="0"/>
-          </a:p>
-        </p:txBody>
-      </p:sp>
-      <p:sp>
-        <p:nvSpPr>
-          <p:cNvPr id="11" name="Text Placeholder 7"/>
-          <p:cNvSpPr>
-            <a:spLocks noGrp="1"/>
-          </p:cNvSpPr>
-          <p:nvPr>
-            <p:ph type="body" sz="quarter" idx="25"/>
-          </p:nvPr>
-        </p:nvSpPr>
-        <p:spPr>
-          <a:xfrm>
-            <a:off x="298929" y="475194"/>
-            <a:ext cx="2694437" cy="258532"/>
-          </a:xfrm>
-        </p:spPr>
-        <p:txBody>
-          <a:bodyPr/>
-          <a:lstStyle/>
-          <a:p>
-            <a:r>
-              <a:rPr lang="en-US" dirty="0" smtClean="0"/>
-              <a:t>AutoFixture</a:t>
-            </a:r>
-            <a:endParaRPr lang="en-US" dirty="0"/>
-          </a:p>
-        </p:txBody>
-      </p:sp>
-      <p:sp>
-        <p:nvSpPr>
-          <p:cNvPr id="12" name="Content Placeholder 1"/>
-          <p:cNvSpPr>
-            <a:spLocks noGrp="1"/>
-          </p:cNvSpPr>
-          <p:nvPr>
-            <p:ph idx="1"/>
-          </p:nvPr>
-        </p:nvSpPr>
-        <p:spPr>
-          <a:xfrm>
-            <a:off x="293298" y="2952427"/>
-            <a:ext cx="2725948" cy="2490841"/>
-          </a:xfrm>
-        </p:spPr>
-        <p:txBody>
-          <a:bodyPr/>
-          <a:lstStyle/>
-          <a:p>
-            <a:r>
-              <a:rPr lang="en-US" dirty="0"/>
-              <a:t>Arrange/Act/Assert</a:t>
-            </a:r>
-          </a:p>
-          <a:p>
-            <a:r>
-              <a:rPr lang="en-US" dirty="0" smtClean="0"/>
-              <a:t>Traditional </a:t>
-            </a:r>
-            <a:r>
-              <a:rPr lang="en-US" dirty="0" smtClean="0"/>
-              <a:t>Arrange</a:t>
-            </a:r>
-          </a:p>
-          <a:p>
-            <a:r>
-              <a:rPr lang="en-US" dirty="0" smtClean="0">
-                <a:solidFill>
-                  <a:schemeClr val="bg2"/>
-                </a:solidFill>
-              </a:rPr>
-              <a:t>AutoFixture Arrange</a:t>
-            </a:r>
-          </a:p>
-          <a:p>
-            <a:r>
-              <a:rPr lang="en-US" dirty="0" smtClean="0"/>
-              <a:t>Customize</a:t>
-            </a:r>
-          </a:p>
-          <a:p>
-            <a:r>
-              <a:rPr lang="en-US" dirty="0" smtClean="0"/>
-              <a:t>Gotchas</a:t>
-            </a:r>
-          </a:p>
-          <a:p>
-            <a:endParaRPr lang="en-US" dirty="0" smtClean="0"/>
-          </a:p>
-        </p:txBody>
-      </p:sp>
-      <p:sp>
-        <p:nvSpPr>
-          <p:cNvPr id="13" name="Rectangle 12"/>
-          <p:cNvSpPr/>
-          <p:nvPr/>
-        </p:nvSpPr>
-        <p:spPr>
-          <a:xfrm>
-            <a:off x="293295" y="1100303"/>
-            <a:ext cx="2690129" cy="1754326"/>
-          </a:xfrm>
-          <a:prstGeom prst="rect">
-            <a:avLst/>
-          </a:prstGeom>
-        </p:spPr>
-        <p:txBody>
-          <a:bodyPr wrap="square">
-            <a:spAutoFit/>
-          </a:bodyPr>
-          <a:lstStyle/>
-          <a:p>
-            <a:pPr>
-              <a:spcAft>
-                <a:spcPts val="1200"/>
-              </a:spcAft>
-            </a:pPr>
-            <a:r>
-              <a:rPr lang="en-US" sz="1800" dirty="0" err="1">
-                <a:solidFill>
-                  <a:schemeClr val="tx2">
-                    <a:lumMod val="40000"/>
-                    <a:lumOff val="60000"/>
-                  </a:schemeClr>
-                </a:solidFill>
-              </a:rPr>
-              <a:t>AutoFixture</a:t>
-            </a:r>
-            <a:r>
-              <a:rPr lang="en-US" sz="1800" dirty="0">
-                <a:solidFill>
-                  <a:schemeClr val="tx2">
-                    <a:lumMod val="40000"/>
-                    <a:lumOff val="60000"/>
-                  </a:schemeClr>
-                </a:solidFill>
-              </a:rPr>
-              <a:t> is an open source library for .NET designed to minimize the 'Arrange' phase of your unit tests in order to maximize maintainability.</a:t>
-            </a:r>
-          </a:p>
-        </p:txBody>
-      </p:sp>
     </p:spTree>
     <p:extLst>
       <p:ext uri="{BB962C8B-B14F-4D97-AF65-F5344CB8AC3E}">
@@ -16200,9 +16167,174 @@
         </p:nvSpPr>
         <p:spPr/>
       </p:sp>
+      <p:sp>
+        <p:nvSpPr>
+          <p:cNvPr id="10" name="Title 4"/>
+          <p:cNvSpPr>
+            <a:spLocks noGrp="1"/>
+          </p:cNvSpPr>
+          <p:nvPr>
+            <p:ph type="title"/>
+          </p:nvPr>
+        </p:nvSpPr>
+        <p:spPr>
+          <a:xfrm>
+            <a:off x="273051" y="681896"/>
+            <a:ext cx="2737568" cy="582083"/>
+          </a:xfrm>
+        </p:spPr>
+        <p:txBody>
+          <a:bodyPr/>
+          <a:lstStyle/>
+          <a:p>
+            <a:r>
+              <a:rPr lang="en-US" dirty="0" smtClean="0"/>
+              <a:t>Introduction</a:t>
+            </a:r>
+            <a:endParaRPr lang="en-US" dirty="0"/>
+          </a:p>
+        </p:txBody>
+      </p:sp>
+      <p:sp>
+        <p:nvSpPr>
+          <p:cNvPr id="11" name="Text Placeholder 7"/>
+          <p:cNvSpPr>
+            <a:spLocks noGrp="1"/>
+          </p:cNvSpPr>
+          <p:nvPr>
+            <p:ph type="body" sz="quarter" idx="25"/>
+          </p:nvPr>
+        </p:nvSpPr>
+        <p:spPr>
+          <a:xfrm>
+            <a:off x="298929" y="475194"/>
+            <a:ext cx="2694437" cy="258532"/>
+          </a:xfrm>
+        </p:spPr>
+        <p:txBody>
+          <a:bodyPr/>
+          <a:lstStyle/>
+          <a:p>
+            <a:r>
+              <a:rPr lang="en-US" dirty="0" smtClean="0"/>
+              <a:t>AutoFixture</a:t>
+            </a:r>
+            <a:endParaRPr lang="en-US" dirty="0"/>
+          </a:p>
+        </p:txBody>
+      </p:sp>
+      <p:sp>
+        <p:nvSpPr>
+          <p:cNvPr id="12" name="Content Placeholder 1"/>
+          <p:cNvSpPr>
+            <a:spLocks noGrp="1"/>
+          </p:cNvSpPr>
+          <p:nvPr>
+            <p:ph idx="1"/>
+          </p:nvPr>
+        </p:nvSpPr>
+        <p:spPr>
+          <a:xfrm>
+            <a:off x="293298" y="2952427"/>
+            <a:ext cx="2725948" cy="2490841"/>
+          </a:xfrm>
+        </p:spPr>
+        <p:txBody>
+          <a:bodyPr/>
+          <a:lstStyle/>
+          <a:p>
+            <a:r>
+              <a:rPr lang="en-US" dirty="0"/>
+              <a:t>Arrange/Act/Assert</a:t>
+            </a:r>
+          </a:p>
+          <a:p>
+            <a:r>
+              <a:rPr lang="en-US" dirty="0" smtClean="0"/>
+              <a:t>Traditional Arrange</a:t>
+            </a:r>
+          </a:p>
+          <a:p>
+            <a:r>
+              <a:rPr lang="en-US" dirty="0" smtClean="0"/>
+              <a:t>AutoFixture Arrange</a:t>
+            </a:r>
+          </a:p>
+          <a:p>
+            <a:r>
+              <a:rPr lang="en-US" dirty="0" smtClean="0">
+                <a:solidFill>
+                  <a:schemeClr val="bg2"/>
+                </a:solidFill>
+              </a:rPr>
+              <a:t>Customize</a:t>
+            </a:r>
+          </a:p>
+          <a:p>
+            <a:r>
+              <a:rPr lang="en-US" dirty="0" smtClean="0"/>
+              <a:t>Gotchas</a:t>
+            </a:r>
+          </a:p>
+          <a:p>
+            <a:endParaRPr lang="en-US" dirty="0" smtClean="0"/>
+          </a:p>
+        </p:txBody>
+      </p:sp>
+      <p:sp>
+        <p:nvSpPr>
+          <p:cNvPr id="13" name="Rectangle 12"/>
+          <p:cNvSpPr/>
+          <p:nvPr/>
+        </p:nvSpPr>
+        <p:spPr>
+          <a:xfrm>
+            <a:off x="293295" y="1100303"/>
+            <a:ext cx="2690129" cy="1754326"/>
+          </a:xfrm>
+          <a:prstGeom prst="rect">
+            <a:avLst/>
+          </a:prstGeom>
+        </p:spPr>
+        <p:txBody>
+          <a:bodyPr wrap="square">
+            <a:spAutoFit/>
+          </a:bodyPr>
+          <a:lstStyle/>
+          <a:p>
+            <a:pPr>
+              <a:spcAft>
+                <a:spcPts val="1200"/>
+              </a:spcAft>
+            </a:pPr>
+            <a:r>
+              <a:rPr lang="en-US" sz="1800" dirty="0" err="1">
+                <a:solidFill>
+                  <a:schemeClr val="tx2">
+                    <a:lumMod val="40000"/>
+                    <a:lumOff val="60000"/>
+                  </a:schemeClr>
+                </a:solidFill>
+              </a:rPr>
+              <a:t>AutoFixture</a:t>
+            </a:r>
+            <a:r>
+              <a:rPr lang="en-US" sz="1800" dirty="0">
+                <a:solidFill>
+                  <a:schemeClr val="tx2">
+                    <a:lumMod val="40000"/>
+                    <a:lumOff val="60000"/>
+                  </a:schemeClr>
+                </a:solidFill>
+              </a:rPr>
+              <a:t> is an open source library for .NET designed to minimize the 'Arrange' phase of your unit tests in order to maximize maintainability.</a:t>
+            </a:r>
+          </a:p>
+        </p:txBody>
+      </p:sp>
       <p:pic>
         <p:nvPicPr>
-          <p:cNvPr id="7" name="Picture 6"/>
+          <p:cNvPr id="2" name="Picture 1"/>
           <p:cNvPicPr>
             <a:picLocks noChangeAspect="1"/>
           </p:cNvPicPr>
@@ -16216,183 +16348,14 @@
         </p:blipFill>
         <p:spPr>
           <a:xfrm>
-            <a:off x="3302479" y="1170403"/>
-            <a:ext cx="5711341" cy="2487197"/>
+            <a:off x="3312422" y="797422"/>
+            <a:ext cx="5000625" cy="3400425"/>
           </a:xfrm>
           <a:prstGeom prst="rect">
             <a:avLst/>
           </a:prstGeom>
         </p:spPr>
       </p:pic>
-      <p:sp>
-        <p:nvSpPr>
-          <p:cNvPr id="10" name="Title 4"/>
-          <p:cNvSpPr>
-            <a:spLocks noGrp="1"/>
-          </p:cNvSpPr>
-          <p:nvPr>
-            <p:ph type="title"/>
-          </p:nvPr>
-        </p:nvSpPr>
-        <p:spPr>
-          <a:xfrm>
-            <a:off x="273051" y="681896"/>
-            <a:ext cx="2737568" cy="582083"/>
-          </a:xfrm>
-        </p:spPr>
-        <p:txBody>
-          <a:bodyPr/>
-          <a:lstStyle/>
-          <a:p>
-            <a:r>
-              <a:rPr lang="en-US" dirty="0" smtClean="0"/>
-              <a:t>Introduction</a:t>
-            </a:r>
-            <a:endParaRPr lang="en-US" dirty="0"/>
-          </a:p>
-        </p:txBody>
-      </p:sp>
-      <p:sp>
-        <p:nvSpPr>
-          <p:cNvPr id="11" name="Text Placeholder 7"/>
-          <p:cNvSpPr>
-            <a:spLocks noGrp="1"/>
-          </p:cNvSpPr>
-          <p:nvPr>
-            <p:ph type="body" sz="quarter" idx="25"/>
-          </p:nvPr>
-        </p:nvSpPr>
-        <p:spPr>
-          <a:xfrm>
-            <a:off x="298929" y="475194"/>
-            <a:ext cx="2694437" cy="258532"/>
-          </a:xfrm>
-        </p:spPr>
-        <p:txBody>
-          <a:bodyPr/>
-          <a:lstStyle/>
-          <a:p>
-            <a:r>
-              <a:rPr lang="en-US" dirty="0" smtClean="0"/>
-              <a:t>AutoFixture</a:t>
-            </a:r>
-            <a:endParaRPr lang="en-US" dirty="0"/>
-          </a:p>
-        </p:txBody>
-      </p:sp>
-      <p:sp>
-        <p:nvSpPr>
-          <p:cNvPr id="12" name="Content Placeholder 1"/>
-          <p:cNvSpPr>
-            <a:spLocks noGrp="1"/>
-          </p:cNvSpPr>
-          <p:nvPr>
-            <p:ph idx="1"/>
-          </p:nvPr>
-        </p:nvSpPr>
-        <p:spPr>
-          <a:xfrm>
-            <a:off x="293298" y="2952427"/>
-            <a:ext cx="2725948" cy="2490841"/>
-          </a:xfrm>
-        </p:spPr>
-        <p:txBody>
-          <a:bodyPr/>
-          <a:lstStyle/>
-          <a:p>
-            <a:r>
-              <a:rPr lang="en-US" dirty="0"/>
-              <a:t>Arrange/Act/Assert</a:t>
-            </a:r>
-          </a:p>
-          <a:p>
-            <a:r>
-              <a:rPr lang="en-US" dirty="0" smtClean="0"/>
-              <a:t>Traditional </a:t>
-            </a:r>
-            <a:r>
-              <a:rPr lang="en-US" dirty="0" smtClean="0"/>
-              <a:t>Arrange</a:t>
-            </a:r>
-          </a:p>
-          <a:p>
-            <a:r>
-              <a:rPr lang="en-US" dirty="0" smtClean="0"/>
-              <a:t>AutoFixture Arrange</a:t>
-            </a:r>
-          </a:p>
-          <a:p>
-            <a:r>
-              <a:rPr lang="en-US" dirty="0" smtClean="0">
-                <a:solidFill>
-                  <a:schemeClr val="bg2"/>
-                </a:solidFill>
-              </a:rPr>
-              <a:t>Customize</a:t>
-            </a:r>
-          </a:p>
-          <a:p>
-            <a:r>
-              <a:rPr lang="en-US" dirty="0" smtClean="0"/>
-              <a:t>Gotchas</a:t>
-            </a:r>
-          </a:p>
-          <a:p>
-            <a:endParaRPr lang="en-US" dirty="0" smtClean="0"/>
-          </a:p>
-        </p:txBody>
-      </p:sp>
-      <p:sp>
-        <p:nvSpPr>
-          <p:cNvPr id="13" name="Rectangle 12"/>
-          <p:cNvSpPr/>
-          <p:nvPr/>
-        </p:nvSpPr>
-        <p:spPr>
-          <a:xfrm>
-            <a:off x="293295" y="1100303"/>
-            <a:ext cx="2690129" cy="1754326"/>
-          </a:xfrm>
-          <a:prstGeom prst="rect">
-            <a:avLst/>
-          </a:prstGeom>
-        </p:spPr>
-        <p:txBody>
-          <a:bodyPr wrap="square">
-            <a:spAutoFit/>
-          </a:bodyPr>
-          <a:lstStyle/>
-          <a:p>
-            <a:pPr>
-              <a:spcAft>
-                <a:spcPts val="1200"/>
-              </a:spcAft>
-            </a:pPr>
-            <a:r>
-              <a:rPr lang="en-US" sz="1800" dirty="0" err="1">
-                <a:solidFill>
-                  <a:schemeClr val="tx2">
-                    <a:lumMod val="40000"/>
-                    <a:lumOff val="60000"/>
-                  </a:schemeClr>
-                </a:solidFill>
-              </a:rPr>
-              <a:t>AutoFixture</a:t>
-            </a:r>
-            <a:r>
-              <a:rPr lang="en-US" sz="1800" dirty="0">
-                <a:solidFill>
-                  <a:schemeClr val="tx2">
-                    <a:lumMod val="40000"/>
-                    <a:lumOff val="60000"/>
-                  </a:schemeClr>
-                </a:solidFill>
-              </a:rPr>
-              <a:t> is an open source library for .NET designed to minimize the 'Arrange' phase of your unit tests in order to maximize maintainability.</a:t>
-            </a:r>
-          </a:p>
-        </p:txBody>
-      </p:sp>
     </p:spTree>
     <p:extLst>
       <p:ext uri="{BB962C8B-B14F-4D97-AF65-F5344CB8AC3E}">
@@ -16562,11 +16525,7 @@
           <a:p>
             <a:r>
               <a:rPr lang="en-US" dirty="0" smtClean="0"/>
-              <a:t>Traditional </a:t>
-            </a:r>
-            <a:r>
-              <a:rPr lang="en-US" dirty="0" smtClean="0"/>
-              <a:t>Arrange</a:t>
+              <a:t>Traditional Arrange</a:t>
             </a:r>
           </a:p>
           <a:p>
@@ -18967,15 +18926,7 @@
           <a:p>
             <a:r>
               <a:rPr lang="en-US" dirty="0" smtClean="0"/>
-              <a:t>Approval </a:t>
-            </a:r>
-            <a:r>
-              <a:rPr lang="en-US" dirty="0" smtClean="0"/>
-              <a:t>Test </a:t>
-            </a:r>
-            <a:r>
-              <a:rPr lang="en-US" dirty="0" smtClean="0"/>
-              <a:t>/ </a:t>
+              <a:t>Approval Test / </a:t>
             </a:r>
             <a:r>
               <a:rPr lang="en-US" dirty="0" err="1" smtClean="0"/>
@@ -19570,7 +19521,6 @@
               <a:rPr lang="en-US" dirty="0" smtClean="0"/>
               <a:t>Questions</a:t>
             </a:r>
-            <a:endParaRPr lang="en-US" dirty="0" smtClean="0"/>
           </a:p>
           <a:p>
             <a:pPr>
@@ -20857,7 +20807,6 @@
               <a:rPr lang="en-US" dirty="0" smtClean="0"/>
               <a:t> Test</a:t>
             </a:r>
-            <a:endParaRPr lang="en-US" dirty="0" smtClean="0"/>
           </a:p>
           <a:p>
             <a:endParaRPr lang="en-US" dirty="0" smtClean="0"/>
@@ -21205,7 +21154,6 @@
               <a:rPr lang="en-US" dirty="0" smtClean="0"/>
               <a:t> Test</a:t>
             </a:r>
-            <a:endParaRPr lang="en-US" dirty="0" smtClean="0"/>
           </a:p>
           <a:p>
             <a:endParaRPr lang="en-US" dirty="0" smtClean="0"/>
@@ -21534,11 +21482,6 @@
               </a:rPr>
               <a:t> Test</a:t>
             </a:r>
-            <a:endParaRPr lang="en-US" dirty="0" smtClean="0">
-              <a:solidFill>
-                <a:schemeClr val="bg1"/>
-              </a:solidFill>
-            </a:endParaRPr>
           </a:p>
           <a:p>
             <a:endParaRPr lang="en-US" dirty="0" smtClean="0"/>
@@ -21867,11 +21810,6 @@
               </a:rPr>
               <a:t> Test</a:t>
             </a:r>
-            <a:endParaRPr lang="en-US" dirty="0" smtClean="0">
-              <a:solidFill>
-                <a:schemeClr val="bg1"/>
-              </a:solidFill>
-            </a:endParaRPr>
           </a:p>
           <a:p>
             <a:endParaRPr lang="en-US" dirty="0" smtClean="0"/>
@@ -22129,13 +22067,13 @@
   <p:clrMapOvr>
     <a:masterClrMapping/>
   </p:clrMapOvr>
-  <mc:AlternateContent xmlns:mc="http://schemas.openxmlformats.org/markup-compatibility/2006">
-    <mc:Choice xmlns:p14="http://schemas.microsoft.com/office/powerpoint/2010/main" Requires="p14">
+  <mc:AlternateContent xmlns:mc="http://schemas.openxmlformats.org/markup-compatibility/2006" xmlns:p14="http://schemas.microsoft.com/office/powerpoint/2010/main">
+    <mc:Choice Requires="p14">
       <p:transition spd="med" p14:dur="700">
         <p:fade/>
       </p:transition>
     </mc:Choice>
-    <mc:Fallback>
+    <mc:Fallback xmlns="">
       <p:transition spd="med">
         <p:fade/>
       </p:transition>
@@ -22278,11 +22216,7 @@
             </a:pPr>
             <a:r>
               <a:rPr lang="en-US" dirty="0" smtClean="0"/>
-              <a:t>Approval </a:t>
-            </a:r>
-            <a:r>
-              <a:rPr lang="en-US" dirty="0" smtClean="0"/>
-              <a:t>Tests.com</a:t>
+              <a:t>Approval Tests.com</a:t>
             </a:r>
           </a:p>
           <a:p>
@@ -22600,15 +22534,7 @@
           <a:p>
             <a:r>
               <a:rPr lang="en-US" dirty="0" smtClean="0"/>
-              <a:t>Approval </a:t>
-            </a:r>
-            <a:r>
-              <a:rPr lang="en-US" dirty="0" smtClean="0"/>
-              <a:t>Test </a:t>
-            </a:r>
-            <a:r>
-              <a:rPr lang="en-US" dirty="0" smtClean="0"/>
-              <a:t>/ </a:t>
+              <a:t>Approval Test / </a:t>
             </a:r>
             <a:r>
               <a:rPr lang="en-US" dirty="0" err="1" smtClean="0"/>
@@ -23203,7 +23129,6 @@
               <a:rPr lang="en-US" dirty="0" smtClean="0"/>
               <a:t>Questions</a:t>
             </a:r>
-            <a:endParaRPr lang="en-US" dirty="0" smtClean="0"/>
           </a:p>
           <a:p>
             <a:pPr>
